--- a/Design Patterns/Command Design Pattern.pptx
+++ b/Design Patterns/Command Design Pattern.pptx
@@ -609,7 +609,90 @@
           <a:bodyPr/>
           <a:lstStyle/>
           <a:p>
-            <a:endParaRPr lang="en-US" dirty="0"/>
+            <a:r>
+              <a:rPr lang="en-US" sz="1200" b="0" i="0" kern="1200" dirty="0">
+                <a:solidFill>
+                  <a:schemeClr val="tx1"/>
+                </a:solidFill>
+                <a:effectLst/>
+                <a:latin typeface="+mn-lt"/>
+                <a:ea typeface="+mn-ea"/>
+                <a:cs typeface="+mn-cs"/>
+              </a:rPr>
+              <a:t>Command declares an interface for all commands, providing a simple execute() method which asks the Receiver of the command to carry out an operation. The Receiver has the knowledge of what to do to carry out the request.  The Caller holds a command and can get the Command to execute a request by calling the execute method. The Client creates </a:t>
+            </a:r>
+            <a:r>
+              <a:rPr lang="en-US" sz="1200" b="0" i="0" kern="1200" dirty="0" err="1">
+                <a:solidFill>
+                  <a:schemeClr val="tx1"/>
+                </a:solidFill>
+                <a:effectLst/>
+                <a:latin typeface="+mn-lt"/>
+                <a:ea typeface="+mn-ea"/>
+                <a:cs typeface="+mn-cs"/>
+              </a:rPr>
+              <a:t>ConcreteCommands</a:t>
+            </a:r>
+            <a:r>
+              <a:rPr lang="en-US" sz="1200" b="0" i="0" kern="1200" dirty="0">
+                <a:solidFill>
+                  <a:schemeClr val="tx1"/>
+                </a:solidFill>
+                <a:effectLst/>
+                <a:latin typeface="+mn-lt"/>
+                <a:ea typeface="+mn-ea"/>
+                <a:cs typeface="+mn-cs"/>
+              </a:rPr>
+              <a:t> and sets a Receiver for the command. The </a:t>
+            </a:r>
+            <a:r>
+              <a:rPr lang="en-US" sz="1200" b="0" i="0" kern="1200" dirty="0" err="1">
+                <a:solidFill>
+                  <a:schemeClr val="tx1"/>
+                </a:solidFill>
+                <a:effectLst/>
+                <a:latin typeface="+mn-lt"/>
+                <a:ea typeface="+mn-ea"/>
+                <a:cs typeface="+mn-cs"/>
+              </a:rPr>
+              <a:t>ConcreteCommand</a:t>
+            </a:r>
+            <a:r>
+              <a:rPr lang="en-US" sz="1200" b="0" i="0" kern="1200" dirty="0">
+                <a:solidFill>
+                  <a:schemeClr val="tx1"/>
+                </a:solidFill>
+                <a:effectLst/>
+                <a:latin typeface="+mn-lt"/>
+                <a:ea typeface="+mn-ea"/>
+                <a:cs typeface="+mn-cs"/>
+              </a:rPr>
+              <a:t> defines a binding between the action and the receiver. When the Caller calls execute the </a:t>
+            </a:r>
+            <a:r>
+              <a:rPr lang="en-US" sz="1200" b="0" i="0" kern="1200" dirty="0" err="1">
+                <a:solidFill>
+                  <a:schemeClr val="tx1"/>
+                </a:solidFill>
+                <a:effectLst/>
+                <a:latin typeface="+mn-lt"/>
+                <a:ea typeface="+mn-ea"/>
+                <a:cs typeface="+mn-cs"/>
+              </a:rPr>
+              <a:t>ConcreteCommand</a:t>
+            </a:r>
+            <a:r>
+              <a:rPr lang="en-US" sz="1200" b="0" i="0" kern="1200" dirty="0">
+                <a:solidFill>
+                  <a:schemeClr val="tx1"/>
+                </a:solidFill>
+                <a:effectLst/>
+                <a:latin typeface="+mn-lt"/>
+                <a:ea typeface="+mn-ea"/>
+                <a:cs typeface="+mn-cs"/>
+              </a:rPr>
+              <a:t> will run one or more actions on the Receiver.</a:t>
+            </a:r>
           </a:p>
         </p:txBody>
       </p:sp>
@@ -693,6 +776,67 @@
           <a:bodyPr/>
           <a:lstStyle/>
           <a:p>
+            <a:r>
+              <a:rPr lang="en-US" dirty="0"/>
+              <a:t>First, we have our command interface which holds all commands.</a:t>
+            </a:r>
+          </a:p>
+          <a:p>
+            <a:endParaRPr lang="en-US" dirty="0"/>
+          </a:p>
+          <a:p>
+            <a:r>
+              <a:rPr lang="en-US" dirty="0"/>
+              <a:t>Next, the </a:t>
+            </a:r>
+            <a:r>
+              <a:rPr lang="en-US" dirty="0" err="1"/>
+              <a:t>concretecommand</a:t>
+            </a:r>
+            <a:r>
+              <a:rPr lang="en-US" dirty="0"/>
+              <a:t> class </a:t>
+            </a:r>
+            <a:r>
+              <a:rPr lang="en-US" dirty="0" err="1"/>
+              <a:t>LightsOnCommand</a:t>
+            </a:r>
+            <a:r>
+              <a:rPr lang="en-US" dirty="0"/>
+              <a:t>, extends command in this case to turn lights on and off.</a:t>
+            </a:r>
+          </a:p>
+          <a:p>
+            <a:endParaRPr lang="en-US" dirty="0"/>
+          </a:p>
+          <a:p>
+            <a:r>
+              <a:rPr lang="en-US" dirty="0"/>
+              <a:t>Then our receiver class contains the logic to carry out the command.</a:t>
+            </a:r>
+          </a:p>
+          <a:p>
+            <a:endParaRPr lang="en-US" dirty="0"/>
+          </a:p>
+          <a:p>
+            <a:r>
+              <a:rPr lang="en-US" dirty="0"/>
+              <a:t>Our Invoker, or caller, in this case is a remote control which gets the command to execute by calling the execute method.</a:t>
+            </a:r>
+          </a:p>
+          <a:p>
+            <a:endParaRPr lang="en-US" dirty="0"/>
+          </a:p>
+          <a:p>
+            <a:r>
+              <a:rPr lang="en-US" dirty="0"/>
+              <a:t>Lastly, the client class is set up to use the caller class to invoke the command.</a:t>
+            </a:r>
+          </a:p>
+          <a:p>
+            <a:endParaRPr lang="en-US" dirty="0"/>
+          </a:p>
+          <a:p>
             <a:endParaRPr lang="en-US" dirty="0"/>
           </a:p>
         </p:txBody>
@@ -783,8 +927,21 @@
             </a:pPr>
             <a:r>
               <a:rPr lang="en-US" dirty="0"/>
-              <a:t>Abstraction and Implementation</a:t>
+              <a:t>Yes, this </a:t>
             </a:r>
+            <a:r>
+              <a:rPr lang="en-US" sz="1200" b="0" i="0" kern="1200" dirty="0">
+                <a:solidFill>
+                  <a:schemeClr val="tx1"/>
+                </a:solidFill>
+                <a:effectLst/>
+                <a:latin typeface="+mn-lt"/>
+                <a:ea typeface="+mn-ea"/>
+                <a:cs typeface="+mn-cs"/>
+              </a:rPr>
+              <a:t>allows clients to be parametrized with different requests</a:t>
+            </a:r>
+            <a:endParaRPr lang="en-US" dirty="0"/>
           </a:p>
           <a:p>
             <a:pPr marL="171450" indent="-171450">
@@ -793,7 +950,19 @@
             </a:pPr>
             <a:r>
               <a:rPr lang="en-US" dirty="0"/>
-              <a:t>No, this is the main benefit of the Bridge Design Pattern.</a:t>
+              <a:t>No, </a:t>
+            </a:r>
+            <a:r>
+              <a:rPr lang="en-US" sz="1200" b="0" i="0" kern="1200" dirty="0">
+                <a:solidFill>
+                  <a:schemeClr val="tx1"/>
+                </a:solidFill>
+                <a:effectLst/>
+                <a:latin typeface="+mn-lt"/>
+                <a:ea typeface="+mn-ea"/>
+                <a:cs typeface="+mn-cs"/>
+              </a:rPr>
+              <a:t> commands are created by one client that knows what need to be done (client), and passed to another client that has the resources for doing it (receiver).</a:t>
             </a:r>
           </a:p>
           <a:p>
@@ -811,33 +980,8 @@
                 <a:ea typeface="+mn-ea"/>
                 <a:cs typeface="+mn-cs"/>
               </a:rPr>
-              <a:t>The Abstraction</a:t>
+              <a:t>Accepts the request and performs a specific action on it.</a:t>
             </a:r>
-            <a:r>
-              <a:rPr lang="en-US" sz="1200" b="1" i="0" kern="1200" dirty="0">
-                <a:solidFill>
-                  <a:schemeClr val="tx1"/>
-                </a:solidFill>
-                <a:effectLst/>
-                <a:latin typeface="+mn-lt"/>
-                <a:ea typeface="+mn-ea"/>
-                <a:cs typeface="+mn-cs"/>
-              </a:rPr>
-              <a:t> </a:t>
-            </a:r>
-            <a:r>
-              <a:rPr lang="en-US" sz="1200" b="0" i="0" kern="1200" dirty="0">
-                <a:solidFill>
-                  <a:schemeClr val="tx1"/>
-                </a:solidFill>
-                <a:effectLst/>
-                <a:latin typeface="+mn-lt"/>
-                <a:ea typeface="+mn-ea"/>
-                <a:cs typeface="+mn-cs"/>
-              </a:rPr>
-              <a:t>provides high-level control logic and relies on the implementation object to do the actual low-level work.</a:t>
-            </a:r>
-            <a:endParaRPr lang="en-US" dirty="0"/>
           </a:p>
         </p:txBody>
       </p:sp>
@@ -1018,7 +1162,7 @@
           <a:noFill/>
           <a:extLst>
             <a:ext uri="{909E8E84-426E-40dd-AFC4-6F175D3DCCD1}">
-              <a14:hiddenFill xmlns="" xmlns:a14="http://schemas.microsoft.com/office/drawing/2010/main">
+              <a14:hiddenFill xmlns:a14="http://schemas.microsoft.com/office/drawing/2010/main" xmlns="">
                 <a:solidFill>
                   <a:srgbClr val="FFFFFF"/>
                 </a:solidFill>
@@ -1077,7 +1221,7 @@
             </a:ln>
             <a:extLst>
               <a:ext uri="{91240B29-F687-4f45-9708-019B960494DF}">
-                <a14:hiddenLine xmlns="" xmlns:a14="http://schemas.microsoft.com/office/drawing/2010/main" w="9525">
+                <a14:hiddenLine xmlns:a14="http://schemas.microsoft.com/office/drawing/2010/main" xmlns="" w="9525">
                   <a:solidFill>
                     <a:srgbClr val="000000"/>
                   </a:solidFill>
@@ -1167,7 +1311,7 @@
             </a:ln>
             <a:extLst>
               <a:ext uri="{91240B29-F687-4f45-9708-019B960494DF}">
-                <a14:hiddenLine xmlns="" xmlns:a14="http://schemas.microsoft.com/office/drawing/2010/main" w="9525">
+                <a14:hiddenLine xmlns:a14="http://schemas.microsoft.com/office/drawing/2010/main" xmlns="" w="9525">
                   <a:solidFill>
                     <a:srgbClr val="000000"/>
                   </a:solidFill>
@@ -1257,7 +1401,7 @@
             </a:ln>
             <a:extLst>
               <a:ext uri="{91240B29-F687-4f45-9708-019B960494DF}">
-                <a14:hiddenLine xmlns="" xmlns:a14="http://schemas.microsoft.com/office/drawing/2010/main" w="9525">
+                <a14:hiddenLine xmlns:a14="http://schemas.microsoft.com/office/drawing/2010/main" xmlns="" w="9525">
                   <a:solidFill>
                     <a:srgbClr val="000000"/>
                   </a:solidFill>
@@ -1291,7 +1435,7 @@
             </a:ln>
             <a:extLst>
               <a:ext uri="{91240B29-F687-4f45-9708-019B960494DF}">
-                <a14:hiddenLine xmlns="" xmlns:a14="http://schemas.microsoft.com/office/drawing/2010/main" w="9525">
+                <a14:hiddenLine xmlns:a14="http://schemas.microsoft.com/office/drawing/2010/main" xmlns="" w="9525">
                   <a:solidFill>
                     <a:srgbClr val="000000"/>
                   </a:solidFill>
@@ -1381,7 +1525,7 @@
             </a:ln>
             <a:extLst>
               <a:ext uri="{91240B29-F687-4f45-9708-019B960494DF}">
-                <a14:hiddenLine xmlns="" xmlns:a14="http://schemas.microsoft.com/office/drawing/2010/main" w="9525">
+                <a14:hiddenLine xmlns:a14="http://schemas.microsoft.com/office/drawing/2010/main" xmlns="" w="9525">
                   <a:solidFill>
                     <a:srgbClr val="000000"/>
                   </a:solidFill>
@@ -1443,7 +1587,7 @@
             </a:ln>
             <a:extLst>
               <a:ext uri="{91240B29-F687-4f45-9708-019B960494DF}">
-                <a14:hiddenLine xmlns="" xmlns:a14="http://schemas.microsoft.com/office/drawing/2010/main" w="9525">
+                <a14:hiddenLine xmlns:a14="http://schemas.microsoft.com/office/drawing/2010/main" xmlns="" w="9525">
                   <a:solidFill>
                     <a:srgbClr val="000000"/>
                   </a:solidFill>
@@ -1505,7 +1649,7 @@
             </a:ln>
             <a:extLst>
               <a:ext uri="{91240B29-F687-4f45-9708-019B960494DF}">
-                <a14:hiddenLine xmlns="" xmlns:a14="http://schemas.microsoft.com/office/drawing/2010/main" w="9525">
+                <a14:hiddenLine xmlns:a14="http://schemas.microsoft.com/office/drawing/2010/main" xmlns="" w="9525">
                   <a:solidFill>
                     <a:srgbClr val="000000"/>
                   </a:solidFill>
@@ -1595,7 +1739,7 @@
             </a:ln>
             <a:extLst>
               <a:ext uri="{91240B29-F687-4f45-9708-019B960494DF}">
-                <a14:hiddenLine xmlns="" xmlns:a14="http://schemas.microsoft.com/office/drawing/2010/main" w="9525">
+                <a14:hiddenLine xmlns:a14="http://schemas.microsoft.com/office/drawing/2010/main" xmlns="" w="9525">
                   <a:solidFill>
                     <a:srgbClr val="000000"/>
                   </a:solidFill>
@@ -1657,7 +1801,7 @@
             </a:ln>
             <a:extLst>
               <a:ext uri="{91240B29-F687-4f45-9708-019B960494DF}">
-                <a14:hiddenLine xmlns="" xmlns:a14="http://schemas.microsoft.com/office/drawing/2010/main" w="9525">
+                <a14:hiddenLine xmlns:a14="http://schemas.microsoft.com/office/drawing/2010/main" xmlns="" w="9525">
                   <a:solidFill>
                     <a:srgbClr val="000000"/>
                   </a:solidFill>
@@ -1719,7 +1863,7 @@
             </a:ln>
             <a:extLst>
               <a:ext uri="{91240B29-F687-4f45-9708-019B960494DF}">
-                <a14:hiddenLine xmlns="" xmlns:a14="http://schemas.microsoft.com/office/drawing/2010/main" w="9525">
+                <a14:hiddenLine xmlns:a14="http://schemas.microsoft.com/office/drawing/2010/main" xmlns="" w="9525">
                   <a:solidFill>
                     <a:srgbClr val="000000"/>
                   </a:solidFill>
@@ -1809,7 +1953,7 @@
             </a:ln>
             <a:extLst>
               <a:ext uri="{91240B29-F687-4f45-9708-019B960494DF}">
-                <a14:hiddenLine xmlns="" xmlns:a14="http://schemas.microsoft.com/office/drawing/2010/main" w="9525">
+                <a14:hiddenLine xmlns:a14="http://schemas.microsoft.com/office/drawing/2010/main" xmlns="" w="9525">
                   <a:solidFill>
                     <a:srgbClr val="000000"/>
                   </a:solidFill>
@@ -1899,7 +2043,7 @@
             </a:ln>
             <a:extLst>
               <a:ext uri="{91240B29-F687-4f45-9708-019B960494DF}">
-                <a14:hiddenLine xmlns="" xmlns:a14="http://schemas.microsoft.com/office/drawing/2010/main" w="9525">
+                <a14:hiddenLine xmlns:a14="http://schemas.microsoft.com/office/drawing/2010/main" xmlns="" w="9525">
                   <a:solidFill>
                     <a:srgbClr val="000000"/>
                   </a:solidFill>
@@ -1961,7 +2105,7 @@
             </a:ln>
             <a:extLst>
               <a:ext uri="{91240B29-F687-4f45-9708-019B960494DF}">
-                <a14:hiddenLine xmlns="" xmlns:a14="http://schemas.microsoft.com/office/drawing/2010/main" w="9525">
+                <a14:hiddenLine xmlns:a14="http://schemas.microsoft.com/office/drawing/2010/main" xmlns="" w="9525">
                   <a:solidFill>
                     <a:srgbClr val="000000"/>
                   </a:solidFill>
@@ -2071,7 +2215,7 @@
             </a:ln>
             <a:extLst>
               <a:ext uri="{91240B29-F687-4f45-9708-019B960494DF}">
-                <a14:hiddenLine xmlns="" xmlns:a14="http://schemas.microsoft.com/office/drawing/2010/main" w="9525">
+                <a14:hiddenLine xmlns:a14="http://schemas.microsoft.com/office/drawing/2010/main" xmlns="" w="9525">
                   <a:solidFill>
                     <a:srgbClr val="000000"/>
                   </a:solidFill>
@@ -2133,7 +2277,7 @@
             </a:ln>
             <a:extLst>
               <a:ext uri="{91240B29-F687-4f45-9708-019B960494DF}">
-                <a14:hiddenLine xmlns="" xmlns:a14="http://schemas.microsoft.com/office/drawing/2010/main" w="9525">
+                <a14:hiddenLine xmlns:a14="http://schemas.microsoft.com/office/drawing/2010/main" xmlns="" w="9525">
                   <a:solidFill>
                     <a:srgbClr val="000000"/>
                   </a:solidFill>
@@ -2223,7 +2367,7 @@
             </a:ln>
             <a:extLst>
               <a:ext uri="{91240B29-F687-4f45-9708-019B960494DF}">
-                <a14:hiddenLine xmlns="" xmlns:a14="http://schemas.microsoft.com/office/drawing/2010/main" w="9525">
+                <a14:hiddenLine xmlns:a14="http://schemas.microsoft.com/office/drawing/2010/main" xmlns="" w="9525">
                   <a:solidFill>
                     <a:srgbClr val="000000"/>
                   </a:solidFill>
@@ -2313,7 +2457,7 @@
             </a:ln>
             <a:extLst>
               <a:ext uri="{91240B29-F687-4f45-9708-019B960494DF}">
-                <a14:hiddenLine xmlns="" xmlns:a14="http://schemas.microsoft.com/office/drawing/2010/main" w="9525">
+                <a14:hiddenLine xmlns:a14="http://schemas.microsoft.com/office/drawing/2010/main" xmlns="" w="9525">
                   <a:solidFill>
                     <a:srgbClr val="000000"/>
                   </a:solidFill>
@@ -2375,7 +2519,7 @@
             </a:ln>
             <a:extLst>
               <a:ext uri="{91240B29-F687-4f45-9708-019B960494DF}">
-                <a14:hiddenLine xmlns="" xmlns:a14="http://schemas.microsoft.com/office/drawing/2010/main" w="9525">
+                <a14:hiddenLine xmlns:a14="http://schemas.microsoft.com/office/drawing/2010/main" xmlns="" w="9525">
                   <a:solidFill>
                     <a:srgbClr val="000000"/>
                   </a:solidFill>
@@ -2465,7 +2609,7 @@
             </a:ln>
             <a:extLst>
               <a:ext uri="{91240B29-F687-4f45-9708-019B960494DF}">
-                <a14:hiddenLine xmlns="" xmlns:a14="http://schemas.microsoft.com/office/drawing/2010/main" w="9525">
+                <a14:hiddenLine xmlns:a14="http://schemas.microsoft.com/office/drawing/2010/main" xmlns="" w="9525">
                   <a:solidFill>
                     <a:srgbClr val="000000"/>
                   </a:solidFill>
@@ -2555,7 +2699,7 @@
             </a:ln>
             <a:extLst>
               <a:ext uri="{91240B29-F687-4f45-9708-019B960494DF}">
-                <a14:hiddenLine xmlns="" xmlns:a14="http://schemas.microsoft.com/office/drawing/2010/main" w="9525">
+                <a14:hiddenLine xmlns:a14="http://schemas.microsoft.com/office/drawing/2010/main" xmlns="" w="9525">
                   <a:solidFill>
                     <a:srgbClr val="000000"/>
                   </a:solidFill>
@@ -2611,7 +2755,7 @@
             </a:ln>
             <a:extLst>
               <a:ext uri="{91240B29-F687-4f45-9708-019B960494DF}">
-                <a14:hiddenLine xmlns="" xmlns:a14="http://schemas.microsoft.com/office/drawing/2010/main" w="9525">
+                <a14:hiddenLine xmlns:a14="http://schemas.microsoft.com/office/drawing/2010/main" xmlns="" w="9525">
                   <a:solidFill>
                     <a:srgbClr val="000000"/>
                   </a:solidFill>
@@ -2701,7 +2845,7 @@
             </a:ln>
             <a:extLst>
               <a:ext uri="{91240B29-F687-4f45-9708-019B960494DF}">
-                <a14:hiddenLine xmlns="" xmlns:a14="http://schemas.microsoft.com/office/drawing/2010/main" w="9525">
+                <a14:hiddenLine xmlns:a14="http://schemas.microsoft.com/office/drawing/2010/main" xmlns="" w="9525">
                   <a:solidFill>
                     <a:srgbClr val="000000"/>
                   </a:solidFill>
@@ -2757,7 +2901,7 @@
             </a:ln>
             <a:extLst>
               <a:ext uri="{91240B29-F687-4f45-9708-019B960494DF}">
-                <a14:hiddenLine xmlns="" xmlns:a14="http://schemas.microsoft.com/office/drawing/2010/main" w="9525">
+                <a14:hiddenLine xmlns:a14="http://schemas.microsoft.com/office/drawing/2010/main" xmlns="" w="9525">
                   <a:solidFill>
                     <a:srgbClr val="000000"/>
                   </a:solidFill>
@@ -2847,7 +2991,7 @@
             </a:ln>
             <a:extLst>
               <a:ext uri="{91240B29-F687-4f45-9708-019B960494DF}">
-                <a14:hiddenLine xmlns="" xmlns:a14="http://schemas.microsoft.com/office/drawing/2010/main" w="9525">
+                <a14:hiddenLine xmlns:a14="http://schemas.microsoft.com/office/drawing/2010/main" xmlns="" w="9525">
                   <a:solidFill>
                     <a:srgbClr val="000000"/>
                   </a:solidFill>
@@ -2915,7 +3059,7 @@
             </a:ln>
             <a:extLst>
               <a:ext uri="{91240B29-F687-4f45-9708-019B960494DF}">
-                <a14:hiddenLine xmlns="" xmlns:a14="http://schemas.microsoft.com/office/drawing/2010/main" w="9525">
+                <a14:hiddenLine xmlns:a14="http://schemas.microsoft.com/office/drawing/2010/main" xmlns="" w="9525">
                   <a:solidFill>
                     <a:srgbClr val="000000"/>
                   </a:solidFill>
@@ -3005,7 +3149,7 @@
             </a:ln>
             <a:extLst>
               <a:ext uri="{91240B29-F687-4f45-9708-019B960494DF}">
-                <a14:hiddenLine xmlns="" xmlns:a14="http://schemas.microsoft.com/office/drawing/2010/main" w="9525">
+                <a14:hiddenLine xmlns:a14="http://schemas.microsoft.com/office/drawing/2010/main" xmlns="" w="9525">
                   <a:solidFill>
                     <a:srgbClr val="000000"/>
                   </a:solidFill>
@@ -3073,7 +3217,7 @@
             </a:ln>
             <a:extLst>
               <a:ext uri="{91240B29-F687-4f45-9708-019B960494DF}">
-                <a14:hiddenLine xmlns="" xmlns:a14="http://schemas.microsoft.com/office/drawing/2010/main" w="9525">
+                <a14:hiddenLine xmlns:a14="http://schemas.microsoft.com/office/drawing/2010/main" xmlns="" w="9525">
                   <a:solidFill>
                     <a:srgbClr val="000000"/>
                   </a:solidFill>
@@ -3163,7 +3307,7 @@
             </a:ln>
             <a:extLst>
               <a:ext uri="{91240B29-F687-4f45-9708-019B960494DF}">
-                <a14:hiddenLine xmlns="" xmlns:a14="http://schemas.microsoft.com/office/drawing/2010/main" w="9525">
+                <a14:hiddenLine xmlns:a14="http://schemas.microsoft.com/office/drawing/2010/main" xmlns="" w="9525">
                   <a:solidFill>
                     <a:srgbClr val="000000"/>
                   </a:solidFill>
@@ -3197,7 +3341,7 @@
             </a:ln>
             <a:extLst>
               <a:ext uri="{91240B29-F687-4f45-9708-019B960494DF}">
-                <a14:hiddenLine xmlns="" xmlns:a14="http://schemas.microsoft.com/office/drawing/2010/main" w="9525">
+                <a14:hiddenLine xmlns:a14="http://schemas.microsoft.com/office/drawing/2010/main" xmlns="" w="9525">
                   <a:solidFill>
                     <a:srgbClr val="000000"/>
                   </a:solidFill>
@@ -3287,7 +3431,7 @@
             </a:ln>
             <a:extLst>
               <a:ext uri="{91240B29-F687-4f45-9708-019B960494DF}">
-                <a14:hiddenLine xmlns="" xmlns:a14="http://schemas.microsoft.com/office/drawing/2010/main" w="9525">
+                <a14:hiddenLine xmlns:a14="http://schemas.microsoft.com/office/drawing/2010/main" xmlns="" w="9525">
                   <a:solidFill>
                     <a:srgbClr val="000000"/>
                   </a:solidFill>
@@ -3349,7 +3493,7 @@
             </a:ln>
             <a:extLst>
               <a:ext uri="{91240B29-F687-4f45-9708-019B960494DF}">
-                <a14:hiddenLine xmlns="" xmlns:a14="http://schemas.microsoft.com/office/drawing/2010/main" w="9525">
+                <a14:hiddenLine xmlns:a14="http://schemas.microsoft.com/office/drawing/2010/main" xmlns="" w="9525">
                   <a:solidFill>
                     <a:srgbClr val="000000"/>
                   </a:solidFill>
@@ -3411,7 +3555,7 @@
             </a:ln>
             <a:extLst>
               <a:ext uri="{91240B29-F687-4f45-9708-019B960494DF}">
-                <a14:hiddenLine xmlns="" xmlns:a14="http://schemas.microsoft.com/office/drawing/2010/main" w="9525">
+                <a14:hiddenLine xmlns:a14="http://schemas.microsoft.com/office/drawing/2010/main" xmlns="" w="9525">
                   <a:solidFill>
                     <a:srgbClr val="000000"/>
                   </a:solidFill>
@@ -3501,7 +3645,7 @@
             </a:ln>
             <a:extLst>
               <a:ext uri="{91240B29-F687-4f45-9708-019B960494DF}">
-                <a14:hiddenLine xmlns="" xmlns:a14="http://schemas.microsoft.com/office/drawing/2010/main" w="9525">
+                <a14:hiddenLine xmlns:a14="http://schemas.microsoft.com/office/drawing/2010/main" xmlns="" w="9525">
                   <a:solidFill>
                     <a:srgbClr val="000000"/>
                   </a:solidFill>
@@ -3569,7 +3713,7 @@
             </a:ln>
             <a:extLst>
               <a:ext uri="{91240B29-F687-4f45-9708-019B960494DF}">
-                <a14:hiddenLine xmlns="" xmlns:a14="http://schemas.microsoft.com/office/drawing/2010/main" w="9525">
+                <a14:hiddenLine xmlns:a14="http://schemas.microsoft.com/office/drawing/2010/main" xmlns="" w="9525">
                   <a:solidFill>
                     <a:srgbClr val="000000"/>
                   </a:solidFill>
@@ -3631,7 +3775,7 @@
             </a:ln>
             <a:extLst>
               <a:ext uri="{91240B29-F687-4f45-9708-019B960494DF}">
-                <a14:hiddenLine xmlns="" xmlns:a14="http://schemas.microsoft.com/office/drawing/2010/main" w="9525">
+                <a14:hiddenLine xmlns:a14="http://schemas.microsoft.com/office/drawing/2010/main" xmlns="" w="9525">
                   <a:solidFill>
                     <a:srgbClr val="000000"/>
                   </a:solidFill>
@@ -3721,7 +3865,7 @@
             </a:ln>
             <a:extLst>
               <a:ext uri="{91240B29-F687-4f45-9708-019B960494DF}">
-                <a14:hiddenLine xmlns="" xmlns:a14="http://schemas.microsoft.com/office/drawing/2010/main" w="9525">
+                <a14:hiddenLine xmlns:a14="http://schemas.microsoft.com/office/drawing/2010/main" xmlns="" w="9525">
                   <a:solidFill>
                     <a:srgbClr val="000000"/>
                   </a:solidFill>
@@ -3783,7 +3927,7 @@
             </a:ln>
             <a:extLst>
               <a:ext uri="{91240B29-F687-4f45-9708-019B960494DF}">
-                <a14:hiddenLine xmlns="" xmlns:a14="http://schemas.microsoft.com/office/drawing/2010/main" w="9525">
+                <a14:hiddenLine xmlns:a14="http://schemas.microsoft.com/office/drawing/2010/main" xmlns="" w="9525">
                   <a:solidFill>
                     <a:srgbClr val="000000"/>
                   </a:solidFill>
@@ -3873,7 +4017,7 @@
             </a:ln>
             <a:extLst>
               <a:ext uri="{91240B29-F687-4f45-9708-019B960494DF}">
-                <a14:hiddenLine xmlns="" xmlns:a14="http://schemas.microsoft.com/office/drawing/2010/main" w="9525">
+                <a14:hiddenLine xmlns:a14="http://schemas.microsoft.com/office/drawing/2010/main" xmlns="" w="9525">
                   <a:solidFill>
                     <a:srgbClr val="000000"/>
                   </a:solidFill>
@@ -3935,7 +4079,7 @@
             </a:ln>
             <a:extLst>
               <a:ext uri="{91240B29-F687-4f45-9708-019B960494DF}">
-                <a14:hiddenLine xmlns="" xmlns:a14="http://schemas.microsoft.com/office/drawing/2010/main" w="9525">
+                <a14:hiddenLine xmlns:a14="http://schemas.microsoft.com/office/drawing/2010/main" xmlns="" w="9525">
                   <a:solidFill>
                     <a:srgbClr val="000000"/>
                   </a:solidFill>
@@ -4025,7 +4169,7 @@
             </a:ln>
             <a:extLst>
               <a:ext uri="{91240B29-F687-4f45-9708-019B960494DF}">
-                <a14:hiddenLine xmlns="" xmlns:a14="http://schemas.microsoft.com/office/drawing/2010/main" w="9525">
+                <a14:hiddenLine xmlns:a14="http://schemas.microsoft.com/office/drawing/2010/main" xmlns="" w="9525">
                   <a:solidFill>
                     <a:srgbClr val="000000"/>
                   </a:solidFill>
@@ -4059,7 +4203,7 @@
             </a:ln>
             <a:extLst>
               <a:ext uri="{91240B29-F687-4f45-9708-019B960494DF}">
-                <a14:hiddenLine xmlns="" xmlns:a14="http://schemas.microsoft.com/office/drawing/2010/main" w="9525">
+                <a14:hiddenLine xmlns:a14="http://schemas.microsoft.com/office/drawing/2010/main" xmlns="" w="9525">
                   <a:solidFill>
                     <a:srgbClr val="000000"/>
                   </a:solidFill>
@@ -4124,7 +4268,7 @@
             </a:ln>
             <a:extLst>
               <a:ext uri="{91240B29-F687-4f45-9708-019B960494DF}">
-                <a14:hiddenLine xmlns="" xmlns:a14="http://schemas.microsoft.com/office/drawing/2010/main" w="9525">
+                <a14:hiddenLine xmlns:a14="http://schemas.microsoft.com/office/drawing/2010/main" xmlns="" w="9525">
                   <a:solidFill>
                     <a:srgbClr val="000000"/>
                   </a:solidFill>
@@ -4214,7 +4358,7 @@
             </a:ln>
             <a:extLst>
               <a:ext uri="{91240B29-F687-4f45-9708-019B960494DF}">
-                <a14:hiddenLine xmlns="" xmlns:a14="http://schemas.microsoft.com/office/drawing/2010/main" w="9525">
+                <a14:hiddenLine xmlns:a14="http://schemas.microsoft.com/office/drawing/2010/main" xmlns="" w="9525">
                   <a:solidFill>
                     <a:srgbClr val="000000"/>
                   </a:solidFill>
@@ -4276,7 +4420,7 @@
             </a:ln>
             <a:extLst>
               <a:ext uri="{91240B29-F687-4f45-9708-019B960494DF}">
-                <a14:hiddenLine xmlns="" xmlns:a14="http://schemas.microsoft.com/office/drawing/2010/main" w="9525">
+                <a14:hiddenLine xmlns:a14="http://schemas.microsoft.com/office/drawing/2010/main" xmlns="" w="9525">
                   <a:solidFill>
                     <a:srgbClr val="000000"/>
                   </a:solidFill>
@@ -4366,7 +4510,7 @@
             </a:ln>
             <a:extLst>
               <a:ext uri="{91240B29-F687-4f45-9708-019B960494DF}">
-                <a14:hiddenLine xmlns="" xmlns:a14="http://schemas.microsoft.com/office/drawing/2010/main" w="9525">
+                <a14:hiddenLine xmlns:a14="http://schemas.microsoft.com/office/drawing/2010/main" xmlns="" w="9525">
                   <a:solidFill>
                     <a:srgbClr val="000000"/>
                   </a:solidFill>
@@ -4456,7 +4600,7 @@
             </a:ln>
             <a:extLst>
               <a:ext uri="{91240B29-F687-4f45-9708-019B960494DF}">
-                <a14:hiddenLine xmlns="" xmlns:a14="http://schemas.microsoft.com/office/drawing/2010/main" w="9525">
+                <a14:hiddenLine xmlns:a14="http://schemas.microsoft.com/office/drawing/2010/main" xmlns="" w="9525">
                   <a:solidFill>
                     <a:srgbClr val="000000"/>
                   </a:solidFill>
@@ -4521,7 +4665,7 @@
             </a:ln>
             <a:extLst>
               <a:ext uri="{91240B29-F687-4f45-9708-019B960494DF}">
-                <a14:hiddenLine xmlns="" xmlns:a14="http://schemas.microsoft.com/office/drawing/2010/main" w="9525">
+                <a14:hiddenLine xmlns:a14="http://schemas.microsoft.com/office/drawing/2010/main" xmlns="" w="9525">
                   <a:solidFill>
                     <a:srgbClr val="000000"/>
                   </a:solidFill>
@@ -4583,7 +4727,7 @@
             </a:ln>
             <a:extLst>
               <a:ext uri="{91240B29-F687-4f45-9708-019B960494DF}">
-                <a14:hiddenLine xmlns="" xmlns:a14="http://schemas.microsoft.com/office/drawing/2010/main" w="9525">
+                <a14:hiddenLine xmlns:a14="http://schemas.microsoft.com/office/drawing/2010/main" xmlns="" w="9525">
                   <a:solidFill>
                     <a:srgbClr val="000000"/>
                   </a:solidFill>
@@ -4673,7 +4817,7 @@
             </a:ln>
             <a:extLst>
               <a:ext uri="{91240B29-F687-4f45-9708-019B960494DF}">
-                <a14:hiddenLine xmlns="" xmlns:a14="http://schemas.microsoft.com/office/drawing/2010/main" w="9525">
+                <a14:hiddenLine xmlns:a14="http://schemas.microsoft.com/office/drawing/2010/main" xmlns="" w="9525">
                   <a:solidFill>
                     <a:srgbClr val="000000"/>
                   </a:solidFill>
@@ -4763,7 +4907,7 @@
             </a:ln>
             <a:extLst>
               <a:ext uri="{91240B29-F687-4f45-9708-019B960494DF}">
-                <a14:hiddenLine xmlns="" xmlns:a14="http://schemas.microsoft.com/office/drawing/2010/main" w="9525">
+                <a14:hiddenLine xmlns:a14="http://schemas.microsoft.com/office/drawing/2010/main" xmlns="" w="9525">
                   <a:solidFill>
                     <a:srgbClr val="000000"/>
                   </a:solidFill>
@@ -4825,7 +4969,7 @@
             </a:ln>
             <a:extLst>
               <a:ext uri="{91240B29-F687-4f45-9708-019B960494DF}">
-                <a14:hiddenLine xmlns="" xmlns:a14="http://schemas.microsoft.com/office/drawing/2010/main" w="9525">
+                <a14:hiddenLine xmlns:a14="http://schemas.microsoft.com/office/drawing/2010/main" xmlns="" w="9525">
                   <a:solidFill>
                     <a:srgbClr val="000000"/>
                   </a:solidFill>
@@ -4945,7 +5089,7 @@
             </a:ln>
             <a:extLst>
               <a:ext uri="{91240B29-F687-4f45-9708-019B960494DF}">
-                <a14:hiddenLine xmlns="" xmlns:a14="http://schemas.microsoft.com/office/drawing/2010/main" w="9525">
+                <a14:hiddenLine xmlns:a14="http://schemas.microsoft.com/office/drawing/2010/main" xmlns="" w="9525">
                   <a:solidFill>
                     <a:srgbClr val="000000"/>
                   </a:solidFill>
@@ -5013,7 +5157,7 @@
             </a:ln>
             <a:extLst>
               <a:ext uri="{91240B29-F687-4f45-9708-019B960494DF}">
-                <a14:hiddenLine xmlns="" xmlns:a14="http://schemas.microsoft.com/office/drawing/2010/main" w="9525">
+                <a14:hiddenLine xmlns:a14="http://schemas.microsoft.com/office/drawing/2010/main" xmlns="" w="9525">
                   <a:solidFill>
                     <a:srgbClr val="000000"/>
                   </a:solidFill>
@@ -5103,7 +5247,7 @@
             </a:ln>
             <a:extLst>
               <a:ext uri="{91240B29-F687-4f45-9708-019B960494DF}">
-                <a14:hiddenLine xmlns="" xmlns:a14="http://schemas.microsoft.com/office/drawing/2010/main" w="9525">
+                <a14:hiddenLine xmlns:a14="http://schemas.microsoft.com/office/drawing/2010/main" xmlns="" w="9525">
                   <a:solidFill>
                     <a:srgbClr val="000000"/>
                   </a:solidFill>
@@ -9832,7 +9976,7 @@
           <a:noFill/>
           <a:extLst>
             <a:ext uri="{909E8E84-426E-40dd-AFC4-6F175D3DCCD1}">
-              <a14:hiddenFill xmlns="" xmlns:a14="http://schemas.microsoft.com/office/drawing/2010/main">
+              <a14:hiddenFill xmlns:a14="http://schemas.microsoft.com/office/drawing/2010/main" xmlns="">
                 <a:solidFill>
                   <a:srgbClr val="FFFFFF"/>
                 </a:solidFill>
@@ -9906,7 +10050,7 @@
               </a:ln>
               <a:extLst>
                 <a:ext uri="{91240B29-F687-4f45-9708-019B960494DF}">
-                  <a14:hiddenLine xmlns="" xmlns:a14="http://schemas.microsoft.com/office/drawing/2010/main" w="9525">
+                  <a14:hiddenLine xmlns:a14="http://schemas.microsoft.com/office/drawing/2010/main" xmlns="" w="9525">
                     <a:solidFill>
                       <a:srgbClr val="000000"/>
                     </a:solidFill>
@@ -9996,7 +10140,7 @@
               </a:ln>
               <a:extLst>
                 <a:ext uri="{91240B29-F687-4f45-9708-019B960494DF}">
-                  <a14:hiddenLine xmlns="" xmlns:a14="http://schemas.microsoft.com/office/drawing/2010/main" w="9525">
+                  <a14:hiddenLine xmlns:a14="http://schemas.microsoft.com/office/drawing/2010/main" xmlns="" w="9525">
                     <a:solidFill>
                       <a:srgbClr val="000000"/>
                     </a:solidFill>
@@ -10086,7 +10230,7 @@
               </a:ln>
               <a:extLst>
                 <a:ext uri="{91240B29-F687-4f45-9708-019B960494DF}">
-                  <a14:hiddenLine xmlns="" xmlns:a14="http://schemas.microsoft.com/office/drawing/2010/main" w="9525">
+                  <a14:hiddenLine xmlns:a14="http://schemas.microsoft.com/office/drawing/2010/main" xmlns="" w="9525">
                     <a:solidFill>
                       <a:srgbClr val="000000"/>
                     </a:solidFill>
@@ -10148,7 +10292,7 @@
               </a:ln>
               <a:extLst>
                 <a:ext uri="{91240B29-F687-4f45-9708-019B960494DF}">
-                  <a14:hiddenLine xmlns="" xmlns:a14="http://schemas.microsoft.com/office/drawing/2010/main" w="9525">
+                  <a14:hiddenLine xmlns:a14="http://schemas.microsoft.com/office/drawing/2010/main" xmlns="" w="9525">
                     <a:solidFill>
                       <a:srgbClr val="000000"/>
                     </a:solidFill>
@@ -10238,7 +10382,7 @@
               </a:ln>
               <a:extLst>
                 <a:ext uri="{91240B29-F687-4f45-9708-019B960494DF}">
-                  <a14:hiddenLine xmlns="" xmlns:a14="http://schemas.microsoft.com/office/drawing/2010/main" w="9525">
+                  <a14:hiddenLine xmlns:a14="http://schemas.microsoft.com/office/drawing/2010/main" xmlns="" w="9525">
                     <a:solidFill>
                       <a:srgbClr val="000000"/>
                     </a:solidFill>
@@ -10300,7 +10444,7 @@
               </a:ln>
               <a:extLst>
                 <a:ext uri="{91240B29-F687-4f45-9708-019B960494DF}">
-                  <a14:hiddenLine xmlns="" xmlns:a14="http://schemas.microsoft.com/office/drawing/2010/main" w="9525">
+                  <a14:hiddenLine xmlns:a14="http://schemas.microsoft.com/office/drawing/2010/main" xmlns="" w="9525">
                     <a:solidFill>
                       <a:srgbClr val="000000"/>
                     </a:solidFill>
@@ -10362,7 +10506,7 @@
               </a:ln>
               <a:extLst>
                 <a:ext uri="{91240B29-F687-4f45-9708-019B960494DF}">
-                  <a14:hiddenLine xmlns="" xmlns:a14="http://schemas.microsoft.com/office/drawing/2010/main" w="9525">
+                  <a14:hiddenLine xmlns:a14="http://schemas.microsoft.com/office/drawing/2010/main" xmlns="" w="9525">
                     <a:solidFill>
                       <a:srgbClr val="000000"/>
                     </a:solidFill>
@@ -10452,7 +10596,7 @@
               </a:ln>
               <a:extLst>
                 <a:ext uri="{91240B29-F687-4f45-9708-019B960494DF}">
-                  <a14:hiddenLine xmlns="" xmlns:a14="http://schemas.microsoft.com/office/drawing/2010/main" w="9525">
+                  <a14:hiddenLine xmlns:a14="http://schemas.microsoft.com/office/drawing/2010/main" xmlns="" w="9525">
                     <a:solidFill>
                       <a:srgbClr val="000000"/>
                     </a:solidFill>
@@ -10542,7 +10686,7 @@
               </a:ln>
               <a:extLst>
                 <a:ext uri="{91240B29-F687-4f45-9708-019B960494DF}">
-                  <a14:hiddenLine xmlns="" xmlns:a14="http://schemas.microsoft.com/office/drawing/2010/main" w="9525">
+                  <a14:hiddenLine xmlns:a14="http://schemas.microsoft.com/office/drawing/2010/main" xmlns="" w="9525">
                     <a:solidFill>
                       <a:srgbClr val="000000"/>
                     </a:solidFill>
@@ -10604,7 +10748,7 @@
               </a:ln>
               <a:extLst>
                 <a:ext uri="{91240B29-F687-4f45-9708-019B960494DF}">
-                  <a14:hiddenLine xmlns="" xmlns:a14="http://schemas.microsoft.com/office/drawing/2010/main" w="9525">
+                  <a14:hiddenLine xmlns:a14="http://schemas.microsoft.com/office/drawing/2010/main" xmlns="" w="9525">
                     <a:solidFill>
                       <a:srgbClr val="000000"/>
                     </a:solidFill>
@@ -10714,7 +10858,7 @@
               </a:ln>
               <a:extLst>
                 <a:ext uri="{91240B29-F687-4f45-9708-019B960494DF}">
-                  <a14:hiddenLine xmlns="" xmlns:a14="http://schemas.microsoft.com/office/drawing/2010/main" w="9525">
+                  <a14:hiddenLine xmlns:a14="http://schemas.microsoft.com/office/drawing/2010/main" xmlns="" w="9525">
                     <a:solidFill>
                       <a:srgbClr val="000000"/>
                     </a:solidFill>
@@ -10798,7 +10942,7 @@
               </a:ln>
               <a:extLst>
                 <a:ext uri="{91240B29-F687-4f45-9708-019B960494DF}">
-                  <a14:hiddenLine xmlns="" xmlns:a14="http://schemas.microsoft.com/office/drawing/2010/main" w="9525">
+                  <a14:hiddenLine xmlns:a14="http://schemas.microsoft.com/office/drawing/2010/main" xmlns="" w="9525">
                     <a:solidFill>
                       <a:srgbClr val="000000"/>
                     </a:solidFill>
@@ -10860,7 +11004,7 @@
               </a:ln>
               <a:extLst>
                 <a:ext uri="{91240B29-F687-4f45-9708-019B960494DF}">
-                  <a14:hiddenLine xmlns="" xmlns:a14="http://schemas.microsoft.com/office/drawing/2010/main" w="9525">
+                  <a14:hiddenLine xmlns:a14="http://schemas.microsoft.com/office/drawing/2010/main" xmlns="" w="9525">
                     <a:solidFill>
                       <a:srgbClr val="000000"/>
                     </a:solidFill>
@@ -10922,7 +11066,7 @@
               </a:ln>
               <a:extLst>
                 <a:ext uri="{91240B29-F687-4f45-9708-019B960494DF}">
-                  <a14:hiddenLine xmlns="" xmlns:a14="http://schemas.microsoft.com/office/drawing/2010/main" w="9525">
+                  <a14:hiddenLine xmlns:a14="http://schemas.microsoft.com/office/drawing/2010/main" xmlns="" w="9525">
                     <a:solidFill>
                       <a:srgbClr val="000000"/>
                     </a:solidFill>
@@ -11012,7 +11156,7 @@
               </a:ln>
               <a:extLst>
                 <a:ext uri="{91240B29-F687-4f45-9708-019B960494DF}">
-                  <a14:hiddenLine xmlns="" xmlns:a14="http://schemas.microsoft.com/office/drawing/2010/main" w="9525">
+                  <a14:hiddenLine xmlns:a14="http://schemas.microsoft.com/office/drawing/2010/main" xmlns="" w="9525">
                     <a:solidFill>
                       <a:srgbClr val="000000"/>
                     </a:solidFill>
@@ -11046,7 +11190,7 @@
               </a:ln>
               <a:extLst>
                 <a:ext uri="{91240B29-F687-4f45-9708-019B960494DF}">
-                  <a14:hiddenLine xmlns="" xmlns:a14="http://schemas.microsoft.com/office/drawing/2010/main" w="9525">
+                  <a14:hiddenLine xmlns:a14="http://schemas.microsoft.com/office/drawing/2010/main" xmlns="" w="9525">
                     <a:solidFill>
                       <a:srgbClr val="000000"/>
                     </a:solidFill>
@@ -11111,7 +11255,7 @@
               </a:ln>
               <a:extLst>
                 <a:ext uri="{91240B29-F687-4f45-9708-019B960494DF}">
-                  <a14:hiddenLine xmlns="" xmlns:a14="http://schemas.microsoft.com/office/drawing/2010/main" w="9525">
+                  <a14:hiddenLine xmlns:a14="http://schemas.microsoft.com/office/drawing/2010/main" xmlns="" w="9525">
                     <a:solidFill>
                       <a:srgbClr val="000000"/>
                     </a:solidFill>
@@ -11201,7 +11345,7 @@
               </a:ln>
               <a:extLst>
                 <a:ext uri="{91240B29-F687-4f45-9708-019B960494DF}">
-                  <a14:hiddenLine xmlns="" xmlns:a14="http://schemas.microsoft.com/office/drawing/2010/main" w="9525">
+                  <a14:hiddenLine xmlns:a14="http://schemas.microsoft.com/office/drawing/2010/main" xmlns="" w="9525">
                     <a:solidFill>
                       <a:srgbClr val="000000"/>
                     </a:solidFill>
@@ -11263,7 +11407,7 @@
               </a:ln>
               <a:extLst>
                 <a:ext uri="{91240B29-F687-4f45-9708-019B960494DF}">
-                  <a14:hiddenLine xmlns="" xmlns:a14="http://schemas.microsoft.com/office/drawing/2010/main" w="9525">
+                  <a14:hiddenLine xmlns:a14="http://schemas.microsoft.com/office/drawing/2010/main" xmlns="" w="9525">
                     <a:solidFill>
                       <a:srgbClr val="000000"/>
                     </a:solidFill>
@@ -11353,7 +11497,7 @@
               </a:ln>
               <a:extLst>
                 <a:ext uri="{91240B29-F687-4f45-9708-019B960494DF}">
-                  <a14:hiddenLine xmlns="" xmlns:a14="http://schemas.microsoft.com/office/drawing/2010/main" w="9525">
+                  <a14:hiddenLine xmlns:a14="http://schemas.microsoft.com/office/drawing/2010/main" xmlns="" w="9525">
                     <a:solidFill>
                       <a:srgbClr val="000000"/>
                     </a:solidFill>
@@ -11418,7 +11562,7 @@
               </a:ln>
               <a:extLst>
                 <a:ext uri="{91240B29-F687-4f45-9708-019B960494DF}">
-                  <a14:hiddenLine xmlns="" xmlns:a14="http://schemas.microsoft.com/office/drawing/2010/main" w="9525">
+                  <a14:hiddenLine xmlns:a14="http://schemas.microsoft.com/office/drawing/2010/main" xmlns="" w="9525">
                     <a:solidFill>
                       <a:srgbClr val="000000"/>
                     </a:solidFill>
@@ -11480,7 +11624,7 @@
               </a:ln>
               <a:extLst>
                 <a:ext uri="{91240B29-F687-4f45-9708-019B960494DF}">
-                  <a14:hiddenLine xmlns="" xmlns:a14="http://schemas.microsoft.com/office/drawing/2010/main" w="9525">
+                  <a14:hiddenLine xmlns:a14="http://schemas.microsoft.com/office/drawing/2010/main" xmlns="" w="9525">
                     <a:solidFill>
                       <a:srgbClr val="000000"/>
                     </a:solidFill>
@@ -11570,7 +11714,7 @@
               </a:ln>
               <a:extLst>
                 <a:ext uri="{91240B29-F687-4f45-9708-019B960494DF}">
-                  <a14:hiddenLine xmlns="" xmlns:a14="http://schemas.microsoft.com/office/drawing/2010/main" w="9525">
+                  <a14:hiddenLine xmlns:a14="http://schemas.microsoft.com/office/drawing/2010/main" xmlns="" w="9525">
                     <a:solidFill>
                       <a:srgbClr val="000000"/>
                     </a:solidFill>
@@ -11660,7 +11804,7 @@
               </a:ln>
               <a:extLst>
                 <a:ext uri="{91240B29-F687-4f45-9708-019B960494DF}">
-                  <a14:hiddenLine xmlns="" xmlns:a14="http://schemas.microsoft.com/office/drawing/2010/main" w="9525">
+                  <a14:hiddenLine xmlns:a14="http://schemas.microsoft.com/office/drawing/2010/main" xmlns="" w="9525">
                     <a:solidFill>
                       <a:srgbClr val="000000"/>
                     </a:solidFill>
@@ -11725,7 +11869,7 @@
               </a:ln>
               <a:extLst>
                 <a:ext uri="{91240B29-F687-4f45-9708-019B960494DF}">
-                  <a14:hiddenLine xmlns="" xmlns:a14="http://schemas.microsoft.com/office/drawing/2010/main" w="9525">
+                  <a14:hiddenLine xmlns:a14="http://schemas.microsoft.com/office/drawing/2010/main" xmlns="" w="9525">
                     <a:solidFill>
                       <a:srgbClr val="000000"/>
                     </a:solidFill>
@@ -11845,7 +11989,7 @@
               </a:ln>
               <a:extLst>
                 <a:ext uri="{91240B29-F687-4f45-9708-019B960494DF}">
-                  <a14:hiddenLine xmlns="" xmlns:a14="http://schemas.microsoft.com/office/drawing/2010/main" w="9525">
+                  <a14:hiddenLine xmlns:a14="http://schemas.microsoft.com/office/drawing/2010/main" xmlns="" w="9525">
                     <a:solidFill>
                       <a:srgbClr val="000000"/>
                     </a:solidFill>
@@ -11926,7 +12070,7 @@
               </a:ln>
               <a:extLst>
                 <a:ext uri="{91240B29-F687-4f45-9708-019B960494DF}">
-                  <a14:hiddenLine xmlns="" xmlns:a14="http://schemas.microsoft.com/office/drawing/2010/main" w="9525">
+                  <a14:hiddenLine xmlns:a14="http://schemas.microsoft.com/office/drawing/2010/main" xmlns="" w="9525">
                     <a:solidFill>
                       <a:srgbClr val="000000"/>
                     </a:solidFill>
@@ -12041,7 +12185,7 @@
               </a:ln>
               <a:extLst>
                 <a:ext uri="{91240B29-F687-4f45-9708-019B960494DF}">
-                  <a14:hiddenLine xmlns="" xmlns:a14="http://schemas.microsoft.com/office/drawing/2010/main" w="9525">
+                  <a14:hiddenLine xmlns:a14="http://schemas.microsoft.com/office/drawing/2010/main" xmlns="" w="9525">
                     <a:solidFill>
                       <a:srgbClr val="000000"/>
                     </a:solidFill>
@@ -12131,7 +12275,7 @@
               </a:ln>
               <a:extLst>
                 <a:ext uri="{91240B29-F687-4f45-9708-019B960494DF}">
-                  <a14:hiddenLine xmlns="" xmlns:a14="http://schemas.microsoft.com/office/drawing/2010/main" w="9525">
+                  <a14:hiddenLine xmlns:a14="http://schemas.microsoft.com/office/drawing/2010/main" xmlns="" w="9525">
                     <a:solidFill>
                       <a:srgbClr val="000000"/>
                     </a:solidFill>
@@ -12196,7 +12340,7 @@
               </a:ln>
               <a:extLst>
                 <a:ext uri="{91240B29-F687-4f45-9708-019B960494DF}">
-                  <a14:hiddenLine xmlns="" xmlns:a14="http://schemas.microsoft.com/office/drawing/2010/main" w="9525">
+                  <a14:hiddenLine xmlns:a14="http://schemas.microsoft.com/office/drawing/2010/main" xmlns="" w="9525">
                     <a:solidFill>
                       <a:srgbClr val="000000"/>
                     </a:solidFill>
@@ -12286,7 +12430,7 @@
               </a:ln>
               <a:extLst>
                 <a:ext uri="{91240B29-F687-4f45-9708-019B960494DF}">
-                  <a14:hiddenLine xmlns="" xmlns:a14="http://schemas.microsoft.com/office/drawing/2010/main" w="9525">
+                  <a14:hiddenLine xmlns:a14="http://schemas.microsoft.com/office/drawing/2010/main" xmlns="" w="9525">
                     <a:solidFill>
                       <a:srgbClr val="000000"/>
                     </a:solidFill>
@@ -12354,7 +12498,7 @@
               </a:ln>
               <a:extLst>
                 <a:ext uri="{91240B29-F687-4f45-9708-019B960494DF}">
-                  <a14:hiddenLine xmlns="" xmlns:a14="http://schemas.microsoft.com/office/drawing/2010/main" w="9525">
+                  <a14:hiddenLine xmlns:a14="http://schemas.microsoft.com/office/drawing/2010/main" xmlns="" w="9525">
                     <a:solidFill>
                       <a:srgbClr val="000000"/>
                     </a:solidFill>
@@ -12444,7 +12588,7 @@
               </a:ln>
               <a:extLst>
                 <a:ext uri="{91240B29-F687-4f45-9708-019B960494DF}">
-                  <a14:hiddenLine xmlns="" xmlns:a14="http://schemas.microsoft.com/office/drawing/2010/main" w="9525">
+                  <a14:hiddenLine xmlns:a14="http://schemas.microsoft.com/office/drawing/2010/main" xmlns="" w="9525">
                     <a:solidFill>
                       <a:srgbClr val="000000"/>
                     </a:solidFill>
@@ -12512,7 +12656,7 @@
               </a:ln>
               <a:extLst>
                 <a:ext uri="{91240B29-F687-4f45-9708-019B960494DF}">
-                  <a14:hiddenLine xmlns="" xmlns:a14="http://schemas.microsoft.com/office/drawing/2010/main" w="9525">
+                  <a14:hiddenLine xmlns:a14="http://schemas.microsoft.com/office/drawing/2010/main" xmlns="" w="9525">
                     <a:solidFill>
                       <a:srgbClr val="000000"/>
                     </a:solidFill>
@@ -12602,7 +12746,7 @@
               </a:ln>
               <a:extLst>
                 <a:ext uri="{91240B29-F687-4f45-9708-019B960494DF}">
-                  <a14:hiddenLine xmlns="" xmlns:a14="http://schemas.microsoft.com/office/drawing/2010/main" w="9525">
+                  <a14:hiddenLine xmlns:a14="http://schemas.microsoft.com/office/drawing/2010/main" xmlns="" w="9525">
                     <a:solidFill>
                       <a:srgbClr val="000000"/>
                     </a:solidFill>
@@ -12636,7 +12780,7 @@
               </a:ln>
               <a:extLst>
                 <a:ext uri="{91240B29-F687-4f45-9708-019B960494DF}">
-                  <a14:hiddenLine xmlns="" xmlns:a14="http://schemas.microsoft.com/office/drawing/2010/main" w="9525">
+                  <a14:hiddenLine xmlns:a14="http://schemas.microsoft.com/office/drawing/2010/main" xmlns="" w="9525">
                     <a:solidFill>
                       <a:srgbClr val="000000"/>
                     </a:solidFill>
@@ -13457,31 +13601,36 @@
           </a:p>
         </p:txBody>
       </p:sp>
-      <p:sp>
-        <p:nvSpPr>
-          <p:cNvPr id="5" name="Content Placeholder 4">
+      <p:pic>
+        <p:nvPicPr>
+          <p:cNvPr id="3" name="Picture 2">
             <a:extLst>
               <a:ext uri="{FF2B5EF4-FFF2-40B4-BE49-F238E27FC236}">
-                <a16:creationId xmlns:a16="http://schemas.microsoft.com/office/drawing/2014/main" id="{74298C96-E98E-4997-BAB8-CBBCE5A103DF}"/>
+                <a16:creationId xmlns:a16="http://schemas.microsoft.com/office/drawing/2014/main" id="{6967FF96-3346-4B11-BB9F-9F2EFA64320F}"/>
               </a:ext>
             </a:extLst>
           </p:cNvPr>
-          <p:cNvSpPr>
-            <a:spLocks noGrp="1"/>
-          </p:cNvSpPr>
-          <p:nvPr>
-            <p:ph idx="1"/>
-          </p:nvPr>
-        </p:nvSpPr>
-        <p:spPr/>
-        <p:txBody>
-          <a:bodyPr/>
-          <a:lstStyle/>
-          <a:p>
-            <a:endParaRPr lang="en-US"/>
-          </a:p>
-        </p:txBody>
-      </p:sp>
+          <p:cNvPicPr>
+            <a:picLocks noChangeAspect="1"/>
+          </p:cNvPicPr>
+          <p:nvPr/>
+        </p:nvPicPr>
+        <p:blipFill>
+          <a:blip r:embed="rId3"/>
+          <a:stretch>
+            <a:fillRect/>
+          </a:stretch>
+        </p:blipFill>
+        <p:spPr>
+          <a:xfrm>
+            <a:off x="1227741" y="2461037"/>
+            <a:ext cx="9736518" cy="3165775"/>
+          </a:xfrm>
+          <a:prstGeom prst="rect">
+            <a:avLst/>
+          </a:prstGeom>
+        </p:spPr>
+      </p:pic>
     </p:spTree>
     <p:extLst>
       <p:ext uri="{BB962C8B-B14F-4D97-AF65-F5344CB8AC3E}">
@@ -13545,6 +13694,156 @@
           </a:p>
         </p:txBody>
       </p:sp>
+      <p:pic>
+        <p:nvPicPr>
+          <p:cNvPr id="3" name="Picture 2">
+            <a:extLst>
+              <a:ext uri="{FF2B5EF4-FFF2-40B4-BE49-F238E27FC236}">
+                <a16:creationId xmlns:a16="http://schemas.microsoft.com/office/drawing/2014/main" id="{A4E1F039-8C0C-4269-830F-880D5221E15B}"/>
+              </a:ext>
+            </a:extLst>
+          </p:cNvPr>
+          <p:cNvPicPr>
+            <a:picLocks noChangeAspect="1"/>
+          </p:cNvPicPr>
+          <p:nvPr/>
+        </p:nvPicPr>
+        <p:blipFill>
+          <a:blip r:embed="rId3"/>
+          <a:stretch>
+            <a:fillRect/>
+          </a:stretch>
+        </p:blipFill>
+        <p:spPr>
+          <a:xfrm>
+            <a:off x="1261730" y="1387227"/>
+            <a:ext cx="2086818" cy="838539"/>
+          </a:xfrm>
+          <a:prstGeom prst="rect">
+            <a:avLst/>
+          </a:prstGeom>
+        </p:spPr>
+      </p:pic>
+      <p:pic>
+        <p:nvPicPr>
+          <p:cNvPr id="4" name="Picture 3">
+            <a:extLst>
+              <a:ext uri="{FF2B5EF4-FFF2-40B4-BE49-F238E27FC236}">
+                <a16:creationId xmlns:a16="http://schemas.microsoft.com/office/drawing/2014/main" id="{496974E2-9292-4EAB-8E82-E5FFEFDE0842}"/>
+              </a:ext>
+            </a:extLst>
+          </p:cNvPr>
+          <p:cNvPicPr>
+            <a:picLocks noChangeAspect="1"/>
+          </p:cNvPicPr>
+          <p:nvPr/>
+        </p:nvPicPr>
+        <p:blipFill>
+          <a:blip r:embed="rId4"/>
+          <a:stretch>
+            <a:fillRect/>
+          </a:stretch>
+        </p:blipFill>
+        <p:spPr>
+          <a:xfrm>
+            <a:off x="1261730" y="2650234"/>
+            <a:ext cx="3430387" cy="1982001"/>
+          </a:xfrm>
+          <a:prstGeom prst="rect">
+            <a:avLst/>
+          </a:prstGeom>
+        </p:spPr>
+      </p:pic>
+      <p:pic>
+        <p:nvPicPr>
+          <p:cNvPr id="5" name="Picture 4">
+            <a:extLst>
+              <a:ext uri="{FF2B5EF4-FFF2-40B4-BE49-F238E27FC236}">
+                <a16:creationId xmlns:a16="http://schemas.microsoft.com/office/drawing/2014/main" id="{E08A0E29-2DE6-4B05-BE8B-AA63E7237A59}"/>
+              </a:ext>
+            </a:extLst>
+          </p:cNvPr>
+          <p:cNvPicPr>
+            <a:picLocks noChangeAspect="1"/>
+          </p:cNvPicPr>
+          <p:nvPr/>
+        </p:nvPicPr>
+        <p:blipFill>
+          <a:blip r:embed="rId5"/>
+          <a:stretch>
+            <a:fillRect/>
+          </a:stretch>
+        </p:blipFill>
+        <p:spPr>
+          <a:xfrm>
+            <a:off x="5470240" y="1320525"/>
+            <a:ext cx="2029645" cy="1810482"/>
+          </a:xfrm>
+          <a:prstGeom prst="rect">
+            <a:avLst/>
+          </a:prstGeom>
+        </p:spPr>
+      </p:pic>
+      <p:pic>
+        <p:nvPicPr>
+          <p:cNvPr id="6" name="Picture 5">
+            <a:extLst>
+              <a:ext uri="{FF2B5EF4-FFF2-40B4-BE49-F238E27FC236}">
+                <a16:creationId xmlns:a16="http://schemas.microsoft.com/office/drawing/2014/main" id="{E5BC25D4-DC0E-4FA3-813F-AF1A355E2AA5}"/>
+              </a:ext>
+            </a:extLst>
+          </p:cNvPr>
+          <p:cNvPicPr>
+            <a:picLocks noChangeAspect="1"/>
+          </p:cNvPicPr>
+          <p:nvPr/>
+        </p:nvPicPr>
+        <p:blipFill>
+          <a:blip r:embed="rId6"/>
+          <a:stretch>
+            <a:fillRect/>
+          </a:stretch>
+        </p:blipFill>
+        <p:spPr>
+          <a:xfrm>
+            <a:off x="8112054" y="1315038"/>
+            <a:ext cx="3259730" cy="1782367"/>
+          </a:xfrm>
+          <a:prstGeom prst="rect">
+            <a:avLst/>
+          </a:prstGeom>
+        </p:spPr>
+      </p:pic>
+      <p:pic>
+        <p:nvPicPr>
+          <p:cNvPr id="7" name="Picture 6">
+            <a:extLst>
+              <a:ext uri="{FF2B5EF4-FFF2-40B4-BE49-F238E27FC236}">
+                <a16:creationId xmlns:a16="http://schemas.microsoft.com/office/drawing/2014/main" id="{F4A4BCB9-932B-467C-89DE-28E787227A01}"/>
+              </a:ext>
+            </a:extLst>
+          </p:cNvPr>
+          <p:cNvPicPr>
+            <a:picLocks noChangeAspect="1"/>
+          </p:cNvPicPr>
+          <p:nvPr/>
+        </p:nvPicPr>
+        <p:blipFill>
+          <a:blip r:embed="rId7"/>
+          <a:stretch>
+            <a:fillRect/>
+          </a:stretch>
+        </p:blipFill>
+        <p:spPr>
+          <a:xfrm>
+            <a:off x="6214729" y="3400602"/>
+            <a:ext cx="3935416" cy="2944415"/>
+          </a:xfrm>
+          <a:prstGeom prst="rect">
+            <a:avLst/>
+          </a:prstGeom>
+        </p:spPr>
+      </p:pic>
     </p:spTree>
     <p:extLst>
       <p:ext uri="{BB962C8B-B14F-4D97-AF65-F5344CB8AC3E}">
@@ -13555,6 +13854,216 @@
   <p:clrMapOvr>
     <a:masterClrMapping/>
   </p:clrMapOvr>
+  <p:timing>
+    <p:tnLst>
+      <p:par>
+        <p:cTn id="1" dur="indefinite" restart="never" nodeType="tmRoot">
+          <p:childTnLst>
+            <p:seq concurrent="1" nextAc="seek">
+              <p:cTn id="2" dur="indefinite" nodeType="mainSeq">
+                <p:childTnLst>
+                  <p:par>
+                    <p:cTn id="3" fill="hold">
+                      <p:stCondLst>
+                        <p:cond delay="indefinite"/>
+                      </p:stCondLst>
+                      <p:childTnLst>
+                        <p:par>
+                          <p:cTn id="4" fill="hold">
+                            <p:stCondLst>
+                              <p:cond delay="0"/>
+                            </p:stCondLst>
+                            <p:childTnLst>
+                              <p:par>
+                                <p:cTn id="5" presetID="1" presetClass="entr" presetSubtype="0" fill="hold" nodeType="clickEffect">
+                                  <p:stCondLst>
+                                    <p:cond delay="0"/>
+                                  </p:stCondLst>
+                                  <p:childTnLst>
+                                    <p:set>
+                                      <p:cBhvr>
+                                        <p:cTn id="6" dur="1" fill="hold">
+                                          <p:stCondLst>
+                                            <p:cond delay="0"/>
+                                          </p:stCondLst>
+                                        </p:cTn>
+                                        <p:tgtEl>
+                                          <p:spTgt spid="4"/>
+                                        </p:tgtEl>
+                                        <p:attrNameLst>
+                                          <p:attrName>style.visibility</p:attrName>
+                                        </p:attrNameLst>
+                                      </p:cBhvr>
+                                      <p:to>
+                                        <p:strVal val="visible"/>
+                                      </p:to>
+                                    </p:set>
+                                  </p:childTnLst>
+                                </p:cTn>
+                              </p:par>
+                            </p:childTnLst>
+                          </p:cTn>
+                        </p:par>
+                      </p:childTnLst>
+                    </p:cTn>
+                  </p:par>
+                  <p:par>
+                    <p:cTn id="7" fill="hold">
+                      <p:stCondLst>
+                        <p:cond delay="indefinite"/>
+                      </p:stCondLst>
+                      <p:childTnLst>
+                        <p:par>
+                          <p:cTn id="8" fill="hold">
+                            <p:stCondLst>
+                              <p:cond delay="0"/>
+                            </p:stCondLst>
+                            <p:childTnLst>
+                              <p:par>
+                                <p:cTn id="9" presetID="1" presetClass="entr" presetSubtype="0" fill="hold" nodeType="clickEffect">
+                                  <p:stCondLst>
+                                    <p:cond delay="0"/>
+                                  </p:stCondLst>
+                                  <p:childTnLst>
+                                    <p:set>
+                                      <p:cBhvr>
+                                        <p:cTn id="10" dur="1" fill="hold">
+                                          <p:stCondLst>
+                                            <p:cond delay="0"/>
+                                          </p:stCondLst>
+                                        </p:cTn>
+                                        <p:tgtEl>
+                                          <p:spTgt spid="5"/>
+                                        </p:tgtEl>
+                                        <p:attrNameLst>
+                                          <p:attrName>style.visibility</p:attrName>
+                                        </p:attrNameLst>
+                                      </p:cBhvr>
+                                      <p:to>
+                                        <p:strVal val="visible"/>
+                                      </p:to>
+                                    </p:set>
+                                  </p:childTnLst>
+                                </p:cTn>
+                              </p:par>
+                            </p:childTnLst>
+                          </p:cTn>
+                        </p:par>
+                      </p:childTnLst>
+                    </p:cTn>
+                  </p:par>
+                  <p:par>
+                    <p:cTn id="11" fill="hold">
+                      <p:stCondLst>
+                        <p:cond delay="indefinite"/>
+                      </p:stCondLst>
+                      <p:childTnLst>
+                        <p:par>
+                          <p:cTn id="12" fill="hold">
+                            <p:stCondLst>
+                              <p:cond delay="0"/>
+                            </p:stCondLst>
+                            <p:childTnLst>
+                              <p:par>
+                                <p:cTn id="13" presetID="1" presetClass="entr" presetSubtype="0" fill="hold" nodeType="clickEffect">
+                                  <p:stCondLst>
+                                    <p:cond delay="0"/>
+                                  </p:stCondLst>
+                                  <p:childTnLst>
+                                    <p:set>
+                                      <p:cBhvr>
+                                        <p:cTn id="14" dur="1" fill="hold">
+                                          <p:stCondLst>
+                                            <p:cond delay="0"/>
+                                          </p:stCondLst>
+                                        </p:cTn>
+                                        <p:tgtEl>
+                                          <p:spTgt spid="6"/>
+                                        </p:tgtEl>
+                                        <p:attrNameLst>
+                                          <p:attrName>style.visibility</p:attrName>
+                                        </p:attrNameLst>
+                                      </p:cBhvr>
+                                      <p:to>
+                                        <p:strVal val="visible"/>
+                                      </p:to>
+                                    </p:set>
+                                  </p:childTnLst>
+                                </p:cTn>
+                              </p:par>
+                            </p:childTnLst>
+                          </p:cTn>
+                        </p:par>
+                      </p:childTnLst>
+                    </p:cTn>
+                  </p:par>
+                  <p:par>
+                    <p:cTn id="15" fill="hold">
+                      <p:stCondLst>
+                        <p:cond delay="indefinite"/>
+                      </p:stCondLst>
+                      <p:childTnLst>
+                        <p:par>
+                          <p:cTn id="16" fill="hold">
+                            <p:stCondLst>
+                              <p:cond delay="0"/>
+                            </p:stCondLst>
+                            <p:childTnLst>
+                              <p:par>
+                                <p:cTn id="17" presetID="1" presetClass="entr" presetSubtype="0" fill="hold" nodeType="clickEffect">
+                                  <p:stCondLst>
+                                    <p:cond delay="0"/>
+                                  </p:stCondLst>
+                                  <p:childTnLst>
+                                    <p:set>
+                                      <p:cBhvr>
+                                        <p:cTn id="18" dur="1" fill="hold">
+                                          <p:stCondLst>
+                                            <p:cond delay="0"/>
+                                          </p:stCondLst>
+                                        </p:cTn>
+                                        <p:tgtEl>
+                                          <p:spTgt spid="7"/>
+                                        </p:tgtEl>
+                                        <p:attrNameLst>
+                                          <p:attrName>style.visibility</p:attrName>
+                                        </p:attrNameLst>
+                                      </p:cBhvr>
+                                      <p:to>
+                                        <p:strVal val="visible"/>
+                                      </p:to>
+                                    </p:set>
+                                  </p:childTnLst>
+                                </p:cTn>
+                              </p:par>
+                            </p:childTnLst>
+                          </p:cTn>
+                        </p:par>
+                      </p:childTnLst>
+                    </p:cTn>
+                  </p:par>
+                </p:childTnLst>
+              </p:cTn>
+              <p:prevCondLst>
+                <p:cond evt="onPrev" delay="0">
+                  <p:tgtEl>
+                    <p:sldTgt/>
+                  </p:tgtEl>
+                </p:cond>
+              </p:prevCondLst>
+              <p:nextCondLst>
+                <p:cond evt="onNext" delay="0">
+                  <p:tgtEl>
+                    <p:sldTgt/>
+                  </p:tgtEl>
+                </p:cond>
+              </p:nextCondLst>
+            </p:seq>
+          </p:childTnLst>
+        </p:cTn>
+      </p:par>
+    </p:tnLst>
+  </p:timing>
 </p:sld>
 </file>
 
@@ -13624,7 +14133,22 @@
           <a:bodyPr/>
           <a:lstStyle/>
           <a:p>
-            <a:endParaRPr lang="en-US"/>
+            <a:r>
+              <a:rPr lang="en-US" dirty="0"/>
+              <a:t>In the command pattern, are requests encapsulated as objects?</a:t>
+            </a:r>
+          </a:p>
+          <a:p>
+            <a:r>
+              <a:rPr lang="en-US" dirty="0"/>
+              <a:t>Is the command created and executed by the same class?</a:t>
+            </a:r>
+          </a:p>
+          <a:p>
+            <a:r>
+              <a:rPr lang="en-US" dirty="0"/>
+              <a:t>What is the role of the receiver?</a:t>
+            </a:r>
           </a:p>
         </p:txBody>
       </p:sp>
@@ -13713,6 +14237,27 @@
               </a:rPr>
               <a:t>https://sourcemaking.com/design_patterns/command</a:t>
             </a:r>
+            <a:endParaRPr lang="en-US" dirty="0"/>
+          </a:p>
+          <a:p>
+            <a:r>
+              <a:rPr lang="en-US" dirty="0">
+                <a:hlinkClick r:id="rId4"/>
+              </a:rPr>
+              <a:t>https://www.oodesign.com/command-pattern.html</a:t>
+            </a:r>
+            <a:endParaRPr lang="en-US" dirty="0"/>
+          </a:p>
+          <a:p>
+            <a:r>
+              <a:rPr lang="en-US" dirty="0">
+                <a:hlinkClick r:id="rId5"/>
+              </a:rPr>
+              <a:t>https://dzone.com/articles/design-patterns-command</a:t>
+            </a:r>
+            <a:endParaRPr lang="en-US" dirty="0"/>
+          </a:p>
+          <a:p>
             <a:endParaRPr lang="en-US" dirty="0"/>
           </a:p>
         </p:txBody>

--- a/Design Patterns/Command Design Pattern.pptx
+++ b/Design Patterns/Command Design Pattern.pptx
@@ -1162,7 +1162,7 @@
           <a:noFill/>
           <a:extLst>
             <a:ext uri="{909E8E84-426E-40dd-AFC4-6F175D3DCCD1}">
-              <a14:hiddenFill xmlns:a14="http://schemas.microsoft.com/office/drawing/2010/main" xmlns="">
+              <a14:hiddenFill xmlns="" xmlns:a14="http://schemas.microsoft.com/office/drawing/2010/main">
                 <a:solidFill>
                   <a:srgbClr val="FFFFFF"/>
                 </a:solidFill>
@@ -1221,7 +1221,7 @@
             </a:ln>
             <a:extLst>
               <a:ext uri="{91240B29-F687-4f45-9708-019B960494DF}">
-                <a14:hiddenLine xmlns:a14="http://schemas.microsoft.com/office/drawing/2010/main" xmlns="" w="9525">
+                <a14:hiddenLine xmlns="" xmlns:a14="http://schemas.microsoft.com/office/drawing/2010/main" w="9525">
                   <a:solidFill>
                     <a:srgbClr val="000000"/>
                   </a:solidFill>
@@ -1311,7 +1311,7 @@
             </a:ln>
             <a:extLst>
               <a:ext uri="{91240B29-F687-4f45-9708-019B960494DF}">
-                <a14:hiddenLine xmlns:a14="http://schemas.microsoft.com/office/drawing/2010/main" xmlns="" w="9525">
+                <a14:hiddenLine xmlns="" xmlns:a14="http://schemas.microsoft.com/office/drawing/2010/main" w="9525">
                   <a:solidFill>
                     <a:srgbClr val="000000"/>
                   </a:solidFill>
@@ -1401,7 +1401,7 @@
             </a:ln>
             <a:extLst>
               <a:ext uri="{91240B29-F687-4f45-9708-019B960494DF}">
-                <a14:hiddenLine xmlns:a14="http://schemas.microsoft.com/office/drawing/2010/main" xmlns="" w="9525">
+                <a14:hiddenLine xmlns="" xmlns:a14="http://schemas.microsoft.com/office/drawing/2010/main" w="9525">
                   <a:solidFill>
                     <a:srgbClr val="000000"/>
                   </a:solidFill>
@@ -1435,7 +1435,7 @@
             </a:ln>
             <a:extLst>
               <a:ext uri="{91240B29-F687-4f45-9708-019B960494DF}">
-                <a14:hiddenLine xmlns:a14="http://schemas.microsoft.com/office/drawing/2010/main" xmlns="" w="9525">
+                <a14:hiddenLine xmlns="" xmlns:a14="http://schemas.microsoft.com/office/drawing/2010/main" w="9525">
                   <a:solidFill>
                     <a:srgbClr val="000000"/>
                   </a:solidFill>
@@ -1525,7 +1525,7 @@
             </a:ln>
             <a:extLst>
               <a:ext uri="{91240B29-F687-4f45-9708-019B960494DF}">
-                <a14:hiddenLine xmlns:a14="http://schemas.microsoft.com/office/drawing/2010/main" xmlns="" w="9525">
+                <a14:hiddenLine xmlns="" xmlns:a14="http://schemas.microsoft.com/office/drawing/2010/main" w="9525">
                   <a:solidFill>
                     <a:srgbClr val="000000"/>
                   </a:solidFill>
@@ -1587,7 +1587,7 @@
             </a:ln>
             <a:extLst>
               <a:ext uri="{91240B29-F687-4f45-9708-019B960494DF}">
-                <a14:hiddenLine xmlns:a14="http://schemas.microsoft.com/office/drawing/2010/main" xmlns="" w="9525">
+                <a14:hiddenLine xmlns="" xmlns:a14="http://schemas.microsoft.com/office/drawing/2010/main" w="9525">
                   <a:solidFill>
                     <a:srgbClr val="000000"/>
                   </a:solidFill>
@@ -1649,7 +1649,7 @@
             </a:ln>
             <a:extLst>
               <a:ext uri="{91240B29-F687-4f45-9708-019B960494DF}">
-                <a14:hiddenLine xmlns:a14="http://schemas.microsoft.com/office/drawing/2010/main" xmlns="" w="9525">
+                <a14:hiddenLine xmlns="" xmlns:a14="http://schemas.microsoft.com/office/drawing/2010/main" w="9525">
                   <a:solidFill>
                     <a:srgbClr val="000000"/>
                   </a:solidFill>
@@ -1739,7 +1739,7 @@
             </a:ln>
             <a:extLst>
               <a:ext uri="{91240B29-F687-4f45-9708-019B960494DF}">
-                <a14:hiddenLine xmlns:a14="http://schemas.microsoft.com/office/drawing/2010/main" xmlns="" w="9525">
+                <a14:hiddenLine xmlns="" xmlns:a14="http://schemas.microsoft.com/office/drawing/2010/main" w="9525">
                   <a:solidFill>
                     <a:srgbClr val="000000"/>
                   </a:solidFill>
@@ -1801,7 +1801,7 @@
             </a:ln>
             <a:extLst>
               <a:ext uri="{91240B29-F687-4f45-9708-019B960494DF}">
-                <a14:hiddenLine xmlns:a14="http://schemas.microsoft.com/office/drawing/2010/main" xmlns="" w="9525">
+                <a14:hiddenLine xmlns="" xmlns:a14="http://schemas.microsoft.com/office/drawing/2010/main" w="9525">
                   <a:solidFill>
                     <a:srgbClr val="000000"/>
                   </a:solidFill>
@@ -1863,7 +1863,7 @@
             </a:ln>
             <a:extLst>
               <a:ext uri="{91240B29-F687-4f45-9708-019B960494DF}">
-                <a14:hiddenLine xmlns:a14="http://schemas.microsoft.com/office/drawing/2010/main" xmlns="" w="9525">
+                <a14:hiddenLine xmlns="" xmlns:a14="http://schemas.microsoft.com/office/drawing/2010/main" w="9525">
                   <a:solidFill>
                     <a:srgbClr val="000000"/>
                   </a:solidFill>
@@ -1953,7 +1953,7 @@
             </a:ln>
             <a:extLst>
               <a:ext uri="{91240B29-F687-4f45-9708-019B960494DF}">
-                <a14:hiddenLine xmlns:a14="http://schemas.microsoft.com/office/drawing/2010/main" xmlns="" w="9525">
+                <a14:hiddenLine xmlns="" xmlns:a14="http://schemas.microsoft.com/office/drawing/2010/main" w="9525">
                   <a:solidFill>
                     <a:srgbClr val="000000"/>
                   </a:solidFill>
@@ -2043,7 +2043,7 @@
             </a:ln>
             <a:extLst>
               <a:ext uri="{91240B29-F687-4f45-9708-019B960494DF}">
-                <a14:hiddenLine xmlns:a14="http://schemas.microsoft.com/office/drawing/2010/main" xmlns="" w="9525">
+                <a14:hiddenLine xmlns="" xmlns:a14="http://schemas.microsoft.com/office/drawing/2010/main" w="9525">
                   <a:solidFill>
                     <a:srgbClr val="000000"/>
                   </a:solidFill>
@@ -2105,7 +2105,7 @@
             </a:ln>
             <a:extLst>
               <a:ext uri="{91240B29-F687-4f45-9708-019B960494DF}">
-                <a14:hiddenLine xmlns:a14="http://schemas.microsoft.com/office/drawing/2010/main" xmlns="" w="9525">
+                <a14:hiddenLine xmlns="" xmlns:a14="http://schemas.microsoft.com/office/drawing/2010/main" w="9525">
                   <a:solidFill>
                     <a:srgbClr val="000000"/>
                   </a:solidFill>
@@ -2215,7 +2215,7 @@
             </a:ln>
             <a:extLst>
               <a:ext uri="{91240B29-F687-4f45-9708-019B960494DF}">
-                <a14:hiddenLine xmlns:a14="http://schemas.microsoft.com/office/drawing/2010/main" xmlns="" w="9525">
+                <a14:hiddenLine xmlns="" xmlns:a14="http://schemas.microsoft.com/office/drawing/2010/main" w="9525">
                   <a:solidFill>
                     <a:srgbClr val="000000"/>
                   </a:solidFill>
@@ -2277,7 +2277,7 @@
             </a:ln>
             <a:extLst>
               <a:ext uri="{91240B29-F687-4f45-9708-019B960494DF}">
-                <a14:hiddenLine xmlns:a14="http://schemas.microsoft.com/office/drawing/2010/main" xmlns="" w="9525">
+                <a14:hiddenLine xmlns="" xmlns:a14="http://schemas.microsoft.com/office/drawing/2010/main" w="9525">
                   <a:solidFill>
                     <a:srgbClr val="000000"/>
                   </a:solidFill>
@@ -2367,7 +2367,7 @@
             </a:ln>
             <a:extLst>
               <a:ext uri="{91240B29-F687-4f45-9708-019B960494DF}">
-                <a14:hiddenLine xmlns:a14="http://schemas.microsoft.com/office/drawing/2010/main" xmlns="" w="9525">
+                <a14:hiddenLine xmlns="" xmlns:a14="http://schemas.microsoft.com/office/drawing/2010/main" w="9525">
                   <a:solidFill>
                     <a:srgbClr val="000000"/>
                   </a:solidFill>
@@ -2457,7 +2457,7 @@
             </a:ln>
             <a:extLst>
               <a:ext uri="{91240B29-F687-4f45-9708-019B960494DF}">
-                <a14:hiddenLine xmlns:a14="http://schemas.microsoft.com/office/drawing/2010/main" xmlns="" w="9525">
+                <a14:hiddenLine xmlns="" xmlns:a14="http://schemas.microsoft.com/office/drawing/2010/main" w="9525">
                   <a:solidFill>
                     <a:srgbClr val="000000"/>
                   </a:solidFill>
@@ -2519,7 +2519,7 @@
             </a:ln>
             <a:extLst>
               <a:ext uri="{91240B29-F687-4f45-9708-019B960494DF}">
-                <a14:hiddenLine xmlns:a14="http://schemas.microsoft.com/office/drawing/2010/main" xmlns="" w="9525">
+                <a14:hiddenLine xmlns="" xmlns:a14="http://schemas.microsoft.com/office/drawing/2010/main" w="9525">
                   <a:solidFill>
                     <a:srgbClr val="000000"/>
                   </a:solidFill>
@@ -2609,7 +2609,7 @@
             </a:ln>
             <a:extLst>
               <a:ext uri="{91240B29-F687-4f45-9708-019B960494DF}">
-                <a14:hiddenLine xmlns:a14="http://schemas.microsoft.com/office/drawing/2010/main" xmlns="" w="9525">
+                <a14:hiddenLine xmlns="" xmlns:a14="http://schemas.microsoft.com/office/drawing/2010/main" w="9525">
                   <a:solidFill>
                     <a:srgbClr val="000000"/>
                   </a:solidFill>
@@ -2699,7 +2699,7 @@
             </a:ln>
             <a:extLst>
               <a:ext uri="{91240B29-F687-4f45-9708-019B960494DF}">
-                <a14:hiddenLine xmlns:a14="http://schemas.microsoft.com/office/drawing/2010/main" xmlns="" w="9525">
+                <a14:hiddenLine xmlns="" xmlns:a14="http://schemas.microsoft.com/office/drawing/2010/main" w="9525">
                   <a:solidFill>
                     <a:srgbClr val="000000"/>
                   </a:solidFill>
@@ -2755,7 +2755,7 @@
             </a:ln>
             <a:extLst>
               <a:ext uri="{91240B29-F687-4f45-9708-019B960494DF}">
-                <a14:hiddenLine xmlns:a14="http://schemas.microsoft.com/office/drawing/2010/main" xmlns="" w="9525">
+                <a14:hiddenLine xmlns="" xmlns:a14="http://schemas.microsoft.com/office/drawing/2010/main" w="9525">
                   <a:solidFill>
                     <a:srgbClr val="000000"/>
                   </a:solidFill>
@@ -2845,7 +2845,7 @@
             </a:ln>
             <a:extLst>
               <a:ext uri="{91240B29-F687-4f45-9708-019B960494DF}">
-                <a14:hiddenLine xmlns:a14="http://schemas.microsoft.com/office/drawing/2010/main" xmlns="" w="9525">
+                <a14:hiddenLine xmlns="" xmlns:a14="http://schemas.microsoft.com/office/drawing/2010/main" w="9525">
                   <a:solidFill>
                     <a:srgbClr val="000000"/>
                   </a:solidFill>
@@ -2901,7 +2901,7 @@
             </a:ln>
             <a:extLst>
               <a:ext uri="{91240B29-F687-4f45-9708-019B960494DF}">
-                <a14:hiddenLine xmlns:a14="http://schemas.microsoft.com/office/drawing/2010/main" xmlns="" w="9525">
+                <a14:hiddenLine xmlns="" xmlns:a14="http://schemas.microsoft.com/office/drawing/2010/main" w="9525">
                   <a:solidFill>
                     <a:srgbClr val="000000"/>
                   </a:solidFill>
@@ -2991,7 +2991,7 @@
             </a:ln>
             <a:extLst>
               <a:ext uri="{91240B29-F687-4f45-9708-019B960494DF}">
-                <a14:hiddenLine xmlns:a14="http://schemas.microsoft.com/office/drawing/2010/main" xmlns="" w="9525">
+                <a14:hiddenLine xmlns="" xmlns:a14="http://schemas.microsoft.com/office/drawing/2010/main" w="9525">
                   <a:solidFill>
                     <a:srgbClr val="000000"/>
                   </a:solidFill>
@@ -3059,7 +3059,7 @@
             </a:ln>
             <a:extLst>
               <a:ext uri="{91240B29-F687-4f45-9708-019B960494DF}">
-                <a14:hiddenLine xmlns:a14="http://schemas.microsoft.com/office/drawing/2010/main" xmlns="" w="9525">
+                <a14:hiddenLine xmlns="" xmlns:a14="http://schemas.microsoft.com/office/drawing/2010/main" w="9525">
                   <a:solidFill>
                     <a:srgbClr val="000000"/>
                   </a:solidFill>
@@ -3149,7 +3149,7 @@
             </a:ln>
             <a:extLst>
               <a:ext uri="{91240B29-F687-4f45-9708-019B960494DF}">
-                <a14:hiddenLine xmlns:a14="http://schemas.microsoft.com/office/drawing/2010/main" xmlns="" w="9525">
+                <a14:hiddenLine xmlns="" xmlns:a14="http://schemas.microsoft.com/office/drawing/2010/main" w="9525">
                   <a:solidFill>
                     <a:srgbClr val="000000"/>
                   </a:solidFill>
@@ -3217,7 +3217,7 @@
             </a:ln>
             <a:extLst>
               <a:ext uri="{91240B29-F687-4f45-9708-019B960494DF}">
-                <a14:hiddenLine xmlns:a14="http://schemas.microsoft.com/office/drawing/2010/main" xmlns="" w="9525">
+                <a14:hiddenLine xmlns="" xmlns:a14="http://schemas.microsoft.com/office/drawing/2010/main" w="9525">
                   <a:solidFill>
                     <a:srgbClr val="000000"/>
                   </a:solidFill>
@@ -3307,7 +3307,7 @@
             </a:ln>
             <a:extLst>
               <a:ext uri="{91240B29-F687-4f45-9708-019B960494DF}">
-                <a14:hiddenLine xmlns:a14="http://schemas.microsoft.com/office/drawing/2010/main" xmlns="" w="9525">
+                <a14:hiddenLine xmlns="" xmlns:a14="http://schemas.microsoft.com/office/drawing/2010/main" w="9525">
                   <a:solidFill>
                     <a:srgbClr val="000000"/>
                   </a:solidFill>
@@ -3341,7 +3341,7 @@
             </a:ln>
             <a:extLst>
               <a:ext uri="{91240B29-F687-4f45-9708-019B960494DF}">
-                <a14:hiddenLine xmlns:a14="http://schemas.microsoft.com/office/drawing/2010/main" xmlns="" w="9525">
+                <a14:hiddenLine xmlns="" xmlns:a14="http://schemas.microsoft.com/office/drawing/2010/main" w="9525">
                   <a:solidFill>
                     <a:srgbClr val="000000"/>
                   </a:solidFill>
@@ -3431,7 +3431,7 @@
             </a:ln>
             <a:extLst>
               <a:ext uri="{91240B29-F687-4f45-9708-019B960494DF}">
-                <a14:hiddenLine xmlns:a14="http://schemas.microsoft.com/office/drawing/2010/main" xmlns="" w="9525">
+                <a14:hiddenLine xmlns="" xmlns:a14="http://schemas.microsoft.com/office/drawing/2010/main" w="9525">
                   <a:solidFill>
                     <a:srgbClr val="000000"/>
                   </a:solidFill>
@@ -3493,7 +3493,7 @@
             </a:ln>
             <a:extLst>
               <a:ext uri="{91240B29-F687-4f45-9708-019B960494DF}">
-                <a14:hiddenLine xmlns:a14="http://schemas.microsoft.com/office/drawing/2010/main" xmlns="" w="9525">
+                <a14:hiddenLine xmlns="" xmlns:a14="http://schemas.microsoft.com/office/drawing/2010/main" w="9525">
                   <a:solidFill>
                     <a:srgbClr val="000000"/>
                   </a:solidFill>
@@ -3555,7 +3555,7 @@
             </a:ln>
             <a:extLst>
               <a:ext uri="{91240B29-F687-4f45-9708-019B960494DF}">
-                <a14:hiddenLine xmlns:a14="http://schemas.microsoft.com/office/drawing/2010/main" xmlns="" w="9525">
+                <a14:hiddenLine xmlns="" xmlns:a14="http://schemas.microsoft.com/office/drawing/2010/main" w="9525">
                   <a:solidFill>
                     <a:srgbClr val="000000"/>
                   </a:solidFill>
@@ -3645,7 +3645,7 @@
             </a:ln>
             <a:extLst>
               <a:ext uri="{91240B29-F687-4f45-9708-019B960494DF}">
-                <a14:hiddenLine xmlns:a14="http://schemas.microsoft.com/office/drawing/2010/main" xmlns="" w="9525">
+                <a14:hiddenLine xmlns="" xmlns:a14="http://schemas.microsoft.com/office/drawing/2010/main" w="9525">
                   <a:solidFill>
                     <a:srgbClr val="000000"/>
                   </a:solidFill>
@@ -3713,7 +3713,7 @@
             </a:ln>
             <a:extLst>
               <a:ext uri="{91240B29-F687-4f45-9708-019B960494DF}">
-                <a14:hiddenLine xmlns:a14="http://schemas.microsoft.com/office/drawing/2010/main" xmlns="" w="9525">
+                <a14:hiddenLine xmlns="" xmlns:a14="http://schemas.microsoft.com/office/drawing/2010/main" w="9525">
                   <a:solidFill>
                     <a:srgbClr val="000000"/>
                   </a:solidFill>
@@ -3775,7 +3775,7 @@
             </a:ln>
             <a:extLst>
               <a:ext uri="{91240B29-F687-4f45-9708-019B960494DF}">
-                <a14:hiddenLine xmlns:a14="http://schemas.microsoft.com/office/drawing/2010/main" xmlns="" w="9525">
+                <a14:hiddenLine xmlns="" xmlns:a14="http://schemas.microsoft.com/office/drawing/2010/main" w="9525">
                   <a:solidFill>
                     <a:srgbClr val="000000"/>
                   </a:solidFill>
@@ -3865,7 +3865,7 @@
             </a:ln>
             <a:extLst>
               <a:ext uri="{91240B29-F687-4f45-9708-019B960494DF}">
-                <a14:hiddenLine xmlns:a14="http://schemas.microsoft.com/office/drawing/2010/main" xmlns="" w="9525">
+                <a14:hiddenLine xmlns="" xmlns:a14="http://schemas.microsoft.com/office/drawing/2010/main" w="9525">
                   <a:solidFill>
                     <a:srgbClr val="000000"/>
                   </a:solidFill>
@@ -3927,7 +3927,7 @@
             </a:ln>
             <a:extLst>
               <a:ext uri="{91240B29-F687-4f45-9708-019B960494DF}">
-                <a14:hiddenLine xmlns:a14="http://schemas.microsoft.com/office/drawing/2010/main" xmlns="" w="9525">
+                <a14:hiddenLine xmlns="" xmlns:a14="http://schemas.microsoft.com/office/drawing/2010/main" w="9525">
                   <a:solidFill>
                     <a:srgbClr val="000000"/>
                   </a:solidFill>
@@ -4017,7 +4017,7 @@
             </a:ln>
             <a:extLst>
               <a:ext uri="{91240B29-F687-4f45-9708-019B960494DF}">
-                <a14:hiddenLine xmlns:a14="http://schemas.microsoft.com/office/drawing/2010/main" xmlns="" w="9525">
+                <a14:hiddenLine xmlns="" xmlns:a14="http://schemas.microsoft.com/office/drawing/2010/main" w="9525">
                   <a:solidFill>
                     <a:srgbClr val="000000"/>
                   </a:solidFill>
@@ -4079,7 +4079,7 @@
             </a:ln>
             <a:extLst>
               <a:ext uri="{91240B29-F687-4f45-9708-019B960494DF}">
-                <a14:hiddenLine xmlns:a14="http://schemas.microsoft.com/office/drawing/2010/main" xmlns="" w="9525">
+                <a14:hiddenLine xmlns="" xmlns:a14="http://schemas.microsoft.com/office/drawing/2010/main" w="9525">
                   <a:solidFill>
                     <a:srgbClr val="000000"/>
                   </a:solidFill>
@@ -4169,7 +4169,7 @@
             </a:ln>
             <a:extLst>
               <a:ext uri="{91240B29-F687-4f45-9708-019B960494DF}">
-                <a14:hiddenLine xmlns:a14="http://schemas.microsoft.com/office/drawing/2010/main" xmlns="" w="9525">
+                <a14:hiddenLine xmlns="" xmlns:a14="http://schemas.microsoft.com/office/drawing/2010/main" w="9525">
                   <a:solidFill>
                     <a:srgbClr val="000000"/>
                   </a:solidFill>
@@ -4203,7 +4203,7 @@
             </a:ln>
             <a:extLst>
               <a:ext uri="{91240B29-F687-4f45-9708-019B960494DF}">
-                <a14:hiddenLine xmlns:a14="http://schemas.microsoft.com/office/drawing/2010/main" xmlns="" w="9525">
+                <a14:hiddenLine xmlns="" xmlns:a14="http://schemas.microsoft.com/office/drawing/2010/main" w="9525">
                   <a:solidFill>
                     <a:srgbClr val="000000"/>
                   </a:solidFill>
@@ -4268,7 +4268,7 @@
             </a:ln>
             <a:extLst>
               <a:ext uri="{91240B29-F687-4f45-9708-019B960494DF}">
-                <a14:hiddenLine xmlns:a14="http://schemas.microsoft.com/office/drawing/2010/main" xmlns="" w="9525">
+                <a14:hiddenLine xmlns="" xmlns:a14="http://schemas.microsoft.com/office/drawing/2010/main" w="9525">
                   <a:solidFill>
                     <a:srgbClr val="000000"/>
                   </a:solidFill>
@@ -4358,7 +4358,7 @@
             </a:ln>
             <a:extLst>
               <a:ext uri="{91240B29-F687-4f45-9708-019B960494DF}">
-                <a14:hiddenLine xmlns:a14="http://schemas.microsoft.com/office/drawing/2010/main" xmlns="" w="9525">
+                <a14:hiddenLine xmlns="" xmlns:a14="http://schemas.microsoft.com/office/drawing/2010/main" w="9525">
                   <a:solidFill>
                     <a:srgbClr val="000000"/>
                   </a:solidFill>
@@ -4420,7 +4420,7 @@
             </a:ln>
             <a:extLst>
               <a:ext uri="{91240B29-F687-4f45-9708-019B960494DF}">
-                <a14:hiddenLine xmlns:a14="http://schemas.microsoft.com/office/drawing/2010/main" xmlns="" w="9525">
+                <a14:hiddenLine xmlns="" xmlns:a14="http://schemas.microsoft.com/office/drawing/2010/main" w="9525">
                   <a:solidFill>
                     <a:srgbClr val="000000"/>
                   </a:solidFill>
@@ -4510,7 +4510,7 @@
             </a:ln>
             <a:extLst>
               <a:ext uri="{91240B29-F687-4f45-9708-019B960494DF}">
-                <a14:hiddenLine xmlns:a14="http://schemas.microsoft.com/office/drawing/2010/main" xmlns="" w="9525">
+                <a14:hiddenLine xmlns="" xmlns:a14="http://schemas.microsoft.com/office/drawing/2010/main" w="9525">
                   <a:solidFill>
                     <a:srgbClr val="000000"/>
                   </a:solidFill>
@@ -4600,7 +4600,7 @@
             </a:ln>
             <a:extLst>
               <a:ext uri="{91240B29-F687-4f45-9708-019B960494DF}">
-                <a14:hiddenLine xmlns:a14="http://schemas.microsoft.com/office/drawing/2010/main" xmlns="" w="9525">
+                <a14:hiddenLine xmlns="" xmlns:a14="http://schemas.microsoft.com/office/drawing/2010/main" w="9525">
                   <a:solidFill>
                     <a:srgbClr val="000000"/>
                   </a:solidFill>
@@ -4665,7 +4665,7 @@
             </a:ln>
             <a:extLst>
               <a:ext uri="{91240B29-F687-4f45-9708-019B960494DF}">
-                <a14:hiddenLine xmlns:a14="http://schemas.microsoft.com/office/drawing/2010/main" xmlns="" w="9525">
+                <a14:hiddenLine xmlns="" xmlns:a14="http://schemas.microsoft.com/office/drawing/2010/main" w="9525">
                   <a:solidFill>
                     <a:srgbClr val="000000"/>
                   </a:solidFill>
@@ -4727,7 +4727,7 @@
             </a:ln>
             <a:extLst>
               <a:ext uri="{91240B29-F687-4f45-9708-019B960494DF}">
-                <a14:hiddenLine xmlns:a14="http://schemas.microsoft.com/office/drawing/2010/main" xmlns="" w="9525">
+                <a14:hiddenLine xmlns="" xmlns:a14="http://schemas.microsoft.com/office/drawing/2010/main" w="9525">
                   <a:solidFill>
                     <a:srgbClr val="000000"/>
                   </a:solidFill>
@@ -4817,7 +4817,7 @@
             </a:ln>
             <a:extLst>
               <a:ext uri="{91240B29-F687-4f45-9708-019B960494DF}">
-                <a14:hiddenLine xmlns:a14="http://schemas.microsoft.com/office/drawing/2010/main" xmlns="" w="9525">
+                <a14:hiddenLine xmlns="" xmlns:a14="http://schemas.microsoft.com/office/drawing/2010/main" w="9525">
                   <a:solidFill>
                     <a:srgbClr val="000000"/>
                   </a:solidFill>
@@ -4907,7 +4907,7 @@
             </a:ln>
             <a:extLst>
               <a:ext uri="{91240B29-F687-4f45-9708-019B960494DF}">
-                <a14:hiddenLine xmlns:a14="http://schemas.microsoft.com/office/drawing/2010/main" xmlns="" w="9525">
+                <a14:hiddenLine xmlns="" xmlns:a14="http://schemas.microsoft.com/office/drawing/2010/main" w="9525">
                   <a:solidFill>
                     <a:srgbClr val="000000"/>
                   </a:solidFill>
@@ -4969,7 +4969,7 @@
             </a:ln>
             <a:extLst>
               <a:ext uri="{91240B29-F687-4f45-9708-019B960494DF}">
-                <a14:hiddenLine xmlns:a14="http://schemas.microsoft.com/office/drawing/2010/main" xmlns="" w="9525">
+                <a14:hiddenLine xmlns="" xmlns:a14="http://schemas.microsoft.com/office/drawing/2010/main" w="9525">
                   <a:solidFill>
                     <a:srgbClr val="000000"/>
                   </a:solidFill>
@@ -5089,7 +5089,7 @@
             </a:ln>
             <a:extLst>
               <a:ext uri="{91240B29-F687-4f45-9708-019B960494DF}">
-                <a14:hiddenLine xmlns:a14="http://schemas.microsoft.com/office/drawing/2010/main" xmlns="" w="9525">
+                <a14:hiddenLine xmlns="" xmlns:a14="http://schemas.microsoft.com/office/drawing/2010/main" w="9525">
                   <a:solidFill>
                     <a:srgbClr val="000000"/>
                   </a:solidFill>
@@ -5157,7 +5157,7 @@
             </a:ln>
             <a:extLst>
               <a:ext uri="{91240B29-F687-4f45-9708-019B960494DF}">
-                <a14:hiddenLine xmlns:a14="http://schemas.microsoft.com/office/drawing/2010/main" xmlns="" w="9525">
+                <a14:hiddenLine xmlns="" xmlns:a14="http://schemas.microsoft.com/office/drawing/2010/main" w="9525">
                   <a:solidFill>
                     <a:srgbClr val="000000"/>
                   </a:solidFill>
@@ -5247,7 +5247,7 @@
             </a:ln>
             <a:extLst>
               <a:ext uri="{91240B29-F687-4f45-9708-019B960494DF}">
-                <a14:hiddenLine xmlns:a14="http://schemas.microsoft.com/office/drawing/2010/main" xmlns="" w="9525">
+                <a14:hiddenLine xmlns="" xmlns:a14="http://schemas.microsoft.com/office/drawing/2010/main" w="9525">
                   <a:solidFill>
                     <a:srgbClr val="000000"/>
                   </a:solidFill>
@@ -9976,7 +9976,7 @@
           <a:noFill/>
           <a:extLst>
             <a:ext uri="{909E8E84-426E-40dd-AFC4-6F175D3DCCD1}">
-              <a14:hiddenFill xmlns:a14="http://schemas.microsoft.com/office/drawing/2010/main" xmlns="">
+              <a14:hiddenFill xmlns="" xmlns:a14="http://schemas.microsoft.com/office/drawing/2010/main">
                 <a:solidFill>
                   <a:srgbClr val="FFFFFF"/>
                 </a:solidFill>
@@ -10050,7 +10050,7 @@
               </a:ln>
               <a:extLst>
                 <a:ext uri="{91240B29-F687-4f45-9708-019B960494DF}">
-                  <a14:hiddenLine xmlns:a14="http://schemas.microsoft.com/office/drawing/2010/main" xmlns="" w="9525">
+                  <a14:hiddenLine xmlns="" xmlns:a14="http://schemas.microsoft.com/office/drawing/2010/main" w="9525">
                     <a:solidFill>
                       <a:srgbClr val="000000"/>
                     </a:solidFill>
@@ -10140,7 +10140,7 @@
               </a:ln>
               <a:extLst>
                 <a:ext uri="{91240B29-F687-4f45-9708-019B960494DF}">
-                  <a14:hiddenLine xmlns:a14="http://schemas.microsoft.com/office/drawing/2010/main" xmlns="" w="9525">
+                  <a14:hiddenLine xmlns="" xmlns:a14="http://schemas.microsoft.com/office/drawing/2010/main" w="9525">
                     <a:solidFill>
                       <a:srgbClr val="000000"/>
                     </a:solidFill>
@@ -10230,7 +10230,7 @@
               </a:ln>
               <a:extLst>
                 <a:ext uri="{91240B29-F687-4f45-9708-019B960494DF}">
-                  <a14:hiddenLine xmlns:a14="http://schemas.microsoft.com/office/drawing/2010/main" xmlns="" w="9525">
+                  <a14:hiddenLine xmlns="" xmlns:a14="http://schemas.microsoft.com/office/drawing/2010/main" w="9525">
                     <a:solidFill>
                       <a:srgbClr val="000000"/>
                     </a:solidFill>
@@ -10292,7 +10292,7 @@
               </a:ln>
               <a:extLst>
                 <a:ext uri="{91240B29-F687-4f45-9708-019B960494DF}">
-                  <a14:hiddenLine xmlns:a14="http://schemas.microsoft.com/office/drawing/2010/main" xmlns="" w="9525">
+                  <a14:hiddenLine xmlns="" xmlns:a14="http://schemas.microsoft.com/office/drawing/2010/main" w="9525">
                     <a:solidFill>
                       <a:srgbClr val="000000"/>
                     </a:solidFill>
@@ -10382,7 +10382,7 @@
               </a:ln>
               <a:extLst>
                 <a:ext uri="{91240B29-F687-4f45-9708-019B960494DF}">
-                  <a14:hiddenLine xmlns:a14="http://schemas.microsoft.com/office/drawing/2010/main" xmlns="" w="9525">
+                  <a14:hiddenLine xmlns="" xmlns:a14="http://schemas.microsoft.com/office/drawing/2010/main" w="9525">
                     <a:solidFill>
                       <a:srgbClr val="000000"/>
                     </a:solidFill>
@@ -10444,7 +10444,7 @@
               </a:ln>
               <a:extLst>
                 <a:ext uri="{91240B29-F687-4f45-9708-019B960494DF}">
-                  <a14:hiddenLine xmlns:a14="http://schemas.microsoft.com/office/drawing/2010/main" xmlns="" w="9525">
+                  <a14:hiddenLine xmlns="" xmlns:a14="http://schemas.microsoft.com/office/drawing/2010/main" w="9525">
                     <a:solidFill>
                       <a:srgbClr val="000000"/>
                     </a:solidFill>
@@ -10506,7 +10506,7 @@
               </a:ln>
               <a:extLst>
                 <a:ext uri="{91240B29-F687-4f45-9708-019B960494DF}">
-                  <a14:hiddenLine xmlns:a14="http://schemas.microsoft.com/office/drawing/2010/main" xmlns="" w="9525">
+                  <a14:hiddenLine xmlns="" xmlns:a14="http://schemas.microsoft.com/office/drawing/2010/main" w="9525">
                     <a:solidFill>
                       <a:srgbClr val="000000"/>
                     </a:solidFill>
@@ -10596,7 +10596,7 @@
               </a:ln>
               <a:extLst>
                 <a:ext uri="{91240B29-F687-4f45-9708-019B960494DF}">
-                  <a14:hiddenLine xmlns:a14="http://schemas.microsoft.com/office/drawing/2010/main" xmlns="" w="9525">
+                  <a14:hiddenLine xmlns="" xmlns:a14="http://schemas.microsoft.com/office/drawing/2010/main" w="9525">
                     <a:solidFill>
                       <a:srgbClr val="000000"/>
                     </a:solidFill>
@@ -10686,7 +10686,7 @@
               </a:ln>
               <a:extLst>
                 <a:ext uri="{91240B29-F687-4f45-9708-019B960494DF}">
-                  <a14:hiddenLine xmlns:a14="http://schemas.microsoft.com/office/drawing/2010/main" xmlns="" w="9525">
+                  <a14:hiddenLine xmlns="" xmlns:a14="http://schemas.microsoft.com/office/drawing/2010/main" w="9525">
                     <a:solidFill>
                       <a:srgbClr val="000000"/>
                     </a:solidFill>
@@ -10748,7 +10748,7 @@
               </a:ln>
               <a:extLst>
                 <a:ext uri="{91240B29-F687-4f45-9708-019B960494DF}">
-                  <a14:hiddenLine xmlns:a14="http://schemas.microsoft.com/office/drawing/2010/main" xmlns="" w="9525">
+                  <a14:hiddenLine xmlns="" xmlns:a14="http://schemas.microsoft.com/office/drawing/2010/main" w="9525">
                     <a:solidFill>
                       <a:srgbClr val="000000"/>
                     </a:solidFill>
@@ -10858,7 +10858,7 @@
               </a:ln>
               <a:extLst>
                 <a:ext uri="{91240B29-F687-4f45-9708-019B960494DF}">
-                  <a14:hiddenLine xmlns:a14="http://schemas.microsoft.com/office/drawing/2010/main" xmlns="" w="9525">
+                  <a14:hiddenLine xmlns="" xmlns:a14="http://schemas.microsoft.com/office/drawing/2010/main" w="9525">
                     <a:solidFill>
                       <a:srgbClr val="000000"/>
                     </a:solidFill>
@@ -10942,7 +10942,7 @@
               </a:ln>
               <a:extLst>
                 <a:ext uri="{91240B29-F687-4f45-9708-019B960494DF}">
-                  <a14:hiddenLine xmlns:a14="http://schemas.microsoft.com/office/drawing/2010/main" xmlns="" w="9525">
+                  <a14:hiddenLine xmlns="" xmlns:a14="http://schemas.microsoft.com/office/drawing/2010/main" w="9525">
                     <a:solidFill>
                       <a:srgbClr val="000000"/>
                     </a:solidFill>
@@ -11004,7 +11004,7 @@
               </a:ln>
               <a:extLst>
                 <a:ext uri="{91240B29-F687-4f45-9708-019B960494DF}">
-                  <a14:hiddenLine xmlns:a14="http://schemas.microsoft.com/office/drawing/2010/main" xmlns="" w="9525">
+                  <a14:hiddenLine xmlns="" xmlns:a14="http://schemas.microsoft.com/office/drawing/2010/main" w="9525">
                     <a:solidFill>
                       <a:srgbClr val="000000"/>
                     </a:solidFill>
@@ -11066,7 +11066,7 @@
               </a:ln>
               <a:extLst>
                 <a:ext uri="{91240B29-F687-4f45-9708-019B960494DF}">
-                  <a14:hiddenLine xmlns:a14="http://schemas.microsoft.com/office/drawing/2010/main" xmlns="" w="9525">
+                  <a14:hiddenLine xmlns="" xmlns:a14="http://schemas.microsoft.com/office/drawing/2010/main" w="9525">
                     <a:solidFill>
                       <a:srgbClr val="000000"/>
                     </a:solidFill>
@@ -11156,7 +11156,7 @@
               </a:ln>
               <a:extLst>
                 <a:ext uri="{91240B29-F687-4f45-9708-019B960494DF}">
-                  <a14:hiddenLine xmlns:a14="http://schemas.microsoft.com/office/drawing/2010/main" xmlns="" w="9525">
+                  <a14:hiddenLine xmlns="" xmlns:a14="http://schemas.microsoft.com/office/drawing/2010/main" w="9525">
                     <a:solidFill>
                       <a:srgbClr val="000000"/>
                     </a:solidFill>
@@ -11190,7 +11190,7 @@
               </a:ln>
               <a:extLst>
                 <a:ext uri="{91240B29-F687-4f45-9708-019B960494DF}">
-                  <a14:hiddenLine xmlns:a14="http://schemas.microsoft.com/office/drawing/2010/main" xmlns="" w="9525">
+                  <a14:hiddenLine xmlns="" xmlns:a14="http://schemas.microsoft.com/office/drawing/2010/main" w="9525">
                     <a:solidFill>
                       <a:srgbClr val="000000"/>
                     </a:solidFill>
@@ -11255,7 +11255,7 @@
               </a:ln>
               <a:extLst>
                 <a:ext uri="{91240B29-F687-4f45-9708-019B960494DF}">
-                  <a14:hiddenLine xmlns:a14="http://schemas.microsoft.com/office/drawing/2010/main" xmlns="" w="9525">
+                  <a14:hiddenLine xmlns="" xmlns:a14="http://schemas.microsoft.com/office/drawing/2010/main" w="9525">
                     <a:solidFill>
                       <a:srgbClr val="000000"/>
                     </a:solidFill>
@@ -11345,7 +11345,7 @@
               </a:ln>
               <a:extLst>
                 <a:ext uri="{91240B29-F687-4f45-9708-019B960494DF}">
-                  <a14:hiddenLine xmlns:a14="http://schemas.microsoft.com/office/drawing/2010/main" xmlns="" w="9525">
+                  <a14:hiddenLine xmlns="" xmlns:a14="http://schemas.microsoft.com/office/drawing/2010/main" w="9525">
                     <a:solidFill>
                       <a:srgbClr val="000000"/>
                     </a:solidFill>
@@ -11407,7 +11407,7 @@
               </a:ln>
               <a:extLst>
                 <a:ext uri="{91240B29-F687-4f45-9708-019B960494DF}">
-                  <a14:hiddenLine xmlns:a14="http://schemas.microsoft.com/office/drawing/2010/main" xmlns="" w="9525">
+                  <a14:hiddenLine xmlns="" xmlns:a14="http://schemas.microsoft.com/office/drawing/2010/main" w="9525">
                     <a:solidFill>
                       <a:srgbClr val="000000"/>
                     </a:solidFill>
@@ -11497,7 +11497,7 @@
               </a:ln>
               <a:extLst>
                 <a:ext uri="{91240B29-F687-4f45-9708-019B960494DF}">
-                  <a14:hiddenLine xmlns:a14="http://schemas.microsoft.com/office/drawing/2010/main" xmlns="" w="9525">
+                  <a14:hiddenLine xmlns="" xmlns:a14="http://schemas.microsoft.com/office/drawing/2010/main" w="9525">
                     <a:solidFill>
                       <a:srgbClr val="000000"/>
                     </a:solidFill>
@@ -11562,7 +11562,7 @@
               </a:ln>
               <a:extLst>
                 <a:ext uri="{91240B29-F687-4f45-9708-019B960494DF}">
-                  <a14:hiddenLine xmlns:a14="http://schemas.microsoft.com/office/drawing/2010/main" xmlns="" w="9525">
+                  <a14:hiddenLine xmlns="" xmlns:a14="http://schemas.microsoft.com/office/drawing/2010/main" w="9525">
                     <a:solidFill>
                       <a:srgbClr val="000000"/>
                     </a:solidFill>
@@ -11624,7 +11624,7 @@
               </a:ln>
               <a:extLst>
                 <a:ext uri="{91240B29-F687-4f45-9708-019B960494DF}">
-                  <a14:hiddenLine xmlns:a14="http://schemas.microsoft.com/office/drawing/2010/main" xmlns="" w="9525">
+                  <a14:hiddenLine xmlns="" xmlns:a14="http://schemas.microsoft.com/office/drawing/2010/main" w="9525">
                     <a:solidFill>
                       <a:srgbClr val="000000"/>
                     </a:solidFill>
@@ -11714,7 +11714,7 @@
               </a:ln>
               <a:extLst>
                 <a:ext uri="{91240B29-F687-4f45-9708-019B960494DF}">
-                  <a14:hiddenLine xmlns:a14="http://schemas.microsoft.com/office/drawing/2010/main" xmlns="" w="9525">
+                  <a14:hiddenLine xmlns="" xmlns:a14="http://schemas.microsoft.com/office/drawing/2010/main" w="9525">
                     <a:solidFill>
                       <a:srgbClr val="000000"/>
                     </a:solidFill>
@@ -11804,7 +11804,7 @@
               </a:ln>
               <a:extLst>
                 <a:ext uri="{91240B29-F687-4f45-9708-019B960494DF}">
-                  <a14:hiddenLine xmlns:a14="http://schemas.microsoft.com/office/drawing/2010/main" xmlns="" w="9525">
+                  <a14:hiddenLine xmlns="" xmlns:a14="http://schemas.microsoft.com/office/drawing/2010/main" w="9525">
                     <a:solidFill>
                       <a:srgbClr val="000000"/>
                     </a:solidFill>
@@ -11869,7 +11869,7 @@
               </a:ln>
               <a:extLst>
                 <a:ext uri="{91240B29-F687-4f45-9708-019B960494DF}">
-                  <a14:hiddenLine xmlns:a14="http://schemas.microsoft.com/office/drawing/2010/main" xmlns="" w="9525">
+                  <a14:hiddenLine xmlns="" xmlns:a14="http://schemas.microsoft.com/office/drawing/2010/main" w="9525">
                     <a:solidFill>
                       <a:srgbClr val="000000"/>
                     </a:solidFill>
@@ -11989,7 +11989,7 @@
               </a:ln>
               <a:extLst>
                 <a:ext uri="{91240B29-F687-4f45-9708-019B960494DF}">
-                  <a14:hiddenLine xmlns:a14="http://schemas.microsoft.com/office/drawing/2010/main" xmlns="" w="9525">
+                  <a14:hiddenLine xmlns="" xmlns:a14="http://schemas.microsoft.com/office/drawing/2010/main" w="9525">
                     <a:solidFill>
                       <a:srgbClr val="000000"/>
                     </a:solidFill>
@@ -12070,7 +12070,7 @@
               </a:ln>
               <a:extLst>
                 <a:ext uri="{91240B29-F687-4f45-9708-019B960494DF}">
-                  <a14:hiddenLine xmlns:a14="http://schemas.microsoft.com/office/drawing/2010/main" xmlns="" w="9525">
+                  <a14:hiddenLine xmlns="" xmlns:a14="http://schemas.microsoft.com/office/drawing/2010/main" w="9525">
                     <a:solidFill>
                       <a:srgbClr val="000000"/>
                     </a:solidFill>
@@ -12185,7 +12185,7 @@
               </a:ln>
               <a:extLst>
                 <a:ext uri="{91240B29-F687-4f45-9708-019B960494DF}">
-                  <a14:hiddenLine xmlns:a14="http://schemas.microsoft.com/office/drawing/2010/main" xmlns="" w="9525">
+                  <a14:hiddenLine xmlns="" xmlns:a14="http://schemas.microsoft.com/office/drawing/2010/main" w="9525">
                     <a:solidFill>
                       <a:srgbClr val="000000"/>
                     </a:solidFill>
@@ -12275,7 +12275,7 @@
               </a:ln>
               <a:extLst>
                 <a:ext uri="{91240B29-F687-4f45-9708-019B960494DF}">
-                  <a14:hiddenLine xmlns:a14="http://schemas.microsoft.com/office/drawing/2010/main" xmlns="" w="9525">
+                  <a14:hiddenLine xmlns="" xmlns:a14="http://schemas.microsoft.com/office/drawing/2010/main" w="9525">
                     <a:solidFill>
                       <a:srgbClr val="000000"/>
                     </a:solidFill>
@@ -12340,7 +12340,7 @@
               </a:ln>
               <a:extLst>
                 <a:ext uri="{91240B29-F687-4f45-9708-019B960494DF}">
-                  <a14:hiddenLine xmlns:a14="http://schemas.microsoft.com/office/drawing/2010/main" xmlns="" w="9525">
+                  <a14:hiddenLine xmlns="" xmlns:a14="http://schemas.microsoft.com/office/drawing/2010/main" w="9525">
                     <a:solidFill>
                       <a:srgbClr val="000000"/>
                     </a:solidFill>
@@ -12430,7 +12430,7 @@
               </a:ln>
               <a:extLst>
                 <a:ext uri="{91240B29-F687-4f45-9708-019B960494DF}">
-                  <a14:hiddenLine xmlns:a14="http://schemas.microsoft.com/office/drawing/2010/main" xmlns="" w="9525">
+                  <a14:hiddenLine xmlns="" xmlns:a14="http://schemas.microsoft.com/office/drawing/2010/main" w="9525">
                     <a:solidFill>
                       <a:srgbClr val="000000"/>
                     </a:solidFill>
@@ -12498,7 +12498,7 @@
               </a:ln>
               <a:extLst>
                 <a:ext uri="{91240B29-F687-4f45-9708-019B960494DF}">
-                  <a14:hiddenLine xmlns:a14="http://schemas.microsoft.com/office/drawing/2010/main" xmlns="" w="9525">
+                  <a14:hiddenLine xmlns="" xmlns:a14="http://schemas.microsoft.com/office/drawing/2010/main" w="9525">
                     <a:solidFill>
                       <a:srgbClr val="000000"/>
                     </a:solidFill>
@@ -12588,7 +12588,7 @@
               </a:ln>
               <a:extLst>
                 <a:ext uri="{91240B29-F687-4f45-9708-019B960494DF}">
-                  <a14:hiddenLine xmlns:a14="http://schemas.microsoft.com/office/drawing/2010/main" xmlns="" w="9525">
+                  <a14:hiddenLine xmlns="" xmlns:a14="http://schemas.microsoft.com/office/drawing/2010/main" w="9525">
                     <a:solidFill>
                       <a:srgbClr val="000000"/>
                     </a:solidFill>
@@ -12656,7 +12656,7 @@
               </a:ln>
               <a:extLst>
                 <a:ext uri="{91240B29-F687-4f45-9708-019B960494DF}">
-                  <a14:hiddenLine xmlns:a14="http://schemas.microsoft.com/office/drawing/2010/main" xmlns="" w="9525">
+                  <a14:hiddenLine xmlns="" xmlns:a14="http://schemas.microsoft.com/office/drawing/2010/main" w="9525">
                     <a:solidFill>
                       <a:srgbClr val="000000"/>
                     </a:solidFill>
@@ -12746,7 +12746,7 @@
               </a:ln>
               <a:extLst>
                 <a:ext uri="{91240B29-F687-4f45-9708-019B960494DF}">
-                  <a14:hiddenLine xmlns:a14="http://schemas.microsoft.com/office/drawing/2010/main" xmlns="" w="9525">
+                  <a14:hiddenLine xmlns="" xmlns:a14="http://schemas.microsoft.com/office/drawing/2010/main" w="9525">
                     <a:solidFill>
                       <a:srgbClr val="000000"/>
                     </a:solidFill>
@@ -12780,7 +12780,7 @@
               </a:ln>
               <a:extLst>
                 <a:ext uri="{91240B29-F687-4f45-9708-019B960494DF}">
-                  <a14:hiddenLine xmlns:a14="http://schemas.microsoft.com/office/drawing/2010/main" xmlns="" w="9525">
+                  <a14:hiddenLine xmlns="" xmlns:a14="http://schemas.microsoft.com/office/drawing/2010/main" w="9525">
                     <a:solidFill>
                       <a:srgbClr val="000000"/>
                     </a:solidFill>
@@ -13359,12 +13359,8 @@
           <a:lstStyle/>
           <a:p>
             <a:r>
-              <a:rPr lang="en-US" dirty="0" err="1"/>
-              <a:t>COmmand</a:t>
-            </a:r>
-            <a:r>
               <a:rPr lang="en-US" dirty="0"/>
-              <a:t> Design Pattern </a:t>
+              <a:t>Command Design Pattern </a:t>
             </a:r>
           </a:p>
         </p:txBody>

--- a/Design Patterns/Command Design Pattern.pptx
+++ b/Design Patterns/Command Design Pattern.pptx
@@ -202,7 +202,7 @@
           <a:p>
             <a:fld id="{D9223263-2300-4AC1-BB7E-FFDBA5CF77B2}" type="datetimeFigureOut">
               <a:rPr lang="en-US" smtClean="0"/>
-              <a:t>4/30/2019</a:t>
+              <a:t>5/2/2019</a:t>
             </a:fld>
             <a:endParaRPr lang="en-US"/>
           </a:p>
@@ -515,16 +515,15 @@
           <a:p>
             <a:r>
               <a:rPr lang="en-US" dirty="0"/>
-              <a:t>The check/order at a restaurant is a good example of this.  The waiter/waitress takes an order command from the customer and encapsulates it by writing it on the check.  It is then queued to the cook for instructions on what food to make.</a:t>
+              <a:t>There are four terms used when explaining Command Design Pattern.  Using the Turn TV On example, the client defines the device and a command to be issued.  Let’s say our </a:t>
             </a:r>
-          </a:p>
-          <a:p>
-            <a:endParaRPr lang="en-US" dirty="0"/>
-          </a:p>
-          <a:p>
+            <a:r>
+              <a:rPr lang="en-US" dirty="0" err="1"/>
+              <a:t>DeviceButton</a:t>
+            </a:r>
             <a:r>
               <a:rPr lang="en-US" dirty="0"/>
-              <a:t>The check is not dependent on the menu so it can support commands to cook any food items.</a:t>
+              <a:t> Invoker class has a press method.  When the client calls this press method the invoker calls the execute command on the Command Object.  Lastly, this execute method will call the Receiver and in our case will turn the TV on.</a:t>
             </a:r>
           </a:p>
         </p:txBody>
@@ -609,6 +608,23 @@
           <a:bodyPr/>
           <a:lstStyle/>
           <a:p>
+            <a:pPr marL="0" marR="0" lvl="0" indent="0" algn="l" defTabSz="914400" rtl="0" eaLnBrk="1" fontAlgn="auto" latinLnBrk="0" hangingPunct="1">
+              <a:lnSpc>
+                <a:spcPct val="100000"/>
+              </a:lnSpc>
+              <a:spcBef>
+                <a:spcPts val="0"/>
+              </a:spcBef>
+              <a:spcAft>
+                <a:spcPts val="0"/>
+              </a:spcAft>
+              <a:buClrTx/>
+              <a:buSzTx/>
+              <a:buFontTx/>
+              <a:buNone/>
+              <a:tabLst/>
+              <a:defRPr/>
+            </a:pPr>
             <a:r>
               <a:rPr lang="en-US" sz="1200" b="0" i="0" kern="1200" dirty="0">
                 <a:solidFill>
@@ -619,7 +635,7 @@
                 <a:ea typeface="+mn-ea"/>
                 <a:cs typeface="+mn-cs"/>
               </a:rPr>
-              <a:t>Command declares an interface for all commands, providing a simple execute() method which asks the Receiver of the command to carry out an operation. The Receiver has the knowledge of what to do to carry out the request.  The Caller holds a command and can get the Command to execute a request by calling the execute method. The Client creates </a:t>
+              <a:t>The Command object declares an interface for all commands by providing a simple execute method. The Client creates </a:t>
             </a:r>
             <a:r>
               <a:rPr lang="en-US" sz="1200" b="0" i="0" kern="1200" dirty="0" err="1">
@@ -643,7 +659,66 @@
                 <a:ea typeface="+mn-ea"/>
                 <a:cs typeface="+mn-cs"/>
               </a:rPr>
-              <a:t> and sets a Receiver for the command. The </a:t>
+              <a:t> and sets a Receiver for each command.</a:t>
+            </a:r>
+          </a:p>
+          <a:p>
+            <a:pPr marL="0" marR="0" lvl="0" indent="0" algn="l" defTabSz="914400" rtl="0" eaLnBrk="1" fontAlgn="auto" latinLnBrk="0" hangingPunct="1">
+              <a:lnSpc>
+                <a:spcPct val="100000"/>
+              </a:lnSpc>
+              <a:spcBef>
+                <a:spcPts val="0"/>
+              </a:spcBef>
+              <a:spcAft>
+                <a:spcPts val="0"/>
+              </a:spcAft>
+              <a:buClrTx/>
+              <a:buSzTx/>
+              <a:buFontTx/>
+              <a:buNone/>
+              <a:tabLst/>
+              <a:defRPr/>
+            </a:pPr>
+            <a:endParaRPr lang="en-US" sz="1200" b="0" i="0" kern="1200" dirty="0">
+              <a:solidFill>
+                <a:schemeClr val="tx1"/>
+              </a:solidFill>
+              <a:effectLst/>
+              <a:latin typeface="+mn-lt"/>
+              <a:ea typeface="+mn-ea"/>
+              <a:cs typeface="+mn-cs"/>
+            </a:endParaRPr>
+          </a:p>
+          <a:p>
+            <a:pPr marL="0" marR="0" lvl="0" indent="0" algn="l" defTabSz="914400" rtl="0" eaLnBrk="1" fontAlgn="auto" latinLnBrk="0" hangingPunct="1">
+              <a:lnSpc>
+                <a:spcPct val="100000"/>
+              </a:lnSpc>
+              <a:spcBef>
+                <a:spcPts val="0"/>
+              </a:spcBef>
+              <a:spcAft>
+                <a:spcPts val="0"/>
+              </a:spcAft>
+              <a:buClrTx/>
+              <a:buSzTx/>
+              <a:buFontTx/>
+              <a:buNone/>
+              <a:tabLst/>
+              <a:defRPr/>
+            </a:pPr>
+            <a:r>
+              <a:rPr lang="en-US" sz="1200" b="0" i="0" kern="1200" dirty="0">
+                <a:solidFill>
+                  <a:schemeClr val="tx1"/>
+                </a:solidFill>
+                <a:effectLst/>
+                <a:latin typeface="+mn-lt"/>
+                <a:ea typeface="+mn-ea"/>
+                <a:cs typeface="+mn-cs"/>
+              </a:rPr>
+              <a:t>The </a:t>
             </a:r>
             <a:r>
               <a:rPr lang="en-US" sz="1200" b="0" i="0" kern="1200" dirty="0" err="1">
@@ -667,20 +742,55 @@
                 <a:ea typeface="+mn-ea"/>
                 <a:cs typeface="+mn-cs"/>
               </a:rPr>
-              <a:t> defines a binding between the action and the receiver. When the Caller calls execute the </a:t>
+              <a:t> class extends Command and defines the relationship between the Receiver object and an action.  It also implements a Execute method by calling the corresponding action on the receiver. In our TV example the receiver would be the TV and it’s action is Power On.</a:t>
             </a:r>
-            <a:r>
-              <a:rPr lang="en-US" sz="1200" b="0" i="0" kern="1200" dirty="0" err="1">
-                <a:solidFill>
-                  <a:schemeClr val="tx1"/>
-                </a:solidFill>
-                <a:effectLst/>
-                <a:latin typeface="+mn-lt"/>
-                <a:ea typeface="+mn-ea"/>
-                <a:cs typeface="+mn-cs"/>
-              </a:rPr>
-              <a:t>ConcreteCommand</a:t>
-            </a:r>
+          </a:p>
+          <a:p>
+            <a:pPr marL="0" marR="0" lvl="0" indent="0" algn="l" defTabSz="914400" rtl="0" eaLnBrk="1" fontAlgn="auto" latinLnBrk="0" hangingPunct="1">
+              <a:lnSpc>
+                <a:spcPct val="100000"/>
+              </a:lnSpc>
+              <a:spcBef>
+                <a:spcPts val="0"/>
+              </a:spcBef>
+              <a:spcAft>
+                <a:spcPts val="0"/>
+              </a:spcAft>
+              <a:buClrTx/>
+              <a:buSzTx/>
+              <a:buFontTx/>
+              <a:buNone/>
+              <a:tabLst/>
+              <a:defRPr/>
+            </a:pPr>
+            <a:endParaRPr lang="en-US" sz="1200" b="0" i="0" kern="1200" dirty="0">
+              <a:solidFill>
+                <a:schemeClr val="tx1"/>
+              </a:solidFill>
+              <a:effectLst/>
+              <a:latin typeface="+mn-lt"/>
+              <a:ea typeface="+mn-ea"/>
+              <a:cs typeface="+mn-cs"/>
+            </a:endParaRPr>
+          </a:p>
+          <a:p>
+            <a:pPr marL="0" marR="0" lvl="0" indent="0" algn="l" defTabSz="914400" rtl="0" eaLnBrk="1" fontAlgn="auto" latinLnBrk="0" hangingPunct="1">
+              <a:lnSpc>
+                <a:spcPct val="100000"/>
+              </a:lnSpc>
+              <a:spcBef>
+                <a:spcPts val="0"/>
+              </a:spcBef>
+              <a:spcAft>
+                <a:spcPts val="0"/>
+              </a:spcAft>
+              <a:buClrTx/>
+              <a:buSzTx/>
+              <a:buFontTx/>
+              <a:buNone/>
+              <a:tabLst/>
+              <a:defRPr/>
+            </a:pPr>
             <a:r>
               <a:rPr lang="en-US" sz="1200" b="0" i="0" kern="1200" dirty="0">
                 <a:solidFill>
@@ -691,7 +801,125 @@
                 <a:ea typeface="+mn-ea"/>
                 <a:cs typeface="+mn-cs"/>
               </a:rPr>
-              <a:t> will run one or more actions on the Receiver.</a:t>
+              <a:t>Lastly, the invoker holds the command and can get it to execute a request by calling its execute method.  This would be the TurnTVOn method in our example from the last slide with would set power the TV on.</a:t>
+            </a:r>
+          </a:p>
+          <a:p>
+            <a:pPr marL="0" marR="0" lvl="0" indent="0" algn="l" defTabSz="914400" rtl="0" eaLnBrk="1" fontAlgn="auto" latinLnBrk="0" hangingPunct="1">
+              <a:lnSpc>
+                <a:spcPct val="100000"/>
+              </a:lnSpc>
+              <a:spcBef>
+                <a:spcPts val="0"/>
+              </a:spcBef>
+              <a:spcAft>
+                <a:spcPts val="0"/>
+              </a:spcAft>
+              <a:buClrTx/>
+              <a:buSzTx/>
+              <a:buFontTx/>
+              <a:buNone/>
+              <a:tabLst/>
+              <a:defRPr/>
+            </a:pPr>
+            <a:endParaRPr lang="en-US" sz="1200" b="0" i="0" kern="1200" dirty="0">
+              <a:solidFill>
+                <a:schemeClr val="tx1"/>
+              </a:solidFill>
+              <a:effectLst/>
+              <a:latin typeface="+mn-lt"/>
+              <a:ea typeface="+mn-ea"/>
+              <a:cs typeface="+mn-cs"/>
+            </a:endParaRPr>
+          </a:p>
+          <a:p>
+            <a:pPr marL="0" marR="0" lvl="0" indent="0" algn="l" defTabSz="914400" rtl="0" eaLnBrk="1" fontAlgn="auto" latinLnBrk="0" hangingPunct="1">
+              <a:lnSpc>
+                <a:spcPct val="100000"/>
+              </a:lnSpc>
+              <a:spcBef>
+                <a:spcPts val="0"/>
+              </a:spcBef>
+              <a:spcAft>
+                <a:spcPts val="0"/>
+              </a:spcAft>
+              <a:buClrTx/>
+              <a:buSzTx/>
+              <a:buFontTx/>
+              <a:buNone/>
+              <a:tabLst/>
+              <a:defRPr/>
+            </a:pPr>
+            <a:r>
+              <a:rPr lang="en-US" sz="1200" b="0" i="0" kern="1200" dirty="0">
+                <a:solidFill>
+                  <a:schemeClr val="tx1"/>
+                </a:solidFill>
+                <a:effectLst/>
+                <a:latin typeface="+mn-lt"/>
+                <a:ea typeface="+mn-ea"/>
+                <a:cs typeface="+mn-cs"/>
+              </a:rPr>
+              <a:t>This design is beneficial as the creation of a command and its execution are not dependent on each other.  This means that the Command instance can be instantiated by Client, but run sometime later by the Invoker, and the Client and Invoker don’t need to know about each other.</a:t>
+            </a:r>
+          </a:p>
+          <a:p>
+            <a:pPr marL="0" marR="0" lvl="0" indent="0" algn="l" defTabSz="914400" rtl="0" eaLnBrk="1" fontAlgn="auto" latinLnBrk="0" hangingPunct="1">
+              <a:lnSpc>
+                <a:spcPct val="100000"/>
+              </a:lnSpc>
+              <a:spcBef>
+                <a:spcPts val="0"/>
+              </a:spcBef>
+              <a:spcAft>
+                <a:spcPts val="0"/>
+              </a:spcAft>
+              <a:buClrTx/>
+              <a:buSzTx/>
+              <a:buFontTx/>
+              <a:buNone/>
+              <a:tabLst/>
+              <a:defRPr/>
+            </a:pPr>
+            <a:endParaRPr lang="en-US" sz="1200" b="0" i="0" kern="1200" dirty="0">
+              <a:solidFill>
+                <a:schemeClr val="tx1"/>
+              </a:solidFill>
+              <a:effectLst/>
+              <a:latin typeface="+mn-lt"/>
+              <a:ea typeface="+mn-ea"/>
+              <a:cs typeface="+mn-cs"/>
+            </a:endParaRPr>
+          </a:p>
+          <a:p>
+            <a:pPr marL="0" marR="0" lvl="0" indent="0" algn="l" defTabSz="914400" rtl="0" eaLnBrk="1" fontAlgn="auto" latinLnBrk="0" hangingPunct="1">
+              <a:lnSpc>
+                <a:spcPct val="100000"/>
+              </a:lnSpc>
+              <a:spcBef>
+                <a:spcPts val="0"/>
+              </a:spcBef>
+              <a:spcAft>
+                <a:spcPts val="0"/>
+              </a:spcAft>
+              <a:buClrTx/>
+              <a:buSzTx/>
+              <a:buFontTx/>
+              <a:buNone/>
+              <a:tabLst/>
+              <a:defRPr/>
+            </a:pPr>
+            <a:r>
+              <a:rPr lang="en-US" sz="1200" b="0" i="0" kern="1200" dirty="0">
+                <a:solidFill>
+                  <a:schemeClr val="tx1"/>
+                </a:solidFill>
+                <a:effectLst/>
+                <a:latin typeface="+mn-lt"/>
+                <a:ea typeface="+mn-ea"/>
+                <a:cs typeface="+mn-cs"/>
+              </a:rPr>
+              <a:t>This pattern also allows for extensibility as we can add a new command without changing the existing code.  It also supports a queue system so that a sequence of commands can be implemented.</a:t>
             </a:r>
           </a:p>
         </p:txBody>
@@ -778,7 +1006,7 @@
           <a:p>
             <a:r>
               <a:rPr lang="en-US" dirty="0"/>
-              <a:t>First, we have our command interface which holds all commands.</a:t>
+              <a:t>First, we have our command interface for all commands which implements a simple execute method.</a:t>
             </a:r>
           </a:p>
           <a:p>
@@ -803,7 +1031,7 @@
             </a:r>
             <a:r>
               <a:rPr lang="en-US" dirty="0"/>
-              <a:t>, extends command in this case to turn lights on and off.</a:t>
+              <a:t>, extends command in this case to switch a light on through the execute method.</a:t>
             </a:r>
           </a:p>
           <a:p>
@@ -812,7 +1040,11 @@
           <a:p>
             <a:r>
               <a:rPr lang="en-US" dirty="0"/>
-              <a:t>Then our receiver class contains the logic to carry out the command.</a:t>
+              <a:t>Then our receiver class contains the logic to carry out the command.  Here we define the receiver action of setting the on attribute of </a:t>
+            </a:r>
+            <a:r>
+              <a:rPr lang="en-US"/>
+              <a:t>the light.  </a:t>
             </a:r>
           </a:p>
           <a:p>
@@ -927,19 +1159,11 @@
             </a:pPr>
             <a:r>
               <a:rPr lang="en-US" dirty="0"/>
-              <a:t>Yes, this </a:t>
+              <a:t>Client, Invoker, Command, </a:t>
             </a:r>
             <a:r>
-              <a:rPr lang="en-US" sz="1200" b="0" i="0" kern="1200" dirty="0">
-                <a:solidFill>
-                  <a:schemeClr val="tx1"/>
-                </a:solidFill>
-                <a:effectLst/>
-                <a:latin typeface="+mn-lt"/>
-                <a:ea typeface="+mn-ea"/>
-                <a:cs typeface="+mn-cs"/>
-              </a:rPr>
-              <a:t>allows clients to be parametrized with different requests</a:t>
+              <a:rPr lang="en-US" dirty="0" err="1"/>
+              <a:t>Reciever</a:t>
             </a:r>
             <a:endParaRPr lang="en-US" dirty="0"/>
           </a:p>
@@ -962,7 +1186,7 @@
                 <a:ea typeface="+mn-ea"/>
                 <a:cs typeface="+mn-cs"/>
               </a:rPr>
-              <a:t> commands are created by one client that knows what need to be done (client), and passed to another client that has the resources for doing it (receiver).</a:t>
+              <a:t> commands are created by the client and executed by the invoker.</a:t>
             </a:r>
           </a:p>
           <a:p>
@@ -1162,7 +1386,7 @@
           <a:noFill/>
           <a:extLst>
             <a:ext uri="{909E8E84-426E-40dd-AFC4-6F175D3DCCD1}">
-              <a14:hiddenFill xmlns="" xmlns:a14="http://schemas.microsoft.com/office/drawing/2010/main">
+              <a14:hiddenFill xmlns:a14="http://schemas.microsoft.com/office/drawing/2010/main" xmlns="">
                 <a:solidFill>
                   <a:srgbClr val="FFFFFF"/>
                 </a:solidFill>
@@ -1221,7 +1445,7 @@
             </a:ln>
             <a:extLst>
               <a:ext uri="{91240B29-F687-4f45-9708-019B960494DF}">
-                <a14:hiddenLine xmlns="" xmlns:a14="http://schemas.microsoft.com/office/drawing/2010/main" w="9525">
+                <a14:hiddenLine xmlns:a14="http://schemas.microsoft.com/office/drawing/2010/main" xmlns="" w="9525">
                   <a:solidFill>
                     <a:srgbClr val="000000"/>
                   </a:solidFill>
@@ -1311,7 +1535,7 @@
             </a:ln>
             <a:extLst>
               <a:ext uri="{91240B29-F687-4f45-9708-019B960494DF}">
-                <a14:hiddenLine xmlns="" xmlns:a14="http://schemas.microsoft.com/office/drawing/2010/main" w="9525">
+                <a14:hiddenLine xmlns:a14="http://schemas.microsoft.com/office/drawing/2010/main" xmlns="" w="9525">
                   <a:solidFill>
                     <a:srgbClr val="000000"/>
                   </a:solidFill>
@@ -1401,7 +1625,7 @@
             </a:ln>
             <a:extLst>
               <a:ext uri="{91240B29-F687-4f45-9708-019B960494DF}">
-                <a14:hiddenLine xmlns="" xmlns:a14="http://schemas.microsoft.com/office/drawing/2010/main" w="9525">
+                <a14:hiddenLine xmlns:a14="http://schemas.microsoft.com/office/drawing/2010/main" xmlns="" w="9525">
                   <a:solidFill>
                     <a:srgbClr val="000000"/>
                   </a:solidFill>
@@ -1435,7 +1659,7 @@
             </a:ln>
             <a:extLst>
               <a:ext uri="{91240B29-F687-4f45-9708-019B960494DF}">
-                <a14:hiddenLine xmlns="" xmlns:a14="http://schemas.microsoft.com/office/drawing/2010/main" w="9525">
+                <a14:hiddenLine xmlns:a14="http://schemas.microsoft.com/office/drawing/2010/main" xmlns="" w="9525">
                   <a:solidFill>
                     <a:srgbClr val="000000"/>
                   </a:solidFill>
@@ -1525,7 +1749,7 @@
             </a:ln>
             <a:extLst>
               <a:ext uri="{91240B29-F687-4f45-9708-019B960494DF}">
-                <a14:hiddenLine xmlns="" xmlns:a14="http://schemas.microsoft.com/office/drawing/2010/main" w="9525">
+                <a14:hiddenLine xmlns:a14="http://schemas.microsoft.com/office/drawing/2010/main" xmlns="" w="9525">
                   <a:solidFill>
                     <a:srgbClr val="000000"/>
                   </a:solidFill>
@@ -1587,7 +1811,7 @@
             </a:ln>
             <a:extLst>
               <a:ext uri="{91240B29-F687-4f45-9708-019B960494DF}">
-                <a14:hiddenLine xmlns="" xmlns:a14="http://schemas.microsoft.com/office/drawing/2010/main" w="9525">
+                <a14:hiddenLine xmlns:a14="http://schemas.microsoft.com/office/drawing/2010/main" xmlns="" w="9525">
                   <a:solidFill>
                     <a:srgbClr val="000000"/>
                   </a:solidFill>
@@ -1649,7 +1873,7 @@
             </a:ln>
             <a:extLst>
               <a:ext uri="{91240B29-F687-4f45-9708-019B960494DF}">
-                <a14:hiddenLine xmlns="" xmlns:a14="http://schemas.microsoft.com/office/drawing/2010/main" w="9525">
+                <a14:hiddenLine xmlns:a14="http://schemas.microsoft.com/office/drawing/2010/main" xmlns="" w="9525">
                   <a:solidFill>
                     <a:srgbClr val="000000"/>
                   </a:solidFill>
@@ -1739,7 +1963,7 @@
             </a:ln>
             <a:extLst>
               <a:ext uri="{91240B29-F687-4f45-9708-019B960494DF}">
-                <a14:hiddenLine xmlns="" xmlns:a14="http://schemas.microsoft.com/office/drawing/2010/main" w="9525">
+                <a14:hiddenLine xmlns:a14="http://schemas.microsoft.com/office/drawing/2010/main" xmlns="" w="9525">
                   <a:solidFill>
                     <a:srgbClr val="000000"/>
                   </a:solidFill>
@@ -1801,7 +2025,7 @@
             </a:ln>
             <a:extLst>
               <a:ext uri="{91240B29-F687-4f45-9708-019B960494DF}">
-                <a14:hiddenLine xmlns="" xmlns:a14="http://schemas.microsoft.com/office/drawing/2010/main" w="9525">
+                <a14:hiddenLine xmlns:a14="http://schemas.microsoft.com/office/drawing/2010/main" xmlns="" w="9525">
                   <a:solidFill>
                     <a:srgbClr val="000000"/>
                   </a:solidFill>
@@ -1863,7 +2087,7 @@
             </a:ln>
             <a:extLst>
               <a:ext uri="{91240B29-F687-4f45-9708-019B960494DF}">
-                <a14:hiddenLine xmlns="" xmlns:a14="http://schemas.microsoft.com/office/drawing/2010/main" w="9525">
+                <a14:hiddenLine xmlns:a14="http://schemas.microsoft.com/office/drawing/2010/main" xmlns="" w="9525">
                   <a:solidFill>
                     <a:srgbClr val="000000"/>
                   </a:solidFill>
@@ -1953,7 +2177,7 @@
             </a:ln>
             <a:extLst>
               <a:ext uri="{91240B29-F687-4f45-9708-019B960494DF}">
-                <a14:hiddenLine xmlns="" xmlns:a14="http://schemas.microsoft.com/office/drawing/2010/main" w="9525">
+                <a14:hiddenLine xmlns:a14="http://schemas.microsoft.com/office/drawing/2010/main" xmlns="" w="9525">
                   <a:solidFill>
                     <a:srgbClr val="000000"/>
                   </a:solidFill>
@@ -2043,7 +2267,7 @@
             </a:ln>
             <a:extLst>
               <a:ext uri="{91240B29-F687-4f45-9708-019B960494DF}">
-                <a14:hiddenLine xmlns="" xmlns:a14="http://schemas.microsoft.com/office/drawing/2010/main" w="9525">
+                <a14:hiddenLine xmlns:a14="http://schemas.microsoft.com/office/drawing/2010/main" xmlns="" w="9525">
                   <a:solidFill>
                     <a:srgbClr val="000000"/>
                   </a:solidFill>
@@ -2105,7 +2329,7 @@
             </a:ln>
             <a:extLst>
               <a:ext uri="{91240B29-F687-4f45-9708-019B960494DF}">
-                <a14:hiddenLine xmlns="" xmlns:a14="http://schemas.microsoft.com/office/drawing/2010/main" w="9525">
+                <a14:hiddenLine xmlns:a14="http://schemas.microsoft.com/office/drawing/2010/main" xmlns="" w="9525">
                   <a:solidFill>
                     <a:srgbClr val="000000"/>
                   </a:solidFill>
@@ -2215,7 +2439,7 @@
             </a:ln>
             <a:extLst>
               <a:ext uri="{91240B29-F687-4f45-9708-019B960494DF}">
-                <a14:hiddenLine xmlns="" xmlns:a14="http://schemas.microsoft.com/office/drawing/2010/main" w="9525">
+                <a14:hiddenLine xmlns:a14="http://schemas.microsoft.com/office/drawing/2010/main" xmlns="" w="9525">
                   <a:solidFill>
                     <a:srgbClr val="000000"/>
                   </a:solidFill>
@@ -2277,7 +2501,7 @@
             </a:ln>
             <a:extLst>
               <a:ext uri="{91240B29-F687-4f45-9708-019B960494DF}">
-                <a14:hiddenLine xmlns="" xmlns:a14="http://schemas.microsoft.com/office/drawing/2010/main" w="9525">
+                <a14:hiddenLine xmlns:a14="http://schemas.microsoft.com/office/drawing/2010/main" xmlns="" w="9525">
                   <a:solidFill>
                     <a:srgbClr val="000000"/>
                   </a:solidFill>
@@ -2367,7 +2591,7 @@
             </a:ln>
             <a:extLst>
               <a:ext uri="{91240B29-F687-4f45-9708-019B960494DF}">
-                <a14:hiddenLine xmlns="" xmlns:a14="http://schemas.microsoft.com/office/drawing/2010/main" w="9525">
+                <a14:hiddenLine xmlns:a14="http://schemas.microsoft.com/office/drawing/2010/main" xmlns="" w="9525">
                   <a:solidFill>
                     <a:srgbClr val="000000"/>
                   </a:solidFill>
@@ -2457,7 +2681,7 @@
             </a:ln>
             <a:extLst>
               <a:ext uri="{91240B29-F687-4f45-9708-019B960494DF}">
-                <a14:hiddenLine xmlns="" xmlns:a14="http://schemas.microsoft.com/office/drawing/2010/main" w="9525">
+                <a14:hiddenLine xmlns:a14="http://schemas.microsoft.com/office/drawing/2010/main" xmlns="" w="9525">
                   <a:solidFill>
                     <a:srgbClr val="000000"/>
                   </a:solidFill>
@@ -2519,7 +2743,7 @@
             </a:ln>
             <a:extLst>
               <a:ext uri="{91240B29-F687-4f45-9708-019B960494DF}">
-                <a14:hiddenLine xmlns="" xmlns:a14="http://schemas.microsoft.com/office/drawing/2010/main" w="9525">
+                <a14:hiddenLine xmlns:a14="http://schemas.microsoft.com/office/drawing/2010/main" xmlns="" w="9525">
                   <a:solidFill>
                     <a:srgbClr val="000000"/>
                   </a:solidFill>
@@ -2609,7 +2833,7 @@
             </a:ln>
             <a:extLst>
               <a:ext uri="{91240B29-F687-4f45-9708-019B960494DF}">
-                <a14:hiddenLine xmlns="" xmlns:a14="http://schemas.microsoft.com/office/drawing/2010/main" w="9525">
+                <a14:hiddenLine xmlns:a14="http://schemas.microsoft.com/office/drawing/2010/main" xmlns="" w="9525">
                   <a:solidFill>
                     <a:srgbClr val="000000"/>
                   </a:solidFill>
@@ -2699,7 +2923,7 @@
             </a:ln>
             <a:extLst>
               <a:ext uri="{91240B29-F687-4f45-9708-019B960494DF}">
-                <a14:hiddenLine xmlns="" xmlns:a14="http://schemas.microsoft.com/office/drawing/2010/main" w="9525">
+                <a14:hiddenLine xmlns:a14="http://schemas.microsoft.com/office/drawing/2010/main" xmlns="" w="9525">
                   <a:solidFill>
                     <a:srgbClr val="000000"/>
                   </a:solidFill>
@@ -2755,7 +2979,7 @@
             </a:ln>
             <a:extLst>
               <a:ext uri="{91240B29-F687-4f45-9708-019B960494DF}">
-                <a14:hiddenLine xmlns="" xmlns:a14="http://schemas.microsoft.com/office/drawing/2010/main" w="9525">
+                <a14:hiddenLine xmlns:a14="http://schemas.microsoft.com/office/drawing/2010/main" xmlns="" w="9525">
                   <a:solidFill>
                     <a:srgbClr val="000000"/>
                   </a:solidFill>
@@ -2845,7 +3069,7 @@
             </a:ln>
             <a:extLst>
               <a:ext uri="{91240B29-F687-4f45-9708-019B960494DF}">
-                <a14:hiddenLine xmlns="" xmlns:a14="http://schemas.microsoft.com/office/drawing/2010/main" w="9525">
+                <a14:hiddenLine xmlns:a14="http://schemas.microsoft.com/office/drawing/2010/main" xmlns="" w="9525">
                   <a:solidFill>
                     <a:srgbClr val="000000"/>
                   </a:solidFill>
@@ -2901,7 +3125,7 @@
             </a:ln>
             <a:extLst>
               <a:ext uri="{91240B29-F687-4f45-9708-019B960494DF}">
-                <a14:hiddenLine xmlns="" xmlns:a14="http://schemas.microsoft.com/office/drawing/2010/main" w="9525">
+                <a14:hiddenLine xmlns:a14="http://schemas.microsoft.com/office/drawing/2010/main" xmlns="" w="9525">
                   <a:solidFill>
                     <a:srgbClr val="000000"/>
                   </a:solidFill>
@@ -2991,7 +3215,7 @@
             </a:ln>
             <a:extLst>
               <a:ext uri="{91240B29-F687-4f45-9708-019B960494DF}">
-                <a14:hiddenLine xmlns="" xmlns:a14="http://schemas.microsoft.com/office/drawing/2010/main" w="9525">
+                <a14:hiddenLine xmlns:a14="http://schemas.microsoft.com/office/drawing/2010/main" xmlns="" w="9525">
                   <a:solidFill>
                     <a:srgbClr val="000000"/>
                   </a:solidFill>
@@ -3059,7 +3283,7 @@
             </a:ln>
             <a:extLst>
               <a:ext uri="{91240B29-F687-4f45-9708-019B960494DF}">
-                <a14:hiddenLine xmlns="" xmlns:a14="http://schemas.microsoft.com/office/drawing/2010/main" w="9525">
+                <a14:hiddenLine xmlns:a14="http://schemas.microsoft.com/office/drawing/2010/main" xmlns="" w="9525">
                   <a:solidFill>
                     <a:srgbClr val="000000"/>
                   </a:solidFill>
@@ -3149,7 +3373,7 @@
             </a:ln>
             <a:extLst>
               <a:ext uri="{91240B29-F687-4f45-9708-019B960494DF}">
-                <a14:hiddenLine xmlns="" xmlns:a14="http://schemas.microsoft.com/office/drawing/2010/main" w="9525">
+                <a14:hiddenLine xmlns:a14="http://schemas.microsoft.com/office/drawing/2010/main" xmlns="" w="9525">
                   <a:solidFill>
                     <a:srgbClr val="000000"/>
                   </a:solidFill>
@@ -3217,7 +3441,7 @@
             </a:ln>
             <a:extLst>
               <a:ext uri="{91240B29-F687-4f45-9708-019B960494DF}">
-                <a14:hiddenLine xmlns="" xmlns:a14="http://schemas.microsoft.com/office/drawing/2010/main" w="9525">
+                <a14:hiddenLine xmlns:a14="http://schemas.microsoft.com/office/drawing/2010/main" xmlns="" w="9525">
                   <a:solidFill>
                     <a:srgbClr val="000000"/>
                   </a:solidFill>
@@ -3307,7 +3531,7 @@
             </a:ln>
             <a:extLst>
               <a:ext uri="{91240B29-F687-4f45-9708-019B960494DF}">
-                <a14:hiddenLine xmlns="" xmlns:a14="http://schemas.microsoft.com/office/drawing/2010/main" w="9525">
+                <a14:hiddenLine xmlns:a14="http://schemas.microsoft.com/office/drawing/2010/main" xmlns="" w="9525">
                   <a:solidFill>
                     <a:srgbClr val="000000"/>
                   </a:solidFill>
@@ -3341,7 +3565,7 @@
             </a:ln>
             <a:extLst>
               <a:ext uri="{91240B29-F687-4f45-9708-019B960494DF}">
-                <a14:hiddenLine xmlns="" xmlns:a14="http://schemas.microsoft.com/office/drawing/2010/main" w="9525">
+                <a14:hiddenLine xmlns:a14="http://schemas.microsoft.com/office/drawing/2010/main" xmlns="" w="9525">
                   <a:solidFill>
                     <a:srgbClr val="000000"/>
                   </a:solidFill>
@@ -3431,7 +3655,7 @@
             </a:ln>
             <a:extLst>
               <a:ext uri="{91240B29-F687-4f45-9708-019B960494DF}">
-                <a14:hiddenLine xmlns="" xmlns:a14="http://schemas.microsoft.com/office/drawing/2010/main" w="9525">
+                <a14:hiddenLine xmlns:a14="http://schemas.microsoft.com/office/drawing/2010/main" xmlns="" w="9525">
                   <a:solidFill>
                     <a:srgbClr val="000000"/>
                   </a:solidFill>
@@ -3493,7 +3717,7 @@
             </a:ln>
             <a:extLst>
               <a:ext uri="{91240B29-F687-4f45-9708-019B960494DF}">
-                <a14:hiddenLine xmlns="" xmlns:a14="http://schemas.microsoft.com/office/drawing/2010/main" w="9525">
+                <a14:hiddenLine xmlns:a14="http://schemas.microsoft.com/office/drawing/2010/main" xmlns="" w="9525">
                   <a:solidFill>
                     <a:srgbClr val="000000"/>
                   </a:solidFill>
@@ -3555,7 +3779,7 @@
             </a:ln>
             <a:extLst>
               <a:ext uri="{91240B29-F687-4f45-9708-019B960494DF}">
-                <a14:hiddenLine xmlns="" xmlns:a14="http://schemas.microsoft.com/office/drawing/2010/main" w="9525">
+                <a14:hiddenLine xmlns:a14="http://schemas.microsoft.com/office/drawing/2010/main" xmlns="" w="9525">
                   <a:solidFill>
                     <a:srgbClr val="000000"/>
                   </a:solidFill>
@@ -3645,7 +3869,7 @@
             </a:ln>
             <a:extLst>
               <a:ext uri="{91240B29-F687-4f45-9708-019B960494DF}">
-                <a14:hiddenLine xmlns="" xmlns:a14="http://schemas.microsoft.com/office/drawing/2010/main" w="9525">
+                <a14:hiddenLine xmlns:a14="http://schemas.microsoft.com/office/drawing/2010/main" xmlns="" w="9525">
                   <a:solidFill>
                     <a:srgbClr val="000000"/>
                   </a:solidFill>
@@ -3713,7 +3937,7 @@
             </a:ln>
             <a:extLst>
               <a:ext uri="{91240B29-F687-4f45-9708-019B960494DF}">
-                <a14:hiddenLine xmlns="" xmlns:a14="http://schemas.microsoft.com/office/drawing/2010/main" w="9525">
+                <a14:hiddenLine xmlns:a14="http://schemas.microsoft.com/office/drawing/2010/main" xmlns="" w="9525">
                   <a:solidFill>
                     <a:srgbClr val="000000"/>
                   </a:solidFill>
@@ -3775,7 +3999,7 @@
             </a:ln>
             <a:extLst>
               <a:ext uri="{91240B29-F687-4f45-9708-019B960494DF}">
-                <a14:hiddenLine xmlns="" xmlns:a14="http://schemas.microsoft.com/office/drawing/2010/main" w="9525">
+                <a14:hiddenLine xmlns:a14="http://schemas.microsoft.com/office/drawing/2010/main" xmlns="" w="9525">
                   <a:solidFill>
                     <a:srgbClr val="000000"/>
                   </a:solidFill>
@@ -3865,7 +4089,7 @@
             </a:ln>
             <a:extLst>
               <a:ext uri="{91240B29-F687-4f45-9708-019B960494DF}">
-                <a14:hiddenLine xmlns="" xmlns:a14="http://schemas.microsoft.com/office/drawing/2010/main" w="9525">
+                <a14:hiddenLine xmlns:a14="http://schemas.microsoft.com/office/drawing/2010/main" xmlns="" w="9525">
                   <a:solidFill>
                     <a:srgbClr val="000000"/>
                   </a:solidFill>
@@ -3927,7 +4151,7 @@
             </a:ln>
             <a:extLst>
               <a:ext uri="{91240B29-F687-4f45-9708-019B960494DF}">
-                <a14:hiddenLine xmlns="" xmlns:a14="http://schemas.microsoft.com/office/drawing/2010/main" w="9525">
+                <a14:hiddenLine xmlns:a14="http://schemas.microsoft.com/office/drawing/2010/main" xmlns="" w="9525">
                   <a:solidFill>
                     <a:srgbClr val="000000"/>
                   </a:solidFill>
@@ -4017,7 +4241,7 @@
             </a:ln>
             <a:extLst>
               <a:ext uri="{91240B29-F687-4f45-9708-019B960494DF}">
-                <a14:hiddenLine xmlns="" xmlns:a14="http://schemas.microsoft.com/office/drawing/2010/main" w="9525">
+                <a14:hiddenLine xmlns:a14="http://schemas.microsoft.com/office/drawing/2010/main" xmlns="" w="9525">
                   <a:solidFill>
                     <a:srgbClr val="000000"/>
                   </a:solidFill>
@@ -4079,7 +4303,7 @@
             </a:ln>
             <a:extLst>
               <a:ext uri="{91240B29-F687-4f45-9708-019B960494DF}">
-                <a14:hiddenLine xmlns="" xmlns:a14="http://schemas.microsoft.com/office/drawing/2010/main" w="9525">
+                <a14:hiddenLine xmlns:a14="http://schemas.microsoft.com/office/drawing/2010/main" xmlns="" w="9525">
                   <a:solidFill>
                     <a:srgbClr val="000000"/>
                   </a:solidFill>
@@ -4169,7 +4393,7 @@
             </a:ln>
             <a:extLst>
               <a:ext uri="{91240B29-F687-4f45-9708-019B960494DF}">
-                <a14:hiddenLine xmlns="" xmlns:a14="http://schemas.microsoft.com/office/drawing/2010/main" w="9525">
+                <a14:hiddenLine xmlns:a14="http://schemas.microsoft.com/office/drawing/2010/main" xmlns="" w="9525">
                   <a:solidFill>
                     <a:srgbClr val="000000"/>
                   </a:solidFill>
@@ -4203,7 +4427,7 @@
             </a:ln>
             <a:extLst>
               <a:ext uri="{91240B29-F687-4f45-9708-019B960494DF}">
-                <a14:hiddenLine xmlns="" xmlns:a14="http://schemas.microsoft.com/office/drawing/2010/main" w="9525">
+                <a14:hiddenLine xmlns:a14="http://schemas.microsoft.com/office/drawing/2010/main" xmlns="" w="9525">
                   <a:solidFill>
                     <a:srgbClr val="000000"/>
                   </a:solidFill>
@@ -4268,7 +4492,7 @@
             </a:ln>
             <a:extLst>
               <a:ext uri="{91240B29-F687-4f45-9708-019B960494DF}">
-                <a14:hiddenLine xmlns="" xmlns:a14="http://schemas.microsoft.com/office/drawing/2010/main" w="9525">
+                <a14:hiddenLine xmlns:a14="http://schemas.microsoft.com/office/drawing/2010/main" xmlns="" w="9525">
                   <a:solidFill>
                     <a:srgbClr val="000000"/>
                   </a:solidFill>
@@ -4358,7 +4582,7 @@
             </a:ln>
             <a:extLst>
               <a:ext uri="{91240B29-F687-4f45-9708-019B960494DF}">
-                <a14:hiddenLine xmlns="" xmlns:a14="http://schemas.microsoft.com/office/drawing/2010/main" w="9525">
+                <a14:hiddenLine xmlns:a14="http://schemas.microsoft.com/office/drawing/2010/main" xmlns="" w="9525">
                   <a:solidFill>
                     <a:srgbClr val="000000"/>
                   </a:solidFill>
@@ -4420,7 +4644,7 @@
             </a:ln>
             <a:extLst>
               <a:ext uri="{91240B29-F687-4f45-9708-019B960494DF}">
-                <a14:hiddenLine xmlns="" xmlns:a14="http://schemas.microsoft.com/office/drawing/2010/main" w="9525">
+                <a14:hiddenLine xmlns:a14="http://schemas.microsoft.com/office/drawing/2010/main" xmlns="" w="9525">
                   <a:solidFill>
                     <a:srgbClr val="000000"/>
                   </a:solidFill>
@@ -4510,7 +4734,7 @@
             </a:ln>
             <a:extLst>
               <a:ext uri="{91240B29-F687-4f45-9708-019B960494DF}">
-                <a14:hiddenLine xmlns="" xmlns:a14="http://schemas.microsoft.com/office/drawing/2010/main" w="9525">
+                <a14:hiddenLine xmlns:a14="http://schemas.microsoft.com/office/drawing/2010/main" xmlns="" w="9525">
                   <a:solidFill>
                     <a:srgbClr val="000000"/>
                   </a:solidFill>
@@ -4600,7 +4824,7 @@
             </a:ln>
             <a:extLst>
               <a:ext uri="{91240B29-F687-4f45-9708-019B960494DF}">
-                <a14:hiddenLine xmlns="" xmlns:a14="http://schemas.microsoft.com/office/drawing/2010/main" w="9525">
+                <a14:hiddenLine xmlns:a14="http://schemas.microsoft.com/office/drawing/2010/main" xmlns="" w="9525">
                   <a:solidFill>
                     <a:srgbClr val="000000"/>
                   </a:solidFill>
@@ -4665,7 +4889,7 @@
             </a:ln>
             <a:extLst>
               <a:ext uri="{91240B29-F687-4f45-9708-019B960494DF}">
-                <a14:hiddenLine xmlns="" xmlns:a14="http://schemas.microsoft.com/office/drawing/2010/main" w="9525">
+                <a14:hiddenLine xmlns:a14="http://schemas.microsoft.com/office/drawing/2010/main" xmlns="" w="9525">
                   <a:solidFill>
                     <a:srgbClr val="000000"/>
                   </a:solidFill>
@@ -4727,7 +4951,7 @@
             </a:ln>
             <a:extLst>
               <a:ext uri="{91240B29-F687-4f45-9708-019B960494DF}">
-                <a14:hiddenLine xmlns="" xmlns:a14="http://schemas.microsoft.com/office/drawing/2010/main" w="9525">
+                <a14:hiddenLine xmlns:a14="http://schemas.microsoft.com/office/drawing/2010/main" xmlns="" w="9525">
                   <a:solidFill>
                     <a:srgbClr val="000000"/>
                   </a:solidFill>
@@ -4817,7 +5041,7 @@
             </a:ln>
             <a:extLst>
               <a:ext uri="{91240B29-F687-4f45-9708-019B960494DF}">
-                <a14:hiddenLine xmlns="" xmlns:a14="http://schemas.microsoft.com/office/drawing/2010/main" w="9525">
+                <a14:hiddenLine xmlns:a14="http://schemas.microsoft.com/office/drawing/2010/main" xmlns="" w="9525">
                   <a:solidFill>
                     <a:srgbClr val="000000"/>
                   </a:solidFill>
@@ -4907,7 +5131,7 @@
             </a:ln>
             <a:extLst>
               <a:ext uri="{91240B29-F687-4f45-9708-019B960494DF}">
-                <a14:hiddenLine xmlns="" xmlns:a14="http://schemas.microsoft.com/office/drawing/2010/main" w="9525">
+                <a14:hiddenLine xmlns:a14="http://schemas.microsoft.com/office/drawing/2010/main" xmlns="" w="9525">
                   <a:solidFill>
                     <a:srgbClr val="000000"/>
                   </a:solidFill>
@@ -4969,7 +5193,7 @@
             </a:ln>
             <a:extLst>
               <a:ext uri="{91240B29-F687-4f45-9708-019B960494DF}">
-                <a14:hiddenLine xmlns="" xmlns:a14="http://schemas.microsoft.com/office/drawing/2010/main" w="9525">
+                <a14:hiddenLine xmlns:a14="http://schemas.microsoft.com/office/drawing/2010/main" xmlns="" w="9525">
                   <a:solidFill>
                     <a:srgbClr val="000000"/>
                   </a:solidFill>
@@ -5089,7 +5313,7 @@
             </a:ln>
             <a:extLst>
               <a:ext uri="{91240B29-F687-4f45-9708-019B960494DF}">
-                <a14:hiddenLine xmlns="" xmlns:a14="http://schemas.microsoft.com/office/drawing/2010/main" w="9525">
+                <a14:hiddenLine xmlns:a14="http://schemas.microsoft.com/office/drawing/2010/main" xmlns="" w="9525">
                   <a:solidFill>
                     <a:srgbClr val="000000"/>
                   </a:solidFill>
@@ -5157,7 +5381,7 @@
             </a:ln>
             <a:extLst>
               <a:ext uri="{91240B29-F687-4f45-9708-019B960494DF}">
-                <a14:hiddenLine xmlns="" xmlns:a14="http://schemas.microsoft.com/office/drawing/2010/main" w="9525">
+                <a14:hiddenLine xmlns:a14="http://schemas.microsoft.com/office/drawing/2010/main" xmlns="" w="9525">
                   <a:solidFill>
                     <a:srgbClr val="000000"/>
                   </a:solidFill>
@@ -5247,7 +5471,7 @@
             </a:ln>
             <a:extLst>
               <a:ext uri="{91240B29-F687-4f45-9708-019B960494DF}">
-                <a14:hiddenLine xmlns="" xmlns:a14="http://schemas.microsoft.com/office/drawing/2010/main" w="9525">
+                <a14:hiddenLine xmlns:a14="http://schemas.microsoft.com/office/drawing/2010/main" xmlns="" w="9525">
                   <a:solidFill>
                     <a:srgbClr val="000000"/>
                   </a:solidFill>
@@ -5387,7 +5611,7 @@
           <a:p>
             <a:fld id="{48A87A34-81AB-432B-8DAE-1953F412C126}" type="datetimeFigureOut">
               <a:rPr lang="en-US" dirty="0"/>
-              <a:t>4/30/2019</a:t>
+              <a:t>5/2/2019</a:t>
             </a:fld>
             <a:endParaRPr lang="en-US" dirty="0"/>
           </a:p>
@@ -5649,7 +5873,7 @@
           <a:p>
             <a:fld id="{48A87A34-81AB-432B-8DAE-1953F412C126}" type="datetimeFigureOut">
               <a:rPr lang="en-US" dirty="0"/>
-              <a:t>4/30/2019</a:t>
+              <a:t>5/2/2019</a:t>
             </a:fld>
             <a:endParaRPr lang="en-US" dirty="0"/>
           </a:p>
@@ -5840,7 +6064,7 @@
           <a:p>
             <a:fld id="{48A87A34-81AB-432B-8DAE-1953F412C126}" type="datetimeFigureOut">
               <a:rPr lang="en-US" dirty="0"/>
-              <a:t>4/30/2019</a:t>
+              <a:t>5/2/2019</a:t>
             </a:fld>
             <a:endParaRPr lang="en-US" dirty="0"/>
           </a:p>
@@ -6098,7 +6322,7 @@
           <a:p>
             <a:fld id="{48A87A34-81AB-432B-8DAE-1953F412C126}" type="datetimeFigureOut">
               <a:rPr lang="en-US" dirty="0"/>
-              <a:t>4/30/2019</a:t>
+              <a:t>5/2/2019</a:t>
             </a:fld>
             <a:endParaRPr lang="en-US" dirty="0"/>
           </a:p>
@@ -6527,7 +6751,7 @@
           <a:p>
             <a:fld id="{48A87A34-81AB-432B-8DAE-1953F412C126}" type="datetimeFigureOut">
               <a:rPr lang="en-US" dirty="0"/>
-              <a:t>4/30/2019</a:t>
+              <a:t>5/2/2019</a:t>
             </a:fld>
             <a:endParaRPr lang="en-US" dirty="0"/>
           </a:p>
@@ -7068,7 +7292,7 @@
           <a:p>
             <a:fld id="{48A87A34-81AB-432B-8DAE-1953F412C126}" type="datetimeFigureOut">
               <a:rPr lang="en-US" dirty="0"/>
-              <a:t>4/30/2019</a:t>
+              <a:t>5/2/2019</a:t>
             </a:fld>
             <a:endParaRPr lang="en-US" dirty="0"/>
           </a:p>
@@ -7783,7 +8007,7 @@
           <a:p>
             <a:fld id="{48A87A34-81AB-432B-8DAE-1953F412C126}" type="datetimeFigureOut">
               <a:rPr lang="en-US" dirty="0"/>
-              <a:t>4/30/2019</a:t>
+              <a:t>5/2/2019</a:t>
             </a:fld>
             <a:endParaRPr lang="en-US" dirty="0"/>
           </a:p>
@@ -7948,7 +8172,7 @@
           <a:p>
             <a:fld id="{48A87A34-81AB-432B-8DAE-1953F412C126}" type="datetimeFigureOut">
               <a:rPr lang="en-US" dirty="0"/>
-              <a:t>4/30/2019</a:t>
+              <a:t>5/2/2019</a:t>
             </a:fld>
             <a:endParaRPr lang="en-US" dirty="0"/>
           </a:p>
@@ -8123,7 +8347,7 @@
           <a:p>
             <a:fld id="{48A87A34-81AB-432B-8DAE-1953F412C126}" type="datetimeFigureOut">
               <a:rPr lang="en-US" dirty="0"/>
-              <a:t>4/30/2019</a:t>
+              <a:t>5/2/2019</a:t>
             </a:fld>
             <a:endParaRPr lang="en-US" dirty="0"/>
           </a:p>
@@ -8288,7 +8512,7 @@
           <a:p>
             <a:fld id="{48A87A34-81AB-432B-8DAE-1953F412C126}" type="datetimeFigureOut">
               <a:rPr lang="en-US" dirty="0"/>
-              <a:t>4/30/2019</a:t>
+              <a:t>5/2/2019</a:t>
             </a:fld>
             <a:endParaRPr lang="en-US" dirty="0"/>
           </a:p>
@@ -8533,7 +8757,7 @@
           <a:p>
             <a:fld id="{48A87A34-81AB-432B-8DAE-1953F412C126}" type="datetimeFigureOut">
               <a:rPr lang="en-US" dirty="0"/>
-              <a:t>4/30/2019</a:t>
+              <a:t>5/2/2019</a:t>
             </a:fld>
             <a:endParaRPr lang="en-US" dirty="0"/>
           </a:p>
@@ -8760,7 +8984,7 @@
           <a:p>
             <a:fld id="{48A87A34-81AB-432B-8DAE-1953F412C126}" type="datetimeFigureOut">
               <a:rPr lang="en-US" dirty="0"/>
-              <a:t>4/30/2019</a:t>
+              <a:t>5/2/2019</a:t>
             </a:fld>
             <a:endParaRPr lang="en-US" dirty="0"/>
           </a:p>
@@ -9136,7 +9360,7 @@
           <a:p>
             <a:fld id="{48A87A34-81AB-432B-8DAE-1953F412C126}" type="datetimeFigureOut">
               <a:rPr lang="en-US" dirty="0"/>
-              <a:t>4/30/2019</a:t>
+              <a:t>5/2/2019</a:t>
             </a:fld>
             <a:endParaRPr lang="en-US" dirty="0"/>
           </a:p>
@@ -9249,7 +9473,7 @@
           <a:p>
             <a:fld id="{48A87A34-81AB-432B-8DAE-1953F412C126}" type="datetimeFigureOut">
               <a:rPr lang="en-US" dirty="0"/>
-              <a:t>4/30/2019</a:t>
+              <a:t>5/2/2019</a:t>
             </a:fld>
             <a:endParaRPr lang="en-US" dirty="0"/>
           </a:p>
@@ -9339,7 +9563,7 @@
           <a:p>
             <a:fld id="{48A87A34-81AB-432B-8DAE-1953F412C126}" type="datetimeFigureOut">
               <a:rPr lang="en-US" dirty="0"/>
-              <a:t>4/30/2019</a:t>
+              <a:t>5/2/2019</a:t>
             </a:fld>
             <a:endParaRPr lang="en-US" dirty="0"/>
           </a:p>
@@ -9583,7 +9807,7 @@
           <a:p>
             <a:fld id="{48A87A34-81AB-432B-8DAE-1953F412C126}" type="datetimeFigureOut">
               <a:rPr lang="en-US" dirty="0"/>
-              <a:t>4/30/2019</a:t>
+              <a:t>5/2/2019</a:t>
             </a:fld>
             <a:endParaRPr lang="en-US" dirty="0"/>
           </a:p>
@@ -9858,7 +10082,7 @@
           <a:p>
             <a:fld id="{48A87A34-81AB-432B-8DAE-1953F412C126}" type="datetimeFigureOut">
               <a:rPr lang="en-US" dirty="0"/>
-              <a:t>4/30/2019</a:t>
+              <a:t>5/2/2019</a:t>
             </a:fld>
             <a:endParaRPr lang="en-US" dirty="0"/>
           </a:p>
@@ -9976,7 +10200,7 @@
           <a:noFill/>
           <a:extLst>
             <a:ext uri="{909E8E84-426E-40dd-AFC4-6F175D3DCCD1}">
-              <a14:hiddenFill xmlns="" xmlns:a14="http://schemas.microsoft.com/office/drawing/2010/main">
+              <a14:hiddenFill xmlns:a14="http://schemas.microsoft.com/office/drawing/2010/main" xmlns="">
                 <a:solidFill>
                   <a:srgbClr val="FFFFFF"/>
                 </a:solidFill>
@@ -10050,7 +10274,7 @@
               </a:ln>
               <a:extLst>
                 <a:ext uri="{91240B29-F687-4f45-9708-019B960494DF}">
-                  <a14:hiddenLine xmlns="" xmlns:a14="http://schemas.microsoft.com/office/drawing/2010/main" w="9525">
+                  <a14:hiddenLine xmlns:a14="http://schemas.microsoft.com/office/drawing/2010/main" xmlns="" w="9525">
                     <a:solidFill>
                       <a:srgbClr val="000000"/>
                     </a:solidFill>
@@ -10140,7 +10364,7 @@
               </a:ln>
               <a:extLst>
                 <a:ext uri="{91240B29-F687-4f45-9708-019B960494DF}">
-                  <a14:hiddenLine xmlns="" xmlns:a14="http://schemas.microsoft.com/office/drawing/2010/main" w="9525">
+                  <a14:hiddenLine xmlns:a14="http://schemas.microsoft.com/office/drawing/2010/main" xmlns="" w="9525">
                     <a:solidFill>
                       <a:srgbClr val="000000"/>
                     </a:solidFill>
@@ -10230,7 +10454,7 @@
               </a:ln>
               <a:extLst>
                 <a:ext uri="{91240B29-F687-4f45-9708-019B960494DF}">
-                  <a14:hiddenLine xmlns="" xmlns:a14="http://schemas.microsoft.com/office/drawing/2010/main" w="9525">
+                  <a14:hiddenLine xmlns:a14="http://schemas.microsoft.com/office/drawing/2010/main" xmlns="" w="9525">
                     <a:solidFill>
                       <a:srgbClr val="000000"/>
                     </a:solidFill>
@@ -10292,7 +10516,7 @@
               </a:ln>
               <a:extLst>
                 <a:ext uri="{91240B29-F687-4f45-9708-019B960494DF}">
-                  <a14:hiddenLine xmlns="" xmlns:a14="http://schemas.microsoft.com/office/drawing/2010/main" w="9525">
+                  <a14:hiddenLine xmlns:a14="http://schemas.microsoft.com/office/drawing/2010/main" xmlns="" w="9525">
                     <a:solidFill>
                       <a:srgbClr val="000000"/>
                     </a:solidFill>
@@ -10382,7 +10606,7 @@
               </a:ln>
               <a:extLst>
                 <a:ext uri="{91240B29-F687-4f45-9708-019B960494DF}">
-                  <a14:hiddenLine xmlns="" xmlns:a14="http://schemas.microsoft.com/office/drawing/2010/main" w="9525">
+                  <a14:hiddenLine xmlns:a14="http://schemas.microsoft.com/office/drawing/2010/main" xmlns="" w="9525">
                     <a:solidFill>
                       <a:srgbClr val="000000"/>
                     </a:solidFill>
@@ -10444,7 +10668,7 @@
               </a:ln>
               <a:extLst>
                 <a:ext uri="{91240B29-F687-4f45-9708-019B960494DF}">
-                  <a14:hiddenLine xmlns="" xmlns:a14="http://schemas.microsoft.com/office/drawing/2010/main" w="9525">
+                  <a14:hiddenLine xmlns:a14="http://schemas.microsoft.com/office/drawing/2010/main" xmlns="" w="9525">
                     <a:solidFill>
                       <a:srgbClr val="000000"/>
                     </a:solidFill>
@@ -10506,7 +10730,7 @@
               </a:ln>
               <a:extLst>
                 <a:ext uri="{91240B29-F687-4f45-9708-019B960494DF}">
-                  <a14:hiddenLine xmlns="" xmlns:a14="http://schemas.microsoft.com/office/drawing/2010/main" w="9525">
+                  <a14:hiddenLine xmlns:a14="http://schemas.microsoft.com/office/drawing/2010/main" xmlns="" w="9525">
                     <a:solidFill>
                       <a:srgbClr val="000000"/>
                     </a:solidFill>
@@ -10596,7 +10820,7 @@
               </a:ln>
               <a:extLst>
                 <a:ext uri="{91240B29-F687-4f45-9708-019B960494DF}">
-                  <a14:hiddenLine xmlns="" xmlns:a14="http://schemas.microsoft.com/office/drawing/2010/main" w="9525">
+                  <a14:hiddenLine xmlns:a14="http://schemas.microsoft.com/office/drawing/2010/main" xmlns="" w="9525">
                     <a:solidFill>
                       <a:srgbClr val="000000"/>
                     </a:solidFill>
@@ -10686,7 +10910,7 @@
               </a:ln>
               <a:extLst>
                 <a:ext uri="{91240B29-F687-4f45-9708-019B960494DF}">
-                  <a14:hiddenLine xmlns="" xmlns:a14="http://schemas.microsoft.com/office/drawing/2010/main" w="9525">
+                  <a14:hiddenLine xmlns:a14="http://schemas.microsoft.com/office/drawing/2010/main" xmlns="" w="9525">
                     <a:solidFill>
                       <a:srgbClr val="000000"/>
                     </a:solidFill>
@@ -10748,7 +10972,7 @@
               </a:ln>
               <a:extLst>
                 <a:ext uri="{91240B29-F687-4f45-9708-019B960494DF}">
-                  <a14:hiddenLine xmlns="" xmlns:a14="http://schemas.microsoft.com/office/drawing/2010/main" w="9525">
+                  <a14:hiddenLine xmlns:a14="http://schemas.microsoft.com/office/drawing/2010/main" xmlns="" w="9525">
                     <a:solidFill>
                       <a:srgbClr val="000000"/>
                     </a:solidFill>
@@ -10858,7 +11082,7 @@
               </a:ln>
               <a:extLst>
                 <a:ext uri="{91240B29-F687-4f45-9708-019B960494DF}">
-                  <a14:hiddenLine xmlns="" xmlns:a14="http://schemas.microsoft.com/office/drawing/2010/main" w="9525">
+                  <a14:hiddenLine xmlns:a14="http://schemas.microsoft.com/office/drawing/2010/main" xmlns="" w="9525">
                     <a:solidFill>
                       <a:srgbClr val="000000"/>
                     </a:solidFill>
@@ -10942,7 +11166,7 @@
               </a:ln>
               <a:extLst>
                 <a:ext uri="{91240B29-F687-4f45-9708-019B960494DF}">
-                  <a14:hiddenLine xmlns="" xmlns:a14="http://schemas.microsoft.com/office/drawing/2010/main" w="9525">
+                  <a14:hiddenLine xmlns:a14="http://schemas.microsoft.com/office/drawing/2010/main" xmlns="" w="9525">
                     <a:solidFill>
                       <a:srgbClr val="000000"/>
                     </a:solidFill>
@@ -11004,7 +11228,7 @@
               </a:ln>
               <a:extLst>
                 <a:ext uri="{91240B29-F687-4f45-9708-019B960494DF}">
-                  <a14:hiddenLine xmlns="" xmlns:a14="http://schemas.microsoft.com/office/drawing/2010/main" w="9525">
+                  <a14:hiddenLine xmlns:a14="http://schemas.microsoft.com/office/drawing/2010/main" xmlns="" w="9525">
                     <a:solidFill>
                       <a:srgbClr val="000000"/>
                     </a:solidFill>
@@ -11066,7 +11290,7 @@
               </a:ln>
               <a:extLst>
                 <a:ext uri="{91240B29-F687-4f45-9708-019B960494DF}">
-                  <a14:hiddenLine xmlns="" xmlns:a14="http://schemas.microsoft.com/office/drawing/2010/main" w="9525">
+                  <a14:hiddenLine xmlns:a14="http://schemas.microsoft.com/office/drawing/2010/main" xmlns="" w="9525">
                     <a:solidFill>
                       <a:srgbClr val="000000"/>
                     </a:solidFill>
@@ -11156,7 +11380,7 @@
               </a:ln>
               <a:extLst>
                 <a:ext uri="{91240B29-F687-4f45-9708-019B960494DF}">
-                  <a14:hiddenLine xmlns="" xmlns:a14="http://schemas.microsoft.com/office/drawing/2010/main" w="9525">
+                  <a14:hiddenLine xmlns:a14="http://schemas.microsoft.com/office/drawing/2010/main" xmlns="" w="9525">
                     <a:solidFill>
                       <a:srgbClr val="000000"/>
                     </a:solidFill>
@@ -11190,7 +11414,7 @@
               </a:ln>
               <a:extLst>
                 <a:ext uri="{91240B29-F687-4f45-9708-019B960494DF}">
-                  <a14:hiddenLine xmlns="" xmlns:a14="http://schemas.microsoft.com/office/drawing/2010/main" w="9525">
+                  <a14:hiddenLine xmlns:a14="http://schemas.microsoft.com/office/drawing/2010/main" xmlns="" w="9525">
                     <a:solidFill>
                       <a:srgbClr val="000000"/>
                     </a:solidFill>
@@ -11255,7 +11479,7 @@
               </a:ln>
               <a:extLst>
                 <a:ext uri="{91240B29-F687-4f45-9708-019B960494DF}">
-                  <a14:hiddenLine xmlns="" xmlns:a14="http://schemas.microsoft.com/office/drawing/2010/main" w="9525">
+                  <a14:hiddenLine xmlns:a14="http://schemas.microsoft.com/office/drawing/2010/main" xmlns="" w="9525">
                     <a:solidFill>
                       <a:srgbClr val="000000"/>
                     </a:solidFill>
@@ -11345,7 +11569,7 @@
               </a:ln>
               <a:extLst>
                 <a:ext uri="{91240B29-F687-4f45-9708-019B960494DF}">
-                  <a14:hiddenLine xmlns="" xmlns:a14="http://schemas.microsoft.com/office/drawing/2010/main" w="9525">
+                  <a14:hiddenLine xmlns:a14="http://schemas.microsoft.com/office/drawing/2010/main" xmlns="" w="9525">
                     <a:solidFill>
                       <a:srgbClr val="000000"/>
                     </a:solidFill>
@@ -11407,7 +11631,7 @@
               </a:ln>
               <a:extLst>
                 <a:ext uri="{91240B29-F687-4f45-9708-019B960494DF}">
-                  <a14:hiddenLine xmlns="" xmlns:a14="http://schemas.microsoft.com/office/drawing/2010/main" w="9525">
+                  <a14:hiddenLine xmlns:a14="http://schemas.microsoft.com/office/drawing/2010/main" xmlns="" w="9525">
                     <a:solidFill>
                       <a:srgbClr val="000000"/>
                     </a:solidFill>
@@ -11497,7 +11721,7 @@
               </a:ln>
               <a:extLst>
                 <a:ext uri="{91240B29-F687-4f45-9708-019B960494DF}">
-                  <a14:hiddenLine xmlns="" xmlns:a14="http://schemas.microsoft.com/office/drawing/2010/main" w="9525">
+                  <a14:hiddenLine xmlns:a14="http://schemas.microsoft.com/office/drawing/2010/main" xmlns="" w="9525">
                     <a:solidFill>
                       <a:srgbClr val="000000"/>
                     </a:solidFill>
@@ -11562,7 +11786,7 @@
               </a:ln>
               <a:extLst>
                 <a:ext uri="{91240B29-F687-4f45-9708-019B960494DF}">
-                  <a14:hiddenLine xmlns="" xmlns:a14="http://schemas.microsoft.com/office/drawing/2010/main" w="9525">
+                  <a14:hiddenLine xmlns:a14="http://schemas.microsoft.com/office/drawing/2010/main" xmlns="" w="9525">
                     <a:solidFill>
                       <a:srgbClr val="000000"/>
                     </a:solidFill>
@@ -11624,7 +11848,7 @@
               </a:ln>
               <a:extLst>
                 <a:ext uri="{91240B29-F687-4f45-9708-019B960494DF}">
-                  <a14:hiddenLine xmlns="" xmlns:a14="http://schemas.microsoft.com/office/drawing/2010/main" w="9525">
+                  <a14:hiddenLine xmlns:a14="http://schemas.microsoft.com/office/drawing/2010/main" xmlns="" w="9525">
                     <a:solidFill>
                       <a:srgbClr val="000000"/>
                     </a:solidFill>
@@ -11714,7 +11938,7 @@
               </a:ln>
               <a:extLst>
                 <a:ext uri="{91240B29-F687-4f45-9708-019B960494DF}">
-                  <a14:hiddenLine xmlns="" xmlns:a14="http://schemas.microsoft.com/office/drawing/2010/main" w="9525">
+                  <a14:hiddenLine xmlns:a14="http://schemas.microsoft.com/office/drawing/2010/main" xmlns="" w="9525">
                     <a:solidFill>
                       <a:srgbClr val="000000"/>
                     </a:solidFill>
@@ -11804,7 +12028,7 @@
               </a:ln>
               <a:extLst>
                 <a:ext uri="{91240B29-F687-4f45-9708-019B960494DF}">
-                  <a14:hiddenLine xmlns="" xmlns:a14="http://schemas.microsoft.com/office/drawing/2010/main" w="9525">
+                  <a14:hiddenLine xmlns:a14="http://schemas.microsoft.com/office/drawing/2010/main" xmlns="" w="9525">
                     <a:solidFill>
                       <a:srgbClr val="000000"/>
                     </a:solidFill>
@@ -11869,7 +12093,7 @@
               </a:ln>
               <a:extLst>
                 <a:ext uri="{91240B29-F687-4f45-9708-019B960494DF}">
-                  <a14:hiddenLine xmlns="" xmlns:a14="http://schemas.microsoft.com/office/drawing/2010/main" w="9525">
+                  <a14:hiddenLine xmlns:a14="http://schemas.microsoft.com/office/drawing/2010/main" xmlns="" w="9525">
                     <a:solidFill>
                       <a:srgbClr val="000000"/>
                     </a:solidFill>
@@ -11989,7 +12213,7 @@
               </a:ln>
               <a:extLst>
                 <a:ext uri="{91240B29-F687-4f45-9708-019B960494DF}">
-                  <a14:hiddenLine xmlns="" xmlns:a14="http://schemas.microsoft.com/office/drawing/2010/main" w="9525">
+                  <a14:hiddenLine xmlns:a14="http://schemas.microsoft.com/office/drawing/2010/main" xmlns="" w="9525">
                     <a:solidFill>
                       <a:srgbClr val="000000"/>
                     </a:solidFill>
@@ -12070,7 +12294,7 @@
               </a:ln>
               <a:extLst>
                 <a:ext uri="{91240B29-F687-4f45-9708-019B960494DF}">
-                  <a14:hiddenLine xmlns="" xmlns:a14="http://schemas.microsoft.com/office/drawing/2010/main" w="9525">
+                  <a14:hiddenLine xmlns:a14="http://schemas.microsoft.com/office/drawing/2010/main" xmlns="" w="9525">
                     <a:solidFill>
                       <a:srgbClr val="000000"/>
                     </a:solidFill>
@@ -12185,7 +12409,7 @@
               </a:ln>
               <a:extLst>
                 <a:ext uri="{91240B29-F687-4f45-9708-019B960494DF}">
-                  <a14:hiddenLine xmlns="" xmlns:a14="http://schemas.microsoft.com/office/drawing/2010/main" w="9525">
+                  <a14:hiddenLine xmlns:a14="http://schemas.microsoft.com/office/drawing/2010/main" xmlns="" w="9525">
                     <a:solidFill>
                       <a:srgbClr val="000000"/>
                     </a:solidFill>
@@ -12275,7 +12499,7 @@
               </a:ln>
               <a:extLst>
                 <a:ext uri="{91240B29-F687-4f45-9708-019B960494DF}">
-                  <a14:hiddenLine xmlns="" xmlns:a14="http://schemas.microsoft.com/office/drawing/2010/main" w="9525">
+                  <a14:hiddenLine xmlns:a14="http://schemas.microsoft.com/office/drawing/2010/main" xmlns="" w="9525">
                     <a:solidFill>
                       <a:srgbClr val="000000"/>
                     </a:solidFill>
@@ -12340,7 +12564,7 @@
               </a:ln>
               <a:extLst>
                 <a:ext uri="{91240B29-F687-4f45-9708-019B960494DF}">
-                  <a14:hiddenLine xmlns="" xmlns:a14="http://schemas.microsoft.com/office/drawing/2010/main" w="9525">
+                  <a14:hiddenLine xmlns:a14="http://schemas.microsoft.com/office/drawing/2010/main" xmlns="" w="9525">
                     <a:solidFill>
                       <a:srgbClr val="000000"/>
                     </a:solidFill>
@@ -12430,7 +12654,7 @@
               </a:ln>
               <a:extLst>
                 <a:ext uri="{91240B29-F687-4f45-9708-019B960494DF}">
-                  <a14:hiddenLine xmlns="" xmlns:a14="http://schemas.microsoft.com/office/drawing/2010/main" w="9525">
+                  <a14:hiddenLine xmlns:a14="http://schemas.microsoft.com/office/drawing/2010/main" xmlns="" w="9525">
                     <a:solidFill>
                       <a:srgbClr val="000000"/>
                     </a:solidFill>
@@ -12498,7 +12722,7 @@
               </a:ln>
               <a:extLst>
                 <a:ext uri="{91240B29-F687-4f45-9708-019B960494DF}">
-                  <a14:hiddenLine xmlns="" xmlns:a14="http://schemas.microsoft.com/office/drawing/2010/main" w="9525">
+                  <a14:hiddenLine xmlns:a14="http://schemas.microsoft.com/office/drawing/2010/main" xmlns="" w="9525">
                     <a:solidFill>
                       <a:srgbClr val="000000"/>
                     </a:solidFill>
@@ -12588,7 +12812,7 @@
               </a:ln>
               <a:extLst>
                 <a:ext uri="{91240B29-F687-4f45-9708-019B960494DF}">
-                  <a14:hiddenLine xmlns="" xmlns:a14="http://schemas.microsoft.com/office/drawing/2010/main" w="9525">
+                  <a14:hiddenLine xmlns:a14="http://schemas.microsoft.com/office/drawing/2010/main" xmlns="" w="9525">
                     <a:solidFill>
                       <a:srgbClr val="000000"/>
                     </a:solidFill>
@@ -12656,7 +12880,7 @@
               </a:ln>
               <a:extLst>
                 <a:ext uri="{91240B29-F687-4f45-9708-019B960494DF}">
-                  <a14:hiddenLine xmlns="" xmlns:a14="http://schemas.microsoft.com/office/drawing/2010/main" w="9525">
+                  <a14:hiddenLine xmlns:a14="http://schemas.microsoft.com/office/drawing/2010/main" xmlns="" w="9525">
                     <a:solidFill>
                       <a:srgbClr val="000000"/>
                     </a:solidFill>
@@ -12746,7 +12970,7 @@
               </a:ln>
               <a:extLst>
                 <a:ext uri="{91240B29-F687-4f45-9708-019B960494DF}">
-                  <a14:hiddenLine xmlns="" xmlns:a14="http://schemas.microsoft.com/office/drawing/2010/main" w="9525">
+                  <a14:hiddenLine xmlns:a14="http://schemas.microsoft.com/office/drawing/2010/main" xmlns="" w="9525">
                     <a:solidFill>
                       <a:srgbClr val="000000"/>
                     </a:solidFill>
@@ -12780,7 +13004,7 @@
               </a:ln>
               <a:extLst>
                 <a:ext uri="{91240B29-F687-4f45-9708-019B960494DF}">
-                  <a14:hiddenLine xmlns="" xmlns:a14="http://schemas.microsoft.com/office/drawing/2010/main" w="9525">
+                  <a14:hiddenLine xmlns:a14="http://schemas.microsoft.com/office/drawing/2010/main" xmlns="" w="9525">
                     <a:solidFill>
                       <a:srgbClr val="000000"/>
                     </a:solidFill>
@@ -12921,7 +13145,7 @@
             <a:fld id="{48A87A34-81AB-432B-8DAE-1953F412C126}" type="datetimeFigureOut">
               <a:rPr lang="en-US" dirty="0"/>
               <a:pPr/>
-              <a:t>4/30/2019</a:t>
+              <a:t>5/2/2019</a:t>
             </a:fld>
             <a:endParaRPr lang="en-US" dirty="0"/>
           </a:p>
@@ -13480,65 +13704,327 @@
         </p:nvSpPr>
         <p:spPr>
           <a:xfrm>
-            <a:off x="1141412" y="1561589"/>
-            <a:ext cx="9905999" cy="1617839"/>
+            <a:off x="1141412" y="1561590"/>
+            <a:ext cx="9905999" cy="2382881"/>
           </a:xfrm>
         </p:spPr>
         <p:txBody>
           <a:bodyPr>
-            <a:normAutofit fontScale="85000" lnSpcReduction="20000"/>
+            <a:normAutofit/>
           </a:bodyPr>
           <a:lstStyle/>
           <a:p>
             <a:r>
               <a:rPr lang="en-US" dirty="0"/>
-              <a:t>Encapsulate a request as an object letting you parametrize clients with different requests, queue or log requests, and support undoable operations.</a:t>
+              <a:t>A behavioral design pattern in which an object is used to encapsulate all information needed to perform an action or trigger an event at a later time.</a:t>
             </a:r>
           </a:p>
           <a:p>
             <a:r>
               <a:rPr lang="en-US" dirty="0"/>
-              <a:t>Promote "invocation of a method on an object" to full object status</a:t>
-            </a:r>
-          </a:p>
-          <a:p>
-            <a:r>
-              <a:rPr lang="en-US" dirty="0"/>
-              <a:t>An object-oriented callback</a:t>
+              <a:t>This information includes the method name, the object that owns the method and values for the method parameters.</a:t>
             </a:r>
           </a:p>
         </p:txBody>
       </p:sp>
-      <p:pic>
-        <p:nvPicPr>
-          <p:cNvPr id="4" name="Picture 3">
+      <p:sp>
+        <p:nvSpPr>
+          <p:cNvPr id="5" name="TextBox 4">
             <a:extLst>
               <a:ext uri="{FF2B5EF4-FFF2-40B4-BE49-F238E27FC236}">
-                <a16:creationId xmlns:a16="http://schemas.microsoft.com/office/drawing/2014/main" id="{D6752A8A-C8BF-4D38-B6E3-57A6FF672459}"/>
+                <a16:creationId xmlns:a16="http://schemas.microsoft.com/office/drawing/2014/main" id="{17F826A7-8442-4E1C-A68A-D9A5E5C394BD}"/>
               </a:ext>
             </a:extLst>
           </p:cNvPr>
-          <p:cNvPicPr>
-            <a:picLocks noChangeAspect="1"/>
-          </p:cNvPicPr>
+          <p:cNvSpPr txBox="1"/>
           <p:nvPr/>
-        </p:nvPicPr>
-        <p:blipFill>
-          <a:blip r:embed="rId3"/>
-          <a:stretch>
-            <a:fillRect/>
-          </a:stretch>
-        </p:blipFill>
+        </p:nvSpPr>
         <p:spPr>
           <a:xfrm>
-            <a:off x="4953799" y="3429000"/>
-            <a:ext cx="1575971" cy="3070128"/>
+            <a:off x="729034" y="4325490"/>
+            <a:ext cx="1996234" cy="954107"/>
           </a:xfrm>
           <a:prstGeom prst="rect">
             <a:avLst/>
           </a:prstGeom>
+          <a:noFill/>
         </p:spPr>
-      </p:pic>
+        <p:txBody>
+          <a:bodyPr wrap="square" rtlCol="0">
+            <a:spAutoFit/>
+          </a:bodyPr>
+          <a:lstStyle/>
+          <a:p>
+            <a:pPr algn="ctr"/>
+            <a:r>
+              <a:rPr lang="en-US" sz="3200" b="1" dirty="0"/>
+              <a:t>Client</a:t>
+            </a:r>
+          </a:p>
+          <a:p>
+            <a:pPr algn="ctr"/>
+            <a:r>
+              <a:rPr lang="en-US" sz="2400" dirty="0"/>
+              <a:t>TurnTVOn</a:t>
+            </a:r>
+          </a:p>
+        </p:txBody>
+      </p:sp>
+      <p:sp>
+        <p:nvSpPr>
+          <p:cNvPr id="6" name="TextBox 5">
+            <a:extLst>
+              <a:ext uri="{FF2B5EF4-FFF2-40B4-BE49-F238E27FC236}">
+                <a16:creationId xmlns:a16="http://schemas.microsoft.com/office/drawing/2014/main" id="{C24B2C1D-D239-4543-AC78-89CB0571BF76}"/>
+              </a:ext>
+            </a:extLst>
+          </p:cNvPr>
+          <p:cNvSpPr txBox="1"/>
+          <p:nvPr/>
+        </p:nvSpPr>
+        <p:spPr>
+          <a:xfrm>
+            <a:off x="2725268" y="4325489"/>
+            <a:ext cx="2808987" cy="954107"/>
+          </a:xfrm>
+          <a:prstGeom prst="rect">
+            <a:avLst/>
+          </a:prstGeom>
+          <a:noFill/>
+        </p:spPr>
+        <p:txBody>
+          <a:bodyPr wrap="square" rtlCol="0">
+            <a:spAutoFit/>
+          </a:bodyPr>
+          <a:lstStyle/>
+          <a:p>
+            <a:pPr algn="ctr"/>
+            <a:r>
+              <a:rPr lang="en-US" sz="3200" b="1" dirty="0"/>
+              <a:t>Invoker</a:t>
+            </a:r>
+          </a:p>
+          <a:p>
+            <a:pPr algn="ctr"/>
+            <a:r>
+              <a:rPr lang="en-US" sz="2400" dirty="0"/>
+              <a:t>DeviceButton.press()</a:t>
+            </a:r>
+          </a:p>
+        </p:txBody>
+      </p:sp>
+      <p:sp>
+        <p:nvSpPr>
+          <p:cNvPr id="7" name="TextBox 6">
+            <a:extLst>
+              <a:ext uri="{FF2B5EF4-FFF2-40B4-BE49-F238E27FC236}">
+                <a16:creationId xmlns:a16="http://schemas.microsoft.com/office/drawing/2014/main" id="{058F0C18-CFE5-4B84-9A13-D810BC85DE4A}"/>
+              </a:ext>
+            </a:extLst>
+          </p:cNvPr>
+          <p:cNvSpPr txBox="1"/>
+          <p:nvPr/>
+        </p:nvSpPr>
+        <p:spPr>
+          <a:xfrm>
+            <a:off x="5650796" y="4325488"/>
+            <a:ext cx="3006072" cy="954107"/>
+          </a:xfrm>
+          <a:prstGeom prst="rect">
+            <a:avLst/>
+          </a:prstGeom>
+          <a:noFill/>
+        </p:spPr>
+        <p:txBody>
+          <a:bodyPr wrap="square" rtlCol="0">
+            <a:spAutoFit/>
+          </a:bodyPr>
+          <a:lstStyle/>
+          <a:p>
+            <a:pPr algn="ctr"/>
+            <a:r>
+              <a:rPr lang="en-US" sz="3200" b="1" dirty="0"/>
+              <a:t>Command</a:t>
+            </a:r>
+          </a:p>
+          <a:p>
+            <a:pPr algn="ctr"/>
+            <a:r>
+              <a:rPr lang="en-US" sz="2400" dirty="0"/>
+              <a:t>TurnTVOn.execute()</a:t>
+            </a:r>
+          </a:p>
+        </p:txBody>
+      </p:sp>
+      <p:sp>
+        <p:nvSpPr>
+          <p:cNvPr id="8" name="TextBox 7">
+            <a:extLst>
+              <a:ext uri="{FF2B5EF4-FFF2-40B4-BE49-F238E27FC236}">
+                <a16:creationId xmlns:a16="http://schemas.microsoft.com/office/drawing/2014/main" id="{6331F15A-3673-4863-8BFE-CE7493FA9785}"/>
+              </a:ext>
+            </a:extLst>
+          </p:cNvPr>
+          <p:cNvSpPr txBox="1"/>
+          <p:nvPr/>
+        </p:nvSpPr>
+        <p:spPr>
+          <a:xfrm>
+            <a:off x="8656868" y="4325488"/>
+            <a:ext cx="3054067" cy="954107"/>
+          </a:xfrm>
+          <a:prstGeom prst="rect">
+            <a:avLst/>
+          </a:prstGeom>
+          <a:noFill/>
+        </p:spPr>
+        <p:txBody>
+          <a:bodyPr wrap="square" rtlCol="0">
+            <a:spAutoFit/>
+          </a:bodyPr>
+          <a:lstStyle/>
+          <a:p>
+            <a:pPr algn="ctr"/>
+            <a:r>
+              <a:rPr lang="en-US" sz="3200" b="1" dirty="0"/>
+              <a:t>Receiver</a:t>
+            </a:r>
+          </a:p>
+          <a:p>
+            <a:pPr algn="ctr"/>
+            <a:r>
+              <a:rPr lang="en-US" sz="2400" dirty="0"/>
+              <a:t>Television.On</a:t>
+            </a:r>
+          </a:p>
+        </p:txBody>
+      </p:sp>
+      <p:cxnSp>
+        <p:nvCxnSpPr>
+          <p:cNvPr id="10" name="Straight Arrow Connector 9">
+            <a:extLst>
+              <a:ext uri="{FF2B5EF4-FFF2-40B4-BE49-F238E27FC236}">
+                <a16:creationId xmlns:a16="http://schemas.microsoft.com/office/drawing/2014/main" id="{E20CA846-42B5-47B2-9347-0185437DB6BB}"/>
+              </a:ext>
+            </a:extLst>
+          </p:cNvPr>
+          <p:cNvCxnSpPr/>
+          <p:nvPr/>
+        </p:nvCxnSpPr>
+        <p:spPr>
+          <a:xfrm>
+            <a:off x="2348752" y="4589929"/>
+            <a:ext cx="1005840" cy="0"/>
+          </a:xfrm>
+          <a:prstGeom prst="straightConnector1">
+            <a:avLst/>
+          </a:prstGeom>
+          <a:ln w="38100">
+            <a:solidFill>
+              <a:schemeClr val="tx1"/>
+            </a:solidFill>
+            <a:tailEnd type="triangle"/>
+          </a:ln>
+        </p:spPr>
+        <p:style>
+          <a:lnRef idx="1">
+            <a:schemeClr val="accent1"/>
+          </a:lnRef>
+          <a:fillRef idx="0">
+            <a:schemeClr val="accent1"/>
+          </a:fillRef>
+          <a:effectRef idx="0">
+            <a:schemeClr val="accent1"/>
+          </a:effectRef>
+          <a:fontRef idx="minor">
+            <a:schemeClr val="tx1"/>
+          </a:fontRef>
+        </p:style>
+      </p:cxnSp>
+      <p:cxnSp>
+        <p:nvCxnSpPr>
+          <p:cNvPr id="11" name="Straight Arrow Connector 10">
+            <a:extLst>
+              <a:ext uri="{FF2B5EF4-FFF2-40B4-BE49-F238E27FC236}">
+                <a16:creationId xmlns:a16="http://schemas.microsoft.com/office/drawing/2014/main" id="{4390413C-51E6-4717-9F9D-5F7013064B79}"/>
+              </a:ext>
+            </a:extLst>
+          </p:cNvPr>
+          <p:cNvCxnSpPr/>
+          <p:nvPr/>
+        </p:nvCxnSpPr>
+        <p:spPr>
+          <a:xfrm>
+            <a:off x="5031335" y="4598893"/>
+            <a:ext cx="1005840" cy="0"/>
+          </a:xfrm>
+          <a:prstGeom prst="straightConnector1">
+            <a:avLst/>
+          </a:prstGeom>
+          <a:ln w="38100">
+            <a:solidFill>
+              <a:schemeClr val="tx1"/>
+            </a:solidFill>
+            <a:tailEnd type="triangle"/>
+          </a:ln>
+        </p:spPr>
+        <p:style>
+          <a:lnRef idx="1">
+            <a:schemeClr val="accent1"/>
+          </a:lnRef>
+          <a:fillRef idx="0">
+            <a:schemeClr val="accent1"/>
+          </a:fillRef>
+          <a:effectRef idx="0">
+            <a:schemeClr val="accent1"/>
+          </a:effectRef>
+          <a:fontRef idx="minor">
+            <a:schemeClr val="tx1"/>
+          </a:fontRef>
+        </p:style>
+      </p:cxnSp>
+      <p:cxnSp>
+        <p:nvCxnSpPr>
+          <p:cNvPr id="12" name="Straight Arrow Connector 11">
+            <a:extLst>
+              <a:ext uri="{FF2B5EF4-FFF2-40B4-BE49-F238E27FC236}">
+                <a16:creationId xmlns:a16="http://schemas.microsoft.com/office/drawing/2014/main" id="{B827FC8F-722F-4641-8B54-7C41AC883B98}"/>
+              </a:ext>
+            </a:extLst>
+          </p:cNvPr>
+          <p:cNvCxnSpPr/>
+          <p:nvPr/>
+        </p:nvCxnSpPr>
+        <p:spPr>
+          <a:xfrm>
+            <a:off x="8292352" y="4598893"/>
+            <a:ext cx="1005840" cy="0"/>
+          </a:xfrm>
+          <a:prstGeom prst="straightConnector1">
+            <a:avLst/>
+          </a:prstGeom>
+          <a:ln w="38100">
+            <a:solidFill>
+              <a:schemeClr val="tx1"/>
+            </a:solidFill>
+            <a:tailEnd type="triangle"/>
+          </a:ln>
+        </p:spPr>
+        <p:style>
+          <a:lnRef idx="1">
+            <a:schemeClr val="accent1"/>
+          </a:lnRef>
+          <a:fillRef idx="0">
+            <a:schemeClr val="accent1"/>
+          </a:fillRef>
+          <a:effectRef idx="0">
+            <a:schemeClr val="accent1"/>
+          </a:effectRef>
+          <a:fontRef idx="minor">
+            <a:schemeClr val="tx1"/>
+          </a:fontRef>
+        </p:style>
+      </p:cxnSp>
     </p:spTree>
     <p:extLst>
       <p:ext uri="{BB962C8B-B14F-4D97-AF65-F5344CB8AC3E}">
@@ -13599,10 +14085,10 @@
       </p:sp>
       <p:pic>
         <p:nvPicPr>
-          <p:cNvPr id="3" name="Picture 2">
+          <p:cNvPr id="4" name="Picture 3">
             <a:extLst>
               <a:ext uri="{FF2B5EF4-FFF2-40B4-BE49-F238E27FC236}">
-                <a16:creationId xmlns:a16="http://schemas.microsoft.com/office/drawing/2014/main" id="{6967FF96-3346-4B11-BB9F-9F2EFA64320F}"/>
+                <a16:creationId xmlns:a16="http://schemas.microsoft.com/office/drawing/2014/main" id="{2B2B4798-B9EB-4BC7-A923-28FF0F67F37A}"/>
               </a:ext>
             </a:extLst>
           </p:cNvPr>
@@ -13619,8 +14105,8 @@
         </p:blipFill>
         <p:spPr>
           <a:xfrm>
-            <a:off x="1227741" y="2461037"/>
-            <a:ext cx="9736518" cy="3165775"/>
+            <a:off x="2539975" y="2097088"/>
+            <a:ext cx="6532308" cy="3974477"/>
           </a:xfrm>
           <a:prstGeom prst="rect">
             <a:avLst/>
@@ -14131,7 +14617,7 @@
           <a:p>
             <a:r>
               <a:rPr lang="en-US" dirty="0"/>
-              <a:t>In the command pattern, are requests encapsulated as objects?</a:t>
+              <a:t>What are the four main classes in the Command Design Pattern?</a:t>
             </a:r>
           </a:p>
           <a:p>
@@ -14231,7 +14717,7 @@
               <a:rPr lang="en-US" dirty="0">
                 <a:hlinkClick r:id="rId3"/>
               </a:rPr>
-              <a:t>https://sourcemaking.com/design_patterns/command</a:t>
+              <a:t>https://en.wikipedia.org/wiki/Command_pattern</a:t>
             </a:r>
             <a:endParaRPr lang="en-US" dirty="0"/>
           </a:p>
@@ -14240,7 +14726,7 @@
               <a:rPr lang="en-US" dirty="0">
                 <a:hlinkClick r:id="rId4"/>
               </a:rPr>
-              <a:t>https://www.oodesign.com/command-pattern.html</a:t>
+              <a:t>https://dzone.com/articles/design-patterns-command</a:t>
             </a:r>
             <a:endParaRPr lang="en-US" dirty="0"/>
           </a:p>
@@ -14249,11 +14735,8 @@
               <a:rPr lang="en-US" dirty="0">
                 <a:hlinkClick r:id="rId5"/>
               </a:rPr>
-              <a:t>https://dzone.com/articles/design-patterns-command</a:t>
+              <a:t>https://www.youtube.com/watch?time_continue=118&amp;v=7Pj5kAhVBlg</a:t>
             </a:r>
-            <a:endParaRPr lang="en-US" dirty="0"/>
-          </a:p>
-          <a:p>
             <a:endParaRPr lang="en-US" dirty="0"/>
           </a:p>
         </p:txBody>

--- a/Design Patterns/Command Design Pattern.pptx
+++ b/Design Patterns/Command Design Pattern.pptx
@@ -515,7 +515,15 @@
           <a:p>
             <a:r>
               <a:rPr lang="en-US" dirty="0"/>
-              <a:t>There are four terms used when explaining Command Design Pattern.  Using the Turn TV On example, the client defines the device and a command to be issued.  Let’s say our </a:t>
+              <a:t>There are four terms used when explaining Command Design Pattern.  Using the Turn TV On example, the client defines the device or TV and a command to be issued (</a:t>
+            </a:r>
+            <a:r>
+              <a:rPr lang="en-US" dirty="0" err="1"/>
+              <a:t>TurnTVOn</a:t>
+            </a:r>
+            <a:r>
+              <a:rPr lang="en-US" dirty="0"/>
+              <a:t>).  Let’s say our </a:t>
             </a:r>
             <a:r>
               <a:rPr lang="en-US" dirty="0" err="1"/>
@@ -1040,11 +1048,7 @@
           <a:p>
             <a:r>
               <a:rPr lang="en-US" dirty="0"/>
-              <a:t>Then our receiver class contains the logic to carry out the command.  Here we define the receiver action of setting the on attribute of </a:t>
-            </a:r>
-            <a:r>
-              <a:rPr lang="en-US"/>
-              <a:t>the light.  </a:t>
+              <a:t>Then our receiver class contains the logic to carry out the command.  Here we define the receiver action of setting the on attribute of the light.  </a:t>
             </a:r>
           </a:p>
           <a:p>
@@ -1386,7 +1390,7 @@
           <a:noFill/>
           <a:extLst>
             <a:ext uri="{909E8E84-426E-40dd-AFC4-6F175D3DCCD1}">
-              <a14:hiddenFill xmlns:a14="http://schemas.microsoft.com/office/drawing/2010/main" xmlns="">
+              <a14:hiddenFill xmlns="" xmlns:a14="http://schemas.microsoft.com/office/drawing/2010/main">
                 <a:solidFill>
                   <a:srgbClr val="FFFFFF"/>
                 </a:solidFill>
@@ -1445,7 +1449,7 @@
             </a:ln>
             <a:extLst>
               <a:ext uri="{91240B29-F687-4f45-9708-019B960494DF}">
-                <a14:hiddenLine xmlns:a14="http://schemas.microsoft.com/office/drawing/2010/main" xmlns="" w="9525">
+                <a14:hiddenLine xmlns="" xmlns:a14="http://schemas.microsoft.com/office/drawing/2010/main" w="9525">
                   <a:solidFill>
                     <a:srgbClr val="000000"/>
                   </a:solidFill>
@@ -1535,7 +1539,7 @@
             </a:ln>
             <a:extLst>
               <a:ext uri="{91240B29-F687-4f45-9708-019B960494DF}">
-                <a14:hiddenLine xmlns:a14="http://schemas.microsoft.com/office/drawing/2010/main" xmlns="" w="9525">
+                <a14:hiddenLine xmlns="" xmlns:a14="http://schemas.microsoft.com/office/drawing/2010/main" w="9525">
                   <a:solidFill>
                     <a:srgbClr val="000000"/>
                   </a:solidFill>
@@ -1625,7 +1629,7 @@
             </a:ln>
             <a:extLst>
               <a:ext uri="{91240B29-F687-4f45-9708-019B960494DF}">
-                <a14:hiddenLine xmlns:a14="http://schemas.microsoft.com/office/drawing/2010/main" xmlns="" w="9525">
+                <a14:hiddenLine xmlns="" xmlns:a14="http://schemas.microsoft.com/office/drawing/2010/main" w="9525">
                   <a:solidFill>
                     <a:srgbClr val="000000"/>
                   </a:solidFill>
@@ -1659,7 +1663,7 @@
             </a:ln>
             <a:extLst>
               <a:ext uri="{91240B29-F687-4f45-9708-019B960494DF}">
-                <a14:hiddenLine xmlns:a14="http://schemas.microsoft.com/office/drawing/2010/main" xmlns="" w="9525">
+                <a14:hiddenLine xmlns="" xmlns:a14="http://schemas.microsoft.com/office/drawing/2010/main" w="9525">
                   <a:solidFill>
                     <a:srgbClr val="000000"/>
                   </a:solidFill>
@@ -1749,7 +1753,7 @@
             </a:ln>
             <a:extLst>
               <a:ext uri="{91240B29-F687-4f45-9708-019B960494DF}">
-                <a14:hiddenLine xmlns:a14="http://schemas.microsoft.com/office/drawing/2010/main" xmlns="" w="9525">
+                <a14:hiddenLine xmlns="" xmlns:a14="http://schemas.microsoft.com/office/drawing/2010/main" w="9525">
                   <a:solidFill>
                     <a:srgbClr val="000000"/>
                   </a:solidFill>
@@ -1811,7 +1815,7 @@
             </a:ln>
             <a:extLst>
               <a:ext uri="{91240B29-F687-4f45-9708-019B960494DF}">
-                <a14:hiddenLine xmlns:a14="http://schemas.microsoft.com/office/drawing/2010/main" xmlns="" w="9525">
+                <a14:hiddenLine xmlns="" xmlns:a14="http://schemas.microsoft.com/office/drawing/2010/main" w="9525">
                   <a:solidFill>
                     <a:srgbClr val="000000"/>
                   </a:solidFill>
@@ -1873,7 +1877,7 @@
             </a:ln>
             <a:extLst>
               <a:ext uri="{91240B29-F687-4f45-9708-019B960494DF}">
-                <a14:hiddenLine xmlns:a14="http://schemas.microsoft.com/office/drawing/2010/main" xmlns="" w="9525">
+                <a14:hiddenLine xmlns="" xmlns:a14="http://schemas.microsoft.com/office/drawing/2010/main" w="9525">
                   <a:solidFill>
                     <a:srgbClr val="000000"/>
                   </a:solidFill>
@@ -1963,7 +1967,7 @@
             </a:ln>
             <a:extLst>
               <a:ext uri="{91240B29-F687-4f45-9708-019B960494DF}">
-                <a14:hiddenLine xmlns:a14="http://schemas.microsoft.com/office/drawing/2010/main" xmlns="" w="9525">
+                <a14:hiddenLine xmlns="" xmlns:a14="http://schemas.microsoft.com/office/drawing/2010/main" w="9525">
                   <a:solidFill>
                     <a:srgbClr val="000000"/>
                   </a:solidFill>
@@ -2025,7 +2029,7 @@
             </a:ln>
             <a:extLst>
               <a:ext uri="{91240B29-F687-4f45-9708-019B960494DF}">
-                <a14:hiddenLine xmlns:a14="http://schemas.microsoft.com/office/drawing/2010/main" xmlns="" w="9525">
+                <a14:hiddenLine xmlns="" xmlns:a14="http://schemas.microsoft.com/office/drawing/2010/main" w="9525">
                   <a:solidFill>
                     <a:srgbClr val="000000"/>
                   </a:solidFill>
@@ -2087,7 +2091,7 @@
             </a:ln>
             <a:extLst>
               <a:ext uri="{91240B29-F687-4f45-9708-019B960494DF}">
-                <a14:hiddenLine xmlns:a14="http://schemas.microsoft.com/office/drawing/2010/main" xmlns="" w="9525">
+                <a14:hiddenLine xmlns="" xmlns:a14="http://schemas.microsoft.com/office/drawing/2010/main" w="9525">
                   <a:solidFill>
                     <a:srgbClr val="000000"/>
                   </a:solidFill>
@@ -2177,7 +2181,7 @@
             </a:ln>
             <a:extLst>
               <a:ext uri="{91240B29-F687-4f45-9708-019B960494DF}">
-                <a14:hiddenLine xmlns:a14="http://schemas.microsoft.com/office/drawing/2010/main" xmlns="" w="9525">
+                <a14:hiddenLine xmlns="" xmlns:a14="http://schemas.microsoft.com/office/drawing/2010/main" w="9525">
                   <a:solidFill>
                     <a:srgbClr val="000000"/>
                   </a:solidFill>
@@ -2267,7 +2271,7 @@
             </a:ln>
             <a:extLst>
               <a:ext uri="{91240B29-F687-4f45-9708-019B960494DF}">
-                <a14:hiddenLine xmlns:a14="http://schemas.microsoft.com/office/drawing/2010/main" xmlns="" w="9525">
+                <a14:hiddenLine xmlns="" xmlns:a14="http://schemas.microsoft.com/office/drawing/2010/main" w="9525">
                   <a:solidFill>
                     <a:srgbClr val="000000"/>
                   </a:solidFill>
@@ -2329,7 +2333,7 @@
             </a:ln>
             <a:extLst>
               <a:ext uri="{91240B29-F687-4f45-9708-019B960494DF}">
-                <a14:hiddenLine xmlns:a14="http://schemas.microsoft.com/office/drawing/2010/main" xmlns="" w="9525">
+                <a14:hiddenLine xmlns="" xmlns:a14="http://schemas.microsoft.com/office/drawing/2010/main" w="9525">
                   <a:solidFill>
                     <a:srgbClr val="000000"/>
                   </a:solidFill>
@@ -2439,7 +2443,7 @@
             </a:ln>
             <a:extLst>
               <a:ext uri="{91240B29-F687-4f45-9708-019B960494DF}">
-                <a14:hiddenLine xmlns:a14="http://schemas.microsoft.com/office/drawing/2010/main" xmlns="" w="9525">
+                <a14:hiddenLine xmlns="" xmlns:a14="http://schemas.microsoft.com/office/drawing/2010/main" w="9525">
                   <a:solidFill>
                     <a:srgbClr val="000000"/>
                   </a:solidFill>
@@ -2501,7 +2505,7 @@
             </a:ln>
             <a:extLst>
               <a:ext uri="{91240B29-F687-4f45-9708-019B960494DF}">
-                <a14:hiddenLine xmlns:a14="http://schemas.microsoft.com/office/drawing/2010/main" xmlns="" w="9525">
+                <a14:hiddenLine xmlns="" xmlns:a14="http://schemas.microsoft.com/office/drawing/2010/main" w="9525">
                   <a:solidFill>
                     <a:srgbClr val="000000"/>
                   </a:solidFill>
@@ -2591,7 +2595,7 @@
             </a:ln>
             <a:extLst>
               <a:ext uri="{91240B29-F687-4f45-9708-019B960494DF}">
-                <a14:hiddenLine xmlns:a14="http://schemas.microsoft.com/office/drawing/2010/main" xmlns="" w="9525">
+                <a14:hiddenLine xmlns="" xmlns:a14="http://schemas.microsoft.com/office/drawing/2010/main" w="9525">
                   <a:solidFill>
                     <a:srgbClr val="000000"/>
                   </a:solidFill>
@@ -2681,7 +2685,7 @@
             </a:ln>
             <a:extLst>
               <a:ext uri="{91240B29-F687-4f45-9708-019B960494DF}">
-                <a14:hiddenLine xmlns:a14="http://schemas.microsoft.com/office/drawing/2010/main" xmlns="" w="9525">
+                <a14:hiddenLine xmlns="" xmlns:a14="http://schemas.microsoft.com/office/drawing/2010/main" w="9525">
                   <a:solidFill>
                     <a:srgbClr val="000000"/>
                   </a:solidFill>
@@ -2743,7 +2747,7 @@
             </a:ln>
             <a:extLst>
               <a:ext uri="{91240B29-F687-4f45-9708-019B960494DF}">
-                <a14:hiddenLine xmlns:a14="http://schemas.microsoft.com/office/drawing/2010/main" xmlns="" w="9525">
+                <a14:hiddenLine xmlns="" xmlns:a14="http://schemas.microsoft.com/office/drawing/2010/main" w="9525">
                   <a:solidFill>
                     <a:srgbClr val="000000"/>
                   </a:solidFill>
@@ -2833,7 +2837,7 @@
             </a:ln>
             <a:extLst>
               <a:ext uri="{91240B29-F687-4f45-9708-019B960494DF}">
-                <a14:hiddenLine xmlns:a14="http://schemas.microsoft.com/office/drawing/2010/main" xmlns="" w="9525">
+                <a14:hiddenLine xmlns="" xmlns:a14="http://schemas.microsoft.com/office/drawing/2010/main" w="9525">
                   <a:solidFill>
                     <a:srgbClr val="000000"/>
                   </a:solidFill>
@@ -2923,7 +2927,7 @@
             </a:ln>
             <a:extLst>
               <a:ext uri="{91240B29-F687-4f45-9708-019B960494DF}">
-                <a14:hiddenLine xmlns:a14="http://schemas.microsoft.com/office/drawing/2010/main" xmlns="" w="9525">
+                <a14:hiddenLine xmlns="" xmlns:a14="http://schemas.microsoft.com/office/drawing/2010/main" w="9525">
                   <a:solidFill>
                     <a:srgbClr val="000000"/>
                   </a:solidFill>
@@ -2979,7 +2983,7 @@
             </a:ln>
             <a:extLst>
               <a:ext uri="{91240B29-F687-4f45-9708-019B960494DF}">
-                <a14:hiddenLine xmlns:a14="http://schemas.microsoft.com/office/drawing/2010/main" xmlns="" w="9525">
+                <a14:hiddenLine xmlns="" xmlns:a14="http://schemas.microsoft.com/office/drawing/2010/main" w="9525">
                   <a:solidFill>
                     <a:srgbClr val="000000"/>
                   </a:solidFill>
@@ -3069,7 +3073,7 @@
             </a:ln>
             <a:extLst>
               <a:ext uri="{91240B29-F687-4f45-9708-019B960494DF}">
-                <a14:hiddenLine xmlns:a14="http://schemas.microsoft.com/office/drawing/2010/main" xmlns="" w="9525">
+                <a14:hiddenLine xmlns="" xmlns:a14="http://schemas.microsoft.com/office/drawing/2010/main" w="9525">
                   <a:solidFill>
                     <a:srgbClr val="000000"/>
                   </a:solidFill>
@@ -3125,7 +3129,7 @@
             </a:ln>
             <a:extLst>
               <a:ext uri="{91240B29-F687-4f45-9708-019B960494DF}">
-                <a14:hiddenLine xmlns:a14="http://schemas.microsoft.com/office/drawing/2010/main" xmlns="" w="9525">
+                <a14:hiddenLine xmlns="" xmlns:a14="http://schemas.microsoft.com/office/drawing/2010/main" w="9525">
                   <a:solidFill>
                     <a:srgbClr val="000000"/>
                   </a:solidFill>
@@ -3215,7 +3219,7 @@
             </a:ln>
             <a:extLst>
               <a:ext uri="{91240B29-F687-4f45-9708-019B960494DF}">
-                <a14:hiddenLine xmlns:a14="http://schemas.microsoft.com/office/drawing/2010/main" xmlns="" w="9525">
+                <a14:hiddenLine xmlns="" xmlns:a14="http://schemas.microsoft.com/office/drawing/2010/main" w="9525">
                   <a:solidFill>
                     <a:srgbClr val="000000"/>
                   </a:solidFill>
@@ -3283,7 +3287,7 @@
             </a:ln>
             <a:extLst>
               <a:ext uri="{91240B29-F687-4f45-9708-019B960494DF}">
-                <a14:hiddenLine xmlns:a14="http://schemas.microsoft.com/office/drawing/2010/main" xmlns="" w="9525">
+                <a14:hiddenLine xmlns="" xmlns:a14="http://schemas.microsoft.com/office/drawing/2010/main" w="9525">
                   <a:solidFill>
                     <a:srgbClr val="000000"/>
                   </a:solidFill>
@@ -3373,7 +3377,7 @@
             </a:ln>
             <a:extLst>
               <a:ext uri="{91240B29-F687-4f45-9708-019B960494DF}">
-                <a14:hiddenLine xmlns:a14="http://schemas.microsoft.com/office/drawing/2010/main" xmlns="" w="9525">
+                <a14:hiddenLine xmlns="" xmlns:a14="http://schemas.microsoft.com/office/drawing/2010/main" w="9525">
                   <a:solidFill>
                     <a:srgbClr val="000000"/>
                   </a:solidFill>
@@ -3441,7 +3445,7 @@
             </a:ln>
             <a:extLst>
               <a:ext uri="{91240B29-F687-4f45-9708-019B960494DF}">
-                <a14:hiddenLine xmlns:a14="http://schemas.microsoft.com/office/drawing/2010/main" xmlns="" w="9525">
+                <a14:hiddenLine xmlns="" xmlns:a14="http://schemas.microsoft.com/office/drawing/2010/main" w="9525">
                   <a:solidFill>
                     <a:srgbClr val="000000"/>
                   </a:solidFill>
@@ -3531,7 +3535,7 @@
             </a:ln>
             <a:extLst>
               <a:ext uri="{91240B29-F687-4f45-9708-019B960494DF}">
-                <a14:hiddenLine xmlns:a14="http://schemas.microsoft.com/office/drawing/2010/main" xmlns="" w="9525">
+                <a14:hiddenLine xmlns="" xmlns:a14="http://schemas.microsoft.com/office/drawing/2010/main" w="9525">
                   <a:solidFill>
                     <a:srgbClr val="000000"/>
                   </a:solidFill>
@@ -3565,7 +3569,7 @@
             </a:ln>
             <a:extLst>
               <a:ext uri="{91240B29-F687-4f45-9708-019B960494DF}">
-                <a14:hiddenLine xmlns:a14="http://schemas.microsoft.com/office/drawing/2010/main" xmlns="" w="9525">
+                <a14:hiddenLine xmlns="" xmlns:a14="http://schemas.microsoft.com/office/drawing/2010/main" w="9525">
                   <a:solidFill>
                     <a:srgbClr val="000000"/>
                   </a:solidFill>
@@ -3655,7 +3659,7 @@
             </a:ln>
             <a:extLst>
               <a:ext uri="{91240B29-F687-4f45-9708-019B960494DF}">
-                <a14:hiddenLine xmlns:a14="http://schemas.microsoft.com/office/drawing/2010/main" xmlns="" w="9525">
+                <a14:hiddenLine xmlns="" xmlns:a14="http://schemas.microsoft.com/office/drawing/2010/main" w="9525">
                   <a:solidFill>
                     <a:srgbClr val="000000"/>
                   </a:solidFill>
@@ -3717,7 +3721,7 @@
             </a:ln>
             <a:extLst>
               <a:ext uri="{91240B29-F687-4f45-9708-019B960494DF}">
-                <a14:hiddenLine xmlns:a14="http://schemas.microsoft.com/office/drawing/2010/main" xmlns="" w="9525">
+                <a14:hiddenLine xmlns="" xmlns:a14="http://schemas.microsoft.com/office/drawing/2010/main" w="9525">
                   <a:solidFill>
                     <a:srgbClr val="000000"/>
                   </a:solidFill>
@@ -3779,7 +3783,7 @@
             </a:ln>
             <a:extLst>
               <a:ext uri="{91240B29-F687-4f45-9708-019B960494DF}">
-                <a14:hiddenLine xmlns:a14="http://schemas.microsoft.com/office/drawing/2010/main" xmlns="" w="9525">
+                <a14:hiddenLine xmlns="" xmlns:a14="http://schemas.microsoft.com/office/drawing/2010/main" w="9525">
                   <a:solidFill>
                     <a:srgbClr val="000000"/>
                   </a:solidFill>
@@ -3869,7 +3873,7 @@
             </a:ln>
             <a:extLst>
               <a:ext uri="{91240B29-F687-4f45-9708-019B960494DF}">
-                <a14:hiddenLine xmlns:a14="http://schemas.microsoft.com/office/drawing/2010/main" xmlns="" w="9525">
+                <a14:hiddenLine xmlns="" xmlns:a14="http://schemas.microsoft.com/office/drawing/2010/main" w="9525">
                   <a:solidFill>
                     <a:srgbClr val="000000"/>
                   </a:solidFill>
@@ -3937,7 +3941,7 @@
             </a:ln>
             <a:extLst>
               <a:ext uri="{91240B29-F687-4f45-9708-019B960494DF}">
-                <a14:hiddenLine xmlns:a14="http://schemas.microsoft.com/office/drawing/2010/main" xmlns="" w="9525">
+                <a14:hiddenLine xmlns="" xmlns:a14="http://schemas.microsoft.com/office/drawing/2010/main" w="9525">
                   <a:solidFill>
                     <a:srgbClr val="000000"/>
                   </a:solidFill>
@@ -3999,7 +4003,7 @@
             </a:ln>
             <a:extLst>
               <a:ext uri="{91240B29-F687-4f45-9708-019B960494DF}">
-                <a14:hiddenLine xmlns:a14="http://schemas.microsoft.com/office/drawing/2010/main" xmlns="" w="9525">
+                <a14:hiddenLine xmlns="" xmlns:a14="http://schemas.microsoft.com/office/drawing/2010/main" w="9525">
                   <a:solidFill>
                     <a:srgbClr val="000000"/>
                   </a:solidFill>
@@ -4089,7 +4093,7 @@
             </a:ln>
             <a:extLst>
               <a:ext uri="{91240B29-F687-4f45-9708-019B960494DF}">
-                <a14:hiddenLine xmlns:a14="http://schemas.microsoft.com/office/drawing/2010/main" xmlns="" w="9525">
+                <a14:hiddenLine xmlns="" xmlns:a14="http://schemas.microsoft.com/office/drawing/2010/main" w="9525">
                   <a:solidFill>
                     <a:srgbClr val="000000"/>
                   </a:solidFill>
@@ -4151,7 +4155,7 @@
             </a:ln>
             <a:extLst>
               <a:ext uri="{91240B29-F687-4f45-9708-019B960494DF}">
-                <a14:hiddenLine xmlns:a14="http://schemas.microsoft.com/office/drawing/2010/main" xmlns="" w="9525">
+                <a14:hiddenLine xmlns="" xmlns:a14="http://schemas.microsoft.com/office/drawing/2010/main" w="9525">
                   <a:solidFill>
                     <a:srgbClr val="000000"/>
                   </a:solidFill>
@@ -4241,7 +4245,7 @@
             </a:ln>
             <a:extLst>
               <a:ext uri="{91240B29-F687-4f45-9708-019B960494DF}">
-                <a14:hiddenLine xmlns:a14="http://schemas.microsoft.com/office/drawing/2010/main" xmlns="" w="9525">
+                <a14:hiddenLine xmlns="" xmlns:a14="http://schemas.microsoft.com/office/drawing/2010/main" w="9525">
                   <a:solidFill>
                     <a:srgbClr val="000000"/>
                   </a:solidFill>
@@ -4303,7 +4307,7 @@
             </a:ln>
             <a:extLst>
               <a:ext uri="{91240B29-F687-4f45-9708-019B960494DF}">
-                <a14:hiddenLine xmlns:a14="http://schemas.microsoft.com/office/drawing/2010/main" xmlns="" w="9525">
+                <a14:hiddenLine xmlns="" xmlns:a14="http://schemas.microsoft.com/office/drawing/2010/main" w="9525">
                   <a:solidFill>
                     <a:srgbClr val="000000"/>
                   </a:solidFill>
@@ -4393,7 +4397,7 @@
             </a:ln>
             <a:extLst>
               <a:ext uri="{91240B29-F687-4f45-9708-019B960494DF}">
-                <a14:hiddenLine xmlns:a14="http://schemas.microsoft.com/office/drawing/2010/main" xmlns="" w="9525">
+                <a14:hiddenLine xmlns="" xmlns:a14="http://schemas.microsoft.com/office/drawing/2010/main" w="9525">
                   <a:solidFill>
                     <a:srgbClr val="000000"/>
                   </a:solidFill>
@@ -4427,7 +4431,7 @@
             </a:ln>
             <a:extLst>
               <a:ext uri="{91240B29-F687-4f45-9708-019B960494DF}">
-                <a14:hiddenLine xmlns:a14="http://schemas.microsoft.com/office/drawing/2010/main" xmlns="" w="9525">
+                <a14:hiddenLine xmlns="" xmlns:a14="http://schemas.microsoft.com/office/drawing/2010/main" w="9525">
                   <a:solidFill>
                     <a:srgbClr val="000000"/>
                   </a:solidFill>
@@ -4492,7 +4496,7 @@
             </a:ln>
             <a:extLst>
               <a:ext uri="{91240B29-F687-4f45-9708-019B960494DF}">
-                <a14:hiddenLine xmlns:a14="http://schemas.microsoft.com/office/drawing/2010/main" xmlns="" w="9525">
+                <a14:hiddenLine xmlns="" xmlns:a14="http://schemas.microsoft.com/office/drawing/2010/main" w="9525">
                   <a:solidFill>
                     <a:srgbClr val="000000"/>
                   </a:solidFill>
@@ -4582,7 +4586,7 @@
             </a:ln>
             <a:extLst>
               <a:ext uri="{91240B29-F687-4f45-9708-019B960494DF}">
-                <a14:hiddenLine xmlns:a14="http://schemas.microsoft.com/office/drawing/2010/main" xmlns="" w="9525">
+                <a14:hiddenLine xmlns="" xmlns:a14="http://schemas.microsoft.com/office/drawing/2010/main" w="9525">
                   <a:solidFill>
                     <a:srgbClr val="000000"/>
                   </a:solidFill>
@@ -4644,7 +4648,7 @@
             </a:ln>
             <a:extLst>
               <a:ext uri="{91240B29-F687-4f45-9708-019B960494DF}">
-                <a14:hiddenLine xmlns:a14="http://schemas.microsoft.com/office/drawing/2010/main" xmlns="" w="9525">
+                <a14:hiddenLine xmlns="" xmlns:a14="http://schemas.microsoft.com/office/drawing/2010/main" w="9525">
                   <a:solidFill>
                     <a:srgbClr val="000000"/>
                   </a:solidFill>
@@ -4734,7 +4738,7 @@
             </a:ln>
             <a:extLst>
               <a:ext uri="{91240B29-F687-4f45-9708-019B960494DF}">
-                <a14:hiddenLine xmlns:a14="http://schemas.microsoft.com/office/drawing/2010/main" xmlns="" w="9525">
+                <a14:hiddenLine xmlns="" xmlns:a14="http://schemas.microsoft.com/office/drawing/2010/main" w="9525">
                   <a:solidFill>
                     <a:srgbClr val="000000"/>
                   </a:solidFill>
@@ -4824,7 +4828,7 @@
             </a:ln>
             <a:extLst>
               <a:ext uri="{91240B29-F687-4f45-9708-019B960494DF}">
-                <a14:hiddenLine xmlns:a14="http://schemas.microsoft.com/office/drawing/2010/main" xmlns="" w="9525">
+                <a14:hiddenLine xmlns="" xmlns:a14="http://schemas.microsoft.com/office/drawing/2010/main" w="9525">
                   <a:solidFill>
                     <a:srgbClr val="000000"/>
                   </a:solidFill>
@@ -4889,7 +4893,7 @@
             </a:ln>
             <a:extLst>
               <a:ext uri="{91240B29-F687-4f45-9708-019B960494DF}">
-                <a14:hiddenLine xmlns:a14="http://schemas.microsoft.com/office/drawing/2010/main" xmlns="" w="9525">
+                <a14:hiddenLine xmlns="" xmlns:a14="http://schemas.microsoft.com/office/drawing/2010/main" w="9525">
                   <a:solidFill>
                     <a:srgbClr val="000000"/>
                   </a:solidFill>
@@ -4951,7 +4955,7 @@
             </a:ln>
             <a:extLst>
               <a:ext uri="{91240B29-F687-4f45-9708-019B960494DF}">
-                <a14:hiddenLine xmlns:a14="http://schemas.microsoft.com/office/drawing/2010/main" xmlns="" w="9525">
+                <a14:hiddenLine xmlns="" xmlns:a14="http://schemas.microsoft.com/office/drawing/2010/main" w="9525">
                   <a:solidFill>
                     <a:srgbClr val="000000"/>
                   </a:solidFill>
@@ -5041,7 +5045,7 @@
             </a:ln>
             <a:extLst>
               <a:ext uri="{91240B29-F687-4f45-9708-019B960494DF}">
-                <a14:hiddenLine xmlns:a14="http://schemas.microsoft.com/office/drawing/2010/main" xmlns="" w="9525">
+                <a14:hiddenLine xmlns="" xmlns:a14="http://schemas.microsoft.com/office/drawing/2010/main" w="9525">
                   <a:solidFill>
                     <a:srgbClr val="000000"/>
                   </a:solidFill>
@@ -5131,7 +5135,7 @@
             </a:ln>
             <a:extLst>
               <a:ext uri="{91240B29-F687-4f45-9708-019B960494DF}">
-                <a14:hiddenLine xmlns:a14="http://schemas.microsoft.com/office/drawing/2010/main" xmlns="" w="9525">
+                <a14:hiddenLine xmlns="" xmlns:a14="http://schemas.microsoft.com/office/drawing/2010/main" w="9525">
                   <a:solidFill>
                     <a:srgbClr val="000000"/>
                   </a:solidFill>
@@ -5193,7 +5197,7 @@
             </a:ln>
             <a:extLst>
               <a:ext uri="{91240B29-F687-4f45-9708-019B960494DF}">
-                <a14:hiddenLine xmlns:a14="http://schemas.microsoft.com/office/drawing/2010/main" xmlns="" w="9525">
+                <a14:hiddenLine xmlns="" xmlns:a14="http://schemas.microsoft.com/office/drawing/2010/main" w="9525">
                   <a:solidFill>
                     <a:srgbClr val="000000"/>
                   </a:solidFill>
@@ -5313,7 +5317,7 @@
             </a:ln>
             <a:extLst>
               <a:ext uri="{91240B29-F687-4f45-9708-019B960494DF}">
-                <a14:hiddenLine xmlns:a14="http://schemas.microsoft.com/office/drawing/2010/main" xmlns="" w="9525">
+                <a14:hiddenLine xmlns="" xmlns:a14="http://schemas.microsoft.com/office/drawing/2010/main" w="9525">
                   <a:solidFill>
                     <a:srgbClr val="000000"/>
                   </a:solidFill>
@@ -5381,7 +5385,7 @@
             </a:ln>
             <a:extLst>
               <a:ext uri="{91240B29-F687-4f45-9708-019B960494DF}">
-                <a14:hiddenLine xmlns:a14="http://schemas.microsoft.com/office/drawing/2010/main" xmlns="" w="9525">
+                <a14:hiddenLine xmlns="" xmlns:a14="http://schemas.microsoft.com/office/drawing/2010/main" w="9525">
                   <a:solidFill>
                     <a:srgbClr val="000000"/>
                   </a:solidFill>
@@ -5471,7 +5475,7 @@
             </a:ln>
             <a:extLst>
               <a:ext uri="{91240B29-F687-4f45-9708-019B960494DF}">
-                <a14:hiddenLine xmlns:a14="http://schemas.microsoft.com/office/drawing/2010/main" xmlns="" w="9525">
+                <a14:hiddenLine xmlns="" xmlns:a14="http://schemas.microsoft.com/office/drawing/2010/main" w="9525">
                   <a:solidFill>
                     <a:srgbClr val="000000"/>
                   </a:solidFill>
@@ -10200,7 +10204,7 @@
           <a:noFill/>
           <a:extLst>
             <a:ext uri="{909E8E84-426E-40dd-AFC4-6F175D3DCCD1}">
-              <a14:hiddenFill xmlns:a14="http://schemas.microsoft.com/office/drawing/2010/main" xmlns="">
+              <a14:hiddenFill xmlns="" xmlns:a14="http://schemas.microsoft.com/office/drawing/2010/main">
                 <a:solidFill>
                   <a:srgbClr val="FFFFFF"/>
                 </a:solidFill>
@@ -10274,7 +10278,7 @@
               </a:ln>
               <a:extLst>
                 <a:ext uri="{91240B29-F687-4f45-9708-019B960494DF}">
-                  <a14:hiddenLine xmlns:a14="http://schemas.microsoft.com/office/drawing/2010/main" xmlns="" w="9525">
+                  <a14:hiddenLine xmlns="" xmlns:a14="http://schemas.microsoft.com/office/drawing/2010/main" w="9525">
                     <a:solidFill>
                       <a:srgbClr val="000000"/>
                     </a:solidFill>
@@ -10364,7 +10368,7 @@
               </a:ln>
               <a:extLst>
                 <a:ext uri="{91240B29-F687-4f45-9708-019B960494DF}">
-                  <a14:hiddenLine xmlns:a14="http://schemas.microsoft.com/office/drawing/2010/main" xmlns="" w="9525">
+                  <a14:hiddenLine xmlns="" xmlns:a14="http://schemas.microsoft.com/office/drawing/2010/main" w="9525">
                     <a:solidFill>
                       <a:srgbClr val="000000"/>
                     </a:solidFill>
@@ -10454,7 +10458,7 @@
               </a:ln>
               <a:extLst>
                 <a:ext uri="{91240B29-F687-4f45-9708-019B960494DF}">
-                  <a14:hiddenLine xmlns:a14="http://schemas.microsoft.com/office/drawing/2010/main" xmlns="" w="9525">
+                  <a14:hiddenLine xmlns="" xmlns:a14="http://schemas.microsoft.com/office/drawing/2010/main" w="9525">
                     <a:solidFill>
                       <a:srgbClr val="000000"/>
                     </a:solidFill>
@@ -10516,7 +10520,7 @@
               </a:ln>
               <a:extLst>
                 <a:ext uri="{91240B29-F687-4f45-9708-019B960494DF}">
-                  <a14:hiddenLine xmlns:a14="http://schemas.microsoft.com/office/drawing/2010/main" xmlns="" w="9525">
+                  <a14:hiddenLine xmlns="" xmlns:a14="http://schemas.microsoft.com/office/drawing/2010/main" w="9525">
                     <a:solidFill>
                       <a:srgbClr val="000000"/>
                     </a:solidFill>
@@ -10606,7 +10610,7 @@
               </a:ln>
               <a:extLst>
                 <a:ext uri="{91240B29-F687-4f45-9708-019B960494DF}">
-                  <a14:hiddenLine xmlns:a14="http://schemas.microsoft.com/office/drawing/2010/main" xmlns="" w="9525">
+                  <a14:hiddenLine xmlns="" xmlns:a14="http://schemas.microsoft.com/office/drawing/2010/main" w="9525">
                     <a:solidFill>
                       <a:srgbClr val="000000"/>
                     </a:solidFill>
@@ -10668,7 +10672,7 @@
               </a:ln>
               <a:extLst>
                 <a:ext uri="{91240B29-F687-4f45-9708-019B960494DF}">
-                  <a14:hiddenLine xmlns:a14="http://schemas.microsoft.com/office/drawing/2010/main" xmlns="" w="9525">
+                  <a14:hiddenLine xmlns="" xmlns:a14="http://schemas.microsoft.com/office/drawing/2010/main" w="9525">
                     <a:solidFill>
                       <a:srgbClr val="000000"/>
                     </a:solidFill>
@@ -10730,7 +10734,7 @@
               </a:ln>
               <a:extLst>
                 <a:ext uri="{91240B29-F687-4f45-9708-019B960494DF}">
-                  <a14:hiddenLine xmlns:a14="http://schemas.microsoft.com/office/drawing/2010/main" xmlns="" w="9525">
+                  <a14:hiddenLine xmlns="" xmlns:a14="http://schemas.microsoft.com/office/drawing/2010/main" w="9525">
                     <a:solidFill>
                       <a:srgbClr val="000000"/>
                     </a:solidFill>
@@ -10820,7 +10824,7 @@
               </a:ln>
               <a:extLst>
                 <a:ext uri="{91240B29-F687-4f45-9708-019B960494DF}">
-                  <a14:hiddenLine xmlns:a14="http://schemas.microsoft.com/office/drawing/2010/main" xmlns="" w="9525">
+                  <a14:hiddenLine xmlns="" xmlns:a14="http://schemas.microsoft.com/office/drawing/2010/main" w="9525">
                     <a:solidFill>
                       <a:srgbClr val="000000"/>
                     </a:solidFill>
@@ -10910,7 +10914,7 @@
               </a:ln>
               <a:extLst>
                 <a:ext uri="{91240B29-F687-4f45-9708-019B960494DF}">
-                  <a14:hiddenLine xmlns:a14="http://schemas.microsoft.com/office/drawing/2010/main" xmlns="" w="9525">
+                  <a14:hiddenLine xmlns="" xmlns:a14="http://schemas.microsoft.com/office/drawing/2010/main" w="9525">
                     <a:solidFill>
                       <a:srgbClr val="000000"/>
                     </a:solidFill>
@@ -10972,7 +10976,7 @@
               </a:ln>
               <a:extLst>
                 <a:ext uri="{91240B29-F687-4f45-9708-019B960494DF}">
-                  <a14:hiddenLine xmlns:a14="http://schemas.microsoft.com/office/drawing/2010/main" xmlns="" w="9525">
+                  <a14:hiddenLine xmlns="" xmlns:a14="http://schemas.microsoft.com/office/drawing/2010/main" w="9525">
                     <a:solidFill>
                       <a:srgbClr val="000000"/>
                     </a:solidFill>
@@ -11082,7 +11086,7 @@
               </a:ln>
               <a:extLst>
                 <a:ext uri="{91240B29-F687-4f45-9708-019B960494DF}">
-                  <a14:hiddenLine xmlns:a14="http://schemas.microsoft.com/office/drawing/2010/main" xmlns="" w="9525">
+                  <a14:hiddenLine xmlns="" xmlns:a14="http://schemas.microsoft.com/office/drawing/2010/main" w="9525">
                     <a:solidFill>
                       <a:srgbClr val="000000"/>
                     </a:solidFill>
@@ -11166,7 +11170,7 @@
               </a:ln>
               <a:extLst>
                 <a:ext uri="{91240B29-F687-4f45-9708-019B960494DF}">
-                  <a14:hiddenLine xmlns:a14="http://schemas.microsoft.com/office/drawing/2010/main" xmlns="" w="9525">
+                  <a14:hiddenLine xmlns="" xmlns:a14="http://schemas.microsoft.com/office/drawing/2010/main" w="9525">
                     <a:solidFill>
                       <a:srgbClr val="000000"/>
                     </a:solidFill>
@@ -11228,7 +11232,7 @@
               </a:ln>
               <a:extLst>
                 <a:ext uri="{91240B29-F687-4f45-9708-019B960494DF}">
-                  <a14:hiddenLine xmlns:a14="http://schemas.microsoft.com/office/drawing/2010/main" xmlns="" w="9525">
+                  <a14:hiddenLine xmlns="" xmlns:a14="http://schemas.microsoft.com/office/drawing/2010/main" w="9525">
                     <a:solidFill>
                       <a:srgbClr val="000000"/>
                     </a:solidFill>
@@ -11290,7 +11294,7 @@
               </a:ln>
               <a:extLst>
                 <a:ext uri="{91240B29-F687-4f45-9708-019B960494DF}">
-                  <a14:hiddenLine xmlns:a14="http://schemas.microsoft.com/office/drawing/2010/main" xmlns="" w="9525">
+                  <a14:hiddenLine xmlns="" xmlns:a14="http://schemas.microsoft.com/office/drawing/2010/main" w="9525">
                     <a:solidFill>
                       <a:srgbClr val="000000"/>
                     </a:solidFill>
@@ -11380,7 +11384,7 @@
               </a:ln>
               <a:extLst>
                 <a:ext uri="{91240B29-F687-4f45-9708-019B960494DF}">
-                  <a14:hiddenLine xmlns:a14="http://schemas.microsoft.com/office/drawing/2010/main" xmlns="" w="9525">
+                  <a14:hiddenLine xmlns="" xmlns:a14="http://schemas.microsoft.com/office/drawing/2010/main" w="9525">
                     <a:solidFill>
                       <a:srgbClr val="000000"/>
                     </a:solidFill>
@@ -11414,7 +11418,7 @@
               </a:ln>
               <a:extLst>
                 <a:ext uri="{91240B29-F687-4f45-9708-019B960494DF}">
-                  <a14:hiddenLine xmlns:a14="http://schemas.microsoft.com/office/drawing/2010/main" xmlns="" w="9525">
+                  <a14:hiddenLine xmlns="" xmlns:a14="http://schemas.microsoft.com/office/drawing/2010/main" w="9525">
                     <a:solidFill>
                       <a:srgbClr val="000000"/>
                     </a:solidFill>
@@ -11479,7 +11483,7 @@
               </a:ln>
               <a:extLst>
                 <a:ext uri="{91240B29-F687-4f45-9708-019B960494DF}">
-                  <a14:hiddenLine xmlns:a14="http://schemas.microsoft.com/office/drawing/2010/main" xmlns="" w="9525">
+                  <a14:hiddenLine xmlns="" xmlns:a14="http://schemas.microsoft.com/office/drawing/2010/main" w="9525">
                     <a:solidFill>
                       <a:srgbClr val="000000"/>
                     </a:solidFill>
@@ -11569,7 +11573,7 @@
               </a:ln>
               <a:extLst>
                 <a:ext uri="{91240B29-F687-4f45-9708-019B960494DF}">
-                  <a14:hiddenLine xmlns:a14="http://schemas.microsoft.com/office/drawing/2010/main" xmlns="" w="9525">
+                  <a14:hiddenLine xmlns="" xmlns:a14="http://schemas.microsoft.com/office/drawing/2010/main" w="9525">
                     <a:solidFill>
                       <a:srgbClr val="000000"/>
                     </a:solidFill>
@@ -11631,7 +11635,7 @@
               </a:ln>
               <a:extLst>
                 <a:ext uri="{91240B29-F687-4f45-9708-019B960494DF}">
-                  <a14:hiddenLine xmlns:a14="http://schemas.microsoft.com/office/drawing/2010/main" xmlns="" w="9525">
+                  <a14:hiddenLine xmlns="" xmlns:a14="http://schemas.microsoft.com/office/drawing/2010/main" w="9525">
                     <a:solidFill>
                       <a:srgbClr val="000000"/>
                     </a:solidFill>
@@ -11721,7 +11725,7 @@
               </a:ln>
               <a:extLst>
                 <a:ext uri="{91240B29-F687-4f45-9708-019B960494DF}">
-                  <a14:hiddenLine xmlns:a14="http://schemas.microsoft.com/office/drawing/2010/main" xmlns="" w="9525">
+                  <a14:hiddenLine xmlns="" xmlns:a14="http://schemas.microsoft.com/office/drawing/2010/main" w="9525">
                     <a:solidFill>
                       <a:srgbClr val="000000"/>
                     </a:solidFill>
@@ -11786,7 +11790,7 @@
               </a:ln>
               <a:extLst>
                 <a:ext uri="{91240B29-F687-4f45-9708-019B960494DF}">
-                  <a14:hiddenLine xmlns:a14="http://schemas.microsoft.com/office/drawing/2010/main" xmlns="" w="9525">
+                  <a14:hiddenLine xmlns="" xmlns:a14="http://schemas.microsoft.com/office/drawing/2010/main" w="9525">
                     <a:solidFill>
                       <a:srgbClr val="000000"/>
                     </a:solidFill>
@@ -11848,7 +11852,7 @@
               </a:ln>
               <a:extLst>
                 <a:ext uri="{91240B29-F687-4f45-9708-019B960494DF}">
-                  <a14:hiddenLine xmlns:a14="http://schemas.microsoft.com/office/drawing/2010/main" xmlns="" w="9525">
+                  <a14:hiddenLine xmlns="" xmlns:a14="http://schemas.microsoft.com/office/drawing/2010/main" w="9525">
                     <a:solidFill>
                       <a:srgbClr val="000000"/>
                     </a:solidFill>
@@ -11938,7 +11942,7 @@
               </a:ln>
               <a:extLst>
                 <a:ext uri="{91240B29-F687-4f45-9708-019B960494DF}">
-                  <a14:hiddenLine xmlns:a14="http://schemas.microsoft.com/office/drawing/2010/main" xmlns="" w="9525">
+                  <a14:hiddenLine xmlns="" xmlns:a14="http://schemas.microsoft.com/office/drawing/2010/main" w="9525">
                     <a:solidFill>
                       <a:srgbClr val="000000"/>
                     </a:solidFill>
@@ -12028,7 +12032,7 @@
               </a:ln>
               <a:extLst>
                 <a:ext uri="{91240B29-F687-4f45-9708-019B960494DF}">
-                  <a14:hiddenLine xmlns:a14="http://schemas.microsoft.com/office/drawing/2010/main" xmlns="" w="9525">
+                  <a14:hiddenLine xmlns="" xmlns:a14="http://schemas.microsoft.com/office/drawing/2010/main" w="9525">
                     <a:solidFill>
                       <a:srgbClr val="000000"/>
                     </a:solidFill>
@@ -12093,7 +12097,7 @@
               </a:ln>
               <a:extLst>
                 <a:ext uri="{91240B29-F687-4f45-9708-019B960494DF}">
-                  <a14:hiddenLine xmlns:a14="http://schemas.microsoft.com/office/drawing/2010/main" xmlns="" w="9525">
+                  <a14:hiddenLine xmlns="" xmlns:a14="http://schemas.microsoft.com/office/drawing/2010/main" w="9525">
                     <a:solidFill>
                       <a:srgbClr val="000000"/>
                     </a:solidFill>
@@ -12213,7 +12217,7 @@
               </a:ln>
               <a:extLst>
                 <a:ext uri="{91240B29-F687-4f45-9708-019B960494DF}">
-                  <a14:hiddenLine xmlns:a14="http://schemas.microsoft.com/office/drawing/2010/main" xmlns="" w="9525">
+                  <a14:hiddenLine xmlns="" xmlns:a14="http://schemas.microsoft.com/office/drawing/2010/main" w="9525">
                     <a:solidFill>
                       <a:srgbClr val="000000"/>
                     </a:solidFill>
@@ -12294,7 +12298,7 @@
               </a:ln>
               <a:extLst>
                 <a:ext uri="{91240B29-F687-4f45-9708-019B960494DF}">
-                  <a14:hiddenLine xmlns:a14="http://schemas.microsoft.com/office/drawing/2010/main" xmlns="" w="9525">
+                  <a14:hiddenLine xmlns="" xmlns:a14="http://schemas.microsoft.com/office/drawing/2010/main" w="9525">
                     <a:solidFill>
                       <a:srgbClr val="000000"/>
                     </a:solidFill>
@@ -12409,7 +12413,7 @@
               </a:ln>
               <a:extLst>
                 <a:ext uri="{91240B29-F687-4f45-9708-019B960494DF}">
-                  <a14:hiddenLine xmlns:a14="http://schemas.microsoft.com/office/drawing/2010/main" xmlns="" w="9525">
+                  <a14:hiddenLine xmlns="" xmlns:a14="http://schemas.microsoft.com/office/drawing/2010/main" w="9525">
                     <a:solidFill>
                       <a:srgbClr val="000000"/>
                     </a:solidFill>
@@ -12499,7 +12503,7 @@
               </a:ln>
               <a:extLst>
                 <a:ext uri="{91240B29-F687-4f45-9708-019B960494DF}">
-                  <a14:hiddenLine xmlns:a14="http://schemas.microsoft.com/office/drawing/2010/main" xmlns="" w="9525">
+                  <a14:hiddenLine xmlns="" xmlns:a14="http://schemas.microsoft.com/office/drawing/2010/main" w="9525">
                     <a:solidFill>
                       <a:srgbClr val="000000"/>
                     </a:solidFill>
@@ -12564,7 +12568,7 @@
               </a:ln>
               <a:extLst>
                 <a:ext uri="{91240B29-F687-4f45-9708-019B960494DF}">
-                  <a14:hiddenLine xmlns:a14="http://schemas.microsoft.com/office/drawing/2010/main" xmlns="" w="9525">
+                  <a14:hiddenLine xmlns="" xmlns:a14="http://schemas.microsoft.com/office/drawing/2010/main" w="9525">
                     <a:solidFill>
                       <a:srgbClr val="000000"/>
                     </a:solidFill>
@@ -12654,7 +12658,7 @@
               </a:ln>
               <a:extLst>
                 <a:ext uri="{91240B29-F687-4f45-9708-019B960494DF}">
-                  <a14:hiddenLine xmlns:a14="http://schemas.microsoft.com/office/drawing/2010/main" xmlns="" w="9525">
+                  <a14:hiddenLine xmlns="" xmlns:a14="http://schemas.microsoft.com/office/drawing/2010/main" w="9525">
                     <a:solidFill>
                       <a:srgbClr val="000000"/>
                     </a:solidFill>
@@ -12722,7 +12726,7 @@
               </a:ln>
               <a:extLst>
                 <a:ext uri="{91240B29-F687-4f45-9708-019B960494DF}">
-                  <a14:hiddenLine xmlns:a14="http://schemas.microsoft.com/office/drawing/2010/main" xmlns="" w="9525">
+                  <a14:hiddenLine xmlns="" xmlns:a14="http://schemas.microsoft.com/office/drawing/2010/main" w="9525">
                     <a:solidFill>
                       <a:srgbClr val="000000"/>
                     </a:solidFill>
@@ -12812,7 +12816,7 @@
               </a:ln>
               <a:extLst>
                 <a:ext uri="{91240B29-F687-4f45-9708-019B960494DF}">
-                  <a14:hiddenLine xmlns:a14="http://schemas.microsoft.com/office/drawing/2010/main" xmlns="" w="9525">
+                  <a14:hiddenLine xmlns="" xmlns:a14="http://schemas.microsoft.com/office/drawing/2010/main" w="9525">
                     <a:solidFill>
                       <a:srgbClr val="000000"/>
                     </a:solidFill>
@@ -12880,7 +12884,7 @@
               </a:ln>
               <a:extLst>
                 <a:ext uri="{91240B29-F687-4f45-9708-019B960494DF}">
-                  <a14:hiddenLine xmlns:a14="http://schemas.microsoft.com/office/drawing/2010/main" xmlns="" w="9525">
+                  <a14:hiddenLine xmlns="" xmlns:a14="http://schemas.microsoft.com/office/drawing/2010/main" w="9525">
                     <a:solidFill>
                       <a:srgbClr val="000000"/>
                     </a:solidFill>
@@ -12970,7 +12974,7 @@
               </a:ln>
               <a:extLst>
                 <a:ext uri="{91240B29-F687-4f45-9708-019B960494DF}">
-                  <a14:hiddenLine xmlns:a14="http://schemas.microsoft.com/office/drawing/2010/main" xmlns="" w="9525">
+                  <a14:hiddenLine xmlns="" xmlns:a14="http://schemas.microsoft.com/office/drawing/2010/main" w="9525">
                     <a:solidFill>
                       <a:srgbClr val="000000"/>
                     </a:solidFill>
@@ -13004,7 +13008,7 @@
               </a:ln>
               <a:extLst>
                 <a:ext uri="{91240B29-F687-4f45-9708-019B960494DF}">
-                  <a14:hiddenLine xmlns:a14="http://schemas.microsoft.com/office/drawing/2010/main" xmlns="" w="9525">
+                  <a14:hiddenLine xmlns="" xmlns:a14="http://schemas.microsoft.com/office/drawing/2010/main" w="9525">
                     <a:solidFill>
                       <a:srgbClr val="000000"/>
                     </a:solidFill>

--- a/Design Patterns/Command Design Pattern.pptx
+++ b/Design Patterns/Command Design Pattern.pptx
@@ -1390,7 +1390,7 @@
           <a:noFill/>
           <a:extLst>
             <a:ext uri="{909E8E84-426E-40dd-AFC4-6F175D3DCCD1}">
-              <a14:hiddenFill xmlns="" xmlns:a14="http://schemas.microsoft.com/office/drawing/2010/main">
+              <a14:hiddenFill xmlns:a14="http://schemas.microsoft.com/office/drawing/2010/main" xmlns="">
                 <a:solidFill>
                   <a:srgbClr val="FFFFFF"/>
                 </a:solidFill>
@@ -1449,7 +1449,7 @@
             </a:ln>
             <a:extLst>
               <a:ext uri="{91240B29-F687-4f45-9708-019B960494DF}">
-                <a14:hiddenLine xmlns="" xmlns:a14="http://schemas.microsoft.com/office/drawing/2010/main" w="9525">
+                <a14:hiddenLine xmlns:a14="http://schemas.microsoft.com/office/drawing/2010/main" xmlns="" w="9525">
                   <a:solidFill>
                     <a:srgbClr val="000000"/>
                   </a:solidFill>
@@ -1539,7 +1539,7 @@
             </a:ln>
             <a:extLst>
               <a:ext uri="{91240B29-F687-4f45-9708-019B960494DF}">
-                <a14:hiddenLine xmlns="" xmlns:a14="http://schemas.microsoft.com/office/drawing/2010/main" w="9525">
+                <a14:hiddenLine xmlns:a14="http://schemas.microsoft.com/office/drawing/2010/main" xmlns="" w="9525">
                   <a:solidFill>
                     <a:srgbClr val="000000"/>
                   </a:solidFill>
@@ -1629,7 +1629,7 @@
             </a:ln>
             <a:extLst>
               <a:ext uri="{91240B29-F687-4f45-9708-019B960494DF}">
-                <a14:hiddenLine xmlns="" xmlns:a14="http://schemas.microsoft.com/office/drawing/2010/main" w="9525">
+                <a14:hiddenLine xmlns:a14="http://schemas.microsoft.com/office/drawing/2010/main" xmlns="" w="9525">
                   <a:solidFill>
                     <a:srgbClr val="000000"/>
                   </a:solidFill>
@@ -1663,7 +1663,7 @@
             </a:ln>
             <a:extLst>
               <a:ext uri="{91240B29-F687-4f45-9708-019B960494DF}">
-                <a14:hiddenLine xmlns="" xmlns:a14="http://schemas.microsoft.com/office/drawing/2010/main" w="9525">
+                <a14:hiddenLine xmlns:a14="http://schemas.microsoft.com/office/drawing/2010/main" xmlns="" w="9525">
                   <a:solidFill>
                     <a:srgbClr val="000000"/>
                   </a:solidFill>
@@ -1753,7 +1753,7 @@
             </a:ln>
             <a:extLst>
               <a:ext uri="{91240B29-F687-4f45-9708-019B960494DF}">
-                <a14:hiddenLine xmlns="" xmlns:a14="http://schemas.microsoft.com/office/drawing/2010/main" w="9525">
+                <a14:hiddenLine xmlns:a14="http://schemas.microsoft.com/office/drawing/2010/main" xmlns="" w="9525">
                   <a:solidFill>
                     <a:srgbClr val="000000"/>
                   </a:solidFill>
@@ -1815,7 +1815,7 @@
             </a:ln>
             <a:extLst>
               <a:ext uri="{91240B29-F687-4f45-9708-019B960494DF}">
-                <a14:hiddenLine xmlns="" xmlns:a14="http://schemas.microsoft.com/office/drawing/2010/main" w="9525">
+                <a14:hiddenLine xmlns:a14="http://schemas.microsoft.com/office/drawing/2010/main" xmlns="" w="9525">
                   <a:solidFill>
                     <a:srgbClr val="000000"/>
                   </a:solidFill>
@@ -1877,7 +1877,7 @@
             </a:ln>
             <a:extLst>
               <a:ext uri="{91240B29-F687-4f45-9708-019B960494DF}">
-                <a14:hiddenLine xmlns="" xmlns:a14="http://schemas.microsoft.com/office/drawing/2010/main" w="9525">
+                <a14:hiddenLine xmlns:a14="http://schemas.microsoft.com/office/drawing/2010/main" xmlns="" w="9525">
                   <a:solidFill>
                     <a:srgbClr val="000000"/>
                   </a:solidFill>
@@ -1967,7 +1967,7 @@
             </a:ln>
             <a:extLst>
               <a:ext uri="{91240B29-F687-4f45-9708-019B960494DF}">
-                <a14:hiddenLine xmlns="" xmlns:a14="http://schemas.microsoft.com/office/drawing/2010/main" w="9525">
+                <a14:hiddenLine xmlns:a14="http://schemas.microsoft.com/office/drawing/2010/main" xmlns="" w="9525">
                   <a:solidFill>
                     <a:srgbClr val="000000"/>
                   </a:solidFill>
@@ -2029,7 +2029,7 @@
             </a:ln>
             <a:extLst>
               <a:ext uri="{91240B29-F687-4f45-9708-019B960494DF}">
-                <a14:hiddenLine xmlns="" xmlns:a14="http://schemas.microsoft.com/office/drawing/2010/main" w="9525">
+                <a14:hiddenLine xmlns:a14="http://schemas.microsoft.com/office/drawing/2010/main" xmlns="" w="9525">
                   <a:solidFill>
                     <a:srgbClr val="000000"/>
                   </a:solidFill>
@@ -2091,7 +2091,7 @@
             </a:ln>
             <a:extLst>
               <a:ext uri="{91240B29-F687-4f45-9708-019B960494DF}">
-                <a14:hiddenLine xmlns="" xmlns:a14="http://schemas.microsoft.com/office/drawing/2010/main" w="9525">
+                <a14:hiddenLine xmlns:a14="http://schemas.microsoft.com/office/drawing/2010/main" xmlns="" w="9525">
                   <a:solidFill>
                     <a:srgbClr val="000000"/>
                   </a:solidFill>
@@ -2181,7 +2181,7 @@
             </a:ln>
             <a:extLst>
               <a:ext uri="{91240B29-F687-4f45-9708-019B960494DF}">
-                <a14:hiddenLine xmlns="" xmlns:a14="http://schemas.microsoft.com/office/drawing/2010/main" w="9525">
+                <a14:hiddenLine xmlns:a14="http://schemas.microsoft.com/office/drawing/2010/main" xmlns="" w="9525">
                   <a:solidFill>
                     <a:srgbClr val="000000"/>
                   </a:solidFill>
@@ -2271,7 +2271,7 @@
             </a:ln>
             <a:extLst>
               <a:ext uri="{91240B29-F687-4f45-9708-019B960494DF}">
-                <a14:hiddenLine xmlns="" xmlns:a14="http://schemas.microsoft.com/office/drawing/2010/main" w="9525">
+                <a14:hiddenLine xmlns:a14="http://schemas.microsoft.com/office/drawing/2010/main" xmlns="" w="9525">
                   <a:solidFill>
                     <a:srgbClr val="000000"/>
                   </a:solidFill>
@@ -2333,7 +2333,7 @@
             </a:ln>
             <a:extLst>
               <a:ext uri="{91240B29-F687-4f45-9708-019B960494DF}">
-                <a14:hiddenLine xmlns="" xmlns:a14="http://schemas.microsoft.com/office/drawing/2010/main" w="9525">
+                <a14:hiddenLine xmlns:a14="http://schemas.microsoft.com/office/drawing/2010/main" xmlns="" w="9525">
                   <a:solidFill>
                     <a:srgbClr val="000000"/>
                   </a:solidFill>
@@ -2443,7 +2443,7 @@
             </a:ln>
             <a:extLst>
               <a:ext uri="{91240B29-F687-4f45-9708-019B960494DF}">
-                <a14:hiddenLine xmlns="" xmlns:a14="http://schemas.microsoft.com/office/drawing/2010/main" w="9525">
+                <a14:hiddenLine xmlns:a14="http://schemas.microsoft.com/office/drawing/2010/main" xmlns="" w="9525">
                   <a:solidFill>
                     <a:srgbClr val="000000"/>
                   </a:solidFill>
@@ -2505,7 +2505,7 @@
             </a:ln>
             <a:extLst>
               <a:ext uri="{91240B29-F687-4f45-9708-019B960494DF}">
-                <a14:hiddenLine xmlns="" xmlns:a14="http://schemas.microsoft.com/office/drawing/2010/main" w="9525">
+                <a14:hiddenLine xmlns:a14="http://schemas.microsoft.com/office/drawing/2010/main" xmlns="" w="9525">
                   <a:solidFill>
                     <a:srgbClr val="000000"/>
                   </a:solidFill>
@@ -2595,7 +2595,7 @@
             </a:ln>
             <a:extLst>
               <a:ext uri="{91240B29-F687-4f45-9708-019B960494DF}">
-                <a14:hiddenLine xmlns="" xmlns:a14="http://schemas.microsoft.com/office/drawing/2010/main" w="9525">
+                <a14:hiddenLine xmlns:a14="http://schemas.microsoft.com/office/drawing/2010/main" xmlns="" w="9525">
                   <a:solidFill>
                     <a:srgbClr val="000000"/>
                   </a:solidFill>
@@ -2685,7 +2685,7 @@
             </a:ln>
             <a:extLst>
               <a:ext uri="{91240B29-F687-4f45-9708-019B960494DF}">
-                <a14:hiddenLine xmlns="" xmlns:a14="http://schemas.microsoft.com/office/drawing/2010/main" w="9525">
+                <a14:hiddenLine xmlns:a14="http://schemas.microsoft.com/office/drawing/2010/main" xmlns="" w="9525">
                   <a:solidFill>
                     <a:srgbClr val="000000"/>
                   </a:solidFill>
@@ -2747,7 +2747,7 @@
             </a:ln>
             <a:extLst>
               <a:ext uri="{91240B29-F687-4f45-9708-019B960494DF}">
-                <a14:hiddenLine xmlns="" xmlns:a14="http://schemas.microsoft.com/office/drawing/2010/main" w="9525">
+                <a14:hiddenLine xmlns:a14="http://schemas.microsoft.com/office/drawing/2010/main" xmlns="" w="9525">
                   <a:solidFill>
                     <a:srgbClr val="000000"/>
                   </a:solidFill>
@@ -2837,7 +2837,7 @@
             </a:ln>
             <a:extLst>
               <a:ext uri="{91240B29-F687-4f45-9708-019B960494DF}">
-                <a14:hiddenLine xmlns="" xmlns:a14="http://schemas.microsoft.com/office/drawing/2010/main" w="9525">
+                <a14:hiddenLine xmlns:a14="http://schemas.microsoft.com/office/drawing/2010/main" xmlns="" w="9525">
                   <a:solidFill>
                     <a:srgbClr val="000000"/>
                   </a:solidFill>
@@ -2927,7 +2927,7 @@
             </a:ln>
             <a:extLst>
               <a:ext uri="{91240B29-F687-4f45-9708-019B960494DF}">
-                <a14:hiddenLine xmlns="" xmlns:a14="http://schemas.microsoft.com/office/drawing/2010/main" w="9525">
+                <a14:hiddenLine xmlns:a14="http://schemas.microsoft.com/office/drawing/2010/main" xmlns="" w="9525">
                   <a:solidFill>
                     <a:srgbClr val="000000"/>
                   </a:solidFill>
@@ -2983,7 +2983,7 @@
             </a:ln>
             <a:extLst>
               <a:ext uri="{91240B29-F687-4f45-9708-019B960494DF}">
-                <a14:hiddenLine xmlns="" xmlns:a14="http://schemas.microsoft.com/office/drawing/2010/main" w="9525">
+                <a14:hiddenLine xmlns:a14="http://schemas.microsoft.com/office/drawing/2010/main" xmlns="" w="9525">
                   <a:solidFill>
                     <a:srgbClr val="000000"/>
                   </a:solidFill>
@@ -3073,7 +3073,7 @@
             </a:ln>
             <a:extLst>
               <a:ext uri="{91240B29-F687-4f45-9708-019B960494DF}">
-                <a14:hiddenLine xmlns="" xmlns:a14="http://schemas.microsoft.com/office/drawing/2010/main" w="9525">
+                <a14:hiddenLine xmlns:a14="http://schemas.microsoft.com/office/drawing/2010/main" xmlns="" w="9525">
                   <a:solidFill>
                     <a:srgbClr val="000000"/>
                   </a:solidFill>
@@ -3129,7 +3129,7 @@
             </a:ln>
             <a:extLst>
               <a:ext uri="{91240B29-F687-4f45-9708-019B960494DF}">
-                <a14:hiddenLine xmlns="" xmlns:a14="http://schemas.microsoft.com/office/drawing/2010/main" w="9525">
+                <a14:hiddenLine xmlns:a14="http://schemas.microsoft.com/office/drawing/2010/main" xmlns="" w="9525">
                   <a:solidFill>
                     <a:srgbClr val="000000"/>
                   </a:solidFill>
@@ -3219,7 +3219,7 @@
             </a:ln>
             <a:extLst>
               <a:ext uri="{91240B29-F687-4f45-9708-019B960494DF}">
-                <a14:hiddenLine xmlns="" xmlns:a14="http://schemas.microsoft.com/office/drawing/2010/main" w="9525">
+                <a14:hiddenLine xmlns:a14="http://schemas.microsoft.com/office/drawing/2010/main" xmlns="" w="9525">
                   <a:solidFill>
                     <a:srgbClr val="000000"/>
                   </a:solidFill>
@@ -3287,7 +3287,7 @@
             </a:ln>
             <a:extLst>
               <a:ext uri="{91240B29-F687-4f45-9708-019B960494DF}">
-                <a14:hiddenLine xmlns="" xmlns:a14="http://schemas.microsoft.com/office/drawing/2010/main" w="9525">
+                <a14:hiddenLine xmlns:a14="http://schemas.microsoft.com/office/drawing/2010/main" xmlns="" w="9525">
                   <a:solidFill>
                     <a:srgbClr val="000000"/>
                   </a:solidFill>
@@ -3377,7 +3377,7 @@
             </a:ln>
             <a:extLst>
               <a:ext uri="{91240B29-F687-4f45-9708-019B960494DF}">
-                <a14:hiddenLine xmlns="" xmlns:a14="http://schemas.microsoft.com/office/drawing/2010/main" w="9525">
+                <a14:hiddenLine xmlns:a14="http://schemas.microsoft.com/office/drawing/2010/main" xmlns="" w="9525">
                   <a:solidFill>
                     <a:srgbClr val="000000"/>
                   </a:solidFill>
@@ -3445,7 +3445,7 @@
             </a:ln>
             <a:extLst>
               <a:ext uri="{91240B29-F687-4f45-9708-019B960494DF}">
-                <a14:hiddenLine xmlns="" xmlns:a14="http://schemas.microsoft.com/office/drawing/2010/main" w="9525">
+                <a14:hiddenLine xmlns:a14="http://schemas.microsoft.com/office/drawing/2010/main" xmlns="" w="9525">
                   <a:solidFill>
                     <a:srgbClr val="000000"/>
                   </a:solidFill>
@@ -3535,7 +3535,7 @@
             </a:ln>
             <a:extLst>
               <a:ext uri="{91240B29-F687-4f45-9708-019B960494DF}">
-                <a14:hiddenLine xmlns="" xmlns:a14="http://schemas.microsoft.com/office/drawing/2010/main" w="9525">
+                <a14:hiddenLine xmlns:a14="http://schemas.microsoft.com/office/drawing/2010/main" xmlns="" w="9525">
                   <a:solidFill>
                     <a:srgbClr val="000000"/>
                   </a:solidFill>
@@ -3569,7 +3569,7 @@
             </a:ln>
             <a:extLst>
               <a:ext uri="{91240B29-F687-4f45-9708-019B960494DF}">
-                <a14:hiddenLine xmlns="" xmlns:a14="http://schemas.microsoft.com/office/drawing/2010/main" w="9525">
+                <a14:hiddenLine xmlns:a14="http://schemas.microsoft.com/office/drawing/2010/main" xmlns="" w="9525">
                   <a:solidFill>
                     <a:srgbClr val="000000"/>
                   </a:solidFill>
@@ -3659,7 +3659,7 @@
             </a:ln>
             <a:extLst>
               <a:ext uri="{91240B29-F687-4f45-9708-019B960494DF}">
-                <a14:hiddenLine xmlns="" xmlns:a14="http://schemas.microsoft.com/office/drawing/2010/main" w="9525">
+                <a14:hiddenLine xmlns:a14="http://schemas.microsoft.com/office/drawing/2010/main" xmlns="" w="9525">
                   <a:solidFill>
                     <a:srgbClr val="000000"/>
                   </a:solidFill>
@@ -3721,7 +3721,7 @@
             </a:ln>
             <a:extLst>
               <a:ext uri="{91240B29-F687-4f45-9708-019B960494DF}">
-                <a14:hiddenLine xmlns="" xmlns:a14="http://schemas.microsoft.com/office/drawing/2010/main" w="9525">
+                <a14:hiddenLine xmlns:a14="http://schemas.microsoft.com/office/drawing/2010/main" xmlns="" w="9525">
                   <a:solidFill>
                     <a:srgbClr val="000000"/>
                   </a:solidFill>
@@ -3783,7 +3783,7 @@
             </a:ln>
             <a:extLst>
               <a:ext uri="{91240B29-F687-4f45-9708-019B960494DF}">
-                <a14:hiddenLine xmlns="" xmlns:a14="http://schemas.microsoft.com/office/drawing/2010/main" w="9525">
+                <a14:hiddenLine xmlns:a14="http://schemas.microsoft.com/office/drawing/2010/main" xmlns="" w="9525">
                   <a:solidFill>
                     <a:srgbClr val="000000"/>
                   </a:solidFill>
@@ -3873,7 +3873,7 @@
             </a:ln>
             <a:extLst>
               <a:ext uri="{91240B29-F687-4f45-9708-019B960494DF}">
-                <a14:hiddenLine xmlns="" xmlns:a14="http://schemas.microsoft.com/office/drawing/2010/main" w="9525">
+                <a14:hiddenLine xmlns:a14="http://schemas.microsoft.com/office/drawing/2010/main" xmlns="" w="9525">
                   <a:solidFill>
                     <a:srgbClr val="000000"/>
                   </a:solidFill>
@@ -3941,7 +3941,7 @@
             </a:ln>
             <a:extLst>
               <a:ext uri="{91240B29-F687-4f45-9708-019B960494DF}">
-                <a14:hiddenLine xmlns="" xmlns:a14="http://schemas.microsoft.com/office/drawing/2010/main" w="9525">
+                <a14:hiddenLine xmlns:a14="http://schemas.microsoft.com/office/drawing/2010/main" xmlns="" w="9525">
                   <a:solidFill>
                     <a:srgbClr val="000000"/>
                   </a:solidFill>
@@ -4003,7 +4003,7 @@
             </a:ln>
             <a:extLst>
               <a:ext uri="{91240B29-F687-4f45-9708-019B960494DF}">
-                <a14:hiddenLine xmlns="" xmlns:a14="http://schemas.microsoft.com/office/drawing/2010/main" w="9525">
+                <a14:hiddenLine xmlns:a14="http://schemas.microsoft.com/office/drawing/2010/main" xmlns="" w="9525">
                   <a:solidFill>
                     <a:srgbClr val="000000"/>
                   </a:solidFill>
@@ -4093,7 +4093,7 @@
             </a:ln>
             <a:extLst>
               <a:ext uri="{91240B29-F687-4f45-9708-019B960494DF}">
-                <a14:hiddenLine xmlns="" xmlns:a14="http://schemas.microsoft.com/office/drawing/2010/main" w="9525">
+                <a14:hiddenLine xmlns:a14="http://schemas.microsoft.com/office/drawing/2010/main" xmlns="" w="9525">
                   <a:solidFill>
                     <a:srgbClr val="000000"/>
                   </a:solidFill>
@@ -4155,7 +4155,7 @@
             </a:ln>
             <a:extLst>
               <a:ext uri="{91240B29-F687-4f45-9708-019B960494DF}">
-                <a14:hiddenLine xmlns="" xmlns:a14="http://schemas.microsoft.com/office/drawing/2010/main" w="9525">
+                <a14:hiddenLine xmlns:a14="http://schemas.microsoft.com/office/drawing/2010/main" xmlns="" w="9525">
                   <a:solidFill>
                     <a:srgbClr val="000000"/>
                   </a:solidFill>
@@ -4245,7 +4245,7 @@
             </a:ln>
             <a:extLst>
               <a:ext uri="{91240B29-F687-4f45-9708-019B960494DF}">
-                <a14:hiddenLine xmlns="" xmlns:a14="http://schemas.microsoft.com/office/drawing/2010/main" w="9525">
+                <a14:hiddenLine xmlns:a14="http://schemas.microsoft.com/office/drawing/2010/main" xmlns="" w="9525">
                   <a:solidFill>
                     <a:srgbClr val="000000"/>
                   </a:solidFill>
@@ -4307,7 +4307,7 @@
             </a:ln>
             <a:extLst>
               <a:ext uri="{91240B29-F687-4f45-9708-019B960494DF}">
-                <a14:hiddenLine xmlns="" xmlns:a14="http://schemas.microsoft.com/office/drawing/2010/main" w="9525">
+                <a14:hiddenLine xmlns:a14="http://schemas.microsoft.com/office/drawing/2010/main" xmlns="" w="9525">
                   <a:solidFill>
                     <a:srgbClr val="000000"/>
                   </a:solidFill>
@@ -4397,7 +4397,7 @@
             </a:ln>
             <a:extLst>
               <a:ext uri="{91240B29-F687-4f45-9708-019B960494DF}">
-                <a14:hiddenLine xmlns="" xmlns:a14="http://schemas.microsoft.com/office/drawing/2010/main" w="9525">
+                <a14:hiddenLine xmlns:a14="http://schemas.microsoft.com/office/drawing/2010/main" xmlns="" w="9525">
                   <a:solidFill>
                     <a:srgbClr val="000000"/>
                   </a:solidFill>
@@ -4431,7 +4431,7 @@
             </a:ln>
             <a:extLst>
               <a:ext uri="{91240B29-F687-4f45-9708-019B960494DF}">
-                <a14:hiddenLine xmlns="" xmlns:a14="http://schemas.microsoft.com/office/drawing/2010/main" w="9525">
+                <a14:hiddenLine xmlns:a14="http://schemas.microsoft.com/office/drawing/2010/main" xmlns="" w="9525">
                   <a:solidFill>
                     <a:srgbClr val="000000"/>
                   </a:solidFill>
@@ -4496,7 +4496,7 @@
             </a:ln>
             <a:extLst>
               <a:ext uri="{91240B29-F687-4f45-9708-019B960494DF}">
-                <a14:hiddenLine xmlns="" xmlns:a14="http://schemas.microsoft.com/office/drawing/2010/main" w="9525">
+                <a14:hiddenLine xmlns:a14="http://schemas.microsoft.com/office/drawing/2010/main" xmlns="" w="9525">
                   <a:solidFill>
                     <a:srgbClr val="000000"/>
                   </a:solidFill>
@@ -4586,7 +4586,7 @@
             </a:ln>
             <a:extLst>
               <a:ext uri="{91240B29-F687-4f45-9708-019B960494DF}">
-                <a14:hiddenLine xmlns="" xmlns:a14="http://schemas.microsoft.com/office/drawing/2010/main" w="9525">
+                <a14:hiddenLine xmlns:a14="http://schemas.microsoft.com/office/drawing/2010/main" xmlns="" w="9525">
                   <a:solidFill>
                     <a:srgbClr val="000000"/>
                   </a:solidFill>
@@ -4648,7 +4648,7 @@
             </a:ln>
             <a:extLst>
               <a:ext uri="{91240B29-F687-4f45-9708-019B960494DF}">
-                <a14:hiddenLine xmlns="" xmlns:a14="http://schemas.microsoft.com/office/drawing/2010/main" w="9525">
+                <a14:hiddenLine xmlns:a14="http://schemas.microsoft.com/office/drawing/2010/main" xmlns="" w="9525">
                   <a:solidFill>
                     <a:srgbClr val="000000"/>
                   </a:solidFill>
@@ -4738,7 +4738,7 @@
             </a:ln>
             <a:extLst>
               <a:ext uri="{91240B29-F687-4f45-9708-019B960494DF}">
-                <a14:hiddenLine xmlns="" xmlns:a14="http://schemas.microsoft.com/office/drawing/2010/main" w="9525">
+                <a14:hiddenLine xmlns:a14="http://schemas.microsoft.com/office/drawing/2010/main" xmlns="" w="9525">
                   <a:solidFill>
                     <a:srgbClr val="000000"/>
                   </a:solidFill>
@@ -4828,7 +4828,7 @@
             </a:ln>
             <a:extLst>
               <a:ext uri="{91240B29-F687-4f45-9708-019B960494DF}">
-                <a14:hiddenLine xmlns="" xmlns:a14="http://schemas.microsoft.com/office/drawing/2010/main" w="9525">
+                <a14:hiddenLine xmlns:a14="http://schemas.microsoft.com/office/drawing/2010/main" xmlns="" w="9525">
                   <a:solidFill>
                     <a:srgbClr val="000000"/>
                   </a:solidFill>
@@ -4893,7 +4893,7 @@
             </a:ln>
             <a:extLst>
               <a:ext uri="{91240B29-F687-4f45-9708-019B960494DF}">
-                <a14:hiddenLine xmlns="" xmlns:a14="http://schemas.microsoft.com/office/drawing/2010/main" w="9525">
+                <a14:hiddenLine xmlns:a14="http://schemas.microsoft.com/office/drawing/2010/main" xmlns="" w="9525">
                   <a:solidFill>
                     <a:srgbClr val="000000"/>
                   </a:solidFill>
@@ -4955,7 +4955,7 @@
             </a:ln>
             <a:extLst>
               <a:ext uri="{91240B29-F687-4f45-9708-019B960494DF}">
-                <a14:hiddenLine xmlns="" xmlns:a14="http://schemas.microsoft.com/office/drawing/2010/main" w="9525">
+                <a14:hiddenLine xmlns:a14="http://schemas.microsoft.com/office/drawing/2010/main" xmlns="" w="9525">
                   <a:solidFill>
                     <a:srgbClr val="000000"/>
                   </a:solidFill>
@@ -5045,7 +5045,7 @@
             </a:ln>
             <a:extLst>
               <a:ext uri="{91240B29-F687-4f45-9708-019B960494DF}">
-                <a14:hiddenLine xmlns="" xmlns:a14="http://schemas.microsoft.com/office/drawing/2010/main" w="9525">
+                <a14:hiddenLine xmlns:a14="http://schemas.microsoft.com/office/drawing/2010/main" xmlns="" w="9525">
                   <a:solidFill>
                     <a:srgbClr val="000000"/>
                   </a:solidFill>
@@ -5135,7 +5135,7 @@
             </a:ln>
             <a:extLst>
               <a:ext uri="{91240B29-F687-4f45-9708-019B960494DF}">
-                <a14:hiddenLine xmlns="" xmlns:a14="http://schemas.microsoft.com/office/drawing/2010/main" w="9525">
+                <a14:hiddenLine xmlns:a14="http://schemas.microsoft.com/office/drawing/2010/main" xmlns="" w="9525">
                   <a:solidFill>
                     <a:srgbClr val="000000"/>
                   </a:solidFill>
@@ -5197,7 +5197,7 @@
             </a:ln>
             <a:extLst>
               <a:ext uri="{91240B29-F687-4f45-9708-019B960494DF}">
-                <a14:hiddenLine xmlns="" xmlns:a14="http://schemas.microsoft.com/office/drawing/2010/main" w="9525">
+                <a14:hiddenLine xmlns:a14="http://schemas.microsoft.com/office/drawing/2010/main" xmlns="" w="9525">
                   <a:solidFill>
                     <a:srgbClr val="000000"/>
                   </a:solidFill>
@@ -5317,7 +5317,7 @@
             </a:ln>
             <a:extLst>
               <a:ext uri="{91240B29-F687-4f45-9708-019B960494DF}">
-                <a14:hiddenLine xmlns="" xmlns:a14="http://schemas.microsoft.com/office/drawing/2010/main" w="9525">
+                <a14:hiddenLine xmlns:a14="http://schemas.microsoft.com/office/drawing/2010/main" xmlns="" w="9525">
                   <a:solidFill>
                     <a:srgbClr val="000000"/>
                   </a:solidFill>
@@ -5385,7 +5385,7 @@
             </a:ln>
             <a:extLst>
               <a:ext uri="{91240B29-F687-4f45-9708-019B960494DF}">
-                <a14:hiddenLine xmlns="" xmlns:a14="http://schemas.microsoft.com/office/drawing/2010/main" w="9525">
+                <a14:hiddenLine xmlns:a14="http://schemas.microsoft.com/office/drawing/2010/main" xmlns="" w="9525">
                   <a:solidFill>
                     <a:srgbClr val="000000"/>
                   </a:solidFill>
@@ -5475,7 +5475,7 @@
             </a:ln>
             <a:extLst>
               <a:ext uri="{91240B29-F687-4f45-9708-019B960494DF}">
-                <a14:hiddenLine xmlns="" xmlns:a14="http://schemas.microsoft.com/office/drawing/2010/main" w="9525">
+                <a14:hiddenLine xmlns:a14="http://schemas.microsoft.com/office/drawing/2010/main" xmlns="" w="9525">
                   <a:solidFill>
                     <a:srgbClr val="000000"/>
                   </a:solidFill>
@@ -10204,7 +10204,7 @@
           <a:noFill/>
           <a:extLst>
             <a:ext uri="{909E8E84-426E-40dd-AFC4-6F175D3DCCD1}">
-              <a14:hiddenFill xmlns="" xmlns:a14="http://schemas.microsoft.com/office/drawing/2010/main">
+              <a14:hiddenFill xmlns:a14="http://schemas.microsoft.com/office/drawing/2010/main" xmlns="">
                 <a:solidFill>
                   <a:srgbClr val="FFFFFF"/>
                 </a:solidFill>
@@ -10278,7 +10278,7 @@
               </a:ln>
               <a:extLst>
                 <a:ext uri="{91240B29-F687-4f45-9708-019B960494DF}">
-                  <a14:hiddenLine xmlns="" xmlns:a14="http://schemas.microsoft.com/office/drawing/2010/main" w="9525">
+                  <a14:hiddenLine xmlns:a14="http://schemas.microsoft.com/office/drawing/2010/main" xmlns="" w="9525">
                     <a:solidFill>
                       <a:srgbClr val="000000"/>
                     </a:solidFill>
@@ -10368,7 +10368,7 @@
               </a:ln>
               <a:extLst>
                 <a:ext uri="{91240B29-F687-4f45-9708-019B960494DF}">
-                  <a14:hiddenLine xmlns="" xmlns:a14="http://schemas.microsoft.com/office/drawing/2010/main" w="9525">
+                  <a14:hiddenLine xmlns:a14="http://schemas.microsoft.com/office/drawing/2010/main" xmlns="" w="9525">
                     <a:solidFill>
                       <a:srgbClr val="000000"/>
                     </a:solidFill>
@@ -10458,7 +10458,7 @@
               </a:ln>
               <a:extLst>
                 <a:ext uri="{91240B29-F687-4f45-9708-019B960494DF}">
-                  <a14:hiddenLine xmlns="" xmlns:a14="http://schemas.microsoft.com/office/drawing/2010/main" w="9525">
+                  <a14:hiddenLine xmlns:a14="http://schemas.microsoft.com/office/drawing/2010/main" xmlns="" w="9525">
                     <a:solidFill>
                       <a:srgbClr val="000000"/>
                     </a:solidFill>
@@ -10520,7 +10520,7 @@
               </a:ln>
               <a:extLst>
                 <a:ext uri="{91240B29-F687-4f45-9708-019B960494DF}">
-                  <a14:hiddenLine xmlns="" xmlns:a14="http://schemas.microsoft.com/office/drawing/2010/main" w="9525">
+                  <a14:hiddenLine xmlns:a14="http://schemas.microsoft.com/office/drawing/2010/main" xmlns="" w="9525">
                     <a:solidFill>
                       <a:srgbClr val="000000"/>
                     </a:solidFill>
@@ -10610,7 +10610,7 @@
               </a:ln>
               <a:extLst>
                 <a:ext uri="{91240B29-F687-4f45-9708-019B960494DF}">
-                  <a14:hiddenLine xmlns="" xmlns:a14="http://schemas.microsoft.com/office/drawing/2010/main" w="9525">
+                  <a14:hiddenLine xmlns:a14="http://schemas.microsoft.com/office/drawing/2010/main" xmlns="" w="9525">
                     <a:solidFill>
                       <a:srgbClr val="000000"/>
                     </a:solidFill>
@@ -10672,7 +10672,7 @@
               </a:ln>
               <a:extLst>
                 <a:ext uri="{91240B29-F687-4f45-9708-019B960494DF}">
-                  <a14:hiddenLine xmlns="" xmlns:a14="http://schemas.microsoft.com/office/drawing/2010/main" w="9525">
+                  <a14:hiddenLine xmlns:a14="http://schemas.microsoft.com/office/drawing/2010/main" xmlns="" w="9525">
                     <a:solidFill>
                       <a:srgbClr val="000000"/>
                     </a:solidFill>
@@ -10734,7 +10734,7 @@
               </a:ln>
               <a:extLst>
                 <a:ext uri="{91240B29-F687-4f45-9708-019B960494DF}">
-                  <a14:hiddenLine xmlns="" xmlns:a14="http://schemas.microsoft.com/office/drawing/2010/main" w="9525">
+                  <a14:hiddenLine xmlns:a14="http://schemas.microsoft.com/office/drawing/2010/main" xmlns="" w="9525">
                     <a:solidFill>
                       <a:srgbClr val="000000"/>
                     </a:solidFill>
@@ -10824,7 +10824,7 @@
               </a:ln>
               <a:extLst>
                 <a:ext uri="{91240B29-F687-4f45-9708-019B960494DF}">
-                  <a14:hiddenLine xmlns="" xmlns:a14="http://schemas.microsoft.com/office/drawing/2010/main" w="9525">
+                  <a14:hiddenLine xmlns:a14="http://schemas.microsoft.com/office/drawing/2010/main" xmlns="" w="9525">
                     <a:solidFill>
                       <a:srgbClr val="000000"/>
                     </a:solidFill>
@@ -10914,7 +10914,7 @@
               </a:ln>
               <a:extLst>
                 <a:ext uri="{91240B29-F687-4f45-9708-019B960494DF}">
-                  <a14:hiddenLine xmlns="" xmlns:a14="http://schemas.microsoft.com/office/drawing/2010/main" w="9525">
+                  <a14:hiddenLine xmlns:a14="http://schemas.microsoft.com/office/drawing/2010/main" xmlns="" w="9525">
                     <a:solidFill>
                       <a:srgbClr val="000000"/>
                     </a:solidFill>
@@ -10976,7 +10976,7 @@
               </a:ln>
               <a:extLst>
                 <a:ext uri="{91240B29-F687-4f45-9708-019B960494DF}">
-                  <a14:hiddenLine xmlns="" xmlns:a14="http://schemas.microsoft.com/office/drawing/2010/main" w="9525">
+                  <a14:hiddenLine xmlns:a14="http://schemas.microsoft.com/office/drawing/2010/main" xmlns="" w="9525">
                     <a:solidFill>
                       <a:srgbClr val="000000"/>
                     </a:solidFill>
@@ -11086,7 +11086,7 @@
               </a:ln>
               <a:extLst>
                 <a:ext uri="{91240B29-F687-4f45-9708-019B960494DF}">
-                  <a14:hiddenLine xmlns="" xmlns:a14="http://schemas.microsoft.com/office/drawing/2010/main" w="9525">
+                  <a14:hiddenLine xmlns:a14="http://schemas.microsoft.com/office/drawing/2010/main" xmlns="" w="9525">
                     <a:solidFill>
                       <a:srgbClr val="000000"/>
                     </a:solidFill>
@@ -11170,7 +11170,7 @@
               </a:ln>
               <a:extLst>
                 <a:ext uri="{91240B29-F687-4f45-9708-019B960494DF}">
-                  <a14:hiddenLine xmlns="" xmlns:a14="http://schemas.microsoft.com/office/drawing/2010/main" w="9525">
+                  <a14:hiddenLine xmlns:a14="http://schemas.microsoft.com/office/drawing/2010/main" xmlns="" w="9525">
                     <a:solidFill>
                       <a:srgbClr val="000000"/>
                     </a:solidFill>
@@ -11232,7 +11232,7 @@
               </a:ln>
               <a:extLst>
                 <a:ext uri="{91240B29-F687-4f45-9708-019B960494DF}">
-                  <a14:hiddenLine xmlns="" xmlns:a14="http://schemas.microsoft.com/office/drawing/2010/main" w="9525">
+                  <a14:hiddenLine xmlns:a14="http://schemas.microsoft.com/office/drawing/2010/main" xmlns="" w="9525">
                     <a:solidFill>
                       <a:srgbClr val="000000"/>
                     </a:solidFill>
@@ -11294,7 +11294,7 @@
               </a:ln>
               <a:extLst>
                 <a:ext uri="{91240B29-F687-4f45-9708-019B960494DF}">
-                  <a14:hiddenLine xmlns="" xmlns:a14="http://schemas.microsoft.com/office/drawing/2010/main" w="9525">
+                  <a14:hiddenLine xmlns:a14="http://schemas.microsoft.com/office/drawing/2010/main" xmlns="" w="9525">
                     <a:solidFill>
                       <a:srgbClr val="000000"/>
                     </a:solidFill>
@@ -11384,7 +11384,7 @@
               </a:ln>
               <a:extLst>
                 <a:ext uri="{91240B29-F687-4f45-9708-019B960494DF}">
-                  <a14:hiddenLine xmlns="" xmlns:a14="http://schemas.microsoft.com/office/drawing/2010/main" w="9525">
+                  <a14:hiddenLine xmlns:a14="http://schemas.microsoft.com/office/drawing/2010/main" xmlns="" w="9525">
                     <a:solidFill>
                       <a:srgbClr val="000000"/>
                     </a:solidFill>
@@ -11418,7 +11418,7 @@
               </a:ln>
               <a:extLst>
                 <a:ext uri="{91240B29-F687-4f45-9708-019B960494DF}">
-                  <a14:hiddenLine xmlns="" xmlns:a14="http://schemas.microsoft.com/office/drawing/2010/main" w="9525">
+                  <a14:hiddenLine xmlns:a14="http://schemas.microsoft.com/office/drawing/2010/main" xmlns="" w="9525">
                     <a:solidFill>
                       <a:srgbClr val="000000"/>
                     </a:solidFill>
@@ -11483,7 +11483,7 @@
               </a:ln>
               <a:extLst>
                 <a:ext uri="{91240B29-F687-4f45-9708-019B960494DF}">
-                  <a14:hiddenLine xmlns="" xmlns:a14="http://schemas.microsoft.com/office/drawing/2010/main" w="9525">
+                  <a14:hiddenLine xmlns:a14="http://schemas.microsoft.com/office/drawing/2010/main" xmlns="" w="9525">
                     <a:solidFill>
                       <a:srgbClr val="000000"/>
                     </a:solidFill>
@@ -11573,7 +11573,7 @@
               </a:ln>
               <a:extLst>
                 <a:ext uri="{91240B29-F687-4f45-9708-019B960494DF}">
-                  <a14:hiddenLine xmlns="" xmlns:a14="http://schemas.microsoft.com/office/drawing/2010/main" w="9525">
+                  <a14:hiddenLine xmlns:a14="http://schemas.microsoft.com/office/drawing/2010/main" xmlns="" w="9525">
                     <a:solidFill>
                       <a:srgbClr val="000000"/>
                     </a:solidFill>
@@ -11635,7 +11635,7 @@
               </a:ln>
               <a:extLst>
                 <a:ext uri="{91240B29-F687-4f45-9708-019B960494DF}">
-                  <a14:hiddenLine xmlns="" xmlns:a14="http://schemas.microsoft.com/office/drawing/2010/main" w="9525">
+                  <a14:hiddenLine xmlns:a14="http://schemas.microsoft.com/office/drawing/2010/main" xmlns="" w="9525">
                     <a:solidFill>
                       <a:srgbClr val="000000"/>
                     </a:solidFill>
@@ -11725,7 +11725,7 @@
               </a:ln>
               <a:extLst>
                 <a:ext uri="{91240B29-F687-4f45-9708-019B960494DF}">
-                  <a14:hiddenLine xmlns="" xmlns:a14="http://schemas.microsoft.com/office/drawing/2010/main" w="9525">
+                  <a14:hiddenLine xmlns:a14="http://schemas.microsoft.com/office/drawing/2010/main" xmlns="" w="9525">
                     <a:solidFill>
                       <a:srgbClr val="000000"/>
                     </a:solidFill>
@@ -11790,7 +11790,7 @@
               </a:ln>
               <a:extLst>
                 <a:ext uri="{91240B29-F687-4f45-9708-019B960494DF}">
-                  <a14:hiddenLine xmlns="" xmlns:a14="http://schemas.microsoft.com/office/drawing/2010/main" w="9525">
+                  <a14:hiddenLine xmlns:a14="http://schemas.microsoft.com/office/drawing/2010/main" xmlns="" w="9525">
                     <a:solidFill>
                       <a:srgbClr val="000000"/>
                     </a:solidFill>
@@ -11852,7 +11852,7 @@
               </a:ln>
               <a:extLst>
                 <a:ext uri="{91240B29-F687-4f45-9708-019B960494DF}">
-                  <a14:hiddenLine xmlns="" xmlns:a14="http://schemas.microsoft.com/office/drawing/2010/main" w="9525">
+                  <a14:hiddenLine xmlns:a14="http://schemas.microsoft.com/office/drawing/2010/main" xmlns="" w="9525">
                     <a:solidFill>
                       <a:srgbClr val="000000"/>
                     </a:solidFill>
@@ -11942,7 +11942,7 @@
               </a:ln>
               <a:extLst>
                 <a:ext uri="{91240B29-F687-4f45-9708-019B960494DF}">
-                  <a14:hiddenLine xmlns="" xmlns:a14="http://schemas.microsoft.com/office/drawing/2010/main" w="9525">
+                  <a14:hiddenLine xmlns:a14="http://schemas.microsoft.com/office/drawing/2010/main" xmlns="" w="9525">
                     <a:solidFill>
                       <a:srgbClr val="000000"/>
                     </a:solidFill>
@@ -12032,7 +12032,7 @@
               </a:ln>
               <a:extLst>
                 <a:ext uri="{91240B29-F687-4f45-9708-019B960494DF}">
-                  <a14:hiddenLine xmlns="" xmlns:a14="http://schemas.microsoft.com/office/drawing/2010/main" w="9525">
+                  <a14:hiddenLine xmlns:a14="http://schemas.microsoft.com/office/drawing/2010/main" xmlns="" w="9525">
                     <a:solidFill>
                       <a:srgbClr val="000000"/>
                     </a:solidFill>
@@ -12097,7 +12097,7 @@
               </a:ln>
               <a:extLst>
                 <a:ext uri="{91240B29-F687-4f45-9708-019B960494DF}">
-                  <a14:hiddenLine xmlns="" xmlns:a14="http://schemas.microsoft.com/office/drawing/2010/main" w="9525">
+                  <a14:hiddenLine xmlns:a14="http://schemas.microsoft.com/office/drawing/2010/main" xmlns="" w="9525">
                     <a:solidFill>
                       <a:srgbClr val="000000"/>
                     </a:solidFill>
@@ -12217,7 +12217,7 @@
               </a:ln>
               <a:extLst>
                 <a:ext uri="{91240B29-F687-4f45-9708-019B960494DF}">
-                  <a14:hiddenLine xmlns="" xmlns:a14="http://schemas.microsoft.com/office/drawing/2010/main" w="9525">
+                  <a14:hiddenLine xmlns:a14="http://schemas.microsoft.com/office/drawing/2010/main" xmlns="" w="9525">
                     <a:solidFill>
                       <a:srgbClr val="000000"/>
                     </a:solidFill>
@@ -12298,7 +12298,7 @@
               </a:ln>
               <a:extLst>
                 <a:ext uri="{91240B29-F687-4f45-9708-019B960494DF}">
-                  <a14:hiddenLine xmlns="" xmlns:a14="http://schemas.microsoft.com/office/drawing/2010/main" w="9525">
+                  <a14:hiddenLine xmlns:a14="http://schemas.microsoft.com/office/drawing/2010/main" xmlns="" w="9525">
                     <a:solidFill>
                       <a:srgbClr val="000000"/>
                     </a:solidFill>
@@ -12413,7 +12413,7 @@
               </a:ln>
               <a:extLst>
                 <a:ext uri="{91240B29-F687-4f45-9708-019B960494DF}">
-                  <a14:hiddenLine xmlns="" xmlns:a14="http://schemas.microsoft.com/office/drawing/2010/main" w="9525">
+                  <a14:hiddenLine xmlns:a14="http://schemas.microsoft.com/office/drawing/2010/main" xmlns="" w="9525">
                     <a:solidFill>
                       <a:srgbClr val="000000"/>
                     </a:solidFill>
@@ -12503,7 +12503,7 @@
               </a:ln>
               <a:extLst>
                 <a:ext uri="{91240B29-F687-4f45-9708-019B960494DF}">
-                  <a14:hiddenLine xmlns="" xmlns:a14="http://schemas.microsoft.com/office/drawing/2010/main" w="9525">
+                  <a14:hiddenLine xmlns:a14="http://schemas.microsoft.com/office/drawing/2010/main" xmlns="" w="9525">
                     <a:solidFill>
                       <a:srgbClr val="000000"/>
                     </a:solidFill>
@@ -12568,7 +12568,7 @@
               </a:ln>
               <a:extLst>
                 <a:ext uri="{91240B29-F687-4f45-9708-019B960494DF}">
-                  <a14:hiddenLine xmlns="" xmlns:a14="http://schemas.microsoft.com/office/drawing/2010/main" w="9525">
+                  <a14:hiddenLine xmlns:a14="http://schemas.microsoft.com/office/drawing/2010/main" xmlns="" w="9525">
                     <a:solidFill>
                       <a:srgbClr val="000000"/>
                     </a:solidFill>
@@ -12658,7 +12658,7 @@
               </a:ln>
               <a:extLst>
                 <a:ext uri="{91240B29-F687-4f45-9708-019B960494DF}">
-                  <a14:hiddenLine xmlns="" xmlns:a14="http://schemas.microsoft.com/office/drawing/2010/main" w="9525">
+                  <a14:hiddenLine xmlns:a14="http://schemas.microsoft.com/office/drawing/2010/main" xmlns="" w="9525">
                     <a:solidFill>
                       <a:srgbClr val="000000"/>
                     </a:solidFill>
@@ -12726,7 +12726,7 @@
               </a:ln>
               <a:extLst>
                 <a:ext uri="{91240B29-F687-4f45-9708-019B960494DF}">
-                  <a14:hiddenLine xmlns="" xmlns:a14="http://schemas.microsoft.com/office/drawing/2010/main" w="9525">
+                  <a14:hiddenLine xmlns:a14="http://schemas.microsoft.com/office/drawing/2010/main" xmlns="" w="9525">
                     <a:solidFill>
                       <a:srgbClr val="000000"/>
                     </a:solidFill>
@@ -12816,7 +12816,7 @@
               </a:ln>
               <a:extLst>
                 <a:ext uri="{91240B29-F687-4f45-9708-019B960494DF}">
-                  <a14:hiddenLine xmlns="" xmlns:a14="http://schemas.microsoft.com/office/drawing/2010/main" w="9525">
+                  <a14:hiddenLine xmlns:a14="http://schemas.microsoft.com/office/drawing/2010/main" xmlns="" w="9525">
                     <a:solidFill>
                       <a:srgbClr val="000000"/>
                     </a:solidFill>
@@ -12884,7 +12884,7 @@
               </a:ln>
               <a:extLst>
                 <a:ext uri="{91240B29-F687-4f45-9708-019B960494DF}">
-                  <a14:hiddenLine xmlns="" xmlns:a14="http://schemas.microsoft.com/office/drawing/2010/main" w="9525">
+                  <a14:hiddenLine xmlns:a14="http://schemas.microsoft.com/office/drawing/2010/main" xmlns="" w="9525">
                     <a:solidFill>
                       <a:srgbClr val="000000"/>
                     </a:solidFill>
@@ -12974,7 +12974,7 @@
               </a:ln>
               <a:extLst>
                 <a:ext uri="{91240B29-F687-4f45-9708-019B960494DF}">
-                  <a14:hiddenLine xmlns="" xmlns:a14="http://schemas.microsoft.com/office/drawing/2010/main" w="9525">
+                  <a14:hiddenLine xmlns:a14="http://schemas.microsoft.com/office/drawing/2010/main" xmlns="" w="9525">
                     <a:solidFill>
                       <a:srgbClr val="000000"/>
                     </a:solidFill>
@@ -13008,7 +13008,7 @@
               </a:ln>
               <a:extLst>
                 <a:ext uri="{91240B29-F687-4f45-9708-019B960494DF}">
-                  <a14:hiddenLine xmlns="" xmlns:a14="http://schemas.microsoft.com/office/drawing/2010/main" w="9525">
+                  <a14:hiddenLine xmlns:a14="http://schemas.microsoft.com/office/drawing/2010/main" xmlns="" w="9525">
                     <a:solidFill>
                       <a:srgbClr val="000000"/>
                     </a:solidFill>
@@ -13768,9 +13768,10 @@
           <a:p>
             <a:pPr algn="ctr"/>
             <a:r>
-              <a:rPr lang="en-US" sz="2400" dirty="0"/>
+              <a:rPr lang="en-US" sz="2400" dirty="0" err="1"/>
               <a:t>TurnTVOn</a:t>
             </a:r>
+            <a:endParaRPr lang="en-US" sz="2400" dirty="0"/>
           </a:p>
         </p:txBody>
       </p:sp>

--- a/Design Patterns/Command Design Pattern.pptx
+++ b/Design Patterns/Command Design Pattern.pptx
@@ -1390,7 +1390,7 @@
           <a:noFill/>
           <a:extLst>
             <a:ext uri="{909E8E84-426E-40dd-AFC4-6F175D3DCCD1}">
-              <a14:hiddenFill xmlns:a14="http://schemas.microsoft.com/office/drawing/2010/main" xmlns="">
+              <a14:hiddenFill xmlns="" xmlns:a14="http://schemas.microsoft.com/office/drawing/2010/main">
                 <a:solidFill>
                   <a:srgbClr val="FFFFFF"/>
                 </a:solidFill>
@@ -1449,7 +1449,7 @@
             </a:ln>
             <a:extLst>
               <a:ext uri="{91240B29-F687-4f45-9708-019B960494DF}">
-                <a14:hiddenLine xmlns:a14="http://schemas.microsoft.com/office/drawing/2010/main" xmlns="" w="9525">
+                <a14:hiddenLine xmlns="" xmlns:a14="http://schemas.microsoft.com/office/drawing/2010/main" w="9525">
                   <a:solidFill>
                     <a:srgbClr val="000000"/>
                   </a:solidFill>
@@ -1539,7 +1539,7 @@
             </a:ln>
             <a:extLst>
               <a:ext uri="{91240B29-F687-4f45-9708-019B960494DF}">
-                <a14:hiddenLine xmlns:a14="http://schemas.microsoft.com/office/drawing/2010/main" xmlns="" w="9525">
+                <a14:hiddenLine xmlns="" xmlns:a14="http://schemas.microsoft.com/office/drawing/2010/main" w="9525">
                   <a:solidFill>
                     <a:srgbClr val="000000"/>
                   </a:solidFill>
@@ -1629,7 +1629,7 @@
             </a:ln>
             <a:extLst>
               <a:ext uri="{91240B29-F687-4f45-9708-019B960494DF}">
-                <a14:hiddenLine xmlns:a14="http://schemas.microsoft.com/office/drawing/2010/main" xmlns="" w="9525">
+                <a14:hiddenLine xmlns="" xmlns:a14="http://schemas.microsoft.com/office/drawing/2010/main" w="9525">
                   <a:solidFill>
                     <a:srgbClr val="000000"/>
                   </a:solidFill>
@@ -1663,7 +1663,7 @@
             </a:ln>
             <a:extLst>
               <a:ext uri="{91240B29-F687-4f45-9708-019B960494DF}">
-                <a14:hiddenLine xmlns:a14="http://schemas.microsoft.com/office/drawing/2010/main" xmlns="" w="9525">
+                <a14:hiddenLine xmlns="" xmlns:a14="http://schemas.microsoft.com/office/drawing/2010/main" w="9525">
                   <a:solidFill>
                     <a:srgbClr val="000000"/>
                   </a:solidFill>
@@ -1753,7 +1753,7 @@
             </a:ln>
             <a:extLst>
               <a:ext uri="{91240B29-F687-4f45-9708-019B960494DF}">
-                <a14:hiddenLine xmlns:a14="http://schemas.microsoft.com/office/drawing/2010/main" xmlns="" w="9525">
+                <a14:hiddenLine xmlns="" xmlns:a14="http://schemas.microsoft.com/office/drawing/2010/main" w="9525">
                   <a:solidFill>
                     <a:srgbClr val="000000"/>
                   </a:solidFill>
@@ -1815,7 +1815,7 @@
             </a:ln>
             <a:extLst>
               <a:ext uri="{91240B29-F687-4f45-9708-019B960494DF}">
-                <a14:hiddenLine xmlns:a14="http://schemas.microsoft.com/office/drawing/2010/main" xmlns="" w="9525">
+                <a14:hiddenLine xmlns="" xmlns:a14="http://schemas.microsoft.com/office/drawing/2010/main" w="9525">
                   <a:solidFill>
                     <a:srgbClr val="000000"/>
                   </a:solidFill>
@@ -1877,7 +1877,7 @@
             </a:ln>
             <a:extLst>
               <a:ext uri="{91240B29-F687-4f45-9708-019B960494DF}">
-                <a14:hiddenLine xmlns:a14="http://schemas.microsoft.com/office/drawing/2010/main" xmlns="" w="9525">
+                <a14:hiddenLine xmlns="" xmlns:a14="http://schemas.microsoft.com/office/drawing/2010/main" w="9525">
                   <a:solidFill>
                     <a:srgbClr val="000000"/>
                   </a:solidFill>
@@ -1967,7 +1967,7 @@
             </a:ln>
             <a:extLst>
               <a:ext uri="{91240B29-F687-4f45-9708-019B960494DF}">
-                <a14:hiddenLine xmlns:a14="http://schemas.microsoft.com/office/drawing/2010/main" xmlns="" w="9525">
+                <a14:hiddenLine xmlns="" xmlns:a14="http://schemas.microsoft.com/office/drawing/2010/main" w="9525">
                   <a:solidFill>
                     <a:srgbClr val="000000"/>
                   </a:solidFill>
@@ -2029,7 +2029,7 @@
             </a:ln>
             <a:extLst>
               <a:ext uri="{91240B29-F687-4f45-9708-019B960494DF}">
-                <a14:hiddenLine xmlns:a14="http://schemas.microsoft.com/office/drawing/2010/main" xmlns="" w="9525">
+                <a14:hiddenLine xmlns="" xmlns:a14="http://schemas.microsoft.com/office/drawing/2010/main" w="9525">
                   <a:solidFill>
                     <a:srgbClr val="000000"/>
                   </a:solidFill>
@@ -2091,7 +2091,7 @@
             </a:ln>
             <a:extLst>
               <a:ext uri="{91240B29-F687-4f45-9708-019B960494DF}">
-                <a14:hiddenLine xmlns:a14="http://schemas.microsoft.com/office/drawing/2010/main" xmlns="" w="9525">
+                <a14:hiddenLine xmlns="" xmlns:a14="http://schemas.microsoft.com/office/drawing/2010/main" w="9525">
                   <a:solidFill>
                     <a:srgbClr val="000000"/>
                   </a:solidFill>
@@ -2181,7 +2181,7 @@
             </a:ln>
             <a:extLst>
               <a:ext uri="{91240B29-F687-4f45-9708-019B960494DF}">
-                <a14:hiddenLine xmlns:a14="http://schemas.microsoft.com/office/drawing/2010/main" xmlns="" w="9525">
+                <a14:hiddenLine xmlns="" xmlns:a14="http://schemas.microsoft.com/office/drawing/2010/main" w="9525">
                   <a:solidFill>
                     <a:srgbClr val="000000"/>
                   </a:solidFill>
@@ -2271,7 +2271,7 @@
             </a:ln>
             <a:extLst>
               <a:ext uri="{91240B29-F687-4f45-9708-019B960494DF}">
-                <a14:hiddenLine xmlns:a14="http://schemas.microsoft.com/office/drawing/2010/main" xmlns="" w="9525">
+                <a14:hiddenLine xmlns="" xmlns:a14="http://schemas.microsoft.com/office/drawing/2010/main" w="9525">
                   <a:solidFill>
                     <a:srgbClr val="000000"/>
                   </a:solidFill>
@@ -2333,7 +2333,7 @@
             </a:ln>
             <a:extLst>
               <a:ext uri="{91240B29-F687-4f45-9708-019B960494DF}">
-                <a14:hiddenLine xmlns:a14="http://schemas.microsoft.com/office/drawing/2010/main" xmlns="" w="9525">
+                <a14:hiddenLine xmlns="" xmlns:a14="http://schemas.microsoft.com/office/drawing/2010/main" w="9525">
                   <a:solidFill>
                     <a:srgbClr val="000000"/>
                   </a:solidFill>
@@ -2443,7 +2443,7 @@
             </a:ln>
             <a:extLst>
               <a:ext uri="{91240B29-F687-4f45-9708-019B960494DF}">
-                <a14:hiddenLine xmlns:a14="http://schemas.microsoft.com/office/drawing/2010/main" xmlns="" w="9525">
+                <a14:hiddenLine xmlns="" xmlns:a14="http://schemas.microsoft.com/office/drawing/2010/main" w="9525">
                   <a:solidFill>
                     <a:srgbClr val="000000"/>
                   </a:solidFill>
@@ -2505,7 +2505,7 @@
             </a:ln>
             <a:extLst>
               <a:ext uri="{91240B29-F687-4f45-9708-019B960494DF}">
-                <a14:hiddenLine xmlns:a14="http://schemas.microsoft.com/office/drawing/2010/main" xmlns="" w="9525">
+                <a14:hiddenLine xmlns="" xmlns:a14="http://schemas.microsoft.com/office/drawing/2010/main" w="9525">
                   <a:solidFill>
                     <a:srgbClr val="000000"/>
                   </a:solidFill>
@@ -2595,7 +2595,7 @@
             </a:ln>
             <a:extLst>
               <a:ext uri="{91240B29-F687-4f45-9708-019B960494DF}">
-                <a14:hiddenLine xmlns:a14="http://schemas.microsoft.com/office/drawing/2010/main" xmlns="" w="9525">
+                <a14:hiddenLine xmlns="" xmlns:a14="http://schemas.microsoft.com/office/drawing/2010/main" w="9525">
                   <a:solidFill>
                     <a:srgbClr val="000000"/>
                   </a:solidFill>
@@ -2685,7 +2685,7 @@
             </a:ln>
             <a:extLst>
               <a:ext uri="{91240B29-F687-4f45-9708-019B960494DF}">
-                <a14:hiddenLine xmlns:a14="http://schemas.microsoft.com/office/drawing/2010/main" xmlns="" w="9525">
+                <a14:hiddenLine xmlns="" xmlns:a14="http://schemas.microsoft.com/office/drawing/2010/main" w="9525">
                   <a:solidFill>
                     <a:srgbClr val="000000"/>
                   </a:solidFill>
@@ -2747,7 +2747,7 @@
             </a:ln>
             <a:extLst>
               <a:ext uri="{91240B29-F687-4f45-9708-019B960494DF}">
-                <a14:hiddenLine xmlns:a14="http://schemas.microsoft.com/office/drawing/2010/main" xmlns="" w="9525">
+                <a14:hiddenLine xmlns="" xmlns:a14="http://schemas.microsoft.com/office/drawing/2010/main" w="9525">
                   <a:solidFill>
                     <a:srgbClr val="000000"/>
                   </a:solidFill>
@@ -2837,7 +2837,7 @@
             </a:ln>
             <a:extLst>
               <a:ext uri="{91240B29-F687-4f45-9708-019B960494DF}">
-                <a14:hiddenLine xmlns:a14="http://schemas.microsoft.com/office/drawing/2010/main" xmlns="" w="9525">
+                <a14:hiddenLine xmlns="" xmlns:a14="http://schemas.microsoft.com/office/drawing/2010/main" w="9525">
                   <a:solidFill>
                     <a:srgbClr val="000000"/>
                   </a:solidFill>
@@ -2927,7 +2927,7 @@
             </a:ln>
             <a:extLst>
               <a:ext uri="{91240B29-F687-4f45-9708-019B960494DF}">
-                <a14:hiddenLine xmlns:a14="http://schemas.microsoft.com/office/drawing/2010/main" xmlns="" w="9525">
+                <a14:hiddenLine xmlns="" xmlns:a14="http://schemas.microsoft.com/office/drawing/2010/main" w="9525">
                   <a:solidFill>
                     <a:srgbClr val="000000"/>
                   </a:solidFill>
@@ -2983,7 +2983,7 @@
             </a:ln>
             <a:extLst>
               <a:ext uri="{91240B29-F687-4f45-9708-019B960494DF}">
-                <a14:hiddenLine xmlns:a14="http://schemas.microsoft.com/office/drawing/2010/main" xmlns="" w="9525">
+                <a14:hiddenLine xmlns="" xmlns:a14="http://schemas.microsoft.com/office/drawing/2010/main" w="9525">
                   <a:solidFill>
                     <a:srgbClr val="000000"/>
                   </a:solidFill>
@@ -3073,7 +3073,7 @@
             </a:ln>
             <a:extLst>
               <a:ext uri="{91240B29-F687-4f45-9708-019B960494DF}">
-                <a14:hiddenLine xmlns:a14="http://schemas.microsoft.com/office/drawing/2010/main" xmlns="" w="9525">
+                <a14:hiddenLine xmlns="" xmlns:a14="http://schemas.microsoft.com/office/drawing/2010/main" w="9525">
                   <a:solidFill>
                     <a:srgbClr val="000000"/>
                   </a:solidFill>
@@ -3129,7 +3129,7 @@
             </a:ln>
             <a:extLst>
               <a:ext uri="{91240B29-F687-4f45-9708-019B960494DF}">
-                <a14:hiddenLine xmlns:a14="http://schemas.microsoft.com/office/drawing/2010/main" xmlns="" w="9525">
+                <a14:hiddenLine xmlns="" xmlns:a14="http://schemas.microsoft.com/office/drawing/2010/main" w="9525">
                   <a:solidFill>
                     <a:srgbClr val="000000"/>
                   </a:solidFill>
@@ -3219,7 +3219,7 @@
             </a:ln>
             <a:extLst>
               <a:ext uri="{91240B29-F687-4f45-9708-019B960494DF}">
-                <a14:hiddenLine xmlns:a14="http://schemas.microsoft.com/office/drawing/2010/main" xmlns="" w="9525">
+                <a14:hiddenLine xmlns="" xmlns:a14="http://schemas.microsoft.com/office/drawing/2010/main" w="9525">
                   <a:solidFill>
                     <a:srgbClr val="000000"/>
                   </a:solidFill>
@@ -3287,7 +3287,7 @@
             </a:ln>
             <a:extLst>
               <a:ext uri="{91240B29-F687-4f45-9708-019B960494DF}">
-                <a14:hiddenLine xmlns:a14="http://schemas.microsoft.com/office/drawing/2010/main" xmlns="" w="9525">
+                <a14:hiddenLine xmlns="" xmlns:a14="http://schemas.microsoft.com/office/drawing/2010/main" w="9525">
                   <a:solidFill>
                     <a:srgbClr val="000000"/>
                   </a:solidFill>
@@ -3377,7 +3377,7 @@
             </a:ln>
             <a:extLst>
               <a:ext uri="{91240B29-F687-4f45-9708-019B960494DF}">
-                <a14:hiddenLine xmlns:a14="http://schemas.microsoft.com/office/drawing/2010/main" xmlns="" w="9525">
+                <a14:hiddenLine xmlns="" xmlns:a14="http://schemas.microsoft.com/office/drawing/2010/main" w="9525">
                   <a:solidFill>
                     <a:srgbClr val="000000"/>
                   </a:solidFill>
@@ -3445,7 +3445,7 @@
             </a:ln>
             <a:extLst>
               <a:ext uri="{91240B29-F687-4f45-9708-019B960494DF}">
-                <a14:hiddenLine xmlns:a14="http://schemas.microsoft.com/office/drawing/2010/main" xmlns="" w="9525">
+                <a14:hiddenLine xmlns="" xmlns:a14="http://schemas.microsoft.com/office/drawing/2010/main" w="9525">
                   <a:solidFill>
                     <a:srgbClr val="000000"/>
                   </a:solidFill>
@@ -3535,7 +3535,7 @@
             </a:ln>
             <a:extLst>
               <a:ext uri="{91240B29-F687-4f45-9708-019B960494DF}">
-                <a14:hiddenLine xmlns:a14="http://schemas.microsoft.com/office/drawing/2010/main" xmlns="" w="9525">
+                <a14:hiddenLine xmlns="" xmlns:a14="http://schemas.microsoft.com/office/drawing/2010/main" w="9525">
                   <a:solidFill>
                     <a:srgbClr val="000000"/>
                   </a:solidFill>
@@ -3569,7 +3569,7 @@
             </a:ln>
             <a:extLst>
               <a:ext uri="{91240B29-F687-4f45-9708-019B960494DF}">
-                <a14:hiddenLine xmlns:a14="http://schemas.microsoft.com/office/drawing/2010/main" xmlns="" w="9525">
+                <a14:hiddenLine xmlns="" xmlns:a14="http://schemas.microsoft.com/office/drawing/2010/main" w="9525">
                   <a:solidFill>
                     <a:srgbClr val="000000"/>
                   </a:solidFill>
@@ -3659,7 +3659,7 @@
             </a:ln>
             <a:extLst>
               <a:ext uri="{91240B29-F687-4f45-9708-019B960494DF}">
-                <a14:hiddenLine xmlns:a14="http://schemas.microsoft.com/office/drawing/2010/main" xmlns="" w="9525">
+                <a14:hiddenLine xmlns="" xmlns:a14="http://schemas.microsoft.com/office/drawing/2010/main" w="9525">
                   <a:solidFill>
                     <a:srgbClr val="000000"/>
                   </a:solidFill>
@@ -3721,7 +3721,7 @@
             </a:ln>
             <a:extLst>
               <a:ext uri="{91240B29-F687-4f45-9708-019B960494DF}">
-                <a14:hiddenLine xmlns:a14="http://schemas.microsoft.com/office/drawing/2010/main" xmlns="" w="9525">
+                <a14:hiddenLine xmlns="" xmlns:a14="http://schemas.microsoft.com/office/drawing/2010/main" w="9525">
                   <a:solidFill>
                     <a:srgbClr val="000000"/>
                   </a:solidFill>
@@ -3783,7 +3783,7 @@
             </a:ln>
             <a:extLst>
               <a:ext uri="{91240B29-F687-4f45-9708-019B960494DF}">
-                <a14:hiddenLine xmlns:a14="http://schemas.microsoft.com/office/drawing/2010/main" xmlns="" w="9525">
+                <a14:hiddenLine xmlns="" xmlns:a14="http://schemas.microsoft.com/office/drawing/2010/main" w="9525">
                   <a:solidFill>
                     <a:srgbClr val="000000"/>
                   </a:solidFill>
@@ -3873,7 +3873,7 @@
             </a:ln>
             <a:extLst>
               <a:ext uri="{91240B29-F687-4f45-9708-019B960494DF}">
-                <a14:hiddenLine xmlns:a14="http://schemas.microsoft.com/office/drawing/2010/main" xmlns="" w="9525">
+                <a14:hiddenLine xmlns="" xmlns:a14="http://schemas.microsoft.com/office/drawing/2010/main" w="9525">
                   <a:solidFill>
                     <a:srgbClr val="000000"/>
                   </a:solidFill>
@@ -3941,7 +3941,7 @@
             </a:ln>
             <a:extLst>
               <a:ext uri="{91240B29-F687-4f45-9708-019B960494DF}">
-                <a14:hiddenLine xmlns:a14="http://schemas.microsoft.com/office/drawing/2010/main" xmlns="" w="9525">
+                <a14:hiddenLine xmlns="" xmlns:a14="http://schemas.microsoft.com/office/drawing/2010/main" w="9525">
                   <a:solidFill>
                     <a:srgbClr val="000000"/>
                   </a:solidFill>
@@ -4003,7 +4003,7 @@
             </a:ln>
             <a:extLst>
               <a:ext uri="{91240B29-F687-4f45-9708-019B960494DF}">
-                <a14:hiddenLine xmlns:a14="http://schemas.microsoft.com/office/drawing/2010/main" xmlns="" w="9525">
+                <a14:hiddenLine xmlns="" xmlns:a14="http://schemas.microsoft.com/office/drawing/2010/main" w="9525">
                   <a:solidFill>
                     <a:srgbClr val="000000"/>
                   </a:solidFill>
@@ -4093,7 +4093,7 @@
             </a:ln>
             <a:extLst>
               <a:ext uri="{91240B29-F687-4f45-9708-019B960494DF}">
-                <a14:hiddenLine xmlns:a14="http://schemas.microsoft.com/office/drawing/2010/main" xmlns="" w="9525">
+                <a14:hiddenLine xmlns="" xmlns:a14="http://schemas.microsoft.com/office/drawing/2010/main" w="9525">
                   <a:solidFill>
                     <a:srgbClr val="000000"/>
                   </a:solidFill>
@@ -4155,7 +4155,7 @@
             </a:ln>
             <a:extLst>
               <a:ext uri="{91240B29-F687-4f45-9708-019B960494DF}">
-                <a14:hiddenLine xmlns:a14="http://schemas.microsoft.com/office/drawing/2010/main" xmlns="" w="9525">
+                <a14:hiddenLine xmlns="" xmlns:a14="http://schemas.microsoft.com/office/drawing/2010/main" w="9525">
                   <a:solidFill>
                     <a:srgbClr val="000000"/>
                   </a:solidFill>
@@ -4245,7 +4245,7 @@
             </a:ln>
             <a:extLst>
               <a:ext uri="{91240B29-F687-4f45-9708-019B960494DF}">
-                <a14:hiddenLine xmlns:a14="http://schemas.microsoft.com/office/drawing/2010/main" xmlns="" w="9525">
+                <a14:hiddenLine xmlns="" xmlns:a14="http://schemas.microsoft.com/office/drawing/2010/main" w="9525">
                   <a:solidFill>
                     <a:srgbClr val="000000"/>
                   </a:solidFill>
@@ -4307,7 +4307,7 @@
             </a:ln>
             <a:extLst>
               <a:ext uri="{91240B29-F687-4f45-9708-019B960494DF}">
-                <a14:hiddenLine xmlns:a14="http://schemas.microsoft.com/office/drawing/2010/main" xmlns="" w="9525">
+                <a14:hiddenLine xmlns="" xmlns:a14="http://schemas.microsoft.com/office/drawing/2010/main" w="9525">
                   <a:solidFill>
                     <a:srgbClr val="000000"/>
                   </a:solidFill>
@@ -4397,7 +4397,7 @@
             </a:ln>
             <a:extLst>
               <a:ext uri="{91240B29-F687-4f45-9708-019B960494DF}">
-                <a14:hiddenLine xmlns:a14="http://schemas.microsoft.com/office/drawing/2010/main" xmlns="" w="9525">
+                <a14:hiddenLine xmlns="" xmlns:a14="http://schemas.microsoft.com/office/drawing/2010/main" w="9525">
                   <a:solidFill>
                     <a:srgbClr val="000000"/>
                   </a:solidFill>
@@ -4431,7 +4431,7 @@
             </a:ln>
             <a:extLst>
               <a:ext uri="{91240B29-F687-4f45-9708-019B960494DF}">
-                <a14:hiddenLine xmlns:a14="http://schemas.microsoft.com/office/drawing/2010/main" xmlns="" w="9525">
+                <a14:hiddenLine xmlns="" xmlns:a14="http://schemas.microsoft.com/office/drawing/2010/main" w="9525">
                   <a:solidFill>
                     <a:srgbClr val="000000"/>
                   </a:solidFill>
@@ -4496,7 +4496,7 @@
             </a:ln>
             <a:extLst>
               <a:ext uri="{91240B29-F687-4f45-9708-019B960494DF}">
-                <a14:hiddenLine xmlns:a14="http://schemas.microsoft.com/office/drawing/2010/main" xmlns="" w="9525">
+                <a14:hiddenLine xmlns="" xmlns:a14="http://schemas.microsoft.com/office/drawing/2010/main" w="9525">
                   <a:solidFill>
                     <a:srgbClr val="000000"/>
                   </a:solidFill>
@@ -4586,7 +4586,7 @@
             </a:ln>
             <a:extLst>
               <a:ext uri="{91240B29-F687-4f45-9708-019B960494DF}">
-                <a14:hiddenLine xmlns:a14="http://schemas.microsoft.com/office/drawing/2010/main" xmlns="" w="9525">
+                <a14:hiddenLine xmlns="" xmlns:a14="http://schemas.microsoft.com/office/drawing/2010/main" w="9525">
                   <a:solidFill>
                     <a:srgbClr val="000000"/>
                   </a:solidFill>
@@ -4648,7 +4648,7 @@
             </a:ln>
             <a:extLst>
               <a:ext uri="{91240B29-F687-4f45-9708-019B960494DF}">
-                <a14:hiddenLine xmlns:a14="http://schemas.microsoft.com/office/drawing/2010/main" xmlns="" w="9525">
+                <a14:hiddenLine xmlns="" xmlns:a14="http://schemas.microsoft.com/office/drawing/2010/main" w="9525">
                   <a:solidFill>
                     <a:srgbClr val="000000"/>
                   </a:solidFill>
@@ -4738,7 +4738,7 @@
             </a:ln>
             <a:extLst>
               <a:ext uri="{91240B29-F687-4f45-9708-019B960494DF}">
-                <a14:hiddenLine xmlns:a14="http://schemas.microsoft.com/office/drawing/2010/main" xmlns="" w="9525">
+                <a14:hiddenLine xmlns="" xmlns:a14="http://schemas.microsoft.com/office/drawing/2010/main" w="9525">
                   <a:solidFill>
                     <a:srgbClr val="000000"/>
                   </a:solidFill>
@@ -4828,7 +4828,7 @@
             </a:ln>
             <a:extLst>
               <a:ext uri="{91240B29-F687-4f45-9708-019B960494DF}">
-                <a14:hiddenLine xmlns:a14="http://schemas.microsoft.com/office/drawing/2010/main" xmlns="" w="9525">
+                <a14:hiddenLine xmlns="" xmlns:a14="http://schemas.microsoft.com/office/drawing/2010/main" w="9525">
                   <a:solidFill>
                     <a:srgbClr val="000000"/>
                   </a:solidFill>
@@ -4893,7 +4893,7 @@
             </a:ln>
             <a:extLst>
               <a:ext uri="{91240B29-F687-4f45-9708-019B960494DF}">
-                <a14:hiddenLine xmlns:a14="http://schemas.microsoft.com/office/drawing/2010/main" xmlns="" w="9525">
+                <a14:hiddenLine xmlns="" xmlns:a14="http://schemas.microsoft.com/office/drawing/2010/main" w="9525">
                   <a:solidFill>
                     <a:srgbClr val="000000"/>
                   </a:solidFill>
@@ -4955,7 +4955,7 @@
             </a:ln>
             <a:extLst>
               <a:ext uri="{91240B29-F687-4f45-9708-019B960494DF}">
-                <a14:hiddenLine xmlns:a14="http://schemas.microsoft.com/office/drawing/2010/main" xmlns="" w="9525">
+                <a14:hiddenLine xmlns="" xmlns:a14="http://schemas.microsoft.com/office/drawing/2010/main" w="9525">
                   <a:solidFill>
                     <a:srgbClr val="000000"/>
                   </a:solidFill>
@@ -5045,7 +5045,7 @@
             </a:ln>
             <a:extLst>
               <a:ext uri="{91240B29-F687-4f45-9708-019B960494DF}">
-                <a14:hiddenLine xmlns:a14="http://schemas.microsoft.com/office/drawing/2010/main" xmlns="" w="9525">
+                <a14:hiddenLine xmlns="" xmlns:a14="http://schemas.microsoft.com/office/drawing/2010/main" w="9525">
                   <a:solidFill>
                     <a:srgbClr val="000000"/>
                   </a:solidFill>
@@ -5135,7 +5135,7 @@
             </a:ln>
             <a:extLst>
               <a:ext uri="{91240B29-F687-4f45-9708-019B960494DF}">
-                <a14:hiddenLine xmlns:a14="http://schemas.microsoft.com/office/drawing/2010/main" xmlns="" w="9525">
+                <a14:hiddenLine xmlns="" xmlns:a14="http://schemas.microsoft.com/office/drawing/2010/main" w="9525">
                   <a:solidFill>
                     <a:srgbClr val="000000"/>
                   </a:solidFill>
@@ -5197,7 +5197,7 @@
             </a:ln>
             <a:extLst>
               <a:ext uri="{91240B29-F687-4f45-9708-019B960494DF}">
-                <a14:hiddenLine xmlns:a14="http://schemas.microsoft.com/office/drawing/2010/main" xmlns="" w="9525">
+                <a14:hiddenLine xmlns="" xmlns:a14="http://schemas.microsoft.com/office/drawing/2010/main" w="9525">
                   <a:solidFill>
                     <a:srgbClr val="000000"/>
                   </a:solidFill>
@@ -5317,7 +5317,7 @@
             </a:ln>
             <a:extLst>
               <a:ext uri="{91240B29-F687-4f45-9708-019B960494DF}">
-                <a14:hiddenLine xmlns:a14="http://schemas.microsoft.com/office/drawing/2010/main" xmlns="" w="9525">
+                <a14:hiddenLine xmlns="" xmlns:a14="http://schemas.microsoft.com/office/drawing/2010/main" w="9525">
                   <a:solidFill>
                     <a:srgbClr val="000000"/>
                   </a:solidFill>
@@ -5385,7 +5385,7 @@
             </a:ln>
             <a:extLst>
               <a:ext uri="{91240B29-F687-4f45-9708-019B960494DF}">
-                <a14:hiddenLine xmlns:a14="http://schemas.microsoft.com/office/drawing/2010/main" xmlns="" w="9525">
+                <a14:hiddenLine xmlns="" xmlns:a14="http://schemas.microsoft.com/office/drawing/2010/main" w="9525">
                   <a:solidFill>
                     <a:srgbClr val="000000"/>
                   </a:solidFill>
@@ -5475,7 +5475,7 @@
             </a:ln>
             <a:extLst>
               <a:ext uri="{91240B29-F687-4f45-9708-019B960494DF}">
-                <a14:hiddenLine xmlns:a14="http://schemas.microsoft.com/office/drawing/2010/main" xmlns="" w="9525">
+                <a14:hiddenLine xmlns="" xmlns:a14="http://schemas.microsoft.com/office/drawing/2010/main" w="9525">
                   <a:solidFill>
                     <a:srgbClr val="000000"/>
                   </a:solidFill>
@@ -10204,7 +10204,7 @@
           <a:noFill/>
           <a:extLst>
             <a:ext uri="{909E8E84-426E-40dd-AFC4-6F175D3DCCD1}">
-              <a14:hiddenFill xmlns:a14="http://schemas.microsoft.com/office/drawing/2010/main" xmlns="">
+              <a14:hiddenFill xmlns="" xmlns:a14="http://schemas.microsoft.com/office/drawing/2010/main">
                 <a:solidFill>
                   <a:srgbClr val="FFFFFF"/>
                 </a:solidFill>
@@ -10278,7 +10278,7 @@
               </a:ln>
               <a:extLst>
                 <a:ext uri="{91240B29-F687-4f45-9708-019B960494DF}">
-                  <a14:hiddenLine xmlns:a14="http://schemas.microsoft.com/office/drawing/2010/main" xmlns="" w="9525">
+                  <a14:hiddenLine xmlns="" xmlns:a14="http://schemas.microsoft.com/office/drawing/2010/main" w="9525">
                     <a:solidFill>
                       <a:srgbClr val="000000"/>
                     </a:solidFill>
@@ -10368,7 +10368,7 @@
               </a:ln>
               <a:extLst>
                 <a:ext uri="{91240B29-F687-4f45-9708-019B960494DF}">
-                  <a14:hiddenLine xmlns:a14="http://schemas.microsoft.com/office/drawing/2010/main" xmlns="" w="9525">
+                  <a14:hiddenLine xmlns="" xmlns:a14="http://schemas.microsoft.com/office/drawing/2010/main" w="9525">
                     <a:solidFill>
                       <a:srgbClr val="000000"/>
                     </a:solidFill>
@@ -10458,7 +10458,7 @@
               </a:ln>
               <a:extLst>
                 <a:ext uri="{91240B29-F687-4f45-9708-019B960494DF}">
-                  <a14:hiddenLine xmlns:a14="http://schemas.microsoft.com/office/drawing/2010/main" xmlns="" w="9525">
+                  <a14:hiddenLine xmlns="" xmlns:a14="http://schemas.microsoft.com/office/drawing/2010/main" w="9525">
                     <a:solidFill>
                       <a:srgbClr val="000000"/>
                     </a:solidFill>
@@ -10520,7 +10520,7 @@
               </a:ln>
               <a:extLst>
                 <a:ext uri="{91240B29-F687-4f45-9708-019B960494DF}">
-                  <a14:hiddenLine xmlns:a14="http://schemas.microsoft.com/office/drawing/2010/main" xmlns="" w="9525">
+                  <a14:hiddenLine xmlns="" xmlns:a14="http://schemas.microsoft.com/office/drawing/2010/main" w="9525">
                     <a:solidFill>
                       <a:srgbClr val="000000"/>
                     </a:solidFill>
@@ -10610,7 +10610,7 @@
               </a:ln>
               <a:extLst>
                 <a:ext uri="{91240B29-F687-4f45-9708-019B960494DF}">
-                  <a14:hiddenLine xmlns:a14="http://schemas.microsoft.com/office/drawing/2010/main" xmlns="" w="9525">
+                  <a14:hiddenLine xmlns="" xmlns:a14="http://schemas.microsoft.com/office/drawing/2010/main" w="9525">
                     <a:solidFill>
                       <a:srgbClr val="000000"/>
                     </a:solidFill>
@@ -10672,7 +10672,7 @@
               </a:ln>
               <a:extLst>
                 <a:ext uri="{91240B29-F687-4f45-9708-019B960494DF}">
-                  <a14:hiddenLine xmlns:a14="http://schemas.microsoft.com/office/drawing/2010/main" xmlns="" w="9525">
+                  <a14:hiddenLine xmlns="" xmlns:a14="http://schemas.microsoft.com/office/drawing/2010/main" w="9525">
                     <a:solidFill>
                       <a:srgbClr val="000000"/>
                     </a:solidFill>
@@ -10734,7 +10734,7 @@
               </a:ln>
               <a:extLst>
                 <a:ext uri="{91240B29-F687-4f45-9708-019B960494DF}">
-                  <a14:hiddenLine xmlns:a14="http://schemas.microsoft.com/office/drawing/2010/main" xmlns="" w="9525">
+                  <a14:hiddenLine xmlns="" xmlns:a14="http://schemas.microsoft.com/office/drawing/2010/main" w="9525">
                     <a:solidFill>
                       <a:srgbClr val="000000"/>
                     </a:solidFill>
@@ -10824,7 +10824,7 @@
               </a:ln>
               <a:extLst>
                 <a:ext uri="{91240B29-F687-4f45-9708-019B960494DF}">
-                  <a14:hiddenLine xmlns:a14="http://schemas.microsoft.com/office/drawing/2010/main" xmlns="" w="9525">
+                  <a14:hiddenLine xmlns="" xmlns:a14="http://schemas.microsoft.com/office/drawing/2010/main" w="9525">
                     <a:solidFill>
                       <a:srgbClr val="000000"/>
                     </a:solidFill>
@@ -10914,7 +10914,7 @@
               </a:ln>
               <a:extLst>
                 <a:ext uri="{91240B29-F687-4f45-9708-019B960494DF}">
-                  <a14:hiddenLine xmlns:a14="http://schemas.microsoft.com/office/drawing/2010/main" xmlns="" w="9525">
+                  <a14:hiddenLine xmlns="" xmlns:a14="http://schemas.microsoft.com/office/drawing/2010/main" w="9525">
                     <a:solidFill>
                       <a:srgbClr val="000000"/>
                     </a:solidFill>
@@ -10976,7 +10976,7 @@
               </a:ln>
               <a:extLst>
                 <a:ext uri="{91240B29-F687-4f45-9708-019B960494DF}">
-                  <a14:hiddenLine xmlns:a14="http://schemas.microsoft.com/office/drawing/2010/main" xmlns="" w="9525">
+                  <a14:hiddenLine xmlns="" xmlns:a14="http://schemas.microsoft.com/office/drawing/2010/main" w="9525">
                     <a:solidFill>
                       <a:srgbClr val="000000"/>
                     </a:solidFill>
@@ -11086,7 +11086,7 @@
               </a:ln>
               <a:extLst>
                 <a:ext uri="{91240B29-F687-4f45-9708-019B960494DF}">
-                  <a14:hiddenLine xmlns:a14="http://schemas.microsoft.com/office/drawing/2010/main" xmlns="" w="9525">
+                  <a14:hiddenLine xmlns="" xmlns:a14="http://schemas.microsoft.com/office/drawing/2010/main" w="9525">
                     <a:solidFill>
                       <a:srgbClr val="000000"/>
                     </a:solidFill>
@@ -11170,7 +11170,7 @@
               </a:ln>
               <a:extLst>
                 <a:ext uri="{91240B29-F687-4f45-9708-019B960494DF}">
-                  <a14:hiddenLine xmlns:a14="http://schemas.microsoft.com/office/drawing/2010/main" xmlns="" w="9525">
+                  <a14:hiddenLine xmlns="" xmlns:a14="http://schemas.microsoft.com/office/drawing/2010/main" w="9525">
                     <a:solidFill>
                       <a:srgbClr val="000000"/>
                     </a:solidFill>
@@ -11232,7 +11232,7 @@
               </a:ln>
               <a:extLst>
                 <a:ext uri="{91240B29-F687-4f45-9708-019B960494DF}">
-                  <a14:hiddenLine xmlns:a14="http://schemas.microsoft.com/office/drawing/2010/main" xmlns="" w="9525">
+                  <a14:hiddenLine xmlns="" xmlns:a14="http://schemas.microsoft.com/office/drawing/2010/main" w="9525">
                     <a:solidFill>
                       <a:srgbClr val="000000"/>
                     </a:solidFill>
@@ -11294,7 +11294,7 @@
               </a:ln>
               <a:extLst>
                 <a:ext uri="{91240B29-F687-4f45-9708-019B960494DF}">
-                  <a14:hiddenLine xmlns:a14="http://schemas.microsoft.com/office/drawing/2010/main" xmlns="" w="9525">
+                  <a14:hiddenLine xmlns="" xmlns:a14="http://schemas.microsoft.com/office/drawing/2010/main" w="9525">
                     <a:solidFill>
                       <a:srgbClr val="000000"/>
                     </a:solidFill>
@@ -11384,7 +11384,7 @@
               </a:ln>
               <a:extLst>
                 <a:ext uri="{91240B29-F687-4f45-9708-019B960494DF}">
-                  <a14:hiddenLine xmlns:a14="http://schemas.microsoft.com/office/drawing/2010/main" xmlns="" w="9525">
+                  <a14:hiddenLine xmlns="" xmlns:a14="http://schemas.microsoft.com/office/drawing/2010/main" w="9525">
                     <a:solidFill>
                       <a:srgbClr val="000000"/>
                     </a:solidFill>
@@ -11418,7 +11418,7 @@
               </a:ln>
               <a:extLst>
                 <a:ext uri="{91240B29-F687-4f45-9708-019B960494DF}">
-                  <a14:hiddenLine xmlns:a14="http://schemas.microsoft.com/office/drawing/2010/main" xmlns="" w="9525">
+                  <a14:hiddenLine xmlns="" xmlns:a14="http://schemas.microsoft.com/office/drawing/2010/main" w="9525">
                     <a:solidFill>
                       <a:srgbClr val="000000"/>
                     </a:solidFill>
@@ -11483,7 +11483,7 @@
               </a:ln>
               <a:extLst>
                 <a:ext uri="{91240B29-F687-4f45-9708-019B960494DF}">
-                  <a14:hiddenLine xmlns:a14="http://schemas.microsoft.com/office/drawing/2010/main" xmlns="" w="9525">
+                  <a14:hiddenLine xmlns="" xmlns:a14="http://schemas.microsoft.com/office/drawing/2010/main" w="9525">
                     <a:solidFill>
                       <a:srgbClr val="000000"/>
                     </a:solidFill>
@@ -11573,7 +11573,7 @@
               </a:ln>
               <a:extLst>
                 <a:ext uri="{91240B29-F687-4f45-9708-019B960494DF}">
-                  <a14:hiddenLine xmlns:a14="http://schemas.microsoft.com/office/drawing/2010/main" xmlns="" w="9525">
+                  <a14:hiddenLine xmlns="" xmlns:a14="http://schemas.microsoft.com/office/drawing/2010/main" w="9525">
                     <a:solidFill>
                       <a:srgbClr val="000000"/>
                     </a:solidFill>
@@ -11635,7 +11635,7 @@
               </a:ln>
               <a:extLst>
                 <a:ext uri="{91240B29-F687-4f45-9708-019B960494DF}">
-                  <a14:hiddenLine xmlns:a14="http://schemas.microsoft.com/office/drawing/2010/main" xmlns="" w="9525">
+                  <a14:hiddenLine xmlns="" xmlns:a14="http://schemas.microsoft.com/office/drawing/2010/main" w="9525">
                     <a:solidFill>
                       <a:srgbClr val="000000"/>
                     </a:solidFill>
@@ -11725,7 +11725,7 @@
               </a:ln>
               <a:extLst>
                 <a:ext uri="{91240B29-F687-4f45-9708-019B960494DF}">
-                  <a14:hiddenLine xmlns:a14="http://schemas.microsoft.com/office/drawing/2010/main" xmlns="" w="9525">
+                  <a14:hiddenLine xmlns="" xmlns:a14="http://schemas.microsoft.com/office/drawing/2010/main" w="9525">
                     <a:solidFill>
                       <a:srgbClr val="000000"/>
                     </a:solidFill>
@@ -11790,7 +11790,7 @@
               </a:ln>
               <a:extLst>
                 <a:ext uri="{91240B29-F687-4f45-9708-019B960494DF}">
-                  <a14:hiddenLine xmlns:a14="http://schemas.microsoft.com/office/drawing/2010/main" xmlns="" w="9525">
+                  <a14:hiddenLine xmlns="" xmlns:a14="http://schemas.microsoft.com/office/drawing/2010/main" w="9525">
                     <a:solidFill>
                       <a:srgbClr val="000000"/>
                     </a:solidFill>
@@ -11852,7 +11852,7 @@
               </a:ln>
               <a:extLst>
                 <a:ext uri="{91240B29-F687-4f45-9708-019B960494DF}">
-                  <a14:hiddenLine xmlns:a14="http://schemas.microsoft.com/office/drawing/2010/main" xmlns="" w="9525">
+                  <a14:hiddenLine xmlns="" xmlns:a14="http://schemas.microsoft.com/office/drawing/2010/main" w="9525">
                     <a:solidFill>
                       <a:srgbClr val="000000"/>
                     </a:solidFill>
@@ -11942,7 +11942,7 @@
               </a:ln>
               <a:extLst>
                 <a:ext uri="{91240B29-F687-4f45-9708-019B960494DF}">
-                  <a14:hiddenLine xmlns:a14="http://schemas.microsoft.com/office/drawing/2010/main" xmlns="" w="9525">
+                  <a14:hiddenLine xmlns="" xmlns:a14="http://schemas.microsoft.com/office/drawing/2010/main" w="9525">
                     <a:solidFill>
                       <a:srgbClr val="000000"/>
                     </a:solidFill>
@@ -12032,7 +12032,7 @@
               </a:ln>
               <a:extLst>
                 <a:ext uri="{91240B29-F687-4f45-9708-019B960494DF}">
-                  <a14:hiddenLine xmlns:a14="http://schemas.microsoft.com/office/drawing/2010/main" xmlns="" w="9525">
+                  <a14:hiddenLine xmlns="" xmlns:a14="http://schemas.microsoft.com/office/drawing/2010/main" w="9525">
                     <a:solidFill>
                       <a:srgbClr val="000000"/>
                     </a:solidFill>
@@ -12097,7 +12097,7 @@
               </a:ln>
               <a:extLst>
                 <a:ext uri="{91240B29-F687-4f45-9708-019B960494DF}">
-                  <a14:hiddenLine xmlns:a14="http://schemas.microsoft.com/office/drawing/2010/main" xmlns="" w="9525">
+                  <a14:hiddenLine xmlns="" xmlns:a14="http://schemas.microsoft.com/office/drawing/2010/main" w="9525">
                     <a:solidFill>
                       <a:srgbClr val="000000"/>
                     </a:solidFill>
@@ -12217,7 +12217,7 @@
               </a:ln>
               <a:extLst>
                 <a:ext uri="{91240B29-F687-4f45-9708-019B960494DF}">
-                  <a14:hiddenLine xmlns:a14="http://schemas.microsoft.com/office/drawing/2010/main" xmlns="" w="9525">
+                  <a14:hiddenLine xmlns="" xmlns:a14="http://schemas.microsoft.com/office/drawing/2010/main" w="9525">
                     <a:solidFill>
                       <a:srgbClr val="000000"/>
                     </a:solidFill>
@@ -12298,7 +12298,7 @@
               </a:ln>
               <a:extLst>
                 <a:ext uri="{91240B29-F687-4f45-9708-019B960494DF}">
-                  <a14:hiddenLine xmlns:a14="http://schemas.microsoft.com/office/drawing/2010/main" xmlns="" w="9525">
+                  <a14:hiddenLine xmlns="" xmlns:a14="http://schemas.microsoft.com/office/drawing/2010/main" w="9525">
                     <a:solidFill>
                       <a:srgbClr val="000000"/>
                     </a:solidFill>
@@ -12413,7 +12413,7 @@
               </a:ln>
               <a:extLst>
                 <a:ext uri="{91240B29-F687-4f45-9708-019B960494DF}">
-                  <a14:hiddenLine xmlns:a14="http://schemas.microsoft.com/office/drawing/2010/main" xmlns="" w="9525">
+                  <a14:hiddenLine xmlns="" xmlns:a14="http://schemas.microsoft.com/office/drawing/2010/main" w="9525">
                     <a:solidFill>
                       <a:srgbClr val="000000"/>
                     </a:solidFill>
@@ -12503,7 +12503,7 @@
               </a:ln>
               <a:extLst>
                 <a:ext uri="{91240B29-F687-4f45-9708-019B960494DF}">
-                  <a14:hiddenLine xmlns:a14="http://schemas.microsoft.com/office/drawing/2010/main" xmlns="" w="9525">
+                  <a14:hiddenLine xmlns="" xmlns:a14="http://schemas.microsoft.com/office/drawing/2010/main" w="9525">
                     <a:solidFill>
                       <a:srgbClr val="000000"/>
                     </a:solidFill>
@@ -12568,7 +12568,7 @@
               </a:ln>
               <a:extLst>
                 <a:ext uri="{91240B29-F687-4f45-9708-019B960494DF}">
-                  <a14:hiddenLine xmlns:a14="http://schemas.microsoft.com/office/drawing/2010/main" xmlns="" w="9525">
+                  <a14:hiddenLine xmlns="" xmlns:a14="http://schemas.microsoft.com/office/drawing/2010/main" w="9525">
                     <a:solidFill>
                       <a:srgbClr val="000000"/>
                     </a:solidFill>
@@ -12658,7 +12658,7 @@
               </a:ln>
               <a:extLst>
                 <a:ext uri="{91240B29-F687-4f45-9708-019B960494DF}">
-                  <a14:hiddenLine xmlns:a14="http://schemas.microsoft.com/office/drawing/2010/main" xmlns="" w="9525">
+                  <a14:hiddenLine xmlns="" xmlns:a14="http://schemas.microsoft.com/office/drawing/2010/main" w="9525">
                     <a:solidFill>
                       <a:srgbClr val="000000"/>
                     </a:solidFill>
@@ -12726,7 +12726,7 @@
               </a:ln>
               <a:extLst>
                 <a:ext uri="{91240B29-F687-4f45-9708-019B960494DF}">
-                  <a14:hiddenLine xmlns:a14="http://schemas.microsoft.com/office/drawing/2010/main" xmlns="" w="9525">
+                  <a14:hiddenLine xmlns="" xmlns:a14="http://schemas.microsoft.com/office/drawing/2010/main" w="9525">
                     <a:solidFill>
                       <a:srgbClr val="000000"/>
                     </a:solidFill>
@@ -12816,7 +12816,7 @@
               </a:ln>
               <a:extLst>
                 <a:ext uri="{91240B29-F687-4f45-9708-019B960494DF}">
-                  <a14:hiddenLine xmlns:a14="http://schemas.microsoft.com/office/drawing/2010/main" xmlns="" w="9525">
+                  <a14:hiddenLine xmlns="" xmlns:a14="http://schemas.microsoft.com/office/drawing/2010/main" w="9525">
                     <a:solidFill>
                       <a:srgbClr val="000000"/>
                     </a:solidFill>
@@ -12884,7 +12884,7 @@
               </a:ln>
               <a:extLst>
                 <a:ext uri="{91240B29-F687-4f45-9708-019B960494DF}">
-                  <a14:hiddenLine xmlns:a14="http://schemas.microsoft.com/office/drawing/2010/main" xmlns="" w="9525">
+                  <a14:hiddenLine xmlns="" xmlns:a14="http://schemas.microsoft.com/office/drawing/2010/main" w="9525">
                     <a:solidFill>
                       <a:srgbClr val="000000"/>
                     </a:solidFill>
@@ -12974,7 +12974,7 @@
               </a:ln>
               <a:extLst>
                 <a:ext uri="{91240B29-F687-4f45-9708-019B960494DF}">
-                  <a14:hiddenLine xmlns:a14="http://schemas.microsoft.com/office/drawing/2010/main" xmlns="" w="9525">
+                  <a14:hiddenLine xmlns="" xmlns:a14="http://schemas.microsoft.com/office/drawing/2010/main" w="9525">
                     <a:solidFill>
                       <a:srgbClr val="000000"/>
                     </a:solidFill>
@@ -13008,7 +13008,7 @@
               </a:ln>
               <a:extLst>
                 <a:ext uri="{91240B29-F687-4f45-9708-019B960494DF}">
-                  <a14:hiddenLine xmlns:a14="http://schemas.microsoft.com/office/drawing/2010/main" xmlns="" w="9525">
+                  <a14:hiddenLine xmlns="" xmlns:a14="http://schemas.microsoft.com/office/drawing/2010/main" w="9525">
                     <a:solidFill>
                       <a:srgbClr val="000000"/>
                     </a:solidFill>

--- a/Design Patterns/Command Design Pattern.pptx
+++ b/Design Patterns/Command Design Pattern.pptx
@@ -1390,7 +1390,7 @@
           <a:noFill/>
           <a:extLst>
             <a:ext uri="{909E8E84-426E-40dd-AFC4-6F175D3DCCD1}">
-              <a14:hiddenFill xmlns="" xmlns:a14="http://schemas.microsoft.com/office/drawing/2010/main">
+              <a14:hiddenFill xmlns:a14="http://schemas.microsoft.com/office/drawing/2010/main" xmlns="">
                 <a:solidFill>
                   <a:srgbClr val="FFFFFF"/>
                 </a:solidFill>
@@ -1449,7 +1449,7 @@
             </a:ln>
             <a:extLst>
               <a:ext uri="{91240B29-F687-4f45-9708-019B960494DF}">
-                <a14:hiddenLine xmlns="" xmlns:a14="http://schemas.microsoft.com/office/drawing/2010/main" w="9525">
+                <a14:hiddenLine xmlns:a14="http://schemas.microsoft.com/office/drawing/2010/main" xmlns="" w="9525">
                   <a:solidFill>
                     <a:srgbClr val="000000"/>
                   </a:solidFill>
@@ -1539,7 +1539,7 @@
             </a:ln>
             <a:extLst>
               <a:ext uri="{91240B29-F687-4f45-9708-019B960494DF}">
-                <a14:hiddenLine xmlns="" xmlns:a14="http://schemas.microsoft.com/office/drawing/2010/main" w="9525">
+                <a14:hiddenLine xmlns:a14="http://schemas.microsoft.com/office/drawing/2010/main" xmlns="" w="9525">
                   <a:solidFill>
                     <a:srgbClr val="000000"/>
                   </a:solidFill>
@@ -1629,7 +1629,7 @@
             </a:ln>
             <a:extLst>
               <a:ext uri="{91240B29-F687-4f45-9708-019B960494DF}">
-                <a14:hiddenLine xmlns="" xmlns:a14="http://schemas.microsoft.com/office/drawing/2010/main" w="9525">
+                <a14:hiddenLine xmlns:a14="http://schemas.microsoft.com/office/drawing/2010/main" xmlns="" w="9525">
                   <a:solidFill>
                     <a:srgbClr val="000000"/>
                   </a:solidFill>
@@ -1663,7 +1663,7 @@
             </a:ln>
             <a:extLst>
               <a:ext uri="{91240B29-F687-4f45-9708-019B960494DF}">
-                <a14:hiddenLine xmlns="" xmlns:a14="http://schemas.microsoft.com/office/drawing/2010/main" w="9525">
+                <a14:hiddenLine xmlns:a14="http://schemas.microsoft.com/office/drawing/2010/main" xmlns="" w="9525">
                   <a:solidFill>
                     <a:srgbClr val="000000"/>
                   </a:solidFill>
@@ -1753,7 +1753,7 @@
             </a:ln>
             <a:extLst>
               <a:ext uri="{91240B29-F687-4f45-9708-019B960494DF}">
-                <a14:hiddenLine xmlns="" xmlns:a14="http://schemas.microsoft.com/office/drawing/2010/main" w="9525">
+                <a14:hiddenLine xmlns:a14="http://schemas.microsoft.com/office/drawing/2010/main" xmlns="" w="9525">
                   <a:solidFill>
                     <a:srgbClr val="000000"/>
                   </a:solidFill>
@@ -1815,7 +1815,7 @@
             </a:ln>
             <a:extLst>
               <a:ext uri="{91240B29-F687-4f45-9708-019B960494DF}">
-                <a14:hiddenLine xmlns="" xmlns:a14="http://schemas.microsoft.com/office/drawing/2010/main" w="9525">
+                <a14:hiddenLine xmlns:a14="http://schemas.microsoft.com/office/drawing/2010/main" xmlns="" w="9525">
                   <a:solidFill>
                     <a:srgbClr val="000000"/>
                   </a:solidFill>
@@ -1877,7 +1877,7 @@
             </a:ln>
             <a:extLst>
               <a:ext uri="{91240B29-F687-4f45-9708-019B960494DF}">
-                <a14:hiddenLine xmlns="" xmlns:a14="http://schemas.microsoft.com/office/drawing/2010/main" w="9525">
+                <a14:hiddenLine xmlns:a14="http://schemas.microsoft.com/office/drawing/2010/main" xmlns="" w="9525">
                   <a:solidFill>
                     <a:srgbClr val="000000"/>
                   </a:solidFill>
@@ -1967,7 +1967,7 @@
             </a:ln>
             <a:extLst>
               <a:ext uri="{91240B29-F687-4f45-9708-019B960494DF}">
-                <a14:hiddenLine xmlns="" xmlns:a14="http://schemas.microsoft.com/office/drawing/2010/main" w="9525">
+                <a14:hiddenLine xmlns:a14="http://schemas.microsoft.com/office/drawing/2010/main" xmlns="" w="9525">
                   <a:solidFill>
                     <a:srgbClr val="000000"/>
                   </a:solidFill>
@@ -2029,7 +2029,7 @@
             </a:ln>
             <a:extLst>
               <a:ext uri="{91240B29-F687-4f45-9708-019B960494DF}">
-                <a14:hiddenLine xmlns="" xmlns:a14="http://schemas.microsoft.com/office/drawing/2010/main" w="9525">
+                <a14:hiddenLine xmlns:a14="http://schemas.microsoft.com/office/drawing/2010/main" xmlns="" w="9525">
                   <a:solidFill>
                     <a:srgbClr val="000000"/>
                   </a:solidFill>
@@ -2091,7 +2091,7 @@
             </a:ln>
             <a:extLst>
               <a:ext uri="{91240B29-F687-4f45-9708-019B960494DF}">
-                <a14:hiddenLine xmlns="" xmlns:a14="http://schemas.microsoft.com/office/drawing/2010/main" w="9525">
+                <a14:hiddenLine xmlns:a14="http://schemas.microsoft.com/office/drawing/2010/main" xmlns="" w="9525">
                   <a:solidFill>
                     <a:srgbClr val="000000"/>
                   </a:solidFill>
@@ -2181,7 +2181,7 @@
             </a:ln>
             <a:extLst>
               <a:ext uri="{91240B29-F687-4f45-9708-019B960494DF}">
-                <a14:hiddenLine xmlns="" xmlns:a14="http://schemas.microsoft.com/office/drawing/2010/main" w="9525">
+                <a14:hiddenLine xmlns:a14="http://schemas.microsoft.com/office/drawing/2010/main" xmlns="" w="9525">
                   <a:solidFill>
                     <a:srgbClr val="000000"/>
                   </a:solidFill>
@@ -2271,7 +2271,7 @@
             </a:ln>
             <a:extLst>
               <a:ext uri="{91240B29-F687-4f45-9708-019B960494DF}">
-                <a14:hiddenLine xmlns="" xmlns:a14="http://schemas.microsoft.com/office/drawing/2010/main" w="9525">
+                <a14:hiddenLine xmlns:a14="http://schemas.microsoft.com/office/drawing/2010/main" xmlns="" w="9525">
                   <a:solidFill>
                     <a:srgbClr val="000000"/>
                   </a:solidFill>
@@ -2333,7 +2333,7 @@
             </a:ln>
             <a:extLst>
               <a:ext uri="{91240B29-F687-4f45-9708-019B960494DF}">
-                <a14:hiddenLine xmlns="" xmlns:a14="http://schemas.microsoft.com/office/drawing/2010/main" w="9525">
+                <a14:hiddenLine xmlns:a14="http://schemas.microsoft.com/office/drawing/2010/main" xmlns="" w="9525">
                   <a:solidFill>
                     <a:srgbClr val="000000"/>
                   </a:solidFill>
@@ -2443,7 +2443,7 @@
             </a:ln>
             <a:extLst>
               <a:ext uri="{91240B29-F687-4f45-9708-019B960494DF}">
-                <a14:hiddenLine xmlns="" xmlns:a14="http://schemas.microsoft.com/office/drawing/2010/main" w="9525">
+                <a14:hiddenLine xmlns:a14="http://schemas.microsoft.com/office/drawing/2010/main" xmlns="" w="9525">
                   <a:solidFill>
                     <a:srgbClr val="000000"/>
                   </a:solidFill>
@@ -2505,7 +2505,7 @@
             </a:ln>
             <a:extLst>
               <a:ext uri="{91240B29-F687-4f45-9708-019B960494DF}">
-                <a14:hiddenLine xmlns="" xmlns:a14="http://schemas.microsoft.com/office/drawing/2010/main" w="9525">
+                <a14:hiddenLine xmlns:a14="http://schemas.microsoft.com/office/drawing/2010/main" xmlns="" w="9525">
                   <a:solidFill>
                     <a:srgbClr val="000000"/>
                   </a:solidFill>
@@ -2595,7 +2595,7 @@
             </a:ln>
             <a:extLst>
               <a:ext uri="{91240B29-F687-4f45-9708-019B960494DF}">
-                <a14:hiddenLine xmlns="" xmlns:a14="http://schemas.microsoft.com/office/drawing/2010/main" w="9525">
+                <a14:hiddenLine xmlns:a14="http://schemas.microsoft.com/office/drawing/2010/main" xmlns="" w="9525">
                   <a:solidFill>
                     <a:srgbClr val="000000"/>
                   </a:solidFill>
@@ -2685,7 +2685,7 @@
             </a:ln>
             <a:extLst>
               <a:ext uri="{91240B29-F687-4f45-9708-019B960494DF}">
-                <a14:hiddenLine xmlns="" xmlns:a14="http://schemas.microsoft.com/office/drawing/2010/main" w="9525">
+                <a14:hiddenLine xmlns:a14="http://schemas.microsoft.com/office/drawing/2010/main" xmlns="" w="9525">
                   <a:solidFill>
                     <a:srgbClr val="000000"/>
                   </a:solidFill>
@@ -2747,7 +2747,7 @@
             </a:ln>
             <a:extLst>
               <a:ext uri="{91240B29-F687-4f45-9708-019B960494DF}">
-                <a14:hiddenLine xmlns="" xmlns:a14="http://schemas.microsoft.com/office/drawing/2010/main" w="9525">
+                <a14:hiddenLine xmlns:a14="http://schemas.microsoft.com/office/drawing/2010/main" xmlns="" w="9525">
                   <a:solidFill>
                     <a:srgbClr val="000000"/>
                   </a:solidFill>
@@ -2837,7 +2837,7 @@
             </a:ln>
             <a:extLst>
               <a:ext uri="{91240B29-F687-4f45-9708-019B960494DF}">
-                <a14:hiddenLine xmlns="" xmlns:a14="http://schemas.microsoft.com/office/drawing/2010/main" w="9525">
+                <a14:hiddenLine xmlns:a14="http://schemas.microsoft.com/office/drawing/2010/main" xmlns="" w="9525">
                   <a:solidFill>
                     <a:srgbClr val="000000"/>
                   </a:solidFill>
@@ -2927,7 +2927,7 @@
             </a:ln>
             <a:extLst>
               <a:ext uri="{91240B29-F687-4f45-9708-019B960494DF}">
-                <a14:hiddenLine xmlns="" xmlns:a14="http://schemas.microsoft.com/office/drawing/2010/main" w="9525">
+                <a14:hiddenLine xmlns:a14="http://schemas.microsoft.com/office/drawing/2010/main" xmlns="" w="9525">
                   <a:solidFill>
                     <a:srgbClr val="000000"/>
                   </a:solidFill>
@@ -2983,7 +2983,7 @@
             </a:ln>
             <a:extLst>
               <a:ext uri="{91240B29-F687-4f45-9708-019B960494DF}">
-                <a14:hiddenLine xmlns="" xmlns:a14="http://schemas.microsoft.com/office/drawing/2010/main" w="9525">
+                <a14:hiddenLine xmlns:a14="http://schemas.microsoft.com/office/drawing/2010/main" xmlns="" w="9525">
                   <a:solidFill>
                     <a:srgbClr val="000000"/>
                   </a:solidFill>
@@ -3073,7 +3073,7 @@
             </a:ln>
             <a:extLst>
               <a:ext uri="{91240B29-F687-4f45-9708-019B960494DF}">
-                <a14:hiddenLine xmlns="" xmlns:a14="http://schemas.microsoft.com/office/drawing/2010/main" w="9525">
+                <a14:hiddenLine xmlns:a14="http://schemas.microsoft.com/office/drawing/2010/main" xmlns="" w="9525">
                   <a:solidFill>
                     <a:srgbClr val="000000"/>
                   </a:solidFill>
@@ -3129,7 +3129,7 @@
             </a:ln>
             <a:extLst>
               <a:ext uri="{91240B29-F687-4f45-9708-019B960494DF}">
-                <a14:hiddenLine xmlns="" xmlns:a14="http://schemas.microsoft.com/office/drawing/2010/main" w="9525">
+                <a14:hiddenLine xmlns:a14="http://schemas.microsoft.com/office/drawing/2010/main" xmlns="" w="9525">
                   <a:solidFill>
                     <a:srgbClr val="000000"/>
                   </a:solidFill>
@@ -3219,7 +3219,7 @@
             </a:ln>
             <a:extLst>
               <a:ext uri="{91240B29-F687-4f45-9708-019B960494DF}">
-                <a14:hiddenLine xmlns="" xmlns:a14="http://schemas.microsoft.com/office/drawing/2010/main" w="9525">
+                <a14:hiddenLine xmlns:a14="http://schemas.microsoft.com/office/drawing/2010/main" xmlns="" w="9525">
                   <a:solidFill>
                     <a:srgbClr val="000000"/>
                   </a:solidFill>
@@ -3287,7 +3287,7 @@
             </a:ln>
             <a:extLst>
               <a:ext uri="{91240B29-F687-4f45-9708-019B960494DF}">
-                <a14:hiddenLine xmlns="" xmlns:a14="http://schemas.microsoft.com/office/drawing/2010/main" w="9525">
+                <a14:hiddenLine xmlns:a14="http://schemas.microsoft.com/office/drawing/2010/main" xmlns="" w="9525">
                   <a:solidFill>
                     <a:srgbClr val="000000"/>
                   </a:solidFill>
@@ -3377,7 +3377,7 @@
             </a:ln>
             <a:extLst>
               <a:ext uri="{91240B29-F687-4f45-9708-019B960494DF}">
-                <a14:hiddenLine xmlns="" xmlns:a14="http://schemas.microsoft.com/office/drawing/2010/main" w="9525">
+                <a14:hiddenLine xmlns:a14="http://schemas.microsoft.com/office/drawing/2010/main" xmlns="" w="9525">
                   <a:solidFill>
                     <a:srgbClr val="000000"/>
                   </a:solidFill>
@@ -3445,7 +3445,7 @@
             </a:ln>
             <a:extLst>
               <a:ext uri="{91240B29-F687-4f45-9708-019B960494DF}">
-                <a14:hiddenLine xmlns="" xmlns:a14="http://schemas.microsoft.com/office/drawing/2010/main" w="9525">
+                <a14:hiddenLine xmlns:a14="http://schemas.microsoft.com/office/drawing/2010/main" xmlns="" w="9525">
                   <a:solidFill>
                     <a:srgbClr val="000000"/>
                   </a:solidFill>
@@ -3535,7 +3535,7 @@
             </a:ln>
             <a:extLst>
               <a:ext uri="{91240B29-F687-4f45-9708-019B960494DF}">
-                <a14:hiddenLine xmlns="" xmlns:a14="http://schemas.microsoft.com/office/drawing/2010/main" w="9525">
+                <a14:hiddenLine xmlns:a14="http://schemas.microsoft.com/office/drawing/2010/main" xmlns="" w="9525">
                   <a:solidFill>
                     <a:srgbClr val="000000"/>
                   </a:solidFill>
@@ -3569,7 +3569,7 @@
             </a:ln>
             <a:extLst>
               <a:ext uri="{91240B29-F687-4f45-9708-019B960494DF}">
-                <a14:hiddenLine xmlns="" xmlns:a14="http://schemas.microsoft.com/office/drawing/2010/main" w="9525">
+                <a14:hiddenLine xmlns:a14="http://schemas.microsoft.com/office/drawing/2010/main" xmlns="" w="9525">
                   <a:solidFill>
                     <a:srgbClr val="000000"/>
                   </a:solidFill>
@@ -3659,7 +3659,7 @@
             </a:ln>
             <a:extLst>
               <a:ext uri="{91240B29-F687-4f45-9708-019B960494DF}">
-                <a14:hiddenLine xmlns="" xmlns:a14="http://schemas.microsoft.com/office/drawing/2010/main" w="9525">
+                <a14:hiddenLine xmlns:a14="http://schemas.microsoft.com/office/drawing/2010/main" xmlns="" w="9525">
                   <a:solidFill>
                     <a:srgbClr val="000000"/>
                   </a:solidFill>
@@ -3721,7 +3721,7 @@
             </a:ln>
             <a:extLst>
               <a:ext uri="{91240B29-F687-4f45-9708-019B960494DF}">
-                <a14:hiddenLine xmlns="" xmlns:a14="http://schemas.microsoft.com/office/drawing/2010/main" w="9525">
+                <a14:hiddenLine xmlns:a14="http://schemas.microsoft.com/office/drawing/2010/main" xmlns="" w="9525">
                   <a:solidFill>
                     <a:srgbClr val="000000"/>
                   </a:solidFill>
@@ -3783,7 +3783,7 @@
             </a:ln>
             <a:extLst>
               <a:ext uri="{91240B29-F687-4f45-9708-019B960494DF}">
-                <a14:hiddenLine xmlns="" xmlns:a14="http://schemas.microsoft.com/office/drawing/2010/main" w="9525">
+                <a14:hiddenLine xmlns:a14="http://schemas.microsoft.com/office/drawing/2010/main" xmlns="" w="9525">
                   <a:solidFill>
                     <a:srgbClr val="000000"/>
                   </a:solidFill>
@@ -3873,7 +3873,7 @@
             </a:ln>
             <a:extLst>
               <a:ext uri="{91240B29-F687-4f45-9708-019B960494DF}">
-                <a14:hiddenLine xmlns="" xmlns:a14="http://schemas.microsoft.com/office/drawing/2010/main" w="9525">
+                <a14:hiddenLine xmlns:a14="http://schemas.microsoft.com/office/drawing/2010/main" xmlns="" w="9525">
                   <a:solidFill>
                     <a:srgbClr val="000000"/>
                   </a:solidFill>
@@ -3941,7 +3941,7 @@
             </a:ln>
             <a:extLst>
               <a:ext uri="{91240B29-F687-4f45-9708-019B960494DF}">
-                <a14:hiddenLine xmlns="" xmlns:a14="http://schemas.microsoft.com/office/drawing/2010/main" w="9525">
+                <a14:hiddenLine xmlns:a14="http://schemas.microsoft.com/office/drawing/2010/main" xmlns="" w="9525">
                   <a:solidFill>
                     <a:srgbClr val="000000"/>
                   </a:solidFill>
@@ -4003,7 +4003,7 @@
             </a:ln>
             <a:extLst>
               <a:ext uri="{91240B29-F687-4f45-9708-019B960494DF}">
-                <a14:hiddenLine xmlns="" xmlns:a14="http://schemas.microsoft.com/office/drawing/2010/main" w="9525">
+                <a14:hiddenLine xmlns:a14="http://schemas.microsoft.com/office/drawing/2010/main" xmlns="" w="9525">
                   <a:solidFill>
                     <a:srgbClr val="000000"/>
                   </a:solidFill>
@@ -4093,7 +4093,7 @@
             </a:ln>
             <a:extLst>
               <a:ext uri="{91240B29-F687-4f45-9708-019B960494DF}">
-                <a14:hiddenLine xmlns="" xmlns:a14="http://schemas.microsoft.com/office/drawing/2010/main" w="9525">
+                <a14:hiddenLine xmlns:a14="http://schemas.microsoft.com/office/drawing/2010/main" xmlns="" w="9525">
                   <a:solidFill>
                     <a:srgbClr val="000000"/>
                   </a:solidFill>
@@ -4155,7 +4155,7 @@
             </a:ln>
             <a:extLst>
               <a:ext uri="{91240B29-F687-4f45-9708-019B960494DF}">
-                <a14:hiddenLine xmlns="" xmlns:a14="http://schemas.microsoft.com/office/drawing/2010/main" w="9525">
+                <a14:hiddenLine xmlns:a14="http://schemas.microsoft.com/office/drawing/2010/main" xmlns="" w="9525">
                   <a:solidFill>
                     <a:srgbClr val="000000"/>
                   </a:solidFill>
@@ -4245,7 +4245,7 @@
             </a:ln>
             <a:extLst>
               <a:ext uri="{91240B29-F687-4f45-9708-019B960494DF}">
-                <a14:hiddenLine xmlns="" xmlns:a14="http://schemas.microsoft.com/office/drawing/2010/main" w="9525">
+                <a14:hiddenLine xmlns:a14="http://schemas.microsoft.com/office/drawing/2010/main" xmlns="" w="9525">
                   <a:solidFill>
                     <a:srgbClr val="000000"/>
                   </a:solidFill>
@@ -4307,7 +4307,7 @@
             </a:ln>
             <a:extLst>
               <a:ext uri="{91240B29-F687-4f45-9708-019B960494DF}">
-                <a14:hiddenLine xmlns="" xmlns:a14="http://schemas.microsoft.com/office/drawing/2010/main" w="9525">
+                <a14:hiddenLine xmlns:a14="http://schemas.microsoft.com/office/drawing/2010/main" xmlns="" w="9525">
                   <a:solidFill>
                     <a:srgbClr val="000000"/>
                   </a:solidFill>
@@ -4397,7 +4397,7 @@
             </a:ln>
             <a:extLst>
               <a:ext uri="{91240B29-F687-4f45-9708-019B960494DF}">
-                <a14:hiddenLine xmlns="" xmlns:a14="http://schemas.microsoft.com/office/drawing/2010/main" w="9525">
+                <a14:hiddenLine xmlns:a14="http://schemas.microsoft.com/office/drawing/2010/main" xmlns="" w="9525">
                   <a:solidFill>
                     <a:srgbClr val="000000"/>
                   </a:solidFill>
@@ -4431,7 +4431,7 @@
             </a:ln>
             <a:extLst>
               <a:ext uri="{91240B29-F687-4f45-9708-019B960494DF}">
-                <a14:hiddenLine xmlns="" xmlns:a14="http://schemas.microsoft.com/office/drawing/2010/main" w="9525">
+                <a14:hiddenLine xmlns:a14="http://schemas.microsoft.com/office/drawing/2010/main" xmlns="" w="9525">
                   <a:solidFill>
                     <a:srgbClr val="000000"/>
                   </a:solidFill>
@@ -4496,7 +4496,7 @@
             </a:ln>
             <a:extLst>
               <a:ext uri="{91240B29-F687-4f45-9708-019B960494DF}">
-                <a14:hiddenLine xmlns="" xmlns:a14="http://schemas.microsoft.com/office/drawing/2010/main" w="9525">
+                <a14:hiddenLine xmlns:a14="http://schemas.microsoft.com/office/drawing/2010/main" xmlns="" w="9525">
                   <a:solidFill>
                     <a:srgbClr val="000000"/>
                   </a:solidFill>
@@ -4586,7 +4586,7 @@
             </a:ln>
             <a:extLst>
               <a:ext uri="{91240B29-F687-4f45-9708-019B960494DF}">
-                <a14:hiddenLine xmlns="" xmlns:a14="http://schemas.microsoft.com/office/drawing/2010/main" w="9525">
+                <a14:hiddenLine xmlns:a14="http://schemas.microsoft.com/office/drawing/2010/main" xmlns="" w="9525">
                   <a:solidFill>
                     <a:srgbClr val="000000"/>
                   </a:solidFill>
@@ -4648,7 +4648,7 @@
             </a:ln>
             <a:extLst>
               <a:ext uri="{91240B29-F687-4f45-9708-019B960494DF}">
-                <a14:hiddenLine xmlns="" xmlns:a14="http://schemas.microsoft.com/office/drawing/2010/main" w="9525">
+                <a14:hiddenLine xmlns:a14="http://schemas.microsoft.com/office/drawing/2010/main" xmlns="" w="9525">
                   <a:solidFill>
                     <a:srgbClr val="000000"/>
                   </a:solidFill>
@@ -4738,7 +4738,7 @@
             </a:ln>
             <a:extLst>
               <a:ext uri="{91240B29-F687-4f45-9708-019B960494DF}">
-                <a14:hiddenLine xmlns="" xmlns:a14="http://schemas.microsoft.com/office/drawing/2010/main" w="9525">
+                <a14:hiddenLine xmlns:a14="http://schemas.microsoft.com/office/drawing/2010/main" xmlns="" w="9525">
                   <a:solidFill>
                     <a:srgbClr val="000000"/>
                   </a:solidFill>
@@ -4828,7 +4828,7 @@
             </a:ln>
             <a:extLst>
               <a:ext uri="{91240B29-F687-4f45-9708-019B960494DF}">
-                <a14:hiddenLine xmlns="" xmlns:a14="http://schemas.microsoft.com/office/drawing/2010/main" w="9525">
+                <a14:hiddenLine xmlns:a14="http://schemas.microsoft.com/office/drawing/2010/main" xmlns="" w="9525">
                   <a:solidFill>
                     <a:srgbClr val="000000"/>
                   </a:solidFill>
@@ -4893,7 +4893,7 @@
             </a:ln>
             <a:extLst>
               <a:ext uri="{91240B29-F687-4f45-9708-019B960494DF}">
-                <a14:hiddenLine xmlns="" xmlns:a14="http://schemas.microsoft.com/office/drawing/2010/main" w="9525">
+                <a14:hiddenLine xmlns:a14="http://schemas.microsoft.com/office/drawing/2010/main" xmlns="" w="9525">
                   <a:solidFill>
                     <a:srgbClr val="000000"/>
                   </a:solidFill>
@@ -4955,7 +4955,7 @@
             </a:ln>
             <a:extLst>
               <a:ext uri="{91240B29-F687-4f45-9708-019B960494DF}">
-                <a14:hiddenLine xmlns="" xmlns:a14="http://schemas.microsoft.com/office/drawing/2010/main" w="9525">
+                <a14:hiddenLine xmlns:a14="http://schemas.microsoft.com/office/drawing/2010/main" xmlns="" w="9525">
                   <a:solidFill>
                     <a:srgbClr val="000000"/>
                   </a:solidFill>
@@ -5045,7 +5045,7 @@
             </a:ln>
             <a:extLst>
               <a:ext uri="{91240B29-F687-4f45-9708-019B960494DF}">
-                <a14:hiddenLine xmlns="" xmlns:a14="http://schemas.microsoft.com/office/drawing/2010/main" w="9525">
+                <a14:hiddenLine xmlns:a14="http://schemas.microsoft.com/office/drawing/2010/main" xmlns="" w="9525">
                   <a:solidFill>
                     <a:srgbClr val="000000"/>
                   </a:solidFill>
@@ -5135,7 +5135,7 @@
             </a:ln>
             <a:extLst>
               <a:ext uri="{91240B29-F687-4f45-9708-019B960494DF}">
-                <a14:hiddenLine xmlns="" xmlns:a14="http://schemas.microsoft.com/office/drawing/2010/main" w="9525">
+                <a14:hiddenLine xmlns:a14="http://schemas.microsoft.com/office/drawing/2010/main" xmlns="" w="9525">
                   <a:solidFill>
                     <a:srgbClr val="000000"/>
                   </a:solidFill>
@@ -5197,7 +5197,7 @@
             </a:ln>
             <a:extLst>
               <a:ext uri="{91240B29-F687-4f45-9708-019B960494DF}">
-                <a14:hiddenLine xmlns="" xmlns:a14="http://schemas.microsoft.com/office/drawing/2010/main" w="9525">
+                <a14:hiddenLine xmlns:a14="http://schemas.microsoft.com/office/drawing/2010/main" xmlns="" w="9525">
                   <a:solidFill>
                     <a:srgbClr val="000000"/>
                   </a:solidFill>
@@ -5317,7 +5317,7 @@
             </a:ln>
             <a:extLst>
               <a:ext uri="{91240B29-F687-4f45-9708-019B960494DF}">
-                <a14:hiddenLine xmlns="" xmlns:a14="http://schemas.microsoft.com/office/drawing/2010/main" w="9525">
+                <a14:hiddenLine xmlns:a14="http://schemas.microsoft.com/office/drawing/2010/main" xmlns="" w="9525">
                   <a:solidFill>
                     <a:srgbClr val="000000"/>
                   </a:solidFill>
@@ -5385,7 +5385,7 @@
             </a:ln>
             <a:extLst>
               <a:ext uri="{91240B29-F687-4f45-9708-019B960494DF}">
-                <a14:hiddenLine xmlns="" xmlns:a14="http://schemas.microsoft.com/office/drawing/2010/main" w="9525">
+                <a14:hiddenLine xmlns:a14="http://schemas.microsoft.com/office/drawing/2010/main" xmlns="" w="9525">
                   <a:solidFill>
                     <a:srgbClr val="000000"/>
                   </a:solidFill>
@@ -5475,7 +5475,7 @@
             </a:ln>
             <a:extLst>
               <a:ext uri="{91240B29-F687-4f45-9708-019B960494DF}">
-                <a14:hiddenLine xmlns="" xmlns:a14="http://schemas.microsoft.com/office/drawing/2010/main" w="9525">
+                <a14:hiddenLine xmlns:a14="http://schemas.microsoft.com/office/drawing/2010/main" xmlns="" w="9525">
                   <a:solidFill>
                     <a:srgbClr val="000000"/>
                   </a:solidFill>
@@ -10204,7 +10204,7 @@
           <a:noFill/>
           <a:extLst>
             <a:ext uri="{909E8E84-426E-40dd-AFC4-6F175D3DCCD1}">
-              <a14:hiddenFill xmlns="" xmlns:a14="http://schemas.microsoft.com/office/drawing/2010/main">
+              <a14:hiddenFill xmlns:a14="http://schemas.microsoft.com/office/drawing/2010/main" xmlns="">
                 <a:solidFill>
                   <a:srgbClr val="FFFFFF"/>
                 </a:solidFill>
@@ -10278,7 +10278,7 @@
               </a:ln>
               <a:extLst>
                 <a:ext uri="{91240B29-F687-4f45-9708-019B960494DF}">
-                  <a14:hiddenLine xmlns="" xmlns:a14="http://schemas.microsoft.com/office/drawing/2010/main" w="9525">
+                  <a14:hiddenLine xmlns:a14="http://schemas.microsoft.com/office/drawing/2010/main" xmlns="" w="9525">
                     <a:solidFill>
                       <a:srgbClr val="000000"/>
                     </a:solidFill>
@@ -10368,7 +10368,7 @@
               </a:ln>
               <a:extLst>
                 <a:ext uri="{91240B29-F687-4f45-9708-019B960494DF}">
-                  <a14:hiddenLine xmlns="" xmlns:a14="http://schemas.microsoft.com/office/drawing/2010/main" w="9525">
+                  <a14:hiddenLine xmlns:a14="http://schemas.microsoft.com/office/drawing/2010/main" xmlns="" w="9525">
                     <a:solidFill>
                       <a:srgbClr val="000000"/>
                     </a:solidFill>
@@ -10458,7 +10458,7 @@
               </a:ln>
               <a:extLst>
                 <a:ext uri="{91240B29-F687-4f45-9708-019B960494DF}">
-                  <a14:hiddenLine xmlns="" xmlns:a14="http://schemas.microsoft.com/office/drawing/2010/main" w="9525">
+                  <a14:hiddenLine xmlns:a14="http://schemas.microsoft.com/office/drawing/2010/main" xmlns="" w="9525">
                     <a:solidFill>
                       <a:srgbClr val="000000"/>
                     </a:solidFill>
@@ -10520,7 +10520,7 @@
               </a:ln>
               <a:extLst>
                 <a:ext uri="{91240B29-F687-4f45-9708-019B960494DF}">
-                  <a14:hiddenLine xmlns="" xmlns:a14="http://schemas.microsoft.com/office/drawing/2010/main" w="9525">
+                  <a14:hiddenLine xmlns:a14="http://schemas.microsoft.com/office/drawing/2010/main" xmlns="" w="9525">
                     <a:solidFill>
                       <a:srgbClr val="000000"/>
                     </a:solidFill>
@@ -10610,7 +10610,7 @@
               </a:ln>
               <a:extLst>
                 <a:ext uri="{91240B29-F687-4f45-9708-019B960494DF}">
-                  <a14:hiddenLine xmlns="" xmlns:a14="http://schemas.microsoft.com/office/drawing/2010/main" w="9525">
+                  <a14:hiddenLine xmlns:a14="http://schemas.microsoft.com/office/drawing/2010/main" xmlns="" w="9525">
                     <a:solidFill>
                       <a:srgbClr val="000000"/>
                     </a:solidFill>
@@ -10672,7 +10672,7 @@
               </a:ln>
               <a:extLst>
                 <a:ext uri="{91240B29-F687-4f45-9708-019B960494DF}">
-                  <a14:hiddenLine xmlns="" xmlns:a14="http://schemas.microsoft.com/office/drawing/2010/main" w="9525">
+                  <a14:hiddenLine xmlns:a14="http://schemas.microsoft.com/office/drawing/2010/main" xmlns="" w="9525">
                     <a:solidFill>
                       <a:srgbClr val="000000"/>
                     </a:solidFill>
@@ -10734,7 +10734,7 @@
               </a:ln>
               <a:extLst>
                 <a:ext uri="{91240B29-F687-4f45-9708-019B960494DF}">
-                  <a14:hiddenLine xmlns="" xmlns:a14="http://schemas.microsoft.com/office/drawing/2010/main" w="9525">
+                  <a14:hiddenLine xmlns:a14="http://schemas.microsoft.com/office/drawing/2010/main" xmlns="" w="9525">
                     <a:solidFill>
                       <a:srgbClr val="000000"/>
                     </a:solidFill>
@@ -10824,7 +10824,7 @@
               </a:ln>
               <a:extLst>
                 <a:ext uri="{91240B29-F687-4f45-9708-019B960494DF}">
-                  <a14:hiddenLine xmlns="" xmlns:a14="http://schemas.microsoft.com/office/drawing/2010/main" w="9525">
+                  <a14:hiddenLine xmlns:a14="http://schemas.microsoft.com/office/drawing/2010/main" xmlns="" w="9525">
                     <a:solidFill>
                       <a:srgbClr val="000000"/>
                     </a:solidFill>
@@ -10914,7 +10914,7 @@
               </a:ln>
               <a:extLst>
                 <a:ext uri="{91240B29-F687-4f45-9708-019B960494DF}">
-                  <a14:hiddenLine xmlns="" xmlns:a14="http://schemas.microsoft.com/office/drawing/2010/main" w="9525">
+                  <a14:hiddenLine xmlns:a14="http://schemas.microsoft.com/office/drawing/2010/main" xmlns="" w="9525">
                     <a:solidFill>
                       <a:srgbClr val="000000"/>
                     </a:solidFill>
@@ -10976,7 +10976,7 @@
               </a:ln>
               <a:extLst>
                 <a:ext uri="{91240B29-F687-4f45-9708-019B960494DF}">
-                  <a14:hiddenLine xmlns="" xmlns:a14="http://schemas.microsoft.com/office/drawing/2010/main" w="9525">
+                  <a14:hiddenLine xmlns:a14="http://schemas.microsoft.com/office/drawing/2010/main" xmlns="" w="9525">
                     <a:solidFill>
                       <a:srgbClr val="000000"/>
                     </a:solidFill>
@@ -11086,7 +11086,7 @@
               </a:ln>
               <a:extLst>
                 <a:ext uri="{91240B29-F687-4f45-9708-019B960494DF}">
-                  <a14:hiddenLine xmlns="" xmlns:a14="http://schemas.microsoft.com/office/drawing/2010/main" w="9525">
+                  <a14:hiddenLine xmlns:a14="http://schemas.microsoft.com/office/drawing/2010/main" xmlns="" w="9525">
                     <a:solidFill>
                       <a:srgbClr val="000000"/>
                     </a:solidFill>
@@ -11170,7 +11170,7 @@
               </a:ln>
               <a:extLst>
                 <a:ext uri="{91240B29-F687-4f45-9708-019B960494DF}">
-                  <a14:hiddenLine xmlns="" xmlns:a14="http://schemas.microsoft.com/office/drawing/2010/main" w="9525">
+                  <a14:hiddenLine xmlns:a14="http://schemas.microsoft.com/office/drawing/2010/main" xmlns="" w="9525">
                     <a:solidFill>
                       <a:srgbClr val="000000"/>
                     </a:solidFill>
@@ -11232,7 +11232,7 @@
               </a:ln>
               <a:extLst>
                 <a:ext uri="{91240B29-F687-4f45-9708-019B960494DF}">
-                  <a14:hiddenLine xmlns="" xmlns:a14="http://schemas.microsoft.com/office/drawing/2010/main" w="9525">
+                  <a14:hiddenLine xmlns:a14="http://schemas.microsoft.com/office/drawing/2010/main" xmlns="" w="9525">
                     <a:solidFill>
                       <a:srgbClr val="000000"/>
                     </a:solidFill>
@@ -11294,7 +11294,7 @@
               </a:ln>
               <a:extLst>
                 <a:ext uri="{91240B29-F687-4f45-9708-019B960494DF}">
-                  <a14:hiddenLine xmlns="" xmlns:a14="http://schemas.microsoft.com/office/drawing/2010/main" w="9525">
+                  <a14:hiddenLine xmlns:a14="http://schemas.microsoft.com/office/drawing/2010/main" xmlns="" w="9525">
                     <a:solidFill>
                       <a:srgbClr val="000000"/>
                     </a:solidFill>
@@ -11384,7 +11384,7 @@
               </a:ln>
               <a:extLst>
                 <a:ext uri="{91240B29-F687-4f45-9708-019B960494DF}">
-                  <a14:hiddenLine xmlns="" xmlns:a14="http://schemas.microsoft.com/office/drawing/2010/main" w="9525">
+                  <a14:hiddenLine xmlns:a14="http://schemas.microsoft.com/office/drawing/2010/main" xmlns="" w="9525">
                     <a:solidFill>
                       <a:srgbClr val="000000"/>
                     </a:solidFill>
@@ -11418,7 +11418,7 @@
               </a:ln>
               <a:extLst>
                 <a:ext uri="{91240B29-F687-4f45-9708-019B960494DF}">
-                  <a14:hiddenLine xmlns="" xmlns:a14="http://schemas.microsoft.com/office/drawing/2010/main" w="9525">
+                  <a14:hiddenLine xmlns:a14="http://schemas.microsoft.com/office/drawing/2010/main" xmlns="" w="9525">
                     <a:solidFill>
                       <a:srgbClr val="000000"/>
                     </a:solidFill>
@@ -11483,7 +11483,7 @@
               </a:ln>
               <a:extLst>
                 <a:ext uri="{91240B29-F687-4f45-9708-019B960494DF}">
-                  <a14:hiddenLine xmlns="" xmlns:a14="http://schemas.microsoft.com/office/drawing/2010/main" w="9525">
+                  <a14:hiddenLine xmlns:a14="http://schemas.microsoft.com/office/drawing/2010/main" xmlns="" w="9525">
                     <a:solidFill>
                       <a:srgbClr val="000000"/>
                     </a:solidFill>
@@ -11573,7 +11573,7 @@
               </a:ln>
               <a:extLst>
                 <a:ext uri="{91240B29-F687-4f45-9708-019B960494DF}">
-                  <a14:hiddenLine xmlns="" xmlns:a14="http://schemas.microsoft.com/office/drawing/2010/main" w="9525">
+                  <a14:hiddenLine xmlns:a14="http://schemas.microsoft.com/office/drawing/2010/main" xmlns="" w="9525">
                     <a:solidFill>
                       <a:srgbClr val="000000"/>
                     </a:solidFill>
@@ -11635,7 +11635,7 @@
               </a:ln>
               <a:extLst>
                 <a:ext uri="{91240B29-F687-4f45-9708-019B960494DF}">
-                  <a14:hiddenLine xmlns="" xmlns:a14="http://schemas.microsoft.com/office/drawing/2010/main" w="9525">
+                  <a14:hiddenLine xmlns:a14="http://schemas.microsoft.com/office/drawing/2010/main" xmlns="" w="9525">
                     <a:solidFill>
                       <a:srgbClr val="000000"/>
                     </a:solidFill>
@@ -11725,7 +11725,7 @@
               </a:ln>
               <a:extLst>
                 <a:ext uri="{91240B29-F687-4f45-9708-019B960494DF}">
-                  <a14:hiddenLine xmlns="" xmlns:a14="http://schemas.microsoft.com/office/drawing/2010/main" w="9525">
+                  <a14:hiddenLine xmlns:a14="http://schemas.microsoft.com/office/drawing/2010/main" xmlns="" w="9525">
                     <a:solidFill>
                       <a:srgbClr val="000000"/>
                     </a:solidFill>
@@ -11790,7 +11790,7 @@
               </a:ln>
               <a:extLst>
                 <a:ext uri="{91240B29-F687-4f45-9708-019B960494DF}">
-                  <a14:hiddenLine xmlns="" xmlns:a14="http://schemas.microsoft.com/office/drawing/2010/main" w="9525">
+                  <a14:hiddenLine xmlns:a14="http://schemas.microsoft.com/office/drawing/2010/main" xmlns="" w="9525">
                     <a:solidFill>
                       <a:srgbClr val="000000"/>
                     </a:solidFill>
@@ -11852,7 +11852,7 @@
               </a:ln>
               <a:extLst>
                 <a:ext uri="{91240B29-F687-4f45-9708-019B960494DF}">
-                  <a14:hiddenLine xmlns="" xmlns:a14="http://schemas.microsoft.com/office/drawing/2010/main" w="9525">
+                  <a14:hiddenLine xmlns:a14="http://schemas.microsoft.com/office/drawing/2010/main" xmlns="" w="9525">
                     <a:solidFill>
                       <a:srgbClr val="000000"/>
                     </a:solidFill>
@@ -11942,7 +11942,7 @@
               </a:ln>
               <a:extLst>
                 <a:ext uri="{91240B29-F687-4f45-9708-019B960494DF}">
-                  <a14:hiddenLine xmlns="" xmlns:a14="http://schemas.microsoft.com/office/drawing/2010/main" w="9525">
+                  <a14:hiddenLine xmlns:a14="http://schemas.microsoft.com/office/drawing/2010/main" xmlns="" w="9525">
                     <a:solidFill>
                       <a:srgbClr val="000000"/>
                     </a:solidFill>
@@ -12032,7 +12032,7 @@
               </a:ln>
               <a:extLst>
                 <a:ext uri="{91240B29-F687-4f45-9708-019B960494DF}">
-                  <a14:hiddenLine xmlns="" xmlns:a14="http://schemas.microsoft.com/office/drawing/2010/main" w="9525">
+                  <a14:hiddenLine xmlns:a14="http://schemas.microsoft.com/office/drawing/2010/main" xmlns="" w="9525">
                     <a:solidFill>
                       <a:srgbClr val="000000"/>
                     </a:solidFill>
@@ -12097,7 +12097,7 @@
               </a:ln>
               <a:extLst>
                 <a:ext uri="{91240B29-F687-4f45-9708-019B960494DF}">
-                  <a14:hiddenLine xmlns="" xmlns:a14="http://schemas.microsoft.com/office/drawing/2010/main" w="9525">
+                  <a14:hiddenLine xmlns:a14="http://schemas.microsoft.com/office/drawing/2010/main" xmlns="" w="9525">
                     <a:solidFill>
                       <a:srgbClr val="000000"/>
                     </a:solidFill>
@@ -12217,7 +12217,7 @@
               </a:ln>
               <a:extLst>
                 <a:ext uri="{91240B29-F687-4f45-9708-019B960494DF}">
-                  <a14:hiddenLine xmlns="" xmlns:a14="http://schemas.microsoft.com/office/drawing/2010/main" w="9525">
+                  <a14:hiddenLine xmlns:a14="http://schemas.microsoft.com/office/drawing/2010/main" xmlns="" w="9525">
                     <a:solidFill>
                       <a:srgbClr val="000000"/>
                     </a:solidFill>
@@ -12298,7 +12298,7 @@
               </a:ln>
               <a:extLst>
                 <a:ext uri="{91240B29-F687-4f45-9708-019B960494DF}">
-                  <a14:hiddenLine xmlns="" xmlns:a14="http://schemas.microsoft.com/office/drawing/2010/main" w="9525">
+                  <a14:hiddenLine xmlns:a14="http://schemas.microsoft.com/office/drawing/2010/main" xmlns="" w="9525">
                     <a:solidFill>
                       <a:srgbClr val="000000"/>
                     </a:solidFill>
@@ -12413,7 +12413,7 @@
               </a:ln>
               <a:extLst>
                 <a:ext uri="{91240B29-F687-4f45-9708-019B960494DF}">
-                  <a14:hiddenLine xmlns="" xmlns:a14="http://schemas.microsoft.com/office/drawing/2010/main" w="9525">
+                  <a14:hiddenLine xmlns:a14="http://schemas.microsoft.com/office/drawing/2010/main" xmlns="" w="9525">
                     <a:solidFill>
                       <a:srgbClr val="000000"/>
                     </a:solidFill>
@@ -12503,7 +12503,7 @@
               </a:ln>
               <a:extLst>
                 <a:ext uri="{91240B29-F687-4f45-9708-019B960494DF}">
-                  <a14:hiddenLine xmlns="" xmlns:a14="http://schemas.microsoft.com/office/drawing/2010/main" w="9525">
+                  <a14:hiddenLine xmlns:a14="http://schemas.microsoft.com/office/drawing/2010/main" xmlns="" w="9525">
                     <a:solidFill>
                       <a:srgbClr val="000000"/>
                     </a:solidFill>
@@ -12568,7 +12568,7 @@
               </a:ln>
               <a:extLst>
                 <a:ext uri="{91240B29-F687-4f45-9708-019B960494DF}">
-                  <a14:hiddenLine xmlns="" xmlns:a14="http://schemas.microsoft.com/office/drawing/2010/main" w="9525">
+                  <a14:hiddenLine xmlns:a14="http://schemas.microsoft.com/office/drawing/2010/main" xmlns="" w="9525">
                     <a:solidFill>
                       <a:srgbClr val="000000"/>
                     </a:solidFill>
@@ -12658,7 +12658,7 @@
               </a:ln>
               <a:extLst>
                 <a:ext uri="{91240B29-F687-4f45-9708-019B960494DF}">
-                  <a14:hiddenLine xmlns="" xmlns:a14="http://schemas.microsoft.com/office/drawing/2010/main" w="9525">
+                  <a14:hiddenLine xmlns:a14="http://schemas.microsoft.com/office/drawing/2010/main" xmlns="" w="9525">
                     <a:solidFill>
                       <a:srgbClr val="000000"/>
                     </a:solidFill>
@@ -12726,7 +12726,7 @@
               </a:ln>
               <a:extLst>
                 <a:ext uri="{91240B29-F687-4f45-9708-019B960494DF}">
-                  <a14:hiddenLine xmlns="" xmlns:a14="http://schemas.microsoft.com/office/drawing/2010/main" w="9525">
+                  <a14:hiddenLine xmlns:a14="http://schemas.microsoft.com/office/drawing/2010/main" xmlns="" w="9525">
                     <a:solidFill>
                       <a:srgbClr val="000000"/>
                     </a:solidFill>
@@ -12816,7 +12816,7 @@
               </a:ln>
               <a:extLst>
                 <a:ext uri="{91240B29-F687-4f45-9708-019B960494DF}">
-                  <a14:hiddenLine xmlns="" xmlns:a14="http://schemas.microsoft.com/office/drawing/2010/main" w="9525">
+                  <a14:hiddenLine xmlns:a14="http://schemas.microsoft.com/office/drawing/2010/main" xmlns="" w="9525">
                     <a:solidFill>
                       <a:srgbClr val="000000"/>
                     </a:solidFill>
@@ -12884,7 +12884,7 @@
               </a:ln>
               <a:extLst>
                 <a:ext uri="{91240B29-F687-4f45-9708-019B960494DF}">
-                  <a14:hiddenLine xmlns="" xmlns:a14="http://schemas.microsoft.com/office/drawing/2010/main" w="9525">
+                  <a14:hiddenLine xmlns:a14="http://schemas.microsoft.com/office/drawing/2010/main" xmlns="" w="9525">
                     <a:solidFill>
                       <a:srgbClr val="000000"/>
                     </a:solidFill>
@@ -12974,7 +12974,7 @@
               </a:ln>
               <a:extLst>
                 <a:ext uri="{91240B29-F687-4f45-9708-019B960494DF}">
-                  <a14:hiddenLine xmlns="" xmlns:a14="http://schemas.microsoft.com/office/drawing/2010/main" w="9525">
+                  <a14:hiddenLine xmlns:a14="http://schemas.microsoft.com/office/drawing/2010/main" xmlns="" w="9525">
                     <a:solidFill>
                       <a:srgbClr val="000000"/>
                     </a:solidFill>
@@ -13008,7 +13008,7 @@
               </a:ln>
               <a:extLst>
                 <a:ext uri="{91240B29-F687-4f45-9708-019B960494DF}">
-                  <a14:hiddenLine xmlns="" xmlns:a14="http://schemas.microsoft.com/office/drawing/2010/main" w="9525">
+                  <a14:hiddenLine xmlns:a14="http://schemas.microsoft.com/office/drawing/2010/main" xmlns="" w="9525">
                     <a:solidFill>
                       <a:srgbClr val="000000"/>
                     </a:solidFill>
@@ -14341,216 +14341,6 @@
   <p:clrMapOvr>
     <a:masterClrMapping/>
   </p:clrMapOvr>
-  <p:timing>
-    <p:tnLst>
-      <p:par>
-        <p:cTn id="1" dur="indefinite" restart="never" nodeType="tmRoot">
-          <p:childTnLst>
-            <p:seq concurrent="1" nextAc="seek">
-              <p:cTn id="2" dur="indefinite" nodeType="mainSeq">
-                <p:childTnLst>
-                  <p:par>
-                    <p:cTn id="3" fill="hold">
-                      <p:stCondLst>
-                        <p:cond delay="indefinite"/>
-                      </p:stCondLst>
-                      <p:childTnLst>
-                        <p:par>
-                          <p:cTn id="4" fill="hold">
-                            <p:stCondLst>
-                              <p:cond delay="0"/>
-                            </p:stCondLst>
-                            <p:childTnLst>
-                              <p:par>
-                                <p:cTn id="5" presetID="1" presetClass="entr" presetSubtype="0" fill="hold" nodeType="clickEffect">
-                                  <p:stCondLst>
-                                    <p:cond delay="0"/>
-                                  </p:stCondLst>
-                                  <p:childTnLst>
-                                    <p:set>
-                                      <p:cBhvr>
-                                        <p:cTn id="6" dur="1" fill="hold">
-                                          <p:stCondLst>
-                                            <p:cond delay="0"/>
-                                          </p:stCondLst>
-                                        </p:cTn>
-                                        <p:tgtEl>
-                                          <p:spTgt spid="4"/>
-                                        </p:tgtEl>
-                                        <p:attrNameLst>
-                                          <p:attrName>style.visibility</p:attrName>
-                                        </p:attrNameLst>
-                                      </p:cBhvr>
-                                      <p:to>
-                                        <p:strVal val="visible"/>
-                                      </p:to>
-                                    </p:set>
-                                  </p:childTnLst>
-                                </p:cTn>
-                              </p:par>
-                            </p:childTnLst>
-                          </p:cTn>
-                        </p:par>
-                      </p:childTnLst>
-                    </p:cTn>
-                  </p:par>
-                  <p:par>
-                    <p:cTn id="7" fill="hold">
-                      <p:stCondLst>
-                        <p:cond delay="indefinite"/>
-                      </p:stCondLst>
-                      <p:childTnLst>
-                        <p:par>
-                          <p:cTn id="8" fill="hold">
-                            <p:stCondLst>
-                              <p:cond delay="0"/>
-                            </p:stCondLst>
-                            <p:childTnLst>
-                              <p:par>
-                                <p:cTn id="9" presetID="1" presetClass="entr" presetSubtype="0" fill="hold" nodeType="clickEffect">
-                                  <p:stCondLst>
-                                    <p:cond delay="0"/>
-                                  </p:stCondLst>
-                                  <p:childTnLst>
-                                    <p:set>
-                                      <p:cBhvr>
-                                        <p:cTn id="10" dur="1" fill="hold">
-                                          <p:stCondLst>
-                                            <p:cond delay="0"/>
-                                          </p:stCondLst>
-                                        </p:cTn>
-                                        <p:tgtEl>
-                                          <p:spTgt spid="5"/>
-                                        </p:tgtEl>
-                                        <p:attrNameLst>
-                                          <p:attrName>style.visibility</p:attrName>
-                                        </p:attrNameLst>
-                                      </p:cBhvr>
-                                      <p:to>
-                                        <p:strVal val="visible"/>
-                                      </p:to>
-                                    </p:set>
-                                  </p:childTnLst>
-                                </p:cTn>
-                              </p:par>
-                            </p:childTnLst>
-                          </p:cTn>
-                        </p:par>
-                      </p:childTnLst>
-                    </p:cTn>
-                  </p:par>
-                  <p:par>
-                    <p:cTn id="11" fill="hold">
-                      <p:stCondLst>
-                        <p:cond delay="indefinite"/>
-                      </p:stCondLst>
-                      <p:childTnLst>
-                        <p:par>
-                          <p:cTn id="12" fill="hold">
-                            <p:stCondLst>
-                              <p:cond delay="0"/>
-                            </p:stCondLst>
-                            <p:childTnLst>
-                              <p:par>
-                                <p:cTn id="13" presetID="1" presetClass="entr" presetSubtype="0" fill="hold" nodeType="clickEffect">
-                                  <p:stCondLst>
-                                    <p:cond delay="0"/>
-                                  </p:stCondLst>
-                                  <p:childTnLst>
-                                    <p:set>
-                                      <p:cBhvr>
-                                        <p:cTn id="14" dur="1" fill="hold">
-                                          <p:stCondLst>
-                                            <p:cond delay="0"/>
-                                          </p:stCondLst>
-                                        </p:cTn>
-                                        <p:tgtEl>
-                                          <p:spTgt spid="6"/>
-                                        </p:tgtEl>
-                                        <p:attrNameLst>
-                                          <p:attrName>style.visibility</p:attrName>
-                                        </p:attrNameLst>
-                                      </p:cBhvr>
-                                      <p:to>
-                                        <p:strVal val="visible"/>
-                                      </p:to>
-                                    </p:set>
-                                  </p:childTnLst>
-                                </p:cTn>
-                              </p:par>
-                            </p:childTnLst>
-                          </p:cTn>
-                        </p:par>
-                      </p:childTnLst>
-                    </p:cTn>
-                  </p:par>
-                  <p:par>
-                    <p:cTn id="15" fill="hold">
-                      <p:stCondLst>
-                        <p:cond delay="indefinite"/>
-                      </p:stCondLst>
-                      <p:childTnLst>
-                        <p:par>
-                          <p:cTn id="16" fill="hold">
-                            <p:stCondLst>
-                              <p:cond delay="0"/>
-                            </p:stCondLst>
-                            <p:childTnLst>
-                              <p:par>
-                                <p:cTn id="17" presetID="1" presetClass="entr" presetSubtype="0" fill="hold" nodeType="clickEffect">
-                                  <p:stCondLst>
-                                    <p:cond delay="0"/>
-                                  </p:stCondLst>
-                                  <p:childTnLst>
-                                    <p:set>
-                                      <p:cBhvr>
-                                        <p:cTn id="18" dur="1" fill="hold">
-                                          <p:stCondLst>
-                                            <p:cond delay="0"/>
-                                          </p:stCondLst>
-                                        </p:cTn>
-                                        <p:tgtEl>
-                                          <p:spTgt spid="7"/>
-                                        </p:tgtEl>
-                                        <p:attrNameLst>
-                                          <p:attrName>style.visibility</p:attrName>
-                                        </p:attrNameLst>
-                                      </p:cBhvr>
-                                      <p:to>
-                                        <p:strVal val="visible"/>
-                                      </p:to>
-                                    </p:set>
-                                  </p:childTnLst>
-                                </p:cTn>
-                              </p:par>
-                            </p:childTnLst>
-                          </p:cTn>
-                        </p:par>
-                      </p:childTnLst>
-                    </p:cTn>
-                  </p:par>
-                </p:childTnLst>
-              </p:cTn>
-              <p:prevCondLst>
-                <p:cond evt="onPrev" delay="0">
-                  <p:tgtEl>
-                    <p:sldTgt/>
-                  </p:tgtEl>
-                </p:cond>
-              </p:prevCondLst>
-              <p:nextCondLst>
-                <p:cond evt="onNext" delay="0">
-                  <p:tgtEl>
-                    <p:sldTgt/>
-                  </p:tgtEl>
-                </p:cond>
-              </p:nextCondLst>
-            </p:seq>
-          </p:childTnLst>
-        </p:cTn>
-      </p:par>
-    </p:tnLst>
-  </p:timing>
 </p:sld>
 </file>
 

--- a/Design Patterns/Command Design Pattern.pptx
+++ b/Design Patterns/Command Design Pattern.pptx
@@ -1390,7 +1390,7 @@
           <a:noFill/>
           <a:extLst>
             <a:ext uri="{909E8E84-426E-40dd-AFC4-6F175D3DCCD1}">
-              <a14:hiddenFill xmlns="" xmlns:a14="http://schemas.microsoft.com/office/drawing/2010/main">
+              <a14:hiddenFill xmlns:a14="http://schemas.microsoft.com/office/drawing/2010/main" xmlns="">
                 <a:solidFill>
                   <a:srgbClr val="FFFFFF"/>
                 </a:solidFill>
@@ -1449,7 +1449,7 @@
             </a:ln>
             <a:extLst>
               <a:ext uri="{91240B29-F687-4f45-9708-019B960494DF}">
-                <a14:hiddenLine xmlns="" xmlns:a14="http://schemas.microsoft.com/office/drawing/2010/main" w="9525">
+                <a14:hiddenLine xmlns:a14="http://schemas.microsoft.com/office/drawing/2010/main" xmlns="" w="9525">
                   <a:solidFill>
                     <a:srgbClr val="000000"/>
                   </a:solidFill>
@@ -1539,7 +1539,7 @@
             </a:ln>
             <a:extLst>
               <a:ext uri="{91240B29-F687-4f45-9708-019B960494DF}">
-                <a14:hiddenLine xmlns="" xmlns:a14="http://schemas.microsoft.com/office/drawing/2010/main" w="9525">
+                <a14:hiddenLine xmlns:a14="http://schemas.microsoft.com/office/drawing/2010/main" xmlns="" w="9525">
                   <a:solidFill>
                     <a:srgbClr val="000000"/>
                   </a:solidFill>
@@ -1629,7 +1629,7 @@
             </a:ln>
             <a:extLst>
               <a:ext uri="{91240B29-F687-4f45-9708-019B960494DF}">
-                <a14:hiddenLine xmlns="" xmlns:a14="http://schemas.microsoft.com/office/drawing/2010/main" w="9525">
+                <a14:hiddenLine xmlns:a14="http://schemas.microsoft.com/office/drawing/2010/main" xmlns="" w="9525">
                   <a:solidFill>
                     <a:srgbClr val="000000"/>
                   </a:solidFill>
@@ -1663,7 +1663,7 @@
             </a:ln>
             <a:extLst>
               <a:ext uri="{91240B29-F687-4f45-9708-019B960494DF}">
-                <a14:hiddenLine xmlns="" xmlns:a14="http://schemas.microsoft.com/office/drawing/2010/main" w="9525">
+                <a14:hiddenLine xmlns:a14="http://schemas.microsoft.com/office/drawing/2010/main" xmlns="" w="9525">
                   <a:solidFill>
                     <a:srgbClr val="000000"/>
                   </a:solidFill>
@@ -1753,7 +1753,7 @@
             </a:ln>
             <a:extLst>
               <a:ext uri="{91240B29-F687-4f45-9708-019B960494DF}">
-                <a14:hiddenLine xmlns="" xmlns:a14="http://schemas.microsoft.com/office/drawing/2010/main" w="9525">
+                <a14:hiddenLine xmlns:a14="http://schemas.microsoft.com/office/drawing/2010/main" xmlns="" w="9525">
                   <a:solidFill>
                     <a:srgbClr val="000000"/>
                   </a:solidFill>
@@ -1815,7 +1815,7 @@
             </a:ln>
             <a:extLst>
               <a:ext uri="{91240B29-F687-4f45-9708-019B960494DF}">
-                <a14:hiddenLine xmlns="" xmlns:a14="http://schemas.microsoft.com/office/drawing/2010/main" w="9525">
+                <a14:hiddenLine xmlns:a14="http://schemas.microsoft.com/office/drawing/2010/main" xmlns="" w="9525">
                   <a:solidFill>
                     <a:srgbClr val="000000"/>
                   </a:solidFill>
@@ -1877,7 +1877,7 @@
             </a:ln>
             <a:extLst>
               <a:ext uri="{91240B29-F687-4f45-9708-019B960494DF}">
-                <a14:hiddenLine xmlns="" xmlns:a14="http://schemas.microsoft.com/office/drawing/2010/main" w="9525">
+                <a14:hiddenLine xmlns:a14="http://schemas.microsoft.com/office/drawing/2010/main" xmlns="" w="9525">
                   <a:solidFill>
                     <a:srgbClr val="000000"/>
                   </a:solidFill>
@@ -1967,7 +1967,7 @@
             </a:ln>
             <a:extLst>
               <a:ext uri="{91240B29-F687-4f45-9708-019B960494DF}">
-                <a14:hiddenLine xmlns="" xmlns:a14="http://schemas.microsoft.com/office/drawing/2010/main" w="9525">
+                <a14:hiddenLine xmlns:a14="http://schemas.microsoft.com/office/drawing/2010/main" xmlns="" w="9525">
                   <a:solidFill>
                     <a:srgbClr val="000000"/>
                   </a:solidFill>
@@ -2029,7 +2029,7 @@
             </a:ln>
             <a:extLst>
               <a:ext uri="{91240B29-F687-4f45-9708-019B960494DF}">
-                <a14:hiddenLine xmlns="" xmlns:a14="http://schemas.microsoft.com/office/drawing/2010/main" w="9525">
+                <a14:hiddenLine xmlns:a14="http://schemas.microsoft.com/office/drawing/2010/main" xmlns="" w="9525">
                   <a:solidFill>
                     <a:srgbClr val="000000"/>
                   </a:solidFill>
@@ -2091,7 +2091,7 @@
             </a:ln>
             <a:extLst>
               <a:ext uri="{91240B29-F687-4f45-9708-019B960494DF}">
-                <a14:hiddenLine xmlns="" xmlns:a14="http://schemas.microsoft.com/office/drawing/2010/main" w="9525">
+                <a14:hiddenLine xmlns:a14="http://schemas.microsoft.com/office/drawing/2010/main" xmlns="" w="9525">
                   <a:solidFill>
                     <a:srgbClr val="000000"/>
                   </a:solidFill>
@@ -2181,7 +2181,7 @@
             </a:ln>
             <a:extLst>
               <a:ext uri="{91240B29-F687-4f45-9708-019B960494DF}">
-                <a14:hiddenLine xmlns="" xmlns:a14="http://schemas.microsoft.com/office/drawing/2010/main" w="9525">
+                <a14:hiddenLine xmlns:a14="http://schemas.microsoft.com/office/drawing/2010/main" xmlns="" w="9525">
                   <a:solidFill>
                     <a:srgbClr val="000000"/>
                   </a:solidFill>
@@ -2271,7 +2271,7 @@
             </a:ln>
             <a:extLst>
               <a:ext uri="{91240B29-F687-4f45-9708-019B960494DF}">
-                <a14:hiddenLine xmlns="" xmlns:a14="http://schemas.microsoft.com/office/drawing/2010/main" w="9525">
+                <a14:hiddenLine xmlns:a14="http://schemas.microsoft.com/office/drawing/2010/main" xmlns="" w="9525">
                   <a:solidFill>
                     <a:srgbClr val="000000"/>
                   </a:solidFill>
@@ -2333,7 +2333,7 @@
             </a:ln>
             <a:extLst>
               <a:ext uri="{91240B29-F687-4f45-9708-019B960494DF}">
-                <a14:hiddenLine xmlns="" xmlns:a14="http://schemas.microsoft.com/office/drawing/2010/main" w="9525">
+                <a14:hiddenLine xmlns:a14="http://schemas.microsoft.com/office/drawing/2010/main" xmlns="" w="9525">
                   <a:solidFill>
                     <a:srgbClr val="000000"/>
                   </a:solidFill>
@@ -2443,7 +2443,7 @@
             </a:ln>
             <a:extLst>
               <a:ext uri="{91240B29-F687-4f45-9708-019B960494DF}">
-                <a14:hiddenLine xmlns="" xmlns:a14="http://schemas.microsoft.com/office/drawing/2010/main" w="9525">
+                <a14:hiddenLine xmlns:a14="http://schemas.microsoft.com/office/drawing/2010/main" xmlns="" w="9525">
                   <a:solidFill>
                     <a:srgbClr val="000000"/>
                   </a:solidFill>
@@ -2505,7 +2505,7 @@
             </a:ln>
             <a:extLst>
               <a:ext uri="{91240B29-F687-4f45-9708-019B960494DF}">
-                <a14:hiddenLine xmlns="" xmlns:a14="http://schemas.microsoft.com/office/drawing/2010/main" w="9525">
+                <a14:hiddenLine xmlns:a14="http://schemas.microsoft.com/office/drawing/2010/main" xmlns="" w="9525">
                   <a:solidFill>
                     <a:srgbClr val="000000"/>
                   </a:solidFill>
@@ -2595,7 +2595,7 @@
             </a:ln>
             <a:extLst>
               <a:ext uri="{91240B29-F687-4f45-9708-019B960494DF}">
-                <a14:hiddenLine xmlns="" xmlns:a14="http://schemas.microsoft.com/office/drawing/2010/main" w="9525">
+                <a14:hiddenLine xmlns:a14="http://schemas.microsoft.com/office/drawing/2010/main" xmlns="" w="9525">
                   <a:solidFill>
                     <a:srgbClr val="000000"/>
                   </a:solidFill>
@@ -2685,7 +2685,7 @@
             </a:ln>
             <a:extLst>
               <a:ext uri="{91240B29-F687-4f45-9708-019B960494DF}">
-                <a14:hiddenLine xmlns="" xmlns:a14="http://schemas.microsoft.com/office/drawing/2010/main" w="9525">
+                <a14:hiddenLine xmlns:a14="http://schemas.microsoft.com/office/drawing/2010/main" xmlns="" w="9525">
                   <a:solidFill>
                     <a:srgbClr val="000000"/>
                   </a:solidFill>
@@ -2747,7 +2747,7 @@
             </a:ln>
             <a:extLst>
               <a:ext uri="{91240B29-F687-4f45-9708-019B960494DF}">
-                <a14:hiddenLine xmlns="" xmlns:a14="http://schemas.microsoft.com/office/drawing/2010/main" w="9525">
+                <a14:hiddenLine xmlns:a14="http://schemas.microsoft.com/office/drawing/2010/main" xmlns="" w="9525">
                   <a:solidFill>
                     <a:srgbClr val="000000"/>
                   </a:solidFill>
@@ -2837,7 +2837,7 @@
             </a:ln>
             <a:extLst>
               <a:ext uri="{91240B29-F687-4f45-9708-019B960494DF}">
-                <a14:hiddenLine xmlns="" xmlns:a14="http://schemas.microsoft.com/office/drawing/2010/main" w="9525">
+                <a14:hiddenLine xmlns:a14="http://schemas.microsoft.com/office/drawing/2010/main" xmlns="" w="9525">
                   <a:solidFill>
                     <a:srgbClr val="000000"/>
                   </a:solidFill>
@@ -2927,7 +2927,7 @@
             </a:ln>
             <a:extLst>
               <a:ext uri="{91240B29-F687-4f45-9708-019B960494DF}">
-                <a14:hiddenLine xmlns="" xmlns:a14="http://schemas.microsoft.com/office/drawing/2010/main" w="9525">
+                <a14:hiddenLine xmlns:a14="http://schemas.microsoft.com/office/drawing/2010/main" xmlns="" w="9525">
                   <a:solidFill>
                     <a:srgbClr val="000000"/>
                   </a:solidFill>
@@ -2983,7 +2983,7 @@
             </a:ln>
             <a:extLst>
               <a:ext uri="{91240B29-F687-4f45-9708-019B960494DF}">
-                <a14:hiddenLine xmlns="" xmlns:a14="http://schemas.microsoft.com/office/drawing/2010/main" w="9525">
+                <a14:hiddenLine xmlns:a14="http://schemas.microsoft.com/office/drawing/2010/main" xmlns="" w="9525">
                   <a:solidFill>
                     <a:srgbClr val="000000"/>
                   </a:solidFill>
@@ -3073,7 +3073,7 @@
             </a:ln>
             <a:extLst>
               <a:ext uri="{91240B29-F687-4f45-9708-019B960494DF}">
-                <a14:hiddenLine xmlns="" xmlns:a14="http://schemas.microsoft.com/office/drawing/2010/main" w="9525">
+                <a14:hiddenLine xmlns:a14="http://schemas.microsoft.com/office/drawing/2010/main" xmlns="" w="9525">
                   <a:solidFill>
                     <a:srgbClr val="000000"/>
                   </a:solidFill>
@@ -3129,7 +3129,7 @@
             </a:ln>
             <a:extLst>
               <a:ext uri="{91240B29-F687-4f45-9708-019B960494DF}">
-                <a14:hiddenLine xmlns="" xmlns:a14="http://schemas.microsoft.com/office/drawing/2010/main" w="9525">
+                <a14:hiddenLine xmlns:a14="http://schemas.microsoft.com/office/drawing/2010/main" xmlns="" w="9525">
                   <a:solidFill>
                     <a:srgbClr val="000000"/>
                   </a:solidFill>
@@ -3219,7 +3219,7 @@
             </a:ln>
             <a:extLst>
               <a:ext uri="{91240B29-F687-4f45-9708-019B960494DF}">
-                <a14:hiddenLine xmlns="" xmlns:a14="http://schemas.microsoft.com/office/drawing/2010/main" w="9525">
+                <a14:hiddenLine xmlns:a14="http://schemas.microsoft.com/office/drawing/2010/main" xmlns="" w="9525">
                   <a:solidFill>
                     <a:srgbClr val="000000"/>
                   </a:solidFill>
@@ -3287,7 +3287,7 @@
             </a:ln>
             <a:extLst>
               <a:ext uri="{91240B29-F687-4f45-9708-019B960494DF}">
-                <a14:hiddenLine xmlns="" xmlns:a14="http://schemas.microsoft.com/office/drawing/2010/main" w="9525">
+                <a14:hiddenLine xmlns:a14="http://schemas.microsoft.com/office/drawing/2010/main" xmlns="" w="9525">
                   <a:solidFill>
                     <a:srgbClr val="000000"/>
                   </a:solidFill>
@@ -3377,7 +3377,7 @@
             </a:ln>
             <a:extLst>
               <a:ext uri="{91240B29-F687-4f45-9708-019B960494DF}">
-                <a14:hiddenLine xmlns="" xmlns:a14="http://schemas.microsoft.com/office/drawing/2010/main" w="9525">
+                <a14:hiddenLine xmlns:a14="http://schemas.microsoft.com/office/drawing/2010/main" xmlns="" w="9525">
                   <a:solidFill>
                     <a:srgbClr val="000000"/>
                   </a:solidFill>
@@ -3445,7 +3445,7 @@
             </a:ln>
             <a:extLst>
               <a:ext uri="{91240B29-F687-4f45-9708-019B960494DF}">
-                <a14:hiddenLine xmlns="" xmlns:a14="http://schemas.microsoft.com/office/drawing/2010/main" w="9525">
+                <a14:hiddenLine xmlns:a14="http://schemas.microsoft.com/office/drawing/2010/main" xmlns="" w="9525">
                   <a:solidFill>
                     <a:srgbClr val="000000"/>
                   </a:solidFill>
@@ -3535,7 +3535,7 @@
             </a:ln>
             <a:extLst>
               <a:ext uri="{91240B29-F687-4f45-9708-019B960494DF}">
-                <a14:hiddenLine xmlns="" xmlns:a14="http://schemas.microsoft.com/office/drawing/2010/main" w="9525">
+                <a14:hiddenLine xmlns:a14="http://schemas.microsoft.com/office/drawing/2010/main" xmlns="" w="9525">
                   <a:solidFill>
                     <a:srgbClr val="000000"/>
                   </a:solidFill>
@@ -3569,7 +3569,7 @@
             </a:ln>
             <a:extLst>
               <a:ext uri="{91240B29-F687-4f45-9708-019B960494DF}">
-                <a14:hiddenLine xmlns="" xmlns:a14="http://schemas.microsoft.com/office/drawing/2010/main" w="9525">
+                <a14:hiddenLine xmlns:a14="http://schemas.microsoft.com/office/drawing/2010/main" xmlns="" w="9525">
                   <a:solidFill>
                     <a:srgbClr val="000000"/>
                   </a:solidFill>
@@ -3659,7 +3659,7 @@
             </a:ln>
             <a:extLst>
               <a:ext uri="{91240B29-F687-4f45-9708-019B960494DF}">
-                <a14:hiddenLine xmlns="" xmlns:a14="http://schemas.microsoft.com/office/drawing/2010/main" w="9525">
+                <a14:hiddenLine xmlns:a14="http://schemas.microsoft.com/office/drawing/2010/main" xmlns="" w="9525">
                   <a:solidFill>
                     <a:srgbClr val="000000"/>
                   </a:solidFill>
@@ -3721,7 +3721,7 @@
             </a:ln>
             <a:extLst>
               <a:ext uri="{91240B29-F687-4f45-9708-019B960494DF}">
-                <a14:hiddenLine xmlns="" xmlns:a14="http://schemas.microsoft.com/office/drawing/2010/main" w="9525">
+                <a14:hiddenLine xmlns:a14="http://schemas.microsoft.com/office/drawing/2010/main" xmlns="" w="9525">
                   <a:solidFill>
                     <a:srgbClr val="000000"/>
                   </a:solidFill>
@@ -3783,7 +3783,7 @@
             </a:ln>
             <a:extLst>
               <a:ext uri="{91240B29-F687-4f45-9708-019B960494DF}">
-                <a14:hiddenLine xmlns="" xmlns:a14="http://schemas.microsoft.com/office/drawing/2010/main" w="9525">
+                <a14:hiddenLine xmlns:a14="http://schemas.microsoft.com/office/drawing/2010/main" xmlns="" w="9525">
                   <a:solidFill>
                     <a:srgbClr val="000000"/>
                   </a:solidFill>
@@ -3873,7 +3873,7 @@
             </a:ln>
             <a:extLst>
               <a:ext uri="{91240B29-F687-4f45-9708-019B960494DF}">
-                <a14:hiddenLine xmlns="" xmlns:a14="http://schemas.microsoft.com/office/drawing/2010/main" w="9525">
+                <a14:hiddenLine xmlns:a14="http://schemas.microsoft.com/office/drawing/2010/main" xmlns="" w="9525">
                   <a:solidFill>
                     <a:srgbClr val="000000"/>
                   </a:solidFill>
@@ -3941,7 +3941,7 @@
             </a:ln>
             <a:extLst>
               <a:ext uri="{91240B29-F687-4f45-9708-019B960494DF}">
-                <a14:hiddenLine xmlns="" xmlns:a14="http://schemas.microsoft.com/office/drawing/2010/main" w="9525">
+                <a14:hiddenLine xmlns:a14="http://schemas.microsoft.com/office/drawing/2010/main" xmlns="" w="9525">
                   <a:solidFill>
                     <a:srgbClr val="000000"/>
                   </a:solidFill>
@@ -4003,7 +4003,7 @@
             </a:ln>
             <a:extLst>
               <a:ext uri="{91240B29-F687-4f45-9708-019B960494DF}">
-                <a14:hiddenLine xmlns="" xmlns:a14="http://schemas.microsoft.com/office/drawing/2010/main" w="9525">
+                <a14:hiddenLine xmlns:a14="http://schemas.microsoft.com/office/drawing/2010/main" xmlns="" w="9525">
                   <a:solidFill>
                     <a:srgbClr val="000000"/>
                   </a:solidFill>
@@ -4093,7 +4093,7 @@
             </a:ln>
             <a:extLst>
               <a:ext uri="{91240B29-F687-4f45-9708-019B960494DF}">
-                <a14:hiddenLine xmlns="" xmlns:a14="http://schemas.microsoft.com/office/drawing/2010/main" w="9525">
+                <a14:hiddenLine xmlns:a14="http://schemas.microsoft.com/office/drawing/2010/main" xmlns="" w="9525">
                   <a:solidFill>
                     <a:srgbClr val="000000"/>
                   </a:solidFill>
@@ -4155,7 +4155,7 @@
             </a:ln>
             <a:extLst>
               <a:ext uri="{91240B29-F687-4f45-9708-019B960494DF}">
-                <a14:hiddenLine xmlns="" xmlns:a14="http://schemas.microsoft.com/office/drawing/2010/main" w="9525">
+                <a14:hiddenLine xmlns:a14="http://schemas.microsoft.com/office/drawing/2010/main" xmlns="" w="9525">
                   <a:solidFill>
                     <a:srgbClr val="000000"/>
                   </a:solidFill>
@@ -4245,7 +4245,7 @@
             </a:ln>
             <a:extLst>
               <a:ext uri="{91240B29-F687-4f45-9708-019B960494DF}">
-                <a14:hiddenLine xmlns="" xmlns:a14="http://schemas.microsoft.com/office/drawing/2010/main" w="9525">
+                <a14:hiddenLine xmlns:a14="http://schemas.microsoft.com/office/drawing/2010/main" xmlns="" w="9525">
                   <a:solidFill>
                     <a:srgbClr val="000000"/>
                   </a:solidFill>
@@ -4307,7 +4307,7 @@
             </a:ln>
             <a:extLst>
               <a:ext uri="{91240B29-F687-4f45-9708-019B960494DF}">
-                <a14:hiddenLine xmlns="" xmlns:a14="http://schemas.microsoft.com/office/drawing/2010/main" w="9525">
+                <a14:hiddenLine xmlns:a14="http://schemas.microsoft.com/office/drawing/2010/main" xmlns="" w="9525">
                   <a:solidFill>
                     <a:srgbClr val="000000"/>
                   </a:solidFill>
@@ -4397,7 +4397,7 @@
             </a:ln>
             <a:extLst>
               <a:ext uri="{91240B29-F687-4f45-9708-019B960494DF}">
-                <a14:hiddenLine xmlns="" xmlns:a14="http://schemas.microsoft.com/office/drawing/2010/main" w="9525">
+                <a14:hiddenLine xmlns:a14="http://schemas.microsoft.com/office/drawing/2010/main" xmlns="" w="9525">
                   <a:solidFill>
                     <a:srgbClr val="000000"/>
                   </a:solidFill>
@@ -4431,7 +4431,7 @@
             </a:ln>
             <a:extLst>
               <a:ext uri="{91240B29-F687-4f45-9708-019B960494DF}">
-                <a14:hiddenLine xmlns="" xmlns:a14="http://schemas.microsoft.com/office/drawing/2010/main" w="9525">
+                <a14:hiddenLine xmlns:a14="http://schemas.microsoft.com/office/drawing/2010/main" xmlns="" w="9525">
                   <a:solidFill>
                     <a:srgbClr val="000000"/>
                   </a:solidFill>
@@ -4496,7 +4496,7 @@
             </a:ln>
             <a:extLst>
               <a:ext uri="{91240B29-F687-4f45-9708-019B960494DF}">
-                <a14:hiddenLine xmlns="" xmlns:a14="http://schemas.microsoft.com/office/drawing/2010/main" w="9525">
+                <a14:hiddenLine xmlns:a14="http://schemas.microsoft.com/office/drawing/2010/main" xmlns="" w="9525">
                   <a:solidFill>
                     <a:srgbClr val="000000"/>
                   </a:solidFill>
@@ -4586,7 +4586,7 @@
             </a:ln>
             <a:extLst>
               <a:ext uri="{91240B29-F687-4f45-9708-019B960494DF}">
-                <a14:hiddenLine xmlns="" xmlns:a14="http://schemas.microsoft.com/office/drawing/2010/main" w="9525">
+                <a14:hiddenLine xmlns:a14="http://schemas.microsoft.com/office/drawing/2010/main" xmlns="" w="9525">
                   <a:solidFill>
                     <a:srgbClr val="000000"/>
                   </a:solidFill>
@@ -4648,7 +4648,7 @@
             </a:ln>
             <a:extLst>
               <a:ext uri="{91240B29-F687-4f45-9708-019B960494DF}">
-                <a14:hiddenLine xmlns="" xmlns:a14="http://schemas.microsoft.com/office/drawing/2010/main" w="9525">
+                <a14:hiddenLine xmlns:a14="http://schemas.microsoft.com/office/drawing/2010/main" xmlns="" w="9525">
                   <a:solidFill>
                     <a:srgbClr val="000000"/>
                   </a:solidFill>
@@ -4738,7 +4738,7 @@
             </a:ln>
             <a:extLst>
               <a:ext uri="{91240B29-F687-4f45-9708-019B960494DF}">
-                <a14:hiddenLine xmlns="" xmlns:a14="http://schemas.microsoft.com/office/drawing/2010/main" w="9525">
+                <a14:hiddenLine xmlns:a14="http://schemas.microsoft.com/office/drawing/2010/main" xmlns="" w="9525">
                   <a:solidFill>
                     <a:srgbClr val="000000"/>
                   </a:solidFill>
@@ -4828,7 +4828,7 @@
             </a:ln>
             <a:extLst>
               <a:ext uri="{91240B29-F687-4f45-9708-019B960494DF}">
-                <a14:hiddenLine xmlns="" xmlns:a14="http://schemas.microsoft.com/office/drawing/2010/main" w="9525">
+                <a14:hiddenLine xmlns:a14="http://schemas.microsoft.com/office/drawing/2010/main" xmlns="" w="9525">
                   <a:solidFill>
                     <a:srgbClr val="000000"/>
                   </a:solidFill>
@@ -4893,7 +4893,7 @@
             </a:ln>
             <a:extLst>
               <a:ext uri="{91240B29-F687-4f45-9708-019B960494DF}">
-                <a14:hiddenLine xmlns="" xmlns:a14="http://schemas.microsoft.com/office/drawing/2010/main" w="9525">
+                <a14:hiddenLine xmlns:a14="http://schemas.microsoft.com/office/drawing/2010/main" xmlns="" w="9525">
                   <a:solidFill>
                     <a:srgbClr val="000000"/>
                   </a:solidFill>
@@ -4955,7 +4955,7 @@
             </a:ln>
             <a:extLst>
               <a:ext uri="{91240B29-F687-4f45-9708-019B960494DF}">
-                <a14:hiddenLine xmlns="" xmlns:a14="http://schemas.microsoft.com/office/drawing/2010/main" w="9525">
+                <a14:hiddenLine xmlns:a14="http://schemas.microsoft.com/office/drawing/2010/main" xmlns="" w="9525">
                   <a:solidFill>
                     <a:srgbClr val="000000"/>
                   </a:solidFill>
@@ -5045,7 +5045,7 @@
             </a:ln>
             <a:extLst>
               <a:ext uri="{91240B29-F687-4f45-9708-019B960494DF}">
-                <a14:hiddenLine xmlns="" xmlns:a14="http://schemas.microsoft.com/office/drawing/2010/main" w="9525">
+                <a14:hiddenLine xmlns:a14="http://schemas.microsoft.com/office/drawing/2010/main" xmlns="" w="9525">
                   <a:solidFill>
                     <a:srgbClr val="000000"/>
                   </a:solidFill>
@@ -5135,7 +5135,7 @@
             </a:ln>
             <a:extLst>
               <a:ext uri="{91240B29-F687-4f45-9708-019B960494DF}">
-                <a14:hiddenLine xmlns="" xmlns:a14="http://schemas.microsoft.com/office/drawing/2010/main" w="9525">
+                <a14:hiddenLine xmlns:a14="http://schemas.microsoft.com/office/drawing/2010/main" xmlns="" w="9525">
                   <a:solidFill>
                     <a:srgbClr val="000000"/>
                   </a:solidFill>
@@ -5197,7 +5197,7 @@
             </a:ln>
             <a:extLst>
               <a:ext uri="{91240B29-F687-4f45-9708-019B960494DF}">
-                <a14:hiddenLine xmlns="" xmlns:a14="http://schemas.microsoft.com/office/drawing/2010/main" w="9525">
+                <a14:hiddenLine xmlns:a14="http://schemas.microsoft.com/office/drawing/2010/main" xmlns="" w="9525">
                   <a:solidFill>
                     <a:srgbClr val="000000"/>
                   </a:solidFill>
@@ -5317,7 +5317,7 @@
             </a:ln>
             <a:extLst>
               <a:ext uri="{91240B29-F687-4f45-9708-019B960494DF}">
-                <a14:hiddenLine xmlns="" xmlns:a14="http://schemas.microsoft.com/office/drawing/2010/main" w="9525">
+                <a14:hiddenLine xmlns:a14="http://schemas.microsoft.com/office/drawing/2010/main" xmlns="" w="9525">
                   <a:solidFill>
                     <a:srgbClr val="000000"/>
                   </a:solidFill>
@@ -5385,7 +5385,7 @@
             </a:ln>
             <a:extLst>
               <a:ext uri="{91240B29-F687-4f45-9708-019B960494DF}">
-                <a14:hiddenLine xmlns="" xmlns:a14="http://schemas.microsoft.com/office/drawing/2010/main" w="9525">
+                <a14:hiddenLine xmlns:a14="http://schemas.microsoft.com/office/drawing/2010/main" xmlns="" w="9525">
                   <a:solidFill>
                     <a:srgbClr val="000000"/>
                   </a:solidFill>
@@ -5475,7 +5475,7 @@
             </a:ln>
             <a:extLst>
               <a:ext uri="{91240B29-F687-4f45-9708-019B960494DF}">
-                <a14:hiddenLine xmlns="" xmlns:a14="http://schemas.microsoft.com/office/drawing/2010/main" w="9525">
+                <a14:hiddenLine xmlns:a14="http://schemas.microsoft.com/office/drawing/2010/main" xmlns="" w="9525">
                   <a:solidFill>
                     <a:srgbClr val="000000"/>
                   </a:solidFill>
@@ -10204,7 +10204,7 @@
           <a:noFill/>
           <a:extLst>
             <a:ext uri="{909E8E84-426E-40dd-AFC4-6F175D3DCCD1}">
-              <a14:hiddenFill xmlns="" xmlns:a14="http://schemas.microsoft.com/office/drawing/2010/main">
+              <a14:hiddenFill xmlns:a14="http://schemas.microsoft.com/office/drawing/2010/main" xmlns="">
                 <a:solidFill>
                   <a:srgbClr val="FFFFFF"/>
                 </a:solidFill>
@@ -10278,7 +10278,7 @@
               </a:ln>
               <a:extLst>
                 <a:ext uri="{91240B29-F687-4f45-9708-019B960494DF}">
-                  <a14:hiddenLine xmlns="" xmlns:a14="http://schemas.microsoft.com/office/drawing/2010/main" w="9525">
+                  <a14:hiddenLine xmlns:a14="http://schemas.microsoft.com/office/drawing/2010/main" xmlns="" w="9525">
                     <a:solidFill>
                       <a:srgbClr val="000000"/>
                     </a:solidFill>
@@ -10368,7 +10368,7 @@
               </a:ln>
               <a:extLst>
                 <a:ext uri="{91240B29-F687-4f45-9708-019B960494DF}">
-                  <a14:hiddenLine xmlns="" xmlns:a14="http://schemas.microsoft.com/office/drawing/2010/main" w="9525">
+                  <a14:hiddenLine xmlns:a14="http://schemas.microsoft.com/office/drawing/2010/main" xmlns="" w="9525">
                     <a:solidFill>
                       <a:srgbClr val="000000"/>
                     </a:solidFill>
@@ -10458,7 +10458,7 @@
               </a:ln>
               <a:extLst>
                 <a:ext uri="{91240B29-F687-4f45-9708-019B960494DF}">
-                  <a14:hiddenLine xmlns="" xmlns:a14="http://schemas.microsoft.com/office/drawing/2010/main" w="9525">
+                  <a14:hiddenLine xmlns:a14="http://schemas.microsoft.com/office/drawing/2010/main" xmlns="" w="9525">
                     <a:solidFill>
                       <a:srgbClr val="000000"/>
                     </a:solidFill>
@@ -10520,7 +10520,7 @@
               </a:ln>
               <a:extLst>
                 <a:ext uri="{91240B29-F687-4f45-9708-019B960494DF}">
-                  <a14:hiddenLine xmlns="" xmlns:a14="http://schemas.microsoft.com/office/drawing/2010/main" w="9525">
+                  <a14:hiddenLine xmlns:a14="http://schemas.microsoft.com/office/drawing/2010/main" xmlns="" w="9525">
                     <a:solidFill>
                       <a:srgbClr val="000000"/>
                     </a:solidFill>
@@ -10610,7 +10610,7 @@
               </a:ln>
               <a:extLst>
                 <a:ext uri="{91240B29-F687-4f45-9708-019B960494DF}">
-                  <a14:hiddenLine xmlns="" xmlns:a14="http://schemas.microsoft.com/office/drawing/2010/main" w="9525">
+                  <a14:hiddenLine xmlns:a14="http://schemas.microsoft.com/office/drawing/2010/main" xmlns="" w="9525">
                     <a:solidFill>
                       <a:srgbClr val="000000"/>
                     </a:solidFill>
@@ -10672,7 +10672,7 @@
               </a:ln>
               <a:extLst>
                 <a:ext uri="{91240B29-F687-4f45-9708-019B960494DF}">
-                  <a14:hiddenLine xmlns="" xmlns:a14="http://schemas.microsoft.com/office/drawing/2010/main" w="9525">
+                  <a14:hiddenLine xmlns:a14="http://schemas.microsoft.com/office/drawing/2010/main" xmlns="" w="9525">
                     <a:solidFill>
                       <a:srgbClr val="000000"/>
                     </a:solidFill>
@@ -10734,7 +10734,7 @@
               </a:ln>
               <a:extLst>
                 <a:ext uri="{91240B29-F687-4f45-9708-019B960494DF}">
-                  <a14:hiddenLine xmlns="" xmlns:a14="http://schemas.microsoft.com/office/drawing/2010/main" w="9525">
+                  <a14:hiddenLine xmlns:a14="http://schemas.microsoft.com/office/drawing/2010/main" xmlns="" w="9525">
                     <a:solidFill>
                       <a:srgbClr val="000000"/>
                     </a:solidFill>
@@ -10824,7 +10824,7 @@
               </a:ln>
               <a:extLst>
                 <a:ext uri="{91240B29-F687-4f45-9708-019B960494DF}">
-                  <a14:hiddenLine xmlns="" xmlns:a14="http://schemas.microsoft.com/office/drawing/2010/main" w="9525">
+                  <a14:hiddenLine xmlns:a14="http://schemas.microsoft.com/office/drawing/2010/main" xmlns="" w="9525">
                     <a:solidFill>
                       <a:srgbClr val="000000"/>
                     </a:solidFill>
@@ -10914,7 +10914,7 @@
               </a:ln>
               <a:extLst>
                 <a:ext uri="{91240B29-F687-4f45-9708-019B960494DF}">
-                  <a14:hiddenLine xmlns="" xmlns:a14="http://schemas.microsoft.com/office/drawing/2010/main" w="9525">
+                  <a14:hiddenLine xmlns:a14="http://schemas.microsoft.com/office/drawing/2010/main" xmlns="" w="9525">
                     <a:solidFill>
                       <a:srgbClr val="000000"/>
                     </a:solidFill>
@@ -10976,7 +10976,7 @@
               </a:ln>
               <a:extLst>
                 <a:ext uri="{91240B29-F687-4f45-9708-019B960494DF}">
-                  <a14:hiddenLine xmlns="" xmlns:a14="http://schemas.microsoft.com/office/drawing/2010/main" w="9525">
+                  <a14:hiddenLine xmlns:a14="http://schemas.microsoft.com/office/drawing/2010/main" xmlns="" w="9525">
                     <a:solidFill>
                       <a:srgbClr val="000000"/>
                     </a:solidFill>
@@ -11086,7 +11086,7 @@
               </a:ln>
               <a:extLst>
                 <a:ext uri="{91240B29-F687-4f45-9708-019B960494DF}">
-                  <a14:hiddenLine xmlns="" xmlns:a14="http://schemas.microsoft.com/office/drawing/2010/main" w="9525">
+                  <a14:hiddenLine xmlns:a14="http://schemas.microsoft.com/office/drawing/2010/main" xmlns="" w="9525">
                     <a:solidFill>
                       <a:srgbClr val="000000"/>
                     </a:solidFill>
@@ -11170,7 +11170,7 @@
               </a:ln>
               <a:extLst>
                 <a:ext uri="{91240B29-F687-4f45-9708-019B960494DF}">
-                  <a14:hiddenLine xmlns="" xmlns:a14="http://schemas.microsoft.com/office/drawing/2010/main" w="9525">
+                  <a14:hiddenLine xmlns:a14="http://schemas.microsoft.com/office/drawing/2010/main" xmlns="" w="9525">
                     <a:solidFill>
                       <a:srgbClr val="000000"/>
                     </a:solidFill>
@@ -11232,7 +11232,7 @@
               </a:ln>
               <a:extLst>
                 <a:ext uri="{91240B29-F687-4f45-9708-019B960494DF}">
-                  <a14:hiddenLine xmlns="" xmlns:a14="http://schemas.microsoft.com/office/drawing/2010/main" w="9525">
+                  <a14:hiddenLine xmlns:a14="http://schemas.microsoft.com/office/drawing/2010/main" xmlns="" w="9525">
                     <a:solidFill>
                       <a:srgbClr val="000000"/>
                     </a:solidFill>
@@ -11294,7 +11294,7 @@
               </a:ln>
               <a:extLst>
                 <a:ext uri="{91240B29-F687-4f45-9708-019B960494DF}">
-                  <a14:hiddenLine xmlns="" xmlns:a14="http://schemas.microsoft.com/office/drawing/2010/main" w="9525">
+                  <a14:hiddenLine xmlns:a14="http://schemas.microsoft.com/office/drawing/2010/main" xmlns="" w="9525">
                     <a:solidFill>
                       <a:srgbClr val="000000"/>
                     </a:solidFill>
@@ -11384,7 +11384,7 @@
               </a:ln>
               <a:extLst>
                 <a:ext uri="{91240B29-F687-4f45-9708-019B960494DF}">
-                  <a14:hiddenLine xmlns="" xmlns:a14="http://schemas.microsoft.com/office/drawing/2010/main" w="9525">
+                  <a14:hiddenLine xmlns:a14="http://schemas.microsoft.com/office/drawing/2010/main" xmlns="" w="9525">
                     <a:solidFill>
                       <a:srgbClr val="000000"/>
                     </a:solidFill>
@@ -11418,7 +11418,7 @@
               </a:ln>
               <a:extLst>
                 <a:ext uri="{91240B29-F687-4f45-9708-019B960494DF}">
-                  <a14:hiddenLine xmlns="" xmlns:a14="http://schemas.microsoft.com/office/drawing/2010/main" w="9525">
+                  <a14:hiddenLine xmlns:a14="http://schemas.microsoft.com/office/drawing/2010/main" xmlns="" w="9525">
                     <a:solidFill>
                       <a:srgbClr val="000000"/>
                     </a:solidFill>
@@ -11483,7 +11483,7 @@
               </a:ln>
               <a:extLst>
                 <a:ext uri="{91240B29-F687-4f45-9708-019B960494DF}">
-                  <a14:hiddenLine xmlns="" xmlns:a14="http://schemas.microsoft.com/office/drawing/2010/main" w="9525">
+                  <a14:hiddenLine xmlns:a14="http://schemas.microsoft.com/office/drawing/2010/main" xmlns="" w="9525">
                     <a:solidFill>
                       <a:srgbClr val="000000"/>
                     </a:solidFill>
@@ -11573,7 +11573,7 @@
               </a:ln>
               <a:extLst>
                 <a:ext uri="{91240B29-F687-4f45-9708-019B960494DF}">
-                  <a14:hiddenLine xmlns="" xmlns:a14="http://schemas.microsoft.com/office/drawing/2010/main" w="9525">
+                  <a14:hiddenLine xmlns:a14="http://schemas.microsoft.com/office/drawing/2010/main" xmlns="" w="9525">
                     <a:solidFill>
                       <a:srgbClr val="000000"/>
                     </a:solidFill>
@@ -11635,7 +11635,7 @@
               </a:ln>
               <a:extLst>
                 <a:ext uri="{91240B29-F687-4f45-9708-019B960494DF}">
-                  <a14:hiddenLine xmlns="" xmlns:a14="http://schemas.microsoft.com/office/drawing/2010/main" w="9525">
+                  <a14:hiddenLine xmlns:a14="http://schemas.microsoft.com/office/drawing/2010/main" xmlns="" w="9525">
                     <a:solidFill>
                       <a:srgbClr val="000000"/>
                     </a:solidFill>
@@ -11725,7 +11725,7 @@
               </a:ln>
               <a:extLst>
                 <a:ext uri="{91240B29-F687-4f45-9708-019B960494DF}">
-                  <a14:hiddenLine xmlns="" xmlns:a14="http://schemas.microsoft.com/office/drawing/2010/main" w="9525">
+                  <a14:hiddenLine xmlns:a14="http://schemas.microsoft.com/office/drawing/2010/main" xmlns="" w="9525">
                     <a:solidFill>
                       <a:srgbClr val="000000"/>
                     </a:solidFill>
@@ -11790,7 +11790,7 @@
               </a:ln>
               <a:extLst>
                 <a:ext uri="{91240B29-F687-4f45-9708-019B960494DF}">
-                  <a14:hiddenLine xmlns="" xmlns:a14="http://schemas.microsoft.com/office/drawing/2010/main" w="9525">
+                  <a14:hiddenLine xmlns:a14="http://schemas.microsoft.com/office/drawing/2010/main" xmlns="" w="9525">
                     <a:solidFill>
                       <a:srgbClr val="000000"/>
                     </a:solidFill>
@@ -11852,7 +11852,7 @@
               </a:ln>
               <a:extLst>
                 <a:ext uri="{91240B29-F687-4f45-9708-019B960494DF}">
-                  <a14:hiddenLine xmlns="" xmlns:a14="http://schemas.microsoft.com/office/drawing/2010/main" w="9525">
+                  <a14:hiddenLine xmlns:a14="http://schemas.microsoft.com/office/drawing/2010/main" xmlns="" w="9525">
                     <a:solidFill>
                       <a:srgbClr val="000000"/>
                     </a:solidFill>
@@ -11942,7 +11942,7 @@
               </a:ln>
               <a:extLst>
                 <a:ext uri="{91240B29-F687-4f45-9708-019B960494DF}">
-                  <a14:hiddenLine xmlns="" xmlns:a14="http://schemas.microsoft.com/office/drawing/2010/main" w="9525">
+                  <a14:hiddenLine xmlns:a14="http://schemas.microsoft.com/office/drawing/2010/main" xmlns="" w="9525">
                     <a:solidFill>
                       <a:srgbClr val="000000"/>
                     </a:solidFill>
@@ -12032,7 +12032,7 @@
               </a:ln>
               <a:extLst>
                 <a:ext uri="{91240B29-F687-4f45-9708-019B960494DF}">
-                  <a14:hiddenLine xmlns="" xmlns:a14="http://schemas.microsoft.com/office/drawing/2010/main" w="9525">
+                  <a14:hiddenLine xmlns:a14="http://schemas.microsoft.com/office/drawing/2010/main" xmlns="" w="9525">
                     <a:solidFill>
                       <a:srgbClr val="000000"/>
                     </a:solidFill>
@@ -12097,7 +12097,7 @@
               </a:ln>
               <a:extLst>
                 <a:ext uri="{91240B29-F687-4f45-9708-019B960494DF}">
-                  <a14:hiddenLine xmlns="" xmlns:a14="http://schemas.microsoft.com/office/drawing/2010/main" w="9525">
+                  <a14:hiddenLine xmlns:a14="http://schemas.microsoft.com/office/drawing/2010/main" xmlns="" w="9525">
                     <a:solidFill>
                       <a:srgbClr val="000000"/>
                     </a:solidFill>
@@ -12217,7 +12217,7 @@
               </a:ln>
               <a:extLst>
                 <a:ext uri="{91240B29-F687-4f45-9708-019B960494DF}">
-                  <a14:hiddenLine xmlns="" xmlns:a14="http://schemas.microsoft.com/office/drawing/2010/main" w="9525">
+                  <a14:hiddenLine xmlns:a14="http://schemas.microsoft.com/office/drawing/2010/main" xmlns="" w="9525">
                     <a:solidFill>
                       <a:srgbClr val="000000"/>
                     </a:solidFill>
@@ -12298,7 +12298,7 @@
               </a:ln>
               <a:extLst>
                 <a:ext uri="{91240B29-F687-4f45-9708-019B960494DF}">
-                  <a14:hiddenLine xmlns="" xmlns:a14="http://schemas.microsoft.com/office/drawing/2010/main" w="9525">
+                  <a14:hiddenLine xmlns:a14="http://schemas.microsoft.com/office/drawing/2010/main" xmlns="" w="9525">
                     <a:solidFill>
                       <a:srgbClr val="000000"/>
                     </a:solidFill>
@@ -12413,7 +12413,7 @@
               </a:ln>
               <a:extLst>
                 <a:ext uri="{91240B29-F687-4f45-9708-019B960494DF}">
-                  <a14:hiddenLine xmlns="" xmlns:a14="http://schemas.microsoft.com/office/drawing/2010/main" w="9525">
+                  <a14:hiddenLine xmlns:a14="http://schemas.microsoft.com/office/drawing/2010/main" xmlns="" w="9525">
                     <a:solidFill>
                       <a:srgbClr val="000000"/>
                     </a:solidFill>
@@ -12503,7 +12503,7 @@
               </a:ln>
               <a:extLst>
                 <a:ext uri="{91240B29-F687-4f45-9708-019B960494DF}">
-                  <a14:hiddenLine xmlns="" xmlns:a14="http://schemas.microsoft.com/office/drawing/2010/main" w="9525">
+                  <a14:hiddenLine xmlns:a14="http://schemas.microsoft.com/office/drawing/2010/main" xmlns="" w="9525">
                     <a:solidFill>
                       <a:srgbClr val="000000"/>
                     </a:solidFill>
@@ -12568,7 +12568,7 @@
               </a:ln>
               <a:extLst>
                 <a:ext uri="{91240B29-F687-4f45-9708-019B960494DF}">
-                  <a14:hiddenLine xmlns="" xmlns:a14="http://schemas.microsoft.com/office/drawing/2010/main" w="9525">
+                  <a14:hiddenLine xmlns:a14="http://schemas.microsoft.com/office/drawing/2010/main" xmlns="" w="9525">
                     <a:solidFill>
                       <a:srgbClr val="000000"/>
                     </a:solidFill>
@@ -12658,7 +12658,7 @@
               </a:ln>
               <a:extLst>
                 <a:ext uri="{91240B29-F687-4f45-9708-019B960494DF}">
-                  <a14:hiddenLine xmlns="" xmlns:a14="http://schemas.microsoft.com/office/drawing/2010/main" w="9525">
+                  <a14:hiddenLine xmlns:a14="http://schemas.microsoft.com/office/drawing/2010/main" xmlns="" w="9525">
                     <a:solidFill>
                       <a:srgbClr val="000000"/>
                     </a:solidFill>
@@ -12726,7 +12726,7 @@
               </a:ln>
               <a:extLst>
                 <a:ext uri="{91240B29-F687-4f45-9708-019B960494DF}">
-                  <a14:hiddenLine xmlns="" xmlns:a14="http://schemas.microsoft.com/office/drawing/2010/main" w="9525">
+                  <a14:hiddenLine xmlns:a14="http://schemas.microsoft.com/office/drawing/2010/main" xmlns="" w="9525">
                     <a:solidFill>
                       <a:srgbClr val="000000"/>
                     </a:solidFill>
@@ -12816,7 +12816,7 @@
               </a:ln>
               <a:extLst>
                 <a:ext uri="{91240B29-F687-4f45-9708-019B960494DF}">
-                  <a14:hiddenLine xmlns="" xmlns:a14="http://schemas.microsoft.com/office/drawing/2010/main" w="9525">
+                  <a14:hiddenLine xmlns:a14="http://schemas.microsoft.com/office/drawing/2010/main" xmlns="" w="9525">
                     <a:solidFill>
                       <a:srgbClr val="000000"/>
                     </a:solidFill>
@@ -12884,7 +12884,7 @@
               </a:ln>
               <a:extLst>
                 <a:ext uri="{91240B29-F687-4f45-9708-019B960494DF}">
-                  <a14:hiddenLine xmlns="" xmlns:a14="http://schemas.microsoft.com/office/drawing/2010/main" w="9525">
+                  <a14:hiddenLine xmlns:a14="http://schemas.microsoft.com/office/drawing/2010/main" xmlns="" w="9525">
                     <a:solidFill>
                       <a:srgbClr val="000000"/>
                     </a:solidFill>
@@ -12974,7 +12974,7 @@
               </a:ln>
               <a:extLst>
                 <a:ext uri="{91240B29-F687-4f45-9708-019B960494DF}">
-                  <a14:hiddenLine xmlns="" xmlns:a14="http://schemas.microsoft.com/office/drawing/2010/main" w="9525">
+                  <a14:hiddenLine xmlns:a14="http://schemas.microsoft.com/office/drawing/2010/main" xmlns="" w="9525">
                     <a:solidFill>
                       <a:srgbClr val="000000"/>
                     </a:solidFill>
@@ -13008,7 +13008,7 @@
               </a:ln>
               <a:extLst>
                 <a:ext uri="{91240B29-F687-4f45-9708-019B960494DF}">
-                  <a14:hiddenLine xmlns="" xmlns:a14="http://schemas.microsoft.com/office/drawing/2010/main" w="9525">
+                  <a14:hiddenLine xmlns:a14="http://schemas.microsoft.com/office/drawing/2010/main" xmlns="" w="9525">
                     <a:solidFill>
                       <a:srgbClr val="000000"/>
                     </a:solidFill>
@@ -14076,7 +14076,12 @@
             <p:ph type="title"/>
           </p:nvPr>
         </p:nvSpPr>
-        <p:spPr/>
+        <p:spPr>
+          <a:xfrm>
+            <a:off x="1174969" y="-270716"/>
+            <a:ext cx="9905998" cy="1478570"/>
+          </a:xfrm>
+        </p:spPr>
         <p:txBody>
           <a:bodyPr/>
           <a:lstStyle/>
@@ -14110,8 +14115,38 @@
         </p:blipFill>
         <p:spPr>
           <a:xfrm>
-            <a:off x="2539975" y="2097088"/>
-            <a:ext cx="6532308" cy="3974477"/>
+            <a:off x="495461" y="960946"/>
+            <a:ext cx="6748480" cy="4106004"/>
+          </a:xfrm>
+          <a:prstGeom prst="rect">
+            <a:avLst/>
+          </a:prstGeom>
+        </p:spPr>
+      </p:pic>
+      <p:pic>
+        <p:nvPicPr>
+          <p:cNvPr id="3" name="Picture 2">
+            <a:extLst>
+              <a:ext uri="{FF2B5EF4-FFF2-40B4-BE49-F238E27FC236}">
+                <a16:creationId xmlns:a16="http://schemas.microsoft.com/office/drawing/2014/main" id="{C9B9A622-B48F-4B4F-92AC-E3CFB77C1BBC}"/>
+              </a:ext>
+            </a:extLst>
+          </p:cNvPr>
+          <p:cNvPicPr>
+            <a:picLocks noChangeAspect="1"/>
+          </p:cNvPicPr>
+          <p:nvPr/>
+        </p:nvPicPr>
+        <p:blipFill>
+          <a:blip r:embed="rId4"/>
+          <a:stretch>
+            <a:fillRect/>
+          </a:stretch>
+        </p:blipFill>
+        <p:spPr>
+          <a:xfrm>
+            <a:off x="7393739" y="3945127"/>
+            <a:ext cx="4695974" cy="2504519"/>
           </a:xfrm>
           <a:prstGeom prst="rect">
             <a:avLst/>
